--- a/PPT/chapter3.pptx
+++ b/PPT/chapter3.pptx
@@ -2,7 +2,7 @@
 <file path=ppt/presentation.xml><?xml version="1.0" encoding="utf-8"?>
 <p:presentation xmlns:a="http://schemas.openxmlformats.org/drawingml/2006/main" xmlns:r="http://schemas.openxmlformats.org/officeDocument/2006/relationships" xmlns:p="http://schemas.openxmlformats.org/presentationml/2006/main" saveSubsetFonts="1">
   <p:sldMasterIdLst>
-    <p:sldMasterId id="2147483648" r:id="rId1"/>
+    <p:sldMasterId id="2147483674" r:id="rId1"/>
   </p:sldMasterIdLst>
   <p:notesMasterIdLst>
     <p:notesMasterId r:id="rId25"/>
@@ -11,7 +11,7 @@
     <p:handoutMasterId r:id="rId26"/>
   </p:handoutMasterIdLst>
   <p:sldIdLst>
-    <p:sldId id="260" r:id="rId2"/>
+    <p:sldId id="368" r:id="rId2"/>
     <p:sldId id="366" r:id="rId3"/>
     <p:sldId id="257" r:id="rId4"/>
     <p:sldId id="279" r:id="rId5"/>
@@ -146,6 +146,194 @@
 <file path=ppt/changesInfos/changesInfo1.xml><?xml version="1.0" encoding="utf-8"?>
 <pc:chgInfo xmlns:a="http://schemas.openxmlformats.org/drawingml/2006/main" xmlns:r="http://schemas.openxmlformats.org/officeDocument/2006/relationships" xmlns:ac="http://schemas.microsoft.com/office/drawing/2013/main/command" xmlns:pc="http://schemas.microsoft.com/office/powerpoint/2013/main/command">
   <pc:docChgLst>
+    <pc:chgData name="Scruel Tao" userId="5ea5c98d59b44d4b" providerId="LiveId" clId="{2330EADB-10ED-4956-973A-3B593FFF7F82}"/>
+    <pc:docChg chg="undo custSel modSld">
+      <pc:chgData name="Scruel Tao" userId="5ea5c98d59b44d4b" providerId="LiveId" clId="{2330EADB-10ED-4956-973A-3B593FFF7F82}" dt="2023-12-10T16:09:34.933" v="464" actId="20577"/>
+      <pc:docMkLst>
+        <pc:docMk/>
+      </pc:docMkLst>
+      <pc:sldChg chg="addSp delSp modSp mod">
+        <pc:chgData name="Scruel Tao" userId="5ea5c98d59b44d4b" providerId="LiveId" clId="{2330EADB-10ED-4956-973A-3B593FFF7F82}" dt="2023-12-03T05:12:55.919" v="3" actId="478"/>
+        <pc:sldMkLst>
+          <pc:docMk/>
+          <pc:sldMk cId="3519437269" sldId="279"/>
+        </pc:sldMkLst>
+        <pc:spChg chg="del mod">
+          <ac:chgData name="Scruel Tao" userId="5ea5c98d59b44d4b" providerId="LiveId" clId="{2330EADB-10ED-4956-973A-3B593FFF7F82}" dt="2023-12-03T05:12:52.429" v="2" actId="478"/>
+          <ac:spMkLst>
+            <pc:docMk/>
+            <pc:sldMk cId="3519437269" sldId="279"/>
+            <ac:spMk id="3" creationId="{0E2FC508-1AFD-A957-52F2-FA1DEF2A9D27}"/>
+          </ac:spMkLst>
+        </pc:spChg>
+        <pc:spChg chg="add del mod">
+          <ac:chgData name="Scruel Tao" userId="5ea5c98d59b44d4b" providerId="LiveId" clId="{2330EADB-10ED-4956-973A-3B593FFF7F82}" dt="2023-12-03T05:12:55.919" v="3" actId="478"/>
+          <ac:spMkLst>
+            <pc:docMk/>
+            <pc:sldMk cId="3519437269" sldId="279"/>
+            <ac:spMk id="5" creationId="{1830351D-5E91-6ED4-ED95-32E78B9771EF}"/>
+          </ac:spMkLst>
+        </pc:spChg>
+      </pc:sldChg>
+      <pc:sldChg chg="modAnim">
+        <pc:chgData name="Scruel Tao" userId="5ea5c98d59b44d4b" providerId="LiveId" clId="{2330EADB-10ED-4956-973A-3B593FFF7F82}" dt="2023-12-03T05:33:03.489" v="252"/>
+        <pc:sldMkLst>
+          <pc:docMk/>
+          <pc:sldMk cId="3091530352" sldId="283"/>
+        </pc:sldMkLst>
+      </pc:sldChg>
+      <pc:sldChg chg="addSp modSp mod modAnim">
+        <pc:chgData name="Scruel Tao" userId="5ea5c98d59b44d4b" providerId="LiveId" clId="{2330EADB-10ED-4956-973A-3B593FFF7F82}" dt="2023-12-03T05:34:18.176" v="260"/>
+        <pc:sldMkLst>
+          <pc:docMk/>
+          <pc:sldMk cId="2057342537" sldId="285"/>
+        </pc:sldMkLst>
+        <pc:spChg chg="add mod">
+          <ac:chgData name="Scruel Tao" userId="5ea5c98d59b44d4b" providerId="LiveId" clId="{2330EADB-10ED-4956-973A-3B593FFF7F82}" dt="2023-12-03T05:34:03.469" v="255" actId="1035"/>
+          <ac:spMkLst>
+            <pc:docMk/>
+            <pc:sldMk cId="2057342537" sldId="285"/>
+            <ac:spMk id="4" creationId="{95185EE5-90C6-4AC8-BFCF-7A3E5E3EF0FE}"/>
+          </ac:spMkLst>
+        </pc:spChg>
+      </pc:sldChg>
+      <pc:sldChg chg="modSp">
+        <pc:chgData name="Scruel Tao" userId="5ea5c98d59b44d4b" providerId="LiveId" clId="{2330EADB-10ED-4956-973A-3B593FFF7F82}" dt="2023-12-10T16:09:34.933" v="464" actId="20577"/>
+        <pc:sldMkLst>
+          <pc:docMk/>
+          <pc:sldMk cId="2985976228" sldId="286"/>
+        </pc:sldMkLst>
+        <pc:spChg chg="mod">
+          <ac:chgData name="Scruel Tao" userId="5ea5c98d59b44d4b" providerId="LiveId" clId="{2330EADB-10ED-4956-973A-3B593FFF7F82}" dt="2023-12-10T16:09:34.933" v="464" actId="20577"/>
+          <ac:spMkLst>
+            <pc:docMk/>
+            <pc:sldMk cId="2985976228" sldId="286"/>
+            <ac:spMk id="3" creationId="{0E2FC508-1AFD-A957-52F2-FA1DEF2A9D27}"/>
+          </ac:spMkLst>
+        </pc:spChg>
+      </pc:sldChg>
+      <pc:sldChg chg="modNotesTx">
+        <pc:chgData name="Scruel Tao" userId="5ea5c98d59b44d4b" providerId="LiveId" clId="{2330EADB-10ED-4956-973A-3B593FFF7F82}" dt="2023-09-19T09:35:18.865" v="0" actId="20577"/>
+        <pc:sldMkLst>
+          <pc:docMk/>
+          <pc:sldMk cId="3604496744" sldId="290"/>
+        </pc:sldMkLst>
+      </pc:sldChg>
+      <pc:sldChg chg="modSp modAnim">
+        <pc:chgData name="Scruel Tao" userId="5ea5c98d59b44d4b" providerId="LiveId" clId="{2330EADB-10ED-4956-973A-3B593FFF7F82}" dt="2023-12-03T05:35:54.258" v="264" actId="113"/>
+        <pc:sldMkLst>
+          <pc:docMk/>
+          <pc:sldMk cId="1171829121" sldId="291"/>
+        </pc:sldMkLst>
+        <pc:spChg chg="mod">
+          <ac:chgData name="Scruel Tao" userId="5ea5c98d59b44d4b" providerId="LiveId" clId="{2330EADB-10ED-4956-973A-3B593FFF7F82}" dt="2023-12-03T05:35:54.258" v="264" actId="113"/>
+          <ac:spMkLst>
+            <pc:docMk/>
+            <pc:sldMk cId="1171829121" sldId="291"/>
+            <ac:spMk id="6" creationId="{5357301F-961E-CB74-E220-38F7E7794570}"/>
+          </ac:spMkLst>
+        </pc:spChg>
+      </pc:sldChg>
+      <pc:sldChg chg="modSp mod">
+        <pc:chgData name="Scruel Tao" userId="5ea5c98d59b44d4b" providerId="LiveId" clId="{2330EADB-10ED-4956-973A-3B593FFF7F82}" dt="2023-12-03T05:40:04.345" v="461" actId="1076"/>
+        <pc:sldMkLst>
+          <pc:docMk/>
+          <pc:sldMk cId="2748658712" sldId="293"/>
+        </pc:sldMkLst>
+        <pc:spChg chg="mod">
+          <ac:chgData name="Scruel Tao" userId="5ea5c98d59b44d4b" providerId="LiveId" clId="{2330EADB-10ED-4956-973A-3B593FFF7F82}" dt="2023-12-03T05:40:04.345" v="461" actId="1076"/>
+          <ac:spMkLst>
+            <pc:docMk/>
+            <pc:sldMk cId="2748658712" sldId="293"/>
+            <ac:spMk id="4" creationId="{F0C251C7-4C7B-3236-48AF-E1BBF0BBDCCA}"/>
+          </ac:spMkLst>
+        </pc:spChg>
+      </pc:sldChg>
+      <pc:sldChg chg="modNotesTx">
+        <pc:chgData name="Scruel Tao" userId="5ea5c98d59b44d4b" providerId="LiveId" clId="{2330EADB-10ED-4956-973A-3B593FFF7F82}" dt="2023-12-03T05:39:06.094" v="433" actId="20577"/>
+        <pc:sldMkLst>
+          <pc:docMk/>
+          <pc:sldMk cId="4256083853" sldId="294"/>
+        </pc:sldMkLst>
+      </pc:sldChg>
+      <pc:sldChg chg="modSp mod">
+        <pc:chgData name="Scruel Tao" userId="5ea5c98d59b44d4b" providerId="LiveId" clId="{2330EADB-10ED-4956-973A-3B593FFF7F82}" dt="2023-12-03T05:14:32.467" v="20" actId="313"/>
+        <pc:sldMkLst>
+          <pc:docMk/>
+          <pc:sldMk cId="3584119265" sldId="295"/>
+        </pc:sldMkLst>
+        <pc:spChg chg="mod">
+          <ac:chgData name="Scruel Tao" userId="5ea5c98d59b44d4b" providerId="LiveId" clId="{2330EADB-10ED-4956-973A-3B593FFF7F82}" dt="2023-12-03T05:13:57.573" v="5" actId="113"/>
+          <ac:spMkLst>
+            <pc:docMk/>
+            <pc:sldMk cId="3584119265" sldId="295"/>
+            <ac:spMk id="3" creationId="{0E2FC508-1AFD-A957-52F2-FA1DEF2A9D27}"/>
+          </ac:spMkLst>
+        </pc:spChg>
+        <pc:spChg chg="mod">
+          <ac:chgData name="Scruel Tao" userId="5ea5c98d59b44d4b" providerId="LiveId" clId="{2330EADB-10ED-4956-973A-3B593FFF7F82}" dt="2023-12-03T05:14:32.467" v="20" actId="313"/>
+          <ac:spMkLst>
+            <pc:docMk/>
+            <pc:sldMk cId="3584119265" sldId="295"/>
+            <ac:spMk id="5" creationId="{B7A8CE03-6A77-60EC-056E-D7A0019640A3}"/>
+          </ac:spMkLst>
+        </pc:spChg>
+      </pc:sldChg>
+      <pc:sldChg chg="modTransition">
+        <pc:chgData name="Scruel Tao" userId="5ea5c98d59b44d4b" providerId="LiveId" clId="{2330EADB-10ED-4956-973A-3B593FFF7F82}" dt="2023-12-03T14:21:15.772" v="462"/>
+        <pc:sldMkLst>
+          <pc:docMk/>
+          <pc:sldMk cId="3787547593" sldId="297"/>
+        </pc:sldMkLst>
+      </pc:sldChg>
+      <pc:sldChg chg="modSp mod">
+        <pc:chgData name="Scruel Tao" userId="5ea5c98d59b44d4b" providerId="LiveId" clId="{2330EADB-10ED-4956-973A-3B593FFF7F82}" dt="2023-12-03T05:20:58.013" v="251"/>
+        <pc:sldMkLst>
+          <pc:docMk/>
+          <pc:sldMk cId="144408623" sldId="299"/>
+        </pc:sldMkLst>
+        <pc:spChg chg="mod">
+          <ac:chgData name="Scruel Tao" userId="5ea5c98d59b44d4b" providerId="LiveId" clId="{2330EADB-10ED-4956-973A-3B593FFF7F82}" dt="2023-12-03T05:20:58.013" v="251"/>
+          <ac:spMkLst>
+            <pc:docMk/>
+            <pc:sldMk cId="144408623" sldId="299"/>
+            <ac:spMk id="3" creationId="{0E2FC508-1AFD-A957-52F2-FA1DEF2A9D27}"/>
+          </ac:spMkLst>
+        </pc:spChg>
+      </pc:sldChg>
+      <pc:sldChg chg="modSp mod">
+        <pc:chgData name="Scruel Tao" userId="5ea5c98d59b44d4b" providerId="LiveId" clId="{2330EADB-10ED-4956-973A-3B593FFF7F82}" dt="2023-12-03T05:19:25.165" v="145"/>
+        <pc:sldMkLst>
+          <pc:docMk/>
+          <pc:sldMk cId="2974806146" sldId="301"/>
+        </pc:sldMkLst>
+        <pc:spChg chg="mod">
+          <ac:chgData name="Scruel Tao" userId="5ea5c98d59b44d4b" providerId="LiveId" clId="{2330EADB-10ED-4956-973A-3B593FFF7F82}" dt="2023-12-03T05:19:25.165" v="145"/>
+          <ac:spMkLst>
+            <pc:docMk/>
+            <pc:sldMk cId="2974806146" sldId="301"/>
+            <ac:spMk id="3" creationId="{0E2FC508-1AFD-A957-52F2-FA1DEF2A9D27}"/>
+          </ac:spMkLst>
+        </pc:spChg>
+      </pc:sldChg>
+      <pc:sldChg chg="modSp mod">
+        <pc:chgData name="Scruel Tao" userId="5ea5c98d59b44d4b" providerId="LiveId" clId="{2330EADB-10ED-4956-973A-3B593FFF7F82}" dt="2023-12-03T05:20:51.968" v="250" actId="20577"/>
+        <pc:sldMkLst>
+          <pc:docMk/>
+          <pc:sldMk cId="2546857016" sldId="302"/>
+        </pc:sldMkLst>
+        <pc:spChg chg="mod">
+          <ac:chgData name="Scruel Tao" userId="5ea5c98d59b44d4b" providerId="LiveId" clId="{2330EADB-10ED-4956-973A-3B593FFF7F82}" dt="2023-12-03T05:20:51.968" v="250" actId="20577"/>
+          <ac:spMkLst>
+            <pc:docMk/>
+            <pc:sldMk cId="2546857016" sldId="302"/>
+            <ac:spMk id="3" creationId="{0E2FC508-1AFD-A957-52F2-FA1DEF2A9D27}"/>
+          </ac:spMkLst>
+        </pc:spChg>
+      </pc:sldChg>
+    </pc:docChg>
+  </pc:docChgLst>
+  <pc:docChgLst>
     <pc:chgData name="Scruel Tao" userId="5ea5c98d59b44d4b" providerId="LiveId" clId="{A52ED264-C864-416B-BFF4-46855FE833A0}"/>
     <pc:docChg chg="undo redo custSel addSld delSld modSld modMainMaster">
       <pc:chgData name="Scruel Tao" userId="5ea5c98d59b44d4b" providerId="LiveId" clId="{A52ED264-C864-416B-BFF4-46855FE833A0}" dt="2023-04-25T06:04:49.595" v="147" actId="47"/>
@@ -333,124 +521,2125 @@
     </pc:docChg>
   </pc:docChgLst>
   <pc:docChgLst>
-    <pc:chgData name="Scruel Tao" userId="5ea5c98d59b44d4b" providerId="LiveId" clId="{2330EADB-10ED-4956-973A-3B593FFF7F82}"/>
-    <pc:docChg chg="undo custSel modSld">
-      <pc:chgData name="Scruel Tao" userId="5ea5c98d59b44d4b" providerId="LiveId" clId="{2330EADB-10ED-4956-973A-3B593FFF7F82}" dt="2023-12-10T16:09:34.933" v="464" actId="20577"/>
+    <pc:chgData name="Scruel Tao" userId="5ea5c98d59b44d4b" providerId="LiveId" clId="{2BA6F94F-59B6-4AA6-9DB6-4A8227DBE37E}"/>
+    <pc:docChg chg="undo redo custSel addSld delSld modSld sldOrd modMainMaster">
+      <pc:chgData name="Scruel Tao" userId="5ea5c98d59b44d4b" providerId="LiveId" clId="{2BA6F94F-59B6-4AA6-9DB6-4A8227DBE37E}" dt="2023-04-06T03:22:01.021" v="6326" actId="20577"/>
       <pc:docMkLst>
         <pc:docMk/>
       </pc:docMkLst>
-      <pc:sldChg chg="addSp delSp modSp mod">
-        <pc:chgData name="Scruel Tao" userId="5ea5c98d59b44d4b" providerId="LiveId" clId="{2330EADB-10ED-4956-973A-3B593FFF7F82}" dt="2023-12-03T05:12:55.919" v="3" actId="478"/>
+      <pc:sldChg chg="del">
+        <pc:chgData name="Scruel Tao" userId="5ea5c98d59b44d4b" providerId="LiveId" clId="{2BA6F94F-59B6-4AA6-9DB6-4A8227DBE37E}" dt="2023-04-03T03:24:06.255" v="207" actId="47"/>
+        <pc:sldMkLst>
+          <pc:docMk/>
+          <pc:sldMk cId="1900326474" sldId="256"/>
+        </pc:sldMkLst>
+      </pc:sldChg>
+      <pc:sldChg chg="modSp mod">
+        <pc:chgData name="Scruel Tao" userId="5ea5c98d59b44d4b" providerId="LiveId" clId="{2BA6F94F-59B6-4AA6-9DB6-4A8227DBE37E}" dt="2023-04-06T03:06:34.065" v="6045" actId="20577"/>
+        <pc:sldMkLst>
+          <pc:docMk/>
+          <pc:sldMk cId="1112998187" sldId="257"/>
+        </pc:sldMkLst>
+        <pc:spChg chg="mod">
+          <ac:chgData name="Scruel Tao" userId="5ea5c98d59b44d4b" providerId="LiveId" clId="{2BA6F94F-59B6-4AA6-9DB6-4A8227DBE37E}" dt="2023-04-06T01:53:20.359" v="3276"/>
+          <ac:spMkLst>
+            <pc:docMk/>
+            <pc:sldMk cId="1112998187" sldId="257"/>
+            <ac:spMk id="2" creationId="{1422DFF6-0952-1023-64E3-97184D36BE3F}"/>
+          </ac:spMkLst>
+        </pc:spChg>
+        <pc:spChg chg="mod">
+          <ac:chgData name="Scruel Tao" userId="5ea5c98d59b44d4b" providerId="LiveId" clId="{2BA6F94F-59B6-4AA6-9DB6-4A8227DBE37E}" dt="2023-04-06T03:06:34.065" v="6045" actId="20577"/>
+          <ac:spMkLst>
+            <pc:docMk/>
+            <pc:sldMk cId="1112998187" sldId="257"/>
+            <ac:spMk id="3" creationId="{AC7759D9-0BB4-08ED-8476-24F7D903D6DE}"/>
+          </ac:spMkLst>
+        </pc:spChg>
+      </pc:sldChg>
+      <pc:sldChg chg="addSp delSp modSp mod modClrScheme chgLayout">
+        <pc:chgData name="Scruel Tao" userId="5ea5c98d59b44d4b" providerId="LiveId" clId="{2BA6F94F-59B6-4AA6-9DB6-4A8227DBE37E}" dt="2023-04-03T05:03:22.628" v="2756"/>
+        <pc:sldMkLst>
+          <pc:docMk/>
+          <pc:sldMk cId="3636494425" sldId="258"/>
+        </pc:sldMkLst>
+        <pc:spChg chg="mod ord">
+          <ac:chgData name="Scruel Tao" userId="5ea5c98d59b44d4b" providerId="LiveId" clId="{2BA6F94F-59B6-4AA6-9DB6-4A8227DBE37E}" dt="2023-04-03T05:03:22.628" v="2756"/>
+          <ac:spMkLst>
+            <pc:docMk/>
+            <pc:sldMk cId="3636494425" sldId="258"/>
+            <ac:spMk id="2" creationId="{ABA783DF-49A6-7EF1-661E-C574E2C2F386}"/>
+          </ac:spMkLst>
+        </pc:spChg>
+        <pc:spChg chg="mod ord">
+          <ac:chgData name="Scruel Tao" userId="5ea5c98d59b44d4b" providerId="LiveId" clId="{2BA6F94F-59B6-4AA6-9DB6-4A8227DBE37E}" dt="2023-04-03T03:46:29.252" v="641" actId="20577"/>
+          <ac:spMkLst>
+            <pc:docMk/>
+            <pc:sldMk cId="3636494425" sldId="258"/>
+            <ac:spMk id="3" creationId="{4C14948B-081B-0FED-AF72-DA2CFEC85EB0}"/>
+          </ac:spMkLst>
+        </pc:spChg>
+        <pc:spChg chg="add del mod ord">
+          <ac:chgData name="Scruel Tao" userId="5ea5c98d59b44d4b" providerId="LiveId" clId="{2BA6F94F-59B6-4AA6-9DB6-4A8227DBE37E}" dt="2023-04-03T03:44:53.662" v="491" actId="700"/>
+          <ac:spMkLst>
+            <pc:docMk/>
+            <pc:sldMk cId="3636494425" sldId="258"/>
+            <ac:spMk id="6" creationId="{F56D7D0D-9A8C-4EF8-27F2-E32848F94E27}"/>
+          </ac:spMkLst>
+        </pc:spChg>
+        <pc:spChg chg="add del mod ord">
+          <ac:chgData name="Scruel Tao" userId="5ea5c98d59b44d4b" providerId="LiveId" clId="{2BA6F94F-59B6-4AA6-9DB6-4A8227DBE37E}" dt="2023-04-03T03:47:53.866" v="642" actId="478"/>
+          <ac:spMkLst>
+            <pc:docMk/>
+            <pc:sldMk cId="3636494425" sldId="258"/>
+            <ac:spMk id="7" creationId="{34E14114-55C2-509B-E32D-4974A828AFB6}"/>
+          </ac:spMkLst>
+        </pc:spChg>
+        <pc:picChg chg="add mod">
+          <ac:chgData name="Scruel Tao" userId="5ea5c98d59b44d4b" providerId="LiveId" clId="{2BA6F94F-59B6-4AA6-9DB6-4A8227DBE37E}" dt="2023-04-03T03:45:05.643" v="494" actId="1076"/>
+          <ac:picMkLst>
+            <pc:docMk/>
+            <pc:sldMk cId="3636494425" sldId="258"/>
+            <ac:picMk id="5" creationId="{C5E50AA4-F82C-6E14-E269-5451494306AE}"/>
+          </ac:picMkLst>
+        </pc:picChg>
+      </pc:sldChg>
+      <pc:sldChg chg="addSp delSp modSp add mod modClrScheme chgLayout">
+        <pc:chgData name="Scruel Tao" userId="5ea5c98d59b44d4b" providerId="LiveId" clId="{2BA6F94F-59B6-4AA6-9DB6-4A8227DBE37E}" dt="2023-04-06T01:58:50.310" v="3415" actId="20577"/>
+        <pc:sldMkLst>
+          <pc:docMk/>
+          <pc:sldMk cId="1199684676" sldId="259"/>
+        </pc:sldMkLst>
+        <pc:spChg chg="mod ord">
+          <ac:chgData name="Scruel Tao" userId="5ea5c98d59b44d4b" providerId="LiveId" clId="{2BA6F94F-59B6-4AA6-9DB6-4A8227DBE37E}" dt="2023-04-06T01:58:50.310" v="3415" actId="20577"/>
+          <ac:spMkLst>
+            <pc:docMk/>
+            <pc:sldMk cId="1199684676" sldId="259"/>
+            <ac:spMk id="2" creationId="{ABA783DF-49A6-7EF1-661E-C574E2C2F386}"/>
+          </ac:spMkLst>
+        </pc:spChg>
+        <pc:spChg chg="del">
+          <ac:chgData name="Scruel Tao" userId="5ea5c98d59b44d4b" providerId="LiveId" clId="{2BA6F94F-59B6-4AA6-9DB6-4A8227DBE37E}" dt="2023-04-03T03:35:16.150" v="336"/>
+          <ac:spMkLst>
+            <pc:docMk/>
+            <pc:sldMk cId="1199684676" sldId="259"/>
+            <ac:spMk id="3" creationId="{4C14948B-081B-0FED-AF72-DA2CFEC85EB0}"/>
+          </ac:spMkLst>
+        </pc:spChg>
+        <pc:spChg chg="add del mod">
+          <ac:chgData name="Scruel Tao" userId="5ea5c98d59b44d4b" providerId="LiveId" clId="{2BA6F94F-59B6-4AA6-9DB6-4A8227DBE37E}" dt="2023-04-03T03:35:26.887" v="338"/>
+          <ac:spMkLst>
+            <pc:docMk/>
+            <pc:sldMk cId="1199684676" sldId="259"/>
+            <ac:spMk id="6" creationId="{99A6C97A-27D9-096E-3F01-65FA7A6B5674}"/>
+          </ac:spMkLst>
+        </pc:spChg>
+        <pc:spChg chg="add del mod">
+          <ac:chgData name="Scruel Tao" userId="5ea5c98d59b44d4b" providerId="LiveId" clId="{2BA6F94F-59B6-4AA6-9DB6-4A8227DBE37E}" dt="2023-04-03T03:35:46.159" v="342"/>
+          <ac:spMkLst>
+            <pc:docMk/>
+            <pc:sldMk cId="1199684676" sldId="259"/>
+            <ac:spMk id="9" creationId="{EA4CD5A2-8483-D61D-CBA0-AB48D8A07DC9}"/>
+          </ac:spMkLst>
+        </pc:spChg>
+        <pc:spChg chg="add mod ord">
+          <ac:chgData name="Scruel Tao" userId="5ea5c98d59b44d4b" providerId="LiveId" clId="{2BA6F94F-59B6-4AA6-9DB6-4A8227DBE37E}" dt="2023-04-06T01:54:00.591" v="3312" actId="20577"/>
+          <ac:spMkLst>
+            <pc:docMk/>
+            <pc:sldMk cId="1199684676" sldId="259"/>
+            <ac:spMk id="12" creationId="{17AECC1C-6944-9F68-770A-0455E86B2492}"/>
+          </ac:spMkLst>
+        </pc:spChg>
+        <pc:picChg chg="add del mod">
+          <ac:chgData name="Scruel Tao" userId="5ea5c98d59b44d4b" providerId="LiveId" clId="{2BA6F94F-59B6-4AA6-9DB6-4A8227DBE37E}" dt="2023-04-03T03:35:18.823" v="337" actId="478"/>
+          <ac:picMkLst>
+            <pc:docMk/>
+            <pc:sldMk cId="1199684676" sldId="259"/>
+            <ac:picMk id="4" creationId="{5CD98794-78EF-B400-A554-F39AC55576BD}"/>
+          </ac:picMkLst>
+        </pc:picChg>
+        <pc:picChg chg="add del mod">
+          <ac:chgData name="Scruel Tao" userId="5ea5c98d59b44d4b" providerId="LiveId" clId="{2BA6F94F-59B6-4AA6-9DB6-4A8227DBE37E}" dt="2023-04-03T03:35:35.326" v="341" actId="478"/>
+          <ac:picMkLst>
+            <pc:docMk/>
+            <pc:sldMk cId="1199684676" sldId="259"/>
+            <ac:picMk id="7" creationId="{F8FEA747-E9DF-6A17-2CB8-1B41D931CB90}"/>
+          </ac:picMkLst>
+        </pc:picChg>
+        <pc:picChg chg="add mod ord">
+          <ac:chgData name="Scruel Tao" userId="5ea5c98d59b44d4b" providerId="LiveId" clId="{2BA6F94F-59B6-4AA6-9DB6-4A8227DBE37E}" dt="2023-04-06T01:54:10.825" v="3315" actId="1076"/>
+          <ac:picMkLst>
+            <pc:docMk/>
+            <pc:sldMk cId="1199684676" sldId="259"/>
+            <ac:picMk id="11" creationId="{9D500740-D60E-EFBC-F3C9-43DA9B4672BC}"/>
+          </ac:picMkLst>
+        </pc:picChg>
+      </pc:sldChg>
+      <pc:sldChg chg="addSp delSp modSp add mod">
+        <pc:chgData name="Scruel Tao" userId="5ea5c98d59b44d4b" providerId="LiveId" clId="{2BA6F94F-59B6-4AA6-9DB6-4A8227DBE37E}" dt="2023-04-03T03:41:24.102" v="348" actId="1076"/>
+        <pc:sldMkLst>
+          <pc:docMk/>
+          <pc:sldMk cId="0" sldId="260"/>
+        </pc:sldMkLst>
+        <pc:spChg chg="mod">
+          <ac:chgData name="Scruel Tao" userId="5ea5c98d59b44d4b" providerId="LiveId" clId="{2BA6F94F-59B6-4AA6-9DB6-4A8227DBE37E}" dt="2023-04-03T03:33:34.644" v="330"/>
+          <ac:spMkLst>
+            <pc:docMk/>
+            <pc:sldMk cId="0" sldId="260"/>
+            <ac:spMk id="1227783" creationId="{F7B3941E-B689-22D6-F18C-358E4BAEDF5F}"/>
+          </ac:spMkLst>
+        </pc:spChg>
+        <pc:spChg chg="add del mod">
+          <ac:chgData name="Scruel Tao" userId="5ea5c98d59b44d4b" providerId="LiveId" clId="{2BA6F94F-59B6-4AA6-9DB6-4A8227DBE37E}" dt="2023-04-03T03:33:39.968" v="331" actId="1076"/>
+          <ac:spMkLst>
+            <pc:docMk/>
+            <pc:sldMk cId="0" sldId="260"/>
+            <ac:spMk id="1227786" creationId="{C3F4DD20-8FA3-3CB0-19B6-FE0240B92A34}"/>
+          </ac:spMkLst>
+        </pc:spChg>
+        <pc:picChg chg="add mod">
+          <ac:chgData name="Scruel Tao" userId="5ea5c98d59b44d4b" providerId="LiveId" clId="{2BA6F94F-59B6-4AA6-9DB6-4A8227DBE37E}" dt="2023-04-03T03:41:24.102" v="348" actId="1076"/>
+          <ac:picMkLst>
+            <pc:docMk/>
+            <pc:sldMk cId="0" sldId="260"/>
+            <ac:picMk id="4" creationId="{E03AF484-A892-E4D7-A8C4-A4C7AE20944E}"/>
+          </ac:picMkLst>
+        </pc:picChg>
+      </pc:sldChg>
+      <pc:sldChg chg="addSp delSp modSp add mod chgLayout">
+        <pc:chgData name="Scruel Tao" userId="5ea5c98d59b44d4b" providerId="LiveId" clId="{2BA6F94F-59B6-4AA6-9DB6-4A8227DBE37E}" dt="2023-04-06T01:59:00.026" v="3419" actId="20577"/>
+        <pc:sldMkLst>
+          <pc:docMk/>
+          <pc:sldMk cId="3351160539" sldId="261"/>
+        </pc:sldMkLst>
+        <pc:spChg chg="mod ord">
+          <ac:chgData name="Scruel Tao" userId="5ea5c98d59b44d4b" providerId="LiveId" clId="{2BA6F94F-59B6-4AA6-9DB6-4A8227DBE37E}" dt="2023-04-06T01:59:00.026" v="3419" actId="20577"/>
+          <ac:spMkLst>
+            <pc:docMk/>
+            <pc:sldMk cId="3351160539" sldId="261"/>
+            <ac:spMk id="2" creationId="{ABA783DF-49A6-7EF1-661E-C574E2C2F386}"/>
+          </ac:spMkLst>
+        </pc:spChg>
+        <pc:spChg chg="add del mod">
+          <ac:chgData name="Scruel Tao" userId="5ea5c98d59b44d4b" providerId="LiveId" clId="{2BA6F94F-59B6-4AA6-9DB6-4A8227DBE37E}" dt="2023-04-03T03:55:10.330" v="847" actId="700"/>
+          <ac:spMkLst>
+            <pc:docMk/>
+            <pc:sldMk cId="3351160539" sldId="261"/>
+            <ac:spMk id="4" creationId="{B3A734ED-5C82-D6A5-9DB3-B2DF9F846D94}"/>
+          </ac:spMkLst>
+        </pc:spChg>
+        <pc:spChg chg="add mod ord">
+          <ac:chgData name="Scruel Tao" userId="5ea5c98d59b44d4b" providerId="LiveId" clId="{2BA6F94F-59B6-4AA6-9DB6-4A8227DBE37E}" dt="2023-04-03T04:04:07.946" v="1365" actId="20577"/>
+          <ac:spMkLst>
+            <pc:docMk/>
+            <pc:sldMk cId="3351160539" sldId="261"/>
+            <ac:spMk id="5" creationId="{334FF01F-2A65-44F6-34F9-69AC934A31D7}"/>
+          </ac:spMkLst>
+        </pc:spChg>
+        <pc:spChg chg="add del mod">
+          <ac:chgData name="Scruel Tao" userId="5ea5c98d59b44d4b" providerId="LiveId" clId="{2BA6F94F-59B6-4AA6-9DB6-4A8227DBE37E}" dt="2023-04-03T03:59:25.344" v="1081"/>
+          <ac:spMkLst>
+            <pc:docMk/>
+            <pc:sldMk cId="3351160539" sldId="261"/>
+            <ac:spMk id="9" creationId="{C16084A3-CDE6-AAC4-2971-FD575FBF0A8B}"/>
+          </ac:spMkLst>
+        </pc:spChg>
+        <pc:spChg chg="del mod ord">
+          <ac:chgData name="Scruel Tao" userId="5ea5c98d59b44d4b" providerId="LiveId" clId="{2BA6F94F-59B6-4AA6-9DB6-4A8227DBE37E}" dt="2023-04-03T03:58:01.823" v="1015"/>
+          <ac:spMkLst>
+            <pc:docMk/>
+            <pc:sldMk cId="3351160539" sldId="261"/>
+            <ac:spMk id="12" creationId="{17AECC1C-6944-9F68-770A-0455E86B2492}"/>
+          </ac:spMkLst>
+        </pc:spChg>
+        <pc:spChg chg="add mod">
+          <ac:chgData name="Scruel Tao" userId="5ea5c98d59b44d4b" providerId="LiveId" clId="{2BA6F94F-59B6-4AA6-9DB6-4A8227DBE37E}" dt="2023-04-03T04:05:44.217" v="1475" actId="114"/>
+          <ac:spMkLst>
+            <pc:docMk/>
+            <pc:sldMk cId="3351160539" sldId="261"/>
+            <ac:spMk id="14" creationId="{670E3534-8F35-5B26-8418-171E013CEE09}"/>
+          </ac:spMkLst>
+        </pc:spChg>
+        <pc:picChg chg="add del mod">
+          <ac:chgData name="Scruel Tao" userId="5ea5c98d59b44d4b" providerId="LiveId" clId="{2BA6F94F-59B6-4AA6-9DB6-4A8227DBE37E}" dt="2023-04-03T03:59:24.519" v="1080" actId="478"/>
+          <ac:picMkLst>
+            <pc:docMk/>
+            <pc:sldMk cId="3351160539" sldId="261"/>
+            <ac:picMk id="7" creationId="{0FBFFB0C-E3DC-4B3B-8988-A0B34551F390}"/>
+          </ac:picMkLst>
+        </pc:picChg>
+        <pc:picChg chg="del">
+          <ac:chgData name="Scruel Tao" userId="5ea5c98d59b44d4b" providerId="LiveId" clId="{2BA6F94F-59B6-4AA6-9DB6-4A8227DBE37E}" dt="2023-04-03T03:53:43.786" v="845" actId="21"/>
+          <ac:picMkLst>
+            <pc:docMk/>
+            <pc:sldMk cId="3351160539" sldId="261"/>
+            <ac:picMk id="11" creationId="{9D500740-D60E-EFBC-F3C9-43DA9B4672BC}"/>
+          </ac:picMkLst>
+        </pc:picChg>
+        <pc:picChg chg="add mod">
+          <ac:chgData name="Scruel Tao" userId="5ea5c98d59b44d4b" providerId="LiveId" clId="{2BA6F94F-59B6-4AA6-9DB6-4A8227DBE37E}" dt="2023-04-03T04:05:27.689" v="1473" actId="1076"/>
+          <ac:picMkLst>
+            <pc:docMk/>
+            <pc:sldMk cId="3351160539" sldId="261"/>
+            <ac:picMk id="13" creationId="{7C633EC2-82A6-5F6A-D9A3-326C1E77FDA3}"/>
+          </ac:picMkLst>
+        </pc:picChg>
+      </pc:sldChg>
+      <pc:sldChg chg="addSp delSp modSp add mod">
+        <pc:chgData name="Scruel Tao" userId="5ea5c98d59b44d4b" providerId="LiveId" clId="{2BA6F94F-59B6-4AA6-9DB6-4A8227DBE37E}" dt="2023-04-06T03:20:40.633" v="6312" actId="20577"/>
+        <pc:sldMkLst>
+          <pc:docMk/>
+          <pc:sldMk cId="1122177192" sldId="262"/>
+        </pc:sldMkLst>
+        <pc:spChg chg="mod">
+          <ac:chgData name="Scruel Tao" userId="5ea5c98d59b44d4b" providerId="LiveId" clId="{2BA6F94F-59B6-4AA6-9DB6-4A8227DBE37E}" dt="2023-04-06T03:20:30.082" v="6290" actId="20577"/>
+          <ac:spMkLst>
+            <pc:docMk/>
+            <pc:sldMk cId="1122177192" sldId="262"/>
+            <ac:spMk id="2" creationId="{ABA783DF-49A6-7EF1-661E-C574E2C2F386}"/>
+          </ac:spMkLst>
+        </pc:spChg>
+        <pc:spChg chg="mod">
+          <ac:chgData name="Scruel Tao" userId="5ea5c98d59b44d4b" providerId="LiveId" clId="{2BA6F94F-59B6-4AA6-9DB6-4A8227DBE37E}" dt="2023-04-06T03:20:40.633" v="6312" actId="20577"/>
+          <ac:spMkLst>
+            <pc:docMk/>
+            <pc:sldMk cId="1122177192" sldId="262"/>
+            <ac:spMk id="5" creationId="{334FF01F-2A65-44F6-34F9-69AC934A31D7}"/>
+          </ac:spMkLst>
+        </pc:spChg>
+        <pc:spChg chg="del">
+          <ac:chgData name="Scruel Tao" userId="5ea5c98d59b44d4b" providerId="LiveId" clId="{2BA6F94F-59B6-4AA6-9DB6-4A8227DBE37E}" dt="2023-04-03T04:15:30.512" v="1555"/>
+          <ac:spMkLst>
+            <pc:docMk/>
+            <pc:sldMk cId="1122177192" sldId="262"/>
+            <ac:spMk id="12" creationId="{17AECC1C-6944-9F68-770A-0455E86B2492}"/>
+          </ac:spMkLst>
+        </pc:spChg>
+        <pc:picChg chg="add mod">
+          <ac:chgData name="Scruel Tao" userId="5ea5c98d59b44d4b" providerId="LiveId" clId="{2BA6F94F-59B6-4AA6-9DB6-4A8227DBE37E}" dt="2023-04-03T04:15:30.512" v="1555"/>
+          <ac:picMkLst>
+            <pc:docMk/>
+            <pc:sldMk cId="1122177192" sldId="262"/>
+            <ac:picMk id="4" creationId="{1025CE4E-D3BC-5184-15B8-313E85995FFB}"/>
+          </ac:picMkLst>
+        </pc:picChg>
+      </pc:sldChg>
+      <pc:sldChg chg="addSp delSp modSp add mod chgLayout">
+        <pc:chgData name="Scruel Tao" userId="5ea5c98d59b44d4b" providerId="LiveId" clId="{2BA6F94F-59B6-4AA6-9DB6-4A8227DBE37E}" dt="2023-04-06T01:59:30.132" v="3435" actId="20577"/>
+        <pc:sldMkLst>
+          <pc:docMk/>
+          <pc:sldMk cId="3745137309" sldId="263"/>
+        </pc:sldMkLst>
+        <pc:spChg chg="mod ord">
+          <ac:chgData name="Scruel Tao" userId="5ea5c98d59b44d4b" providerId="LiveId" clId="{2BA6F94F-59B6-4AA6-9DB6-4A8227DBE37E}" dt="2023-04-06T01:59:30.132" v="3435" actId="20577"/>
+          <ac:spMkLst>
+            <pc:docMk/>
+            <pc:sldMk cId="3745137309" sldId="263"/>
+            <ac:spMk id="2" creationId="{ABA783DF-49A6-7EF1-661E-C574E2C2F386}"/>
+          </ac:spMkLst>
+        </pc:spChg>
+        <pc:spChg chg="del">
+          <ac:chgData name="Scruel Tao" userId="5ea5c98d59b44d4b" providerId="LiveId" clId="{2BA6F94F-59B6-4AA6-9DB6-4A8227DBE37E}" dt="2023-04-03T04:18:57.963" v="1679"/>
+          <ac:spMkLst>
+            <pc:docMk/>
+            <pc:sldMk cId="3745137309" sldId="263"/>
+            <ac:spMk id="5" creationId="{334FF01F-2A65-44F6-34F9-69AC934A31D7}"/>
+          </ac:spMkLst>
+        </pc:spChg>
+        <pc:spChg chg="add del mod ord">
+          <ac:chgData name="Scruel Tao" userId="5ea5c98d59b44d4b" providerId="LiveId" clId="{2BA6F94F-59B6-4AA6-9DB6-4A8227DBE37E}" dt="2023-04-03T04:19:17.511" v="1685"/>
+          <ac:spMkLst>
+            <pc:docMk/>
+            <pc:sldMk cId="3745137309" sldId="263"/>
+            <ac:spMk id="6" creationId="{6B189840-C568-FCE7-C338-AC0FAD512F62}"/>
+          </ac:spMkLst>
+        </pc:spChg>
+        <pc:spChg chg="add mod">
+          <ac:chgData name="Scruel Tao" userId="5ea5c98d59b44d4b" providerId="LiveId" clId="{2BA6F94F-59B6-4AA6-9DB6-4A8227DBE37E}" dt="2023-04-03T04:24:42.121" v="1788" actId="1076"/>
+          <ac:spMkLst>
+            <pc:docMk/>
+            <pc:sldMk cId="3745137309" sldId="263"/>
+            <ac:spMk id="8" creationId="{4EC194EB-1593-CBF2-055D-77D4ADFC943F}"/>
+          </ac:spMkLst>
+        </pc:spChg>
+        <pc:spChg chg="del">
+          <ac:chgData name="Scruel Tao" userId="5ea5c98d59b44d4b" providerId="LiveId" clId="{2BA6F94F-59B6-4AA6-9DB6-4A8227DBE37E}" dt="2023-04-03T04:19:06.857" v="1681" actId="478"/>
+          <ac:spMkLst>
+            <pc:docMk/>
+            <pc:sldMk cId="3745137309" sldId="263"/>
+            <ac:spMk id="12" creationId="{17AECC1C-6944-9F68-770A-0455E86B2492}"/>
+          </ac:spMkLst>
+        </pc:spChg>
+        <pc:spChg chg="add del mod">
+          <ac:chgData name="Scruel Tao" userId="5ea5c98d59b44d4b" providerId="LiveId" clId="{2BA6F94F-59B6-4AA6-9DB6-4A8227DBE37E}" dt="2023-04-03T04:39:14.278" v="1794"/>
+          <ac:spMkLst>
+            <pc:docMk/>
+            <pc:sldMk cId="3745137309" sldId="263"/>
+            <ac:spMk id="13" creationId="{2B1E7E69-5ECD-2369-2087-012FACB0EF09}"/>
+          </ac:spMkLst>
+        </pc:spChg>
+        <pc:spChg chg="add mod">
+          <ac:chgData name="Scruel Tao" userId="5ea5c98d59b44d4b" providerId="LiveId" clId="{2BA6F94F-59B6-4AA6-9DB6-4A8227DBE37E}" dt="2023-04-03T04:43:54.118" v="2025" actId="1076"/>
+          <ac:spMkLst>
+            <pc:docMk/>
+            <pc:sldMk cId="3745137309" sldId="263"/>
+            <ac:spMk id="14" creationId="{7382B610-BA58-D421-667D-2CC58252E53B}"/>
+          </ac:spMkLst>
+        </pc:spChg>
+        <pc:spChg chg="add del mod">
+          <ac:chgData name="Scruel Tao" userId="5ea5c98d59b44d4b" providerId="LiveId" clId="{2BA6F94F-59B6-4AA6-9DB6-4A8227DBE37E}" dt="2023-04-03T04:41:30.895" v="1872"/>
+          <ac:spMkLst>
+            <pc:docMk/>
+            <pc:sldMk cId="3745137309" sldId="263"/>
+            <ac:spMk id="20" creationId="{3C1528B3-D941-8F6A-C2B1-9FE727504D1A}"/>
+          </ac:spMkLst>
+        </pc:spChg>
+        <pc:spChg chg="add mod">
+          <ac:chgData name="Scruel Tao" userId="5ea5c98d59b44d4b" providerId="LiveId" clId="{2BA6F94F-59B6-4AA6-9DB6-4A8227DBE37E}" dt="2023-04-03T04:43:48.923" v="2024" actId="113"/>
+          <ac:spMkLst>
+            <pc:docMk/>
+            <pc:sldMk cId="3745137309" sldId="263"/>
+            <ac:spMk id="22" creationId="{7B6674C0-F558-F52E-4B1A-A3B15762388C}"/>
+          </ac:spMkLst>
+        </pc:spChg>
+        <pc:picChg chg="add del mod ord">
+          <ac:chgData name="Scruel Tao" userId="5ea5c98d59b44d4b" providerId="LiveId" clId="{2BA6F94F-59B6-4AA6-9DB6-4A8227DBE37E}" dt="2023-04-03T04:19:16.103" v="1684" actId="21"/>
+          <ac:picMkLst>
+            <pc:docMk/>
+            <pc:sldMk cId="3745137309" sldId="263"/>
+            <ac:picMk id="4" creationId="{52AC7973-0B2B-7791-FC5B-6D95CBD8CBA1}"/>
+          </ac:picMkLst>
+        </pc:picChg>
+        <pc:picChg chg="add del mod">
+          <ac:chgData name="Scruel Tao" userId="5ea5c98d59b44d4b" providerId="LiveId" clId="{2BA6F94F-59B6-4AA6-9DB6-4A8227DBE37E}" dt="2023-04-03T04:41:22.605" v="1869" actId="478"/>
+          <ac:picMkLst>
+            <pc:docMk/>
+            <pc:sldMk cId="3745137309" sldId="263"/>
+            <ac:picMk id="9" creationId="{B07056AA-01D5-51E8-D408-F1980FDC4BC3}"/>
+          </ac:picMkLst>
+        </pc:picChg>
+        <pc:picChg chg="add del mod">
+          <ac:chgData name="Scruel Tao" userId="5ea5c98d59b44d4b" providerId="LiveId" clId="{2BA6F94F-59B6-4AA6-9DB6-4A8227DBE37E}" dt="2023-04-03T04:40:34.570" v="1864" actId="21"/>
+          <ac:picMkLst>
+            <pc:docMk/>
+            <pc:sldMk cId="3745137309" sldId="263"/>
+            <ac:picMk id="11" creationId="{F2971DA2-97CA-921D-0683-2575B93D11D9}"/>
+          </ac:picMkLst>
+        </pc:picChg>
+        <pc:picChg chg="add mod">
+          <ac:chgData name="Scruel Tao" userId="5ea5c98d59b44d4b" providerId="LiveId" clId="{2BA6F94F-59B6-4AA6-9DB6-4A8227DBE37E}" dt="2023-04-03T04:41:02.756" v="1866" actId="1076"/>
+          <ac:picMkLst>
+            <pc:docMk/>
+            <pc:sldMk cId="3745137309" sldId="263"/>
+            <ac:picMk id="16" creationId="{6DA1B3CC-2227-CCDD-B3BF-D5E87A89708B}"/>
+          </ac:picMkLst>
+        </pc:picChg>
+        <pc:picChg chg="add del mod">
+          <ac:chgData name="Scruel Tao" userId="5ea5c98d59b44d4b" providerId="LiveId" clId="{2BA6F94F-59B6-4AA6-9DB6-4A8227DBE37E}" dt="2023-04-03T04:41:29.949" v="1871" actId="21"/>
+          <ac:picMkLst>
+            <pc:docMk/>
+            <pc:sldMk cId="3745137309" sldId="263"/>
+            <ac:picMk id="18" creationId="{313CB848-6C20-4548-45B0-BFDAA30EA3A2}"/>
+          </ac:picMkLst>
+        </pc:picChg>
+        <pc:picChg chg="add mod">
+          <ac:chgData name="Scruel Tao" userId="5ea5c98d59b44d4b" providerId="LiveId" clId="{2BA6F94F-59B6-4AA6-9DB6-4A8227DBE37E}" dt="2023-04-03T04:43:33.350" v="2001" actId="1076"/>
+          <ac:picMkLst>
+            <pc:docMk/>
+            <pc:sldMk cId="3745137309" sldId="263"/>
+            <ac:picMk id="21" creationId="{87C92696-2285-C2FB-D306-11BA00515544}"/>
+          </ac:picMkLst>
+        </pc:picChg>
+      </pc:sldChg>
+      <pc:sldChg chg="addSp delSp modSp add mod ord">
+        <pc:chgData name="Scruel Tao" userId="5ea5c98d59b44d4b" providerId="LiveId" clId="{2BA6F94F-59B6-4AA6-9DB6-4A8227DBE37E}" dt="2023-04-06T01:59:23.291" v="3427" actId="20577"/>
+        <pc:sldMkLst>
+          <pc:docMk/>
+          <pc:sldMk cId="3725727672" sldId="264"/>
+        </pc:sldMkLst>
+        <pc:spChg chg="mod">
+          <ac:chgData name="Scruel Tao" userId="5ea5c98d59b44d4b" providerId="LiveId" clId="{2BA6F94F-59B6-4AA6-9DB6-4A8227DBE37E}" dt="2023-04-06T01:59:23.291" v="3427" actId="20577"/>
+          <ac:spMkLst>
+            <pc:docMk/>
+            <pc:sldMk cId="3725727672" sldId="264"/>
+            <ac:spMk id="2" creationId="{ABA783DF-49A6-7EF1-661E-C574E2C2F386}"/>
+          </ac:spMkLst>
+        </pc:spChg>
+        <pc:spChg chg="mod">
+          <ac:chgData name="Scruel Tao" userId="5ea5c98d59b44d4b" providerId="LiveId" clId="{2BA6F94F-59B6-4AA6-9DB6-4A8227DBE37E}" dt="2023-04-03T05:01:36.612" v="2644" actId="1076"/>
+          <ac:spMkLst>
+            <pc:docMk/>
+            <pc:sldMk cId="3725727672" sldId="264"/>
+            <ac:spMk id="5" creationId="{334FF01F-2A65-44F6-34F9-69AC934A31D7}"/>
+          </ac:spMkLst>
+        </pc:spChg>
+        <pc:spChg chg="add del mod">
+          <ac:chgData name="Scruel Tao" userId="5ea5c98d59b44d4b" providerId="LiveId" clId="{2BA6F94F-59B6-4AA6-9DB6-4A8227DBE37E}" dt="2023-04-03T05:00:26.370" v="2626"/>
+          <ac:spMkLst>
+            <pc:docMk/>
+            <pc:sldMk cId="3725727672" sldId="264"/>
+            <ac:spMk id="11" creationId="{E9210103-9DD3-6F29-C0C7-B18A6E419E73}"/>
+          </ac:spMkLst>
+        </pc:spChg>
+        <pc:spChg chg="del mod">
+          <ac:chgData name="Scruel Tao" userId="5ea5c98d59b44d4b" providerId="LiveId" clId="{2BA6F94F-59B6-4AA6-9DB6-4A8227DBE37E}" dt="2023-04-03T04:44:34.015" v="2029"/>
+          <ac:spMkLst>
+            <pc:docMk/>
+            <pc:sldMk cId="3725727672" sldId="264"/>
+            <ac:spMk id="12" creationId="{17AECC1C-6944-9F68-770A-0455E86B2492}"/>
+          </ac:spMkLst>
+        </pc:spChg>
+        <pc:spChg chg="add mod">
+          <ac:chgData name="Scruel Tao" userId="5ea5c98d59b44d4b" providerId="LiveId" clId="{2BA6F94F-59B6-4AA6-9DB6-4A8227DBE37E}" dt="2023-04-03T05:03:05.445" v="2754" actId="1076"/>
+          <ac:spMkLst>
+            <pc:docMk/>
+            <pc:sldMk cId="3725727672" sldId="264"/>
+            <ac:spMk id="15" creationId="{57CD949C-3C60-4F11-3188-DAAC2954E147}"/>
+          </ac:spMkLst>
+        </pc:spChg>
+        <pc:picChg chg="add del mod">
+          <ac:chgData name="Scruel Tao" userId="5ea5c98d59b44d4b" providerId="LiveId" clId="{2BA6F94F-59B6-4AA6-9DB6-4A8227DBE37E}" dt="2023-04-03T05:00:25.324" v="2625" actId="478"/>
+          <ac:picMkLst>
+            <pc:docMk/>
+            <pc:sldMk cId="3725727672" sldId="264"/>
+            <ac:picMk id="4" creationId="{A511FBE8-0DD6-E630-8EF3-0C4EEA9CD752}"/>
+          </ac:picMkLst>
+        </pc:picChg>
+        <pc:picChg chg="add del mod">
+          <ac:chgData name="Scruel Tao" userId="5ea5c98d59b44d4b" providerId="LiveId" clId="{2BA6F94F-59B6-4AA6-9DB6-4A8227DBE37E}" dt="2023-04-03T04:57:24.837" v="2616" actId="21"/>
+          <ac:picMkLst>
+            <pc:docMk/>
+            <pc:sldMk cId="3725727672" sldId="264"/>
+            <ac:picMk id="7" creationId="{DD04D8AF-8509-73F1-4E2C-416ED822D93C}"/>
+          </ac:picMkLst>
+        </pc:picChg>
+        <pc:picChg chg="add mod">
+          <ac:chgData name="Scruel Tao" userId="5ea5c98d59b44d4b" providerId="LiveId" clId="{2BA6F94F-59B6-4AA6-9DB6-4A8227DBE37E}" dt="2023-04-03T05:01:32.816" v="2643" actId="1076"/>
+          <ac:picMkLst>
+            <pc:docMk/>
+            <pc:sldMk cId="3725727672" sldId="264"/>
+            <ac:picMk id="9" creationId="{5508513D-8323-A6F7-C52C-5D05B49C07CC}"/>
+          </ac:picMkLst>
+        </pc:picChg>
+        <pc:picChg chg="add mod">
+          <ac:chgData name="Scruel Tao" userId="5ea5c98d59b44d4b" providerId="LiveId" clId="{2BA6F94F-59B6-4AA6-9DB6-4A8227DBE37E}" dt="2023-04-03T05:01:30.973" v="2642" actId="1076"/>
+          <ac:picMkLst>
+            <pc:docMk/>
+            <pc:sldMk cId="3725727672" sldId="264"/>
+            <ac:picMk id="14" creationId="{D5EB1BEF-B3CD-34F8-C19A-87E8C64345B3}"/>
+          </ac:picMkLst>
+        </pc:picChg>
+      </pc:sldChg>
+      <pc:sldChg chg="addSp delSp modSp add mod">
+        <pc:chgData name="Scruel Tao" userId="5ea5c98d59b44d4b" providerId="LiveId" clId="{2BA6F94F-59B6-4AA6-9DB6-4A8227DBE37E}" dt="2023-04-06T03:12:15.194" v="6242" actId="13926"/>
+        <pc:sldMkLst>
+          <pc:docMk/>
+          <pc:sldMk cId="3416507657" sldId="265"/>
+        </pc:sldMkLst>
+        <pc:spChg chg="mod">
+          <ac:chgData name="Scruel Tao" userId="5ea5c98d59b44d4b" providerId="LiveId" clId="{2BA6F94F-59B6-4AA6-9DB6-4A8227DBE37E}" dt="2023-04-06T01:59:38.903" v="3439" actId="20577"/>
+          <ac:spMkLst>
+            <pc:docMk/>
+            <pc:sldMk cId="3416507657" sldId="265"/>
+            <ac:spMk id="2" creationId="{ABA783DF-49A6-7EF1-661E-C574E2C2F386}"/>
+          </ac:spMkLst>
+        </pc:spChg>
+        <pc:spChg chg="add del mod">
+          <ac:chgData name="Scruel Tao" userId="5ea5c98d59b44d4b" providerId="LiveId" clId="{2BA6F94F-59B6-4AA6-9DB6-4A8227DBE37E}" dt="2023-04-06T03:12:15.194" v="6242" actId="13926"/>
+          <ac:spMkLst>
+            <pc:docMk/>
+            <pc:sldMk cId="3416507657" sldId="265"/>
+            <ac:spMk id="5" creationId="{334FF01F-2A65-44F6-34F9-69AC934A31D7}"/>
+          </ac:spMkLst>
+        </pc:spChg>
+        <pc:spChg chg="add del mod">
+          <ac:chgData name="Scruel Tao" userId="5ea5c98d59b44d4b" providerId="LiveId" clId="{2BA6F94F-59B6-4AA6-9DB6-4A8227DBE37E}" dt="2023-04-03T05:07:31.501" v="2932"/>
+          <ac:spMkLst>
+            <pc:docMk/>
+            <pc:sldMk cId="3416507657" sldId="265"/>
+            <ac:spMk id="9" creationId="{CCAFF9B5-8F81-F673-219D-9240B0194641}"/>
+          </ac:spMkLst>
+        </pc:spChg>
+        <pc:spChg chg="del">
+          <ac:chgData name="Scruel Tao" userId="5ea5c98d59b44d4b" providerId="LiveId" clId="{2BA6F94F-59B6-4AA6-9DB6-4A8227DBE37E}" dt="2023-04-03T05:06:16.950" v="2812"/>
+          <ac:spMkLst>
+            <pc:docMk/>
+            <pc:sldMk cId="3416507657" sldId="265"/>
+            <ac:spMk id="12" creationId="{17AECC1C-6944-9F68-770A-0455E86B2492}"/>
+          </ac:spMkLst>
+        </pc:spChg>
+        <pc:picChg chg="add del mod">
+          <ac:chgData name="Scruel Tao" userId="5ea5c98d59b44d4b" providerId="LiveId" clId="{2BA6F94F-59B6-4AA6-9DB6-4A8227DBE37E}" dt="2023-04-03T05:06:16.168" v="2811"/>
+          <ac:picMkLst>
+            <pc:docMk/>
+            <pc:sldMk cId="3416507657" sldId="265"/>
+            <ac:picMk id="4" creationId="{ABCDEA2C-CB97-DE24-E641-E77BFA3BF78D}"/>
+          </ac:picMkLst>
+        </pc:picChg>
+        <pc:picChg chg="add del mod">
+          <ac:chgData name="Scruel Tao" userId="5ea5c98d59b44d4b" providerId="LiveId" clId="{2BA6F94F-59B6-4AA6-9DB6-4A8227DBE37E}" dt="2023-04-03T05:07:30.490" v="2931" actId="478"/>
+          <ac:picMkLst>
+            <pc:docMk/>
+            <pc:sldMk cId="3416507657" sldId="265"/>
+            <ac:picMk id="7" creationId="{203C7841-531F-0781-7458-699E2A5C7CE7}"/>
+          </ac:picMkLst>
+        </pc:picChg>
+        <pc:picChg chg="add mod">
+          <ac:chgData name="Scruel Tao" userId="5ea5c98d59b44d4b" providerId="LiveId" clId="{2BA6F94F-59B6-4AA6-9DB6-4A8227DBE37E}" dt="2023-04-03T05:09:18.591" v="3012" actId="1076"/>
+          <ac:picMkLst>
+            <pc:docMk/>
+            <pc:sldMk cId="3416507657" sldId="265"/>
+            <ac:picMk id="11" creationId="{44AA24C5-508C-4D40-7E65-55D5627E4671}"/>
+          </ac:picMkLst>
+        </pc:picChg>
+      </pc:sldChg>
+      <pc:sldChg chg="add del">
+        <pc:chgData name="Scruel Tao" userId="5ea5c98d59b44d4b" providerId="LiveId" clId="{2BA6F94F-59B6-4AA6-9DB6-4A8227DBE37E}" dt="2023-04-03T05:03:50.426" v="2761" actId="47"/>
+        <pc:sldMkLst>
+          <pc:docMk/>
+          <pc:sldMk cId="3540231720" sldId="266"/>
+        </pc:sldMkLst>
+      </pc:sldChg>
+      <pc:sldChg chg="add del">
+        <pc:chgData name="Scruel Tao" userId="5ea5c98d59b44d4b" providerId="LiveId" clId="{2BA6F94F-59B6-4AA6-9DB6-4A8227DBE37E}" dt="2023-04-03T05:03:50.758" v="2762" actId="47"/>
+        <pc:sldMkLst>
+          <pc:docMk/>
+          <pc:sldMk cId="4025758886" sldId="267"/>
+        </pc:sldMkLst>
+      </pc:sldChg>
+      <pc:sldChg chg="add del">
+        <pc:chgData name="Scruel Tao" userId="5ea5c98d59b44d4b" providerId="LiveId" clId="{2BA6F94F-59B6-4AA6-9DB6-4A8227DBE37E}" dt="2023-04-03T05:03:50.967" v="2763" actId="47"/>
+        <pc:sldMkLst>
+          <pc:docMk/>
+          <pc:sldMk cId="3881832977" sldId="268"/>
+        </pc:sldMkLst>
+      </pc:sldChg>
+      <pc:sldChg chg="add del">
+        <pc:chgData name="Scruel Tao" userId="5ea5c98d59b44d4b" providerId="LiveId" clId="{2BA6F94F-59B6-4AA6-9DB6-4A8227DBE37E}" dt="2023-04-03T05:03:51.140" v="2764" actId="47"/>
+        <pc:sldMkLst>
+          <pc:docMk/>
+          <pc:sldMk cId="3546485175" sldId="269"/>
+        </pc:sldMkLst>
+      </pc:sldChg>
+      <pc:sldChg chg="addSp delSp modSp add mod ord">
+        <pc:chgData name="Scruel Tao" userId="5ea5c98d59b44d4b" providerId="LiveId" clId="{2BA6F94F-59B6-4AA6-9DB6-4A8227DBE37E}" dt="2023-04-06T03:12:53.496" v="6269" actId="1076"/>
+        <pc:sldMkLst>
+          <pc:docMk/>
+          <pc:sldMk cId="192831406" sldId="270"/>
+        </pc:sldMkLst>
+        <pc:spChg chg="mod">
+          <ac:chgData name="Scruel Tao" userId="5ea5c98d59b44d4b" providerId="LiveId" clId="{2BA6F94F-59B6-4AA6-9DB6-4A8227DBE37E}" dt="2023-04-06T01:59:06.037" v="3423" actId="20577"/>
+          <ac:spMkLst>
+            <pc:docMk/>
+            <pc:sldMk cId="192831406" sldId="270"/>
+            <ac:spMk id="2" creationId="{ABA783DF-49A6-7EF1-661E-C574E2C2F386}"/>
+          </ac:spMkLst>
+        </pc:spChg>
+        <pc:spChg chg="mod">
+          <ac:chgData name="Scruel Tao" userId="5ea5c98d59b44d4b" providerId="LiveId" clId="{2BA6F94F-59B6-4AA6-9DB6-4A8227DBE37E}" dt="2023-04-03T04:55:36.354" v="2500" actId="20577"/>
+          <ac:spMkLst>
+            <pc:docMk/>
+            <pc:sldMk cId="192831406" sldId="270"/>
+            <ac:spMk id="5" creationId="{334FF01F-2A65-44F6-34F9-69AC934A31D7}"/>
+          </ac:spMkLst>
+        </pc:spChg>
+        <pc:spChg chg="add del mod">
+          <ac:chgData name="Scruel Tao" userId="5ea5c98d59b44d4b" providerId="LiveId" clId="{2BA6F94F-59B6-4AA6-9DB6-4A8227DBE37E}" dt="2023-04-03T04:49:26.325" v="2108"/>
+          <ac:spMkLst>
+            <pc:docMk/>
+            <pc:sldMk cId="192831406" sldId="270"/>
+            <ac:spMk id="6" creationId="{4825B1F8-4B63-9130-AF5C-D8B58F7AE6AF}"/>
+          </ac:spMkLst>
+        </pc:spChg>
+        <pc:spChg chg="add del mod">
+          <ac:chgData name="Scruel Tao" userId="5ea5c98d59b44d4b" providerId="LiveId" clId="{2BA6F94F-59B6-4AA6-9DB6-4A8227DBE37E}" dt="2023-04-03T04:55:48.392" v="2504"/>
+          <ac:spMkLst>
+            <pc:docMk/>
+            <pc:sldMk cId="192831406" sldId="270"/>
+            <ac:spMk id="13" creationId="{BFF52406-2E49-3B9D-2A6D-2A5EDD1B1D0D}"/>
+          </ac:spMkLst>
+        </pc:spChg>
+        <pc:spChg chg="add mod">
+          <ac:chgData name="Scruel Tao" userId="5ea5c98d59b44d4b" providerId="LiveId" clId="{2BA6F94F-59B6-4AA6-9DB6-4A8227DBE37E}" dt="2023-04-06T03:12:53.496" v="6269" actId="1076"/>
+          <ac:spMkLst>
+            <pc:docMk/>
+            <pc:sldMk cId="192831406" sldId="270"/>
+            <ac:spMk id="14" creationId="{BF2C039C-7D70-5BA8-10BF-AC65C1C472C2}"/>
+          </ac:spMkLst>
+        </pc:spChg>
+        <pc:picChg chg="del">
+          <ac:chgData name="Scruel Tao" userId="5ea5c98d59b44d4b" providerId="LiveId" clId="{2BA6F94F-59B6-4AA6-9DB6-4A8227DBE37E}" dt="2023-04-03T04:46:04.237" v="2072" actId="21"/>
+          <ac:picMkLst>
+            <pc:docMk/>
+            <pc:sldMk cId="192831406" sldId="270"/>
+            <ac:picMk id="4" creationId="{A511FBE8-0DD6-E630-8EF3-0C4EEA9CD752}"/>
+          </ac:picMkLst>
+        </pc:picChg>
+        <pc:picChg chg="del mod">
+          <ac:chgData name="Scruel Tao" userId="5ea5c98d59b44d4b" providerId="LiveId" clId="{2BA6F94F-59B6-4AA6-9DB6-4A8227DBE37E}" dt="2023-04-03T04:49:25.552" v="2107" actId="21"/>
+          <ac:picMkLst>
+            <pc:docMk/>
+            <pc:sldMk cId="192831406" sldId="270"/>
+            <ac:picMk id="7" creationId="{DD04D8AF-8509-73F1-4E2C-416ED822D93C}"/>
+          </ac:picMkLst>
+        </pc:picChg>
+        <pc:picChg chg="add mod">
+          <ac:chgData name="Scruel Tao" userId="5ea5c98d59b44d4b" providerId="LiveId" clId="{2BA6F94F-59B6-4AA6-9DB6-4A8227DBE37E}" dt="2023-04-03T04:56:24.305" v="2563" actId="1076"/>
+          <ac:picMkLst>
+            <pc:docMk/>
+            <pc:sldMk cId="192831406" sldId="270"/>
+            <ac:picMk id="8" creationId="{9FEE71E3-5A5A-BDD3-0177-666AE0953528}"/>
+          </ac:picMkLst>
+        </pc:picChg>
+        <pc:picChg chg="add mod">
+          <ac:chgData name="Scruel Tao" userId="5ea5c98d59b44d4b" providerId="LiveId" clId="{2BA6F94F-59B6-4AA6-9DB6-4A8227DBE37E}" dt="2023-04-03T04:57:09.828" v="2614" actId="1076"/>
+          <ac:picMkLst>
+            <pc:docMk/>
+            <pc:sldMk cId="192831406" sldId="270"/>
+            <ac:picMk id="10" creationId="{ED7D2C24-3911-466C-3E76-669FC1671250}"/>
+          </ac:picMkLst>
+        </pc:picChg>
+        <pc:picChg chg="add mod">
+          <ac:chgData name="Scruel Tao" userId="5ea5c98d59b44d4b" providerId="LiveId" clId="{2BA6F94F-59B6-4AA6-9DB6-4A8227DBE37E}" dt="2023-04-03T04:55:39.683" v="2501" actId="1076"/>
+          <ac:picMkLst>
+            <pc:docMk/>
+            <pc:sldMk cId="192831406" sldId="270"/>
+            <ac:picMk id="12" creationId="{A8B42638-E2EC-8913-3326-65DFC6BFA414}"/>
+          </ac:picMkLst>
+        </pc:picChg>
+      </pc:sldChg>
+      <pc:sldChg chg="addSp delSp modSp add mod modTransition delAnim modAnim">
+        <pc:chgData name="Scruel Tao" userId="5ea5c98d59b44d4b" providerId="LiveId" clId="{2BA6F94F-59B6-4AA6-9DB6-4A8227DBE37E}" dt="2023-04-06T02:37:35.540" v="4103" actId="20577"/>
+        <pc:sldMkLst>
+          <pc:docMk/>
+          <pc:sldMk cId="555885545" sldId="271"/>
+        </pc:sldMkLst>
+        <pc:spChg chg="mod">
+          <ac:chgData name="Scruel Tao" userId="5ea5c98d59b44d4b" providerId="LiveId" clId="{2BA6F94F-59B6-4AA6-9DB6-4A8227DBE37E}" dt="2023-04-06T02:37:35.540" v="4103" actId="20577"/>
+          <ac:spMkLst>
+            <pc:docMk/>
+            <pc:sldMk cId="555885545" sldId="271"/>
+            <ac:spMk id="2" creationId="{ABA783DF-49A6-7EF1-661E-C574E2C2F386}"/>
+          </ac:spMkLst>
+        </pc:spChg>
+        <pc:spChg chg="mod">
+          <ac:chgData name="Scruel Tao" userId="5ea5c98d59b44d4b" providerId="LiveId" clId="{2BA6F94F-59B6-4AA6-9DB6-4A8227DBE37E}" dt="2023-04-06T02:37:10.496" v="4102" actId="20577"/>
+          <ac:spMkLst>
+            <pc:docMk/>
+            <pc:sldMk cId="555885545" sldId="271"/>
+            <ac:spMk id="5" creationId="{334FF01F-2A65-44F6-34F9-69AC934A31D7}"/>
+          </ac:spMkLst>
+        </pc:spChg>
+        <pc:spChg chg="del">
+          <ac:chgData name="Scruel Tao" userId="5ea5c98d59b44d4b" providerId="LiveId" clId="{2BA6F94F-59B6-4AA6-9DB6-4A8227DBE37E}" dt="2023-04-03T05:12:20.396" v="3109"/>
+          <ac:spMkLst>
+            <pc:docMk/>
+            <pc:sldMk cId="555885545" sldId="271"/>
+            <ac:spMk id="12" creationId="{17AECC1C-6944-9F68-770A-0455E86B2492}"/>
+          </ac:spMkLst>
+        </pc:spChg>
+        <pc:picChg chg="add mod">
+          <ac:chgData name="Scruel Tao" userId="5ea5c98d59b44d4b" providerId="LiveId" clId="{2BA6F94F-59B6-4AA6-9DB6-4A8227DBE37E}" dt="2023-04-03T05:12:24.482" v="3111" actId="1076"/>
+          <ac:picMkLst>
+            <pc:docMk/>
+            <pc:sldMk cId="555885545" sldId="271"/>
+            <ac:picMk id="3" creationId="{E9C9C4B6-9E80-13FC-3C11-56455F818828}"/>
+          </ac:picMkLst>
+        </pc:picChg>
+        <pc:picChg chg="add del mod">
+          <ac:chgData name="Scruel Tao" userId="5ea5c98d59b44d4b" providerId="LiveId" clId="{2BA6F94F-59B6-4AA6-9DB6-4A8227DBE37E}" dt="2023-04-06T02:23:46.442" v="3975" actId="478"/>
+          <ac:picMkLst>
+            <pc:docMk/>
+            <pc:sldMk cId="555885545" sldId="271"/>
+            <ac:picMk id="6" creationId="{946FBC4D-967C-E0DD-4B99-AFE37DE456FC}"/>
+          </ac:picMkLst>
+        </pc:picChg>
+        <pc:picChg chg="add del mod">
+          <ac:chgData name="Scruel Tao" userId="5ea5c98d59b44d4b" providerId="LiveId" clId="{2BA6F94F-59B6-4AA6-9DB6-4A8227DBE37E}" dt="2023-04-06T02:34:23.966" v="4014" actId="478"/>
+          <ac:picMkLst>
+            <pc:docMk/>
+            <pc:sldMk cId="555885545" sldId="271"/>
+            <ac:picMk id="8" creationId="{CBE0F782-9063-9A1B-F123-E3585C23F8D4}"/>
+          </ac:picMkLst>
+        </pc:picChg>
+        <pc:picChg chg="add mod ord">
+          <ac:chgData name="Scruel Tao" userId="5ea5c98d59b44d4b" providerId="LiveId" clId="{2BA6F94F-59B6-4AA6-9DB6-4A8227DBE37E}" dt="2023-04-06T02:34:21.109" v="4013" actId="171"/>
+          <ac:picMkLst>
+            <pc:docMk/>
+            <pc:sldMk cId="555885545" sldId="271"/>
+            <ac:picMk id="10" creationId="{AB9AA877-00A8-CAE0-AEB2-54C3CC706AB2}"/>
+          </ac:picMkLst>
+        </pc:picChg>
+        <pc:picChg chg="add del mod">
+          <ac:chgData name="Scruel Tao" userId="5ea5c98d59b44d4b" providerId="LiveId" clId="{2BA6F94F-59B6-4AA6-9DB6-4A8227DBE37E}" dt="2023-04-06T02:34:05.904" v="4011" actId="478"/>
+          <ac:picMkLst>
+            <pc:docMk/>
+            <pc:sldMk cId="555885545" sldId="271"/>
+            <ac:picMk id="12" creationId="{6B5B9BC3-94A6-21D9-46F9-DD8E61B43B92}"/>
+          </ac:picMkLst>
+        </pc:picChg>
+        <pc:picChg chg="add mod">
+          <ac:chgData name="Scruel Tao" userId="5ea5c98d59b44d4b" providerId="LiveId" clId="{2BA6F94F-59B6-4AA6-9DB6-4A8227DBE37E}" dt="2023-04-06T02:34:48.022" v="4029" actId="1076"/>
+          <ac:picMkLst>
+            <pc:docMk/>
+            <pc:sldMk cId="555885545" sldId="271"/>
+            <ac:picMk id="14" creationId="{6A16C4FE-00E6-5357-100A-B8710B34F596}"/>
+          </ac:picMkLst>
+        </pc:picChg>
+        <pc:picChg chg="add mod">
+          <ac:chgData name="Scruel Tao" userId="5ea5c98d59b44d4b" providerId="LiveId" clId="{2BA6F94F-59B6-4AA6-9DB6-4A8227DBE37E}" dt="2023-04-06T02:35:36.170" v="4034" actId="1076"/>
+          <ac:picMkLst>
+            <pc:docMk/>
+            <pc:sldMk cId="555885545" sldId="271"/>
+            <ac:picMk id="16" creationId="{11C754BB-74AE-32B2-031C-7FF20420B575}"/>
+          </ac:picMkLst>
+        </pc:picChg>
+      </pc:sldChg>
+      <pc:sldChg chg="addSp delSp modSp add mod modClrScheme modAnim chgLayout">
+        <pc:chgData name="Scruel Tao" userId="5ea5c98d59b44d4b" providerId="LiveId" clId="{2BA6F94F-59B6-4AA6-9DB6-4A8227DBE37E}" dt="2023-04-06T03:21:33.591" v="6322" actId="20577"/>
+        <pc:sldMkLst>
+          <pc:docMk/>
+          <pc:sldMk cId="1518949093" sldId="272"/>
+        </pc:sldMkLst>
+        <pc:spChg chg="mod ord">
+          <ac:chgData name="Scruel Tao" userId="5ea5c98d59b44d4b" providerId="LiveId" clId="{2BA6F94F-59B6-4AA6-9DB6-4A8227DBE37E}" dt="2023-04-06T02:46:26.755" v="4346" actId="700"/>
+          <ac:spMkLst>
+            <pc:docMk/>
+            <pc:sldMk cId="1518949093" sldId="272"/>
+            <ac:spMk id="2" creationId="{ABA783DF-49A6-7EF1-661E-C574E2C2F386}"/>
+          </ac:spMkLst>
+        </pc:spChg>
+        <pc:spChg chg="add mod ord">
+          <ac:chgData name="Scruel Tao" userId="5ea5c98d59b44d4b" providerId="LiveId" clId="{2BA6F94F-59B6-4AA6-9DB6-4A8227DBE37E}" dt="2023-04-06T03:21:33.591" v="6322" actId="20577"/>
+          <ac:spMkLst>
+            <pc:docMk/>
+            <pc:sldMk cId="1518949093" sldId="272"/>
+            <ac:spMk id="3" creationId="{939F03AE-10F4-D882-D99A-D5393469A114}"/>
+          </ac:spMkLst>
+        </pc:spChg>
+        <pc:spChg chg="add mod">
+          <ac:chgData name="Scruel Tao" userId="5ea5c98d59b44d4b" providerId="LiveId" clId="{2BA6F94F-59B6-4AA6-9DB6-4A8227DBE37E}" dt="2023-04-06T03:00:35.995" v="5800" actId="1076"/>
+          <ac:spMkLst>
+            <pc:docMk/>
+            <pc:sldMk cId="1518949093" sldId="272"/>
+            <ac:spMk id="4" creationId="{7F9F47DD-E49D-A929-FBF6-0571BAC29FB6}"/>
+          </ac:spMkLst>
+        </pc:spChg>
+        <pc:spChg chg="del mod ord">
+          <ac:chgData name="Scruel Tao" userId="5ea5c98d59b44d4b" providerId="LiveId" clId="{2BA6F94F-59B6-4AA6-9DB6-4A8227DBE37E}" dt="2023-04-06T02:46:26.755" v="4346" actId="700"/>
+          <ac:spMkLst>
+            <pc:docMk/>
+            <pc:sldMk cId="1518949093" sldId="272"/>
+            <ac:spMk id="5" creationId="{334FF01F-2A65-44F6-34F9-69AC934A31D7}"/>
+          </ac:spMkLst>
+        </pc:spChg>
+        <pc:spChg chg="add del mod">
+          <ac:chgData name="Scruel Tao" userId="5ea5c98d59b44d4b" providerId="LiveId" clId="{2BA6F94F-59B6-4AA6-9DB6-4A8227DBE37E}" dt="2023-04-06T02:46:26.755" v="4346" actId="700"/>
+          <ac:spMkLst>
+            <pc:docMk/>
+            <pc:sldMk cId="1518949093" sldId="272"/>
+            <ac:spMk id="7" creationId="{F35B7A8A-4930-2C62-CD2B-1E4E38AFABE3}"/>
+          </ac:spMkLst>
+        </pc:spChg>
+        <pc:spChg chg="del">
+          <ac:chgData name="Scruel Tao" userId="5ea5c98d59b44d4b" providerId="LiveId" clId="{2BA6F94F-59B6-4AA6-9DB6-4A8227DBE37E}" dt="2023-04-03T05:12:13.720" v="3106"/>
+          <ac:spMkLst>
+            <pc:docMk/>
+            <pc:sldMk cId="1518949093" sldId="272"/>
+            <ac:spMk id="12" creationId="{17AECC1C-6944-9F68-770A-0455E86B2492}"/>
+          </ac:spMkLst>
+        </pc:spChg>
+        <pc:picChg chg="add del mod">
+          <ac:chgData name="Scruel Tao" userId="5ea5c98d59b44d4b" providerId="LiveId" clId="{2BA6F94F-59B6-4AA6-9DB6-4A8227DBE37E}" dt="2023-04-03T05:12:18.430" v="3108" actId="21"/>
+          <ac:picMkLst>
+            <pc:docMk/>
+            <pc:sldMk cId="1518949093" sldId="272"/>
+            <ac:picMk id="4" creationId="{ED7E2725-EC32-D629-C663-EC55BC83D8AA}"/>
+          </ac:picMkLst>
+        </pc:picChg>
+      </pc:sldChg>
+      <pc:sldChg chg="addSp delSp modSp add mod modAnim">
+        <pc:chgData name="Scruel Tao" userId="5ea5c98d59b44d4b" providerId="LiveId" clId="{2BA6F94F-59B6-4AA6-9DB6-4A8227DBE37E}" dt="2023-04-06T03:22:01.021" v="6326" actId="20577"/>
+        <pc:sldMkLst>
+          <pc:docMk/>
+          <pc:sldMk cId="1301849154" sldId="273"/>
+        </pc:sldMkLst>
+        <pc:spChg chg="mod">
+          <ac:chgData name="Scruel Tao" userId="5ea5c98d59b44d4b" providerId="LiveId" clId="{2BA6F94F-59B6-4AA6-9DB6-4A8227DBE37E}" dt="2023-04-06T02:00:22.559" v="3502" actId="20577"/>
+          <ac:spMkLst>
+            <pc:docMk/>
+            <pc:sldMk cId="1301849154" sldId="273"/>
+            <ac:spMk id="2" creationId="{ABA783DF-49A6-7EF1-661E-C574E2C2F386}"/>
+          </ac:spMkLst>
+        </pc:spChg>
+        <pc:spChg chg="mod ord">
+          <ac:chgData name="Scruel Tao" userId="5ea5c98d59b44d4b" providerId="LiveId" clId="{2BA6F94F-59B6-4AA6-9DB6-4A8227DBE37E}" dt="2023-04-06T03:22:01.021" v="6326" actId="20577"/>
+          <ac:spMkLst>
+            <pc:docMk/>
+            <pc:sldMk cId="1301849154" sldId="273"/>
+            <ac:spMk id="5" creationId="{334FF01F-2A65-44F6-34F9-69AC934A31D7}"/>
+          </ac:spMkLst>
+        </pc:spChg>
+        <pc:spChg chg="add del">
+          <ac:chgData name="Scruel Tao" userId="5ea5c98d59b44d4b" providerId="LiveId" clId="{2BA6F94F-59B6-4AA6-9DB6-4A8227DBE37E}" dt="2023-04-06T03:03:08.342" v="5816" actId="22"/>
+          <ac:spMkLst>
+            <pc:docMk/>
+            <pc:sldMk cId="1301849154" sldId="273"/>
+            <ac:spMk id="9" creationId="{2D63CFCC-FD4C-6E5B-C31C-1FACE6548087}"/>
+          </ac:spMkLst>
+        </pc:spChg>
+        <pc:spChg chg="del">
+          <ac:chgData name="Scruel Tao" userId="5ea5c98d59b44d4b" providerId="LiveId" clId="{2BA6F94F-59B6-4AA6-9DB6-4A8227DBE37E}" dt="2023-04-06T02:59:42.163" v="5772"/>
+          <ac:spMkLst>
+            <pc:docMk/>
+            <pc:sldMk cId="1301849154" sldId="273"/>
+            <ac:spMk id="12" creationId="{17AECC1C-6944-9F68-770A-0455E86B2492}"/>
+          </ac:spMkLst>
+        </pc:spChg>
+        <pc:picChg chg="add mod">
+          <ac:chgData name="Scruel Tao" userId="5ea5c98d59b44d4b" providerId="LiveId" clId="{2BA6F94F-59B6-4AA6-9DB6-4A8227DBE37E}" dt="2023-04-06T03:00:08.355" v="5783" actId="14100"/>
+          <ac:picMkLst>
+            <pc:docMk/>
+            <pc:sldMk cId="1301849154" sldId="273"/>
+            <ac:picMk id="4" creationId="{0A002240-4414-DA2D-96E9-81195475F4D9}"/>
+          </ac:picMkLst>
+        </pc:picChg>
+        <pc:picChg chg="add mod">
+          <ac:chgData name="Scruel Tao" userId="5ea5c98d59b44d4b" providerId="LiveId" clId="{2BA6F94F-59B6-4AA6-9DB6-4A8227DBE37E}" dt="2023-04-06T03:01:55.942" v="5807" actId="1076"/>
+          <ac:picMkLst>
+            <pc:docMk/>
+            <pc:sldMk cId="1301849154" sldId="273"/>
+            <ac:picMk id="7" creationId="{039AB04D-EA90-8BDD-A9C6-599C7C25DC63}"/>
+          </ac:picMkLst>
+        </pc:picChg>
+        <pc:picChg chg="add mod">
+          <ac:chgData name="Scruel Tao" userId="5ea5c98d59b44d4b" providerId="LiveId" clId="{2BA6F94F-59B6-4AA6-9DB6-4A8227DBE37E}" dt="2023-04-06T03:03:35.262" v="5826" actId="1076"/>
+          <ac:picMkLst>
+            <pc:docMk/>
+            <pc:sldMk cId="1301849154" sldId="273"/>
+            <ac:picMk id="11" creationId="{F56CF5C9-083E-9020-8D45-F23AB3CF38CE}"/>
+          </ac:picMkLst>
+        </pc:picChg>
+      </pc:sldChg>
+      <pc:sldChg chg="addSp delSp modSp add mod modClrScheme modAnim chgLayout">
+        <pc:chgData name="Scruel Tao" userId="5ea5c98d59b44d4b" providerId="LiveId" clId="{2BA6F94F-59B6-4AA6-9DB6-4A8227DBE37E}" dt="2023-04-06T03:08:04.347" v="6177" actId="20577"/>
+        <pc:sldMkLst>
+          <pc:docMk/>
+          <pc:sldMk cId="2878673110" sldId="274"/>
+        </pc:sldMkLst>
+        <pc:spChg chg="mod ord">
+          <ac:chgData name="Scruel Tao" userId="5ea5c98d59b44d4b" providerId="LiveId" clId="{2BA6F94F-59B6-4AA6-9DB6-4A8227DBE37E}" dt="2023-04-06T03:06:24.832" v="6026" actId="20577"/>
+          <ac:spMkLst>
+            <pc:docMk/>
+            <pc:sldMk cId="2878673110" sldId="274"/>
+            <ac:spMk id="2" creationId="{ABA783DF-49A6-7EF1-661E-C574E2C2F386}"/>
+          </ac:spMkLst>
+        </pc:spChg>
+        <pc:spChg chg="add mod ord">
+          <ac:chgData name="Scruel Tao" userId="5ea5c98d59b44d4b" providerId="LiveId" clId="{2BA6F94F-59B6-4AA6-9DB6-4A8227DBE37E}" dt="2023-04-06T03:08:04.347" v="6177" actId="20577"/>
+          <ac:spMkLst>
+            <pc:docMk/>
+            <pc:sldMk cId="2878673110" sldId="274"/>
+            <ac:spMk id="3" creationId="{9E0BA8B8-92DA-1AC9-79B9-A552D184BB54}"/>
+          </ac:spMkLst>
+        </pc:spChg>
+        <pc:spChg chg="del mod ord">
+          <ac:chgData name="Scruel Tao" userId="5ea5c98d59b44d4b" providerId="LiveId" clId="{2BA6F94F-59B6-4AA6-9DB6-4A8227DBE37E}" dt="2023-04-03T05:14:57.549" v="3272" actId="700"/>
+          <ac:spMkLst>
+            <pc:docMk/>
+            <pc:sldMk cId="2878673110" sldId="274"/>
+            <ac:spMk id="5" creationId="{334FF01F-2A65-44F6-34F9-69AC934A31D7}"/>
+          </ac:spMkLst>
+        </pc:spChg>
+        <pc:spChg chg="del">
+          <ac:chgData name="Scruel Tao" userId="5ea5c98d59b44d4b" providerId="LiveId" clId="{2BA6F94F-59B6-4AA6-9DB6-4A8227DBE37E}" dt="2023-04-03T05:14:57.549" v="3272" actId="700"/>
+          <ac:spMkLst>
+            <pc:docMk/>
+            <pc:sldMk cId="2878673110" sldId="274"/>
+            <ac:spMk id="12" creationId="{17AECC1C-6944-9F68-770A-0455E86B2492}"/>
+          </ac:spMkLst>
+        </pc:spChg>
+      </pc:sldChg>
+      <pc:sldChg chg="addSp delSp modSp add mod delAnim modAnim">
+        <pc:chgData name="Scruel Tao" userId="5ea5c98d59b44d4b" providerId="LiveId" clId="{2BA6F94F-59B6-4AA6-9DB6-4A8227DBE37E}" dt="2023-04-06T03:11:42.112" v="6223" actId="20577"/>
+        <pc:sldMkLst>
+          <pc:docMk/>
+          <pc:sldMk cId="1525970791" sldId="275"/>
+        </pc:sldMkLst>
+        <pc:spChg chg="mod">
+          <ac:chgData name="Scruel Tao" userId="5ea5c98d59b44d4b" providerId="LiveId" clId="{2BA6F94F-59B6-4AA6-9DB6-4A8227DBE37E}" dt="2023-04-06T02:37:55.606" v="4130" actId="20577"/>
+          <ac:spMkLst>
+            <pc:docMk/>
+            <pc:sldMk cId="1525970791" sldId="275"/>
+            <ac:spMk id="2" creationId="{ABA783DF-49A6-7EF1-661E-C574E2C2F386}"/>
+          </ac:spMkLst>
+        </pc:spChg>
+        <pc:spChg chg="add mod">
+          <ac:chgData name="Scruel Tao" userId="5ea5c98d59b44d4b" providerId="LiveId" clId="{2BA6F94F-59B6-4AA6-9DB6-4A8227DBE37E}" dt="2023-04-06T02:40:44.115" v="4288" actId="1076"/>
+          <ac:spMkLst>
+            <pc:docMk/>
+            <pc:sldMk cId="1525970791" sldId="275"/>
+            <ac:spMk id="3" creationId="{758FEE91-E006-78B4-7371-44F05CE1873F}"/>
+          </ac:spMkLst>
+        </pc:spChg>
+        <pc:spChg chg="mod">
+          <ac:chgData name="Scruel Tao" userId="5ea5c98d59b44d4b" providerId="LiveId" clId="{2BA6F94F-59B6-4AA6-9DB6-4A8227DBE37E}" dt="2023-04-06T03:11:42.112" v="6223" actId="20577"/>
+          <ac:spMkLst>
+            <pc:docMk/>
+            <pc:sldMk cId="1525970791" sldId="275"/>
+            <ac:spMk id="5" creationId="{334FF01F-2A65-44F6-34F9-69AC934A31D7}"/>
+          </ac:spMkLst>
+        </pc:spChg>
+        <pc:spChg chg="add del mod">
+          <ac:chgData name="Scruel Tao" userId="5ea5c98d59b44d4b" providerId="LiveId" clId="{2BA6F94F-59B6-4AA6-9DB6-4A8227DBE37E}" dt="2023-04-06T02:41:11.484" v="4301"/>
+          <ac:spMkLst>
+            <pc:docMk/>
+            <pc:sldMk cId="1525970791" sldId="275"/>
+            <ac:spMk id="6" creationId="{FE71521E-2CC0-4A61-AAED-50B969DD3FB2}"/>
+          </ac:spMkLst>
+        </pc:spChg>
+        <pc:spChg chg="add del mod">
+          <ac:chgData name="Scruel Tao" userId="5ea5c98d59b44d4b" providerId="LiveId" clId="{2BA6F94F-59B6-4AA6-9DB6-4A8227DBE37E}" dt="2023-04-06T02:41:49.801" v="4308"/>
+          <ac:spMkLst>
+            <pc:docMk/>
+            <pc:sldMk cId="1525970791" sldId="275"/>
+            <ac:spMk id="11" creationId="{E7566BCF-DD27-2A40-5FAC-846D590C6664}"/>
+          </ac:spMkLst>
+        </pc:spChg>
+        <pc:picChg chg="del">
+          <ac:chgData name="Scruel Tao" userId="5ea5c98d59b44d4b" providerId="LiveId" clId="{2BA6F94F-59B6-4AA6-9DB6-4A8227DBE37E}" dt="2023-04-03T05:13:19.543" v="3163" actId="21"/>
+          <ac:picMkLst>
+            <pc:docMk/>
+            <pc:sldMk cId="1525970791" sldId="275"/>
+            <ac:picMk id="3" creationId="{E9C9C4B6-9E80-13FC-3C11-56455F818828}"/>
+          </ac:picMkLst>
+        </pc:picChg>
+        <pc:picChg chg="add del mod">
+          <ac:chgData name="Scruel Tao" userId="5ea5c98d59b44d4b" providerId="LiveId" clId="{2BA6F94F-59B6-4AA6-9DB6-4A8227DBE37E}" dt="2023-04-06T02:41:10.728" v="4300"/>
+          <ac:picMkLst>
+            <pc:docMk/>
+            <pc:sldMk cId="1525970791" sldId="275"/>
+            <ac:picMk id="7" creationId="{72753DEC-DD0C-C274-F404-F5EB4CD1C448}"/>
+          </ac:picMkLst>
+        </pc:picChg>
+        <pc:picChg chg="add del mod">
+          <ac:chgData name="Scruel Tao" userId="5ea5c98d59b44d4b" providerId="LiveId" clId="{2BA6F94F-59B6-4AA6-9DB6-4A8227DBE37E}" dt="2023-04-06T02:41:48.798" v="4307" actId="478"/>
+          <ac:picMkLst>
+            <pc:docMk/>
+            <pc:sldMk cId="1525970791" sldId="275"/>
+            <ac:picMk id="9" creationId="{956D46E1-CA10-6110-3721-527FB106B816}"/>
+          </ac:picMkLst>
+        </pc:picChg>
+        <pc:picChg chg="add mod">
+          <ac:chgData name="Scruel Tao" userId="5ea5c98d59b44d4b" providerId="LiveId" clId="{2BA6F94F-59B6-4AA6-9DB6-4A8227DBE37E}" dt="2023-04-06T02:41:56.060" v="4311" actId="14100"/>
+          <ac:picMkLst>
+            <pc:docMk/>
+            <pc:sldMk cId="1525970791" sldId="275"/>
+            <ac:picMk id="13" creationId="{28E0336C-E8D0-EA88-BA1F-58180AAA10B2}"/>
+          </ac:picMkLst>
+        </pc:picChg>
+        <pc:picChg chg="add mod">
+          <ac:chgData name="Scruel Tao" userId="5ea5c98d59b44d4b" providerId="LiveId" clId="{2BA6F94F-59B6-4AA6-9DB6-4A8227DBE37E}" dt="2023-04-06T02:43:15.541" v="4323" actId="1076"/>
+          <ac:picMkLst>
+            <pc:docMk/>
+            <pc:sldMk cId="1525970791" sldId="275"/>
+            <ac:picMk id="15" creationId="{688D0B3B-ED19-D752-7801-4EA7CCF93CF1}"/>
+          </ac:picMkLst>
+        </pc:picChg>
+        <pc:picChg chg="add del mod">
+          <ac:chgData name="Scruel Tao" userId="5ea5c98d59b44d4b" providerId="LiveId" clId="{2BA6F94F-59B6-4AA6-9DB6-4A8227DBE37E}" dt="2023-04-06T02:45:44.597" v="4337" actId="478"/>
+          <ac:picMkLst>
+            <pc:docMk/>
+            <pc:sldMk cId="1525970791" sldId="275"/>
+            <ac:picMk id="17" creationId="{A0899730-319B-2A2E-DBC8-BEBF8655AA69}"/>
+          </ac:picMkLst>
+        </pc:picChg>
+        <pc:picChg chg="add mod">
+          <ac:chgData name="Scruel Tao" userId="5ea5c98d59b44d4b" providerId="LiveId" clId="{2BA6F94F-59B6-4AA6-9DB6-4A8227DBE37E}" dt="2023-04-06T02:45:54.296" v="4342" actId="1076"/>
+          <ac:picMkLst>
+            <pc:docMk/>
+            <pc:sldMk cId="1525970791" sldId="275"/>
+            <ac:picMk id="19" creationId="{EA4C9E56-4F35-33EF-251B-533EFC0DABBF}"/>
+          </ac:picMkLst>
+        </pc:picChg>
+      </pc:sldChg>
+      <pc:sldChg chg="modSp add del mod">
+        <pc:chgData name="Scruel Tao" userId="5ea5c98d59b44d4b" providerId="LiveId" clId="{2BA6F94F-59B6-4AA6-9DB6-4A8227DBE37E}" dt="2023-04-06T02:37:57.733" v="4131" actId="47"/>
+        <pc:sldMkLst>
+          <pc:docMk/>
+          <pc:sldMk cId="1084643022" sldId="276"/>
+        </pc:sldMkLst>
+        <pc:spChg chg="mod">
+          <ac:chgData name="Scruel Tao" userId="5ea5c98d59b44d4b" providerId="LiveId" clId="{2BA6F94F-59B6-4AA6-9DB6-4A8227DBE37E}" dt="2023-04-06T01:59:57.563" v="3451" actId="20577"/>
+          <ac:spMkLst>
+            <pc:docMk/>
+            <pc:sldMk cId="1084643022" sldId="276"/>
+            <ac:spMk id="2" creationId="{ABA783DF-49A6-7EF1-661E-C574E2C2F386}"/>
+          </ac:spMkLst>
+        </pc:spChg>
+      </pc:sldChg>
+      <pc:sldMasterChg chg="modSldLayout">
+        <pc:chgData name="Scruel Tao" userId="5ea5c98d59b44d4b" providerId="LiveId" clId="{2BA6F94F-59B6-4AA6-9DB6-4A8227DBE37E}" dt="2023-04-03T03:34:53.033" v="335" actId="1076"/>
+        <pc:sldMasterMkLst>
+          <pc:docMk/>
+          <pc:sldMasterMk cId="1766057859" sldId="2147483648"/>
+        </pc:sldMasterMkLst>
+        <pc:sldLayoutChg chg="delSp modSp mod">
+          <pc:chgData name="Scruel Tao" userId="5ea5c98d59b44d4b" providerId="LiveId" clId="{2BA6F94F-59B6-4AA6-9DB6-4A8227DBE37E}" dt="2023-04-03T03:34:53.033" v="335" actId="1076"/>
+          <pc:sldLayoutMkLst>
+            <pc:docMk/>
+            <pc:sldMasterMk cId="4050429394" sldId="2147483661"/>
+            <pc:sldLayoutMk cId="1337634028" sldId="2147483660"/>
+          </pc:sldLayoutMkLst>
+          <pc:spChg chg="del mod">
+            <ac:chgData name="Scruel Tao" userId="5ea5c98d59b44d4b" providerId="LiveId" clId="{2BA6F94F-59B6-4AA6-9DB6-4A8227DBE37E}" dt="2023-04-03T03:27:47.594" v="278" actId="478"/>
+            <ac:spMkLst>
+              <pc:docMk/>
+              <pc:sldMasterMk cId="4050429394" sldId="2147483661"/>
+              <pc:sldLayoutMk cId="1337634028" sldId="2147483660"/>
+              <ac:spMk id="19468" creationId="{418CE5A5-515B-CEAB-D160-CBAFEBF4837F}"/>
+            </ac:spMkLst>
+          </pc:spChg>
+          <pc:picChg chg="del">
+            <ac:chgData name="Scruel Tao" userId="5ea5c98d59b44d4b" providerId="LiveId" clId="{2BA6F94F-59B6-4AA6-9DB6-4A8227DBE37E}" dt="2023-04-03T03:26:11.336" v="269" actId="21"/>
+            <ac:picMkLst>
+              <pc:docMk/>
+              <pc:sldMasterMk cId="4050429394" sldId="2147483661"/>
+              <pc:sldLayoutMk cId="1337634028" sldId="2147483660"/>
+              <ac:picMk id="19481" creationId="{02568321-E4E6-1B3D-8017-A3451A7203B9}"/>
+            </ac:picMkLst>
+          </pc:picChg>
+          <pc:picChg chg="mod">
+            <ac:chgData name="Scruel Tao" userId="5ea5c98d59b44d4b" providerId="LiveId" clId="{2BA6F94F-59B6-4AA6-9DB6-4A8227DBE37E}" dt="2023-04-03T03:34:53.033" v="335" actId="1076"/>
+            <ac:picMkLst>
+              <pc:docMk/>
+              <pc:sldMasterMk cId="4050429394" sldId="2147483661"/>
+              <pc:sldLayoutMk cId="1337634028" sldId="2147483660"/>
+              <ac:picMk id="19482" creationId="{8F2B9C9A-7CA4-5723-784E-DBADCF09186B}"/>
+            </ac:picMkLst>
+          </pc:picChg>
+        </pc:sldLayoutChg>
+      </pc:sldMasterChg>
+    </pc:docChg>
+  </pc:docChgLst>
+  <pc:docChgLst>
+    <pc:chgData name="Scruel Tao" userId="5ea5c98d59b44d4b" providerId="LiveId" clId="{87D85EC6-ED1F-4281-828A-5E21384E7B80}"/>
+    <pc:docChg chg="undo redo custSel addSld delSld modSld sldOrd modMainMaster">
+      <pc:chgData name="Scruel Tao" userId="5ea5c98d59b44d4b" providerId="LiveId" clId="{87D85EC6-ED1F-4281-828A-5E21384E7B80}" dt="2023-06-02T17:22:55.040" v="5596" actId="20577"/>
+      <pc:docMkLst>
+        <pc:docMk/>
+      </pc:docMkLst>
+      <pc:sldChg chg="modSp mod modTransition">
+        <pc:chgData name="Scruel Tao" userId="5ea5c98d59b44d4b" providerId="LiveId" clId="{87D85EC6-ED1F-4281-828A-5E21384E7B80}" dt="2023-05-05T14:22:08.010" v="4973"/>
+        <pc:sldMkLst>
+          <pc:docMk/>
+          <pc:sldMk cId="1112998187" sldId="257"/>
+        </pc:sldMkLst>
+        <pc:spChg chg="mod">
+          <ac:chgData name="Scruel Tao" userId="5ea5c98d59b44d4b" providerId="LiveId" clId="{87D85EC6-ED1F-4281-828A-5E21384E7B80}" dt="2023-04-26T02:56:18.275" v="284" actId="20577"/>
+          <ac:spMkLst>
+            <pc:docMk/>
+            <pc:sldMk cId="1112998187" sldId="257"/>
+            <ac:spMk id="2" creationId="{1422DFF6-0952-1023-64E3-97184D36BE3F}"/>
+          </ac:spMkLst>
+        </pc:spChg>
+        <pc:spChg chg="mod">
+          <ac:chgData name="Scruel Tao" userId="5ea5c98d59b44d4b" providerId="LiveId" clId="{87D85EC6-ED1F-4281-828A-5E21384E7B80}" dt="2023-04-26T02:40:19.468" v="172" actId="20577"/>
+          <ac:spMkLst>
+            <pc:docMk/>
+            <pc:sldMk cId="1112998187" sldId="257"/>
+            <ac:spMk id="3" creationId="{AC7759D9-0BB4-08ED-8476-24F7D903D6DE}"/>
+          </ac:spMkLst>
+        </pc:spChg>
+      </pc:sldChg>
+      <pc:sldChg chg="del">
+        <pc:chgData name="Scruel Tao" userId="5ea5c98d59b44d4b" providerId="LiveId" clId="{87D85EC6-ED1F-4281-828A-5E21384E7B80}" dt="2023-04-26T02:39:12.376" v="4" actId="47"/>
+        <pc:sldMkLst>
+          <pc:docMk/>
+          <pc:sldMk cId="1199684676" sldId="259"/>
+        </pc:sldMkLst>
+      </pc:sldChg>
+      <pc:sldChg chg="addSp delSp modSp mod modTransition">
+        <pc:chgData name="Scruel Tao" userId="5ea5c98d59b44d4b" providerId="LiveId" clId="{87D85EC6-ED1F-4281-828A-5E21384E7B80}" dt="2023-06-02T13:44:31.170" v="5541" actId="20577"/>
+        <pc:sldMkLst>
+          <pc:docMk/>
+          <pc:sldMk cId="0" sldId="260"/>
+        </pc:sldMkLst>
+        <pc:spChg chg="del mod">
+          <ac:chgData name="Scruel Tao" userId="5ea5c98d59b44d4b" providerId="LiveId" clId="{87D85EC6-ED1F-4281-828A-5E21384E7B80}" dt="2023-05-16T03:54:52.730" v="5395" actId="478"/>
+          <ac:spMkLst>
+            <pc:docMk/>
+            <pc:sldMk cId="0" sldId="260"/>
+            <ac:spMk id="2" creationId="{51B8E4C0-E15B-4BD0-7B5B-A44A3D5B0C34}"/>
+          </ac:spMkLst>
+        </pc:spChg>
+        <pc:spChg chg="del">
+          <ac:chgData name="Scruel Tao" userId="5ea5c98d59b44d4b" providerId="LiveId" clId="{87D85EC6-ED1F-4281-828A-5E21384E7B80}" dt="2023-05-03T00:07:19.293" v="4645" actId="478"/>
+          <ac:spMkLst>
+            <pc:docMk/>
+            <pc:sldMk cId="0" sldId="260"/>
+            <ac:spMk id="3" creationId="{C8068F35-EF78-6218-F528-48E9ED924DF4}"/>
+          </ac:spMkLst>
+        </pc:spChg>
+        <pc:spChg chg="add mod">
+          <ac:chgData name="Scruel Tao" userId="5ea5c98d59b44d4b" providerId="LiveId" clId="{87D85EC6-ED1F-4281-828A-5E21384E7B80}" dt="2023-05-03T00:07:19.539" v="4646"/>
+          <ac:spMkLst>
+            <pc:docMk/>
+            <pc:sldMk cId="0" sldId="260"/>
+            <ac:spMk id="4" creationId="{4A104DD6-93EB-6263-279D-B647F1194AA9}"/>
+          </ac:spMkLst>
+        </pc:spChg>
+        <pc:spChg chg="add del">
+          <ac:chgData name="Scruel Tao" userId="5ea5c98d59b44d4b" providerId="LiveId" clId="{87D85EC6-ED1F-4281-828A-5E21384E7B80}" dt="2023-05-03T01:19:54.559" v="4654" actId="22"/>
+          <ac:spMkLst>
+            <pc:docMk/>
+            <pc:sldMk cId="0" sldId="260"/>
+            <ac:spMk id="5" creationId="{4A83FD9D-2CAB-162C-FC32-9005917B40DE}"/>
+          </ac:spMkLst>
+        </pc:spChg>
+        <pc:spChg chg="mod">
+          <ac:chgData name="Scruel Tao" userId="5ea5c98d59b44d4b" providerId="LiveId" clId="{87D85EC6-ED1F-4281-828A-5E21384E7B80}" dt="2023-06-02T13:44:31.170" v="5541" actId="20577"/>
+          <ac:spMkLst>
+            <pc:docMk/>
+            <pc:sldMk cId="0" sldId="260"/>
+            <ac:spMk id="1227783" creationId="{F7B3941E-B689-22D6-F18C-358E4BAEDF5F}"/>
+          </ac:spMkLst>
+        </pc:spChg>
+      </pc:sldChg>
+      <pc:sldChg chg="modSp del modAnim">
+        <pc:chgData name="Scruel Tao" userId="5ea5c98d59b44d4b" providerId="LiveId" clId="{87D85EC6-ED1F-4281-828A-5E21384E7B80}" dt="2023-04-26T04:30:25.102" v="2359" actId="47"/>
+        <pc:sldMkLst>
+          <pc:docMk/>
+          <pc:sldMk cId="1751565490" sldId="276"/>
+        </pc:sldMkLst>
+        <pc:spChg chg="mod">
+          <ac:chgData name="Scruel Tao" userId="5ea5c98d59b44d4b" providerId="LiveId" clId="{87D85EC6-ED1F-4281-828A-5E21384E7B80}" dt="2023-04-26T02:41:57.860" v="281" actId="13926"/>
+          <ac:spMkLst>
+            <pc:docMk/>
+            <pc:sldMk cId="1751565490" sldId="276"/>
+            <ac:spMk id="3" creationId="{9E0BA8B8-92DA-1AC9-79B9-A552D184BB54}"/>
+          </ac:spMkLst>
+        </pc:spChg>
+      </pc:sldChg>
+      <pc:sldChg chg="add del">
+        <pc:chgData name="Scruel Tao" userId="5ea5c98d59b44d4b" providerId="LiveId" clId="{87D85EC6-ED1F-4281-828A-5E21384E7B80}" dt="2023-05-01T18:26:34.618" v="4505" actId="47"/>
+        <pc:sldMkLst>
+          <pc:docMk/>
+          <pc:sldMk cId="2706538019" sldId="277"/>
+        </pc:sldMkLst>
+      </pc:sldChg>
+      <pc:sldChg chg="addSp delSp modSp add mod modTransition modClrScheme delAnim modAnim chgLayout modNotesTx">
+        <pc:chgData name="Scruel Tao" userId="5ea5c98d59b44d4b" providerId="LiveId" clId="{87D85EC6-ED1F-4281-828A-5E21384E7B80}" dt="2023-05-06T20:23:11.894" v="5327"/>
         <pc:sldMkLst>
           <pc:docMk/>
           <pc:sldMk cId="3519437269" sldId="279"/>
         </pc:sldMkLst>
-        <pc:spChg chg="del mod">
-          <ac:chgData name="Scruel Tao" userId="5ea5c98d59b44d4b" providerId="LiveId" clId="{2330EADB-10ED-4956-973A-3B593FFF7F82}" dt="2023-12-03T05:12:52.429" v="2" actId="478"/>
+        <pc:spChg chg="mod ord">
+          <ac:chgData name="Scruel Tao" userId="5ea5c98d59b44d4b" providerId="LiveId" clId="{87D85EC6-ED1F-4281-828A-5E21384E7B80}" dt="2023-04-26T03:12:06.817" v="292" actId="700"/>
+          <ac:spMkLst>
+            <pc:docMk/>
+            <pc:sldMk cId="3519437269" sldId="279"/>
+            <ac:spMk id="2" creationId="{BAD162F0-2175-84E9-2387-55F669162449}"/>
+          </ac:spMkLst>
+        </pc:spChg>
+        <pc:spChg chg="add del mod ord">
+          <ac:chgData name="Scruel Tao" userId="5ea5c98d59b44d4b" providerId="LiveId" clId="{87D85EC6-ED1F-4281-828A-5E21384E7B80}" dt="2023-04-30T11:50:39.951" v="2921" actId="20577"/>
           <ac:spMkLst>
             <pc:docMk/>
             <pc:sldMk cId="3519437269" sldId="279"/>
             <ac:spMk id="3" creationId="{0E2FC508-1AFD-A957-52F2-FA1DEF2A9D27}"/>
           </ac:spMkLst>
         </pc:spChg>
+        <pc:spChg chg="del mod">
+          <ac:chgData name="Scruel Tao" userId="5ea5c98d59b44d4b" providerId="LiveId" clId="{87D85EC6-ED1F-4281-828A-5E21384E7B80}" dt="2023-04-30T11:34:34.696" v="2887" actId="478"/>
+          <ac:spMkLst>
+            <pc:docMk/>
+            <pc:sldMk cId="3519437269" sldId="279"/>
+            <ac:spMk id="5" creationId="{B7A8CE03-6A77-60EC-056E-D7A0019640A3}"/>
+          </ac:spMkLst>
+        </pc:spChg>
+        <pc:spChg chg="del mod">
+          <ac:chgData name="Scruel Tao" userId="5ea5c98d59b44d4b" providerId="LiveId" clId="{87D85EC6-ED1F-4281-828A-5E21384E7B80}" dt="2023-04-30T11:34:33.613" v="2886" actId="478"/>
+          <ac:spMkLst>
+            <pc:docMk/>
+            <pc:sldMk cId="3519437269" sldId="279"/>
+            <ac:spMk id="7" creationId="{12C899D8-51C5-D9B7-A323-E6EFE4AB5C33}"/>
+          </ac:spMkLst>
+        </pc:spChg>
+        <pc:spChg chg="add del">
+          <ac:chgData name="Scruel Tao" userId="5ea5c98d59b44d4b" providerId="LiveId" clId="{87D85EC6-ED1F-4281-828A-5E21384E7B80}" dt="2023-04-30T11:43:24.711" v="2904" actId="22"/>
+          <ac:spMkLst>
+            <pc:docMk/>
+            <pc:sldMk cId="3519437269" sldId="279"/>
+            <ac:spMk id="13" creationId="{EBC07081-BB7F-E4EB-BFA5-AC571501490C}"/>
+          </ac:spMkLst>
+        </pc:spChg>
         <pc:spChg chg="add del mod">
-          <ac:chgData name="Scruel Tao" userId="5ea5c98d59b44d4b" providerId="LiveId" clId="{2330EADB-10ED-4956-973A-3B593FFF7F82}" dt="2023-12-03T05:12:55.919" v="3" actId="478"/>
+          <ac:chgData name="Scruel Tao" userId="5ea5c98d59b44d4b" providerId="LiveId" clId="{87D85EC6-ED1F-4281-828A-5E21384E7B80}" dt="2023-04-30T11:50:39.162" v="2920" actId="478"/>
           <ac:spMkLst>
             <pc:docMk/>
             <pc:sldMk cId="3519437269" sldId="279"/>
-            <ac:spMk id="5" creationId="{1830351D-5E91-6ED4-ED95-32E78B9771EF}"/>
-          </ac:spMkLst>
-        </pc:spChg>
+            <ac:spMk id="18" creationId="{0FC422AB-5A1A-0C45-3D65-937328812212}"/>
+          </ac:spMkLst>
+        </pc:spChg>
+        <pc:picChg chg="add del mod ord">
+          <ac:chgData name="Scruel Tao" userId="5ea5c98d59b44d4b" providerId="LiveId" clId="{87D85EC6-ED1F-4281-828A-5E21384E7B80}" dt="2023-04-30T11:35:09.140" v="2895" actId="22"/>
+          <ac:picMkLst>
+            <pc:docMk/>
+            <pc:sldMk cId="3519437269" sldId="279"/>
+            <ac:picMk id="6" creationId="{E33BF253-FF4B-DD56-0397-C5B9DD1404E1}"/>
+          </ac:picMkLst>
+        </pc:picChg>
+        <pc:picChg chg="add del mod ord">
+          <ac:chgData name="Scruel Tao" userId="5ea5c98d59b44d4b" providerId="LiveId" clId="{87D85EC6-ED1F-4281-828A-5E21384E7B80}" dt="2023-04-30T11:35:15.103" v="2897" actId="22"/>
+          <ac:picMkLst>
+            <pc:docMk/>
+            <pc:sldMk cId="3519437269" sldId="279"/>
+            <ac:picMk id="9" creationId="{79ED5B8B-B5FF-564F-17AD-E1FF0ECC8B14}"/>
+          </ac:picMkLst>
+        </pc:picChg>
+        <pc:picChg chg="add del mod">
+          <ac:chgData name="Scruel Tao" userId="5ea5c98d59b44d4b" providerId="LiveId" clId="{87D85EC6-ED1F-4281-828A-5E21384E7B80}" dt="2023-04-30T11:51:18.920" v="2936" actId="478"/>
+          <ac:picMkLst>
+            <pc:docMk/>
+            <pc:sldMk cId="3519437269" sldId="279"/>
+            <ac:picMk id="11" creationId="{8445C470-BEA8-6723-034B-808D1DE1EF88}"/>
+          </ac:picMkLst>
+        </pc:picChg>
+        <pc:picChg chg="add del mod">
+          <ac:chgData name="Scruel Tao" userId="5ea5c98d59b44d4b" providerId="LiveId" clId="{87D85EC6-ED1F-4281-828A-5E21384E7B80}" dt="2023-04-30T11:46:43.562" v="2909" actId="22"/>
+          <ac:picMkLst>
+            <pc:docMk/>
+            <pc:sldMk cId="3519437269" sldId="279"/>
+            <ac:picMk id="15" creationId="{3D5ABEAE-1B31-C21F-768E-88C324EA73BA}"/>
+          </ac:picMkLst>
+        </pc:picChg>
+        <pc:picChg chg="add del mod">
+          <ac:chgData name="Scruel Tao" userId="5ea5c98d59b44d4b" providerId="LiveId" clId="{87D85EC6-ED1F-4281-828A-5E21384E7B80}" dt="2023-04-30T11:50:39.162" v="2920" actId="478"/>
+          <ac:picMkLst>
+            <pc:docMk/>
+            <pc:sldMk cId="3519437269" sldId="279"/>
+            <ac:picMk id="17" creationId="{C959BA15-CA39-64B6-A2C0-D56D21F389E0}"/>
+          </ac:picMkLst>
+        </pc:picChg>
+        <pc:picChg chg="add del mod">
+          <ac:chgData name="Scruel Tao" userId="5ea5c98d59b44d4b" providerId="LiveId" clId="{87D85EC6-ED1F-4281-828A-5E21384E7B80}" dt="2023-04-30T11:52:24.313" v="2946" actId="478"/>
+          <ac:picMkLst>
+            <pc:docMk/>
+            <pc:sldMk cId="3519437269" sldId="279"/>
+            <ac:picMk id="19" creationId="{1556C0F1-B1BD-5938-48A6-E51B077BBEE1}"/>
+          </ac:picMkLst>
+        </pc:picChg>
+        <pc:picChg chg="add mod">
+          <ac:chgData name="Scruel Tao" userId="5ea5c98d59b44d4b" providerId="LiveId" clId="{87D85EC6-ED1F-4281-828A-5E21384E7B80}" dt="2023-05-03T02:51:12.270" v="4711" actId="14826"/>
+          <ac:picMkLst>
+            <pc:docMk/>
+            <pc:sldMk cId="3519437269" sldId="279"/>
+            <ac:picMk id="20" creationId="{EDB29CB5-A8CE-6249-23EC-1AF1FA970754}"/>
+          </ac:picMkLst>
+        </pc:picChg>
       </pc:sldChg>
-      <pc:sldChg chg="modAnim">
-        <pc:chgData name="Scruel Tao" userId="5ea5c98d59b44d4b" providerId="LiveId" clId="{2330EADB-10ED-4956-973A-3B593FFF7F82}" dt="2023-12-03T05:33:03.489" v="252"/>
+      <pc:sldChg chg="modSp add mod ord modTransition modAnim">
+        <pc:chgData name="Scruel Tao" userId="5ea5c98d59b44d4b" providerId="LiveId" clId="{87D85EC6-ED1F-4281-828A-5E21384E7B80}" dt="2023-05-05T14:22:08.010" v="4973"/>
+        <pc:sldMkLst>
+          <pc:docMk/>
+          <pc:sldMk cId="364430658" sldId="282"/>
+        </pc:sldMkLst>
+        <pc:spChg chg="mod">
+          <ac:chgData name="Scruel Tao" userId="5ea5c98d59b44d4b" providerId="LiveId" clId="{87D85EC6-ED1F-4281-828A-5E21384E7B80}" dt="2023-04-26T02:40:42.190" v="178" actId="20577"/>
+          <ac:spMkLst>
+            <pc:docMk/>
+            <pc:sldMk cId="364430658" sldId="282"/>
+            <ac:spMk id="2" creationId="{1CBF67D3-549D-0623-7687-618F66C7933B}"/>
+          </ac:spMkLst>
+        </pc:spChg>
+        <pc:spChg chg="mod">
+          <ac:chgData name="Scruel Tao" userId="5ea5c98d59b44d4b" providerId="LiveId" clId="{87D85EC6-ED1F-4281-828A-5E21384E7B80}" dt="2023-05-01T16:06:38.473" v="4502" actId="5793"/>
+          <ac:spMkLst>
+            <pc:docMk/>
+            <pc:sldMk cId="364430658" sldId="282"/>
+            <ac:spMk id="5" creationId="{27E734E7-DC50-2043-E0F4-ADDF97100AAB}"/>
+          </ac:spMkLst>
+        </pc:spChg>
+      </pc:sldChg>
+      <pc:sldChg chg="addSp delSp modSp add mod modTransition modClrScheme modAnim chgLayout">
+        <pc:chgData name="Scruel Tao" userId="5ea5c98d59b44d4b" providerId="LiveId" clId="{87D85EC6-ED1F-4281-828A-5E21384E7B80}" dt="2023-05-06T20:26:51.041" v="5346"/>
         <pc:sldMkLst>
           <pc:docMk/>
           <pc:sldMk cId="3091530352" sldId="283"/>
         </pc:sldMkLst>
+        <pc:spChg chg="mod ord">
+          <ac:chgData name="Scruel Tao" userId="5ea5c98d59b44d4b" providerId="LiveId" clId="{87D85EC6-ED1F-4281-828A-5E21384E7B80}" dt="2023-05-01T09:16:00.552" v="3366" actId="20577"/>
+          <ac:spMkLst>
+            <pc:docMk/>
+            <pc:sldMk cId="3091530352" sldId="283"/>
+            <ac:spMk id="2" creationId="{BAD162F0-2175-84E9-2387-55F669162449}"/>
+          </ac:spMkLst>
+        </pc:spChg>
+        <pc:spChg chg="mod ord">
+          <ac:chgData name="Scruel Tao" userId="5ea5c98d59b44d4b" providerId="LiveId" clId="{87D85EC6-ED1F-4281-828A-5E21384E7B80}" dt="2023-05-03T03:47:46.833" v="4827" actId="20577"/>
+          <ac:spMkLst>
+            <pc:docMk/>
+            <pc:sldMk cId="3091530352" sldId="283"/>
+            <ac:spMk id="3" creationId="{0E2FC508-1AFD-A957-52F2-FA1DEF2A9D27}"/>
+          </ac:spMkLst>
+        </pc:spChg>
+        <pc:spChg chg="add mod">
+          <ac:chgData name="Scruel Tao" userId="5ea5c98d59b44d4b" providerId="LiveId" clId="{87D85EC6-ED1F-4281-828A-5E21384E7B80}" dt="2023-05-06T20:25:13.629" v="5335" actId="1076"/>
+          <ac:spMkLst>
+            <pc:docMk/>
+            <pc:sldMk cId="3091530352" sldId="283"/>
+            <ac:spMk id="4" creationId="{1E928304-1D7D-D398-346A-D48BE2287D5C}"/>
+          </ac:spMkLst>
+        </pc:spChg>
+        <pc:spChg chg="add del mod ord">
+          <ac:chgData name="Scruel Tao" userId="5ea5c98d59b44d4b" providerId="LiveId" clId="{87D85EC6-ED1F-4281-828A-5E21384E7B80}" dt="2023-04-26T03:18:06.466" v="685" actId="700"/>
+          <ac:spMkLst>
+            <pc:docMk/>
+            <pc:sldMk cId="3091530352" sldId="283"/>
+            <ac:spMk id="4" creationId="{E5488D61-4CC4-EDD2-56C2-60449C6BEF10}"/>
+          </ac:spMkLst>
+        </pc:spChg>
+        <pc:spChg chg="mod">
+          <ac:chgData name="Scruel Tao" userId="5ea5c98d59b44d4b" providerId="LiveId" clId="{87D85EC6-ED1F-4281-828A-5E21384E7B80}" dt="2023-05-03T02:53:45.401" v="4733" actId="1076"/>
+          <ac:spMkLst>
+            <pc:docMk/>
+            <pc:sldMk cId="3091530352" sldId="283"/>
+            <ac:spMk id="5" creationId="{B7A8CE03-6A77-60EC-056E-D7A0019640A3}"/>
+          </ac:spMkLst>
+        </pc:spChg>
+        <pc:spChg chg="mod">
+          <ac:chgData name="Scruel Tao" userId="5ea5c98d59b44d4b" providerId="LiveId" clId="{87D85EC6-ED1F-4281-828A-5E21384E7B80}" dt="2023-05-03T02:53:32.794" v="4731" actId="1076"/>
+          <ac:spMkLst>
+            <pc:docMk/>
+            <pc:sldMk cId="3091530352" sldId="283"/>
+            <ac:spMk id="7" creationId="{12C899D8-51C5-D9B7-A323-E6EFE4AB5C33}"/>
+          </ac:spMkLst>
+        </pc:spChg>
       </pc:sldChg>
-      <pc:sldChg chg="addSp modSp mod modAnim">
-        <pc:chgData name="Scruel Tao" userId="5ea5c98d59b44d4b" providerId="LiveId" clId="{2330EADB-10ED-4956-973A-3B593FFF7F82}" dt="2023-12-03T05:34:18.176" v="260"/>
+      <pc:sldChg chg="addSp delSp modSp add del mod ord modClrScheme delAnim chgLayout">
+        <pc:chgData name="Scruel Tao" userId="5ea5c98d59b44d4b" providerId="LiveId" clId="{87D85EC6-ED1F-4281-828A-5E21384E7B80}" dt="2023-04-30T12:15:48.524" v="3117" actId="47"/>
+        <pc:sldMkLst>
+          <pc:docMk/>
+          <pc:sldMk cId="1800311487" sldId="284"/>
+        </pc:sldMkLst>
+        <pc:spChg chg="mod ord">
+          <ac:chgData name="Scruel Tao" userId="5ea5c98d59b44d4b" providerId="LiveId" clId="{87D85EC6-ED1F-4281-828A-5E21384E7B80}" dt="2023-04-30T12:04:07.825" v="2976" actId="700"/>
+          <ac:spMkLst>
+            <pc:docMk/>
+            <pc:sldMk cId="1800311487" sldId="284"/>
+            <ac:spMk id="2" creationId="{BAD162F0-2175-84E9-2387-55F669162449}"/>
+          </ac:spMkLst>
+        </pc:spChg>
+        <pc:spChg chg="mod ord">
+          <ac:chgData name="Scruel Tao" userId="5ea5c98d59b44d4b" providerId="LiveId" clId="{87D85EC6-ED1F-4281-828A-5E21384E7B80}" dt="2023-04-30T12:15:02.908" v="3113" actId="6549"/>
+          <ac:spMkLst>
+            <pc:docMk/>
+            <pc:sldMk cId="1800311487" sldId="284"/>
+            <ac:spMk id="3" creationId="{0E2FC508-1AFD-A957-52F2-FA1DEF2A9D27}"/>
+          </ac:spMkLst>
+        </pc:spChg>
+        <pc:spChg chg="del">
+          <ac:chgData name="Scruel Tao" userId="5ea5c98d59b44d4b" providerId="LiveId" clId="{87D85EC6-ED1F-4281-828A-5E21384E7B80}" dt="2023-04-30T12:04:07.825" v="2976" actId="700"/>
+          <ac:spMkLst>
+            <pc:docMk/>
+            <pc:sldMk cId="1800311487" sldId="284"/>
+            <ac:spMk id="4" creationId="{E5488D61-4CC4-EDD2-56C2-60449C6BEF10}"/>
+          </ac:spMkLst>
+        </pc:spChg>
+        <pc:spChg chg="del mod">
+          <ac:chgData name="Scruel Tao" userId="5ea5c98d59b44d4b" providerId="LiveId" clId="{87D85EC6-ED1F-4281-828A-5E21384E7B80}" dt="2023-04-30T12:07:45.705" v="3047" actId="21"/>
+          <ac:spMkLst>
+            <pc:docMk/>
+            <pc:sldMk cId="1800311487" sldId="284"/>
+            <ac:spMk id="5" creationId="{B7A8CE03-6A77-60EC-056E-D7A0019640A3}"/>
+          </ac:spMkLst>
+        </pc:spChg>
+        <pc:spChg chg="del mod">
+          <ac:chgData name="Scruel Tao" userId="5ea5c98d59b44d4b" providerId="LiveId" clId="{87D85EC6-ED1F-4281-828A-5E21384E7B80}" dt="2023-04-30T12:07:42.478" v="3045" actId="21"/>
+          <ac:spMkLst>
+            <pc:docMk/>
+            <pc:sldMk cId="1800311487" sldId="284"/>
+            <ac:spMk id="7" creationId="{12C899D8-51C5-D9B7-A323-E6EFE4AB5C33}"/>
+          </ac:spMkLst>
+        </pc:spChg>
+        <pc:spChg chg="add mod">
+          <ac:chgData name="Scruel Tao" userId="5ea5c98d59b44d4b" providerId="LiveId" clId="{87D85EC6-ED1F-4281-828A-5E21384E7B80}" dt="2023-04-30T12:11:18.765" v="3084" actId="1076"/>
+          <ac:spMkLst>
+            <pc:docMk/>
+            <pc:sldMk cId="1800311487" sldId="284"/>
+            <ac:spMk id="10" creationId="{B6A161A6-7068-FC63-BF51-6ABD2302F64D}"/>
+          </ac:spMkLst>
+        </pc:spChg>
+        <pc:picChg chg="add mod">
+          <ac:chgData name="Scruel Tao" userId="5ea5c98d59b44d4b" providerId="LiveId" clId="{87D85EC6-ED1F-4281-828A-5E21384E7B80}" dt="2023-04-30T12:11:20.823" v="3085" actId="1076"/>
+          <ac:picMkLst>
+            <pc:docMk/>
+            <pc:sldMk cId="1800311487" sldId="284"/>
+            <ac:picMk id="8" creationId="{F458DA5F-0CEF-8130-4F57-AB228F411C95}"/>
+          </ac:picMkLst>
+        </pc:picChg>
+      </pc:sldChg>
+      <pc:sldChg chg="new del">
+        <pc:chgData name="Scruel Tao" userId="5ea5c98d59b44d4b" providerId="LiveId" clId="{87D85EC6-ED1F-4281-828A-5E21384E7B80}" dt="2023-04-26T03:19:07.294" v="700" actId="47"/>
+        <pc:sldMkLst>
+          <pc:docMk/>
+          <pc:sldMk cId="316876942" sldId="285"/>
+        </pc:sldMkLst>
+      </pc:sldChg>
+      <pc:sldChg chg="addSp delSp modSp add mod modTransition modClrScheme modAnim chgLayout">
+        <pc:chgData name="Scruel Tao" userId="5ea5c98d59b44d4b" providerId="LiveId" clId="{87D85EC6-ED1F-4281-828A-5E21384E7B80}" dt="2023-05-05T14:22:08.010" v="4973"/>
         <pc:sldMkLst>
           <pc:docMk/>
           <pc:sldMk cId="2057342537" sldId="285"/>
         </pc:sldMkLst>
-        <pc:spChg chg="add mod">
-          <ac:chgData name="Scruel Tao" userId="5ea5c98d59b44d4b" providerId="LiveId" clId="{2330EADB-10ED-4956-973A-3B593FFF7F82}" dt="2023-12-03T05:34:03.469" v="255" actId="1035"/>
+        <pc:spChg chg="mod ord">
+          <ac:chgData name="Scruel Tao" userId="5ea5c98d59b44d4b" providerId="LiveId" clId="{87D85EC6-ED1F-4281-828A-5E21384E7B80}" dt="2023-04-26T03:28:13.916" v="1155" actId="20577"/>
           <ac:spMkLst>
             <pc:docMk/>
             <pc:sldMk cId="2057342537" sldId="285"/>
-            <ac:spMk id="4" creationId="{95185EE5-90C6-4AC8-BFCF-7A3E5E3EF0FE}"/>
+            <ac:spMk id="2" creationId="{BAD162F0-2175-84E9-2387-55F669162449}"/>
+          </ac:spMkLst>
+        </pc:spChg>
+        <pc:spChg chg="mod ord">
+          <ac:chgData name="Scruel Tao" userId="5ea5c98d59b44d4b" providerId="LiveId" clId="{87D85EC6-ED1F-4281-828A-5E21384E7B80}" dt="2023-05-03T03:48:26.182" v="4872" actId="20577"/>
+          <ac:spMkLst>
+            <pc:docMk/>
+            <pc:sldMk cId="2057342537" sldId="285"/>
+            <ac:spMk id="3" creationId="{0E2FC508-1AFD-A957-52F2-FA1DEF2A9D27}"/>
+          </ac:spMkLst>
+        </pc:spChg>
+        <pc:spChg chg="add del mod ord">
+          <ac:chgData name="Scruel Tao" userId="5ea5c98d59b44d4b" providerId="LiveId" clId="{87D85EC6-ED1F-4281-828A-5E21384E7B80}" dt="2023-04-26T03:25:28.031" v="1018" actId="700"/>
+          <ac:spMkLst>
+            <pc:docMk/>
+            <pc:sldMk cId="2057342537" sldId="285"/>
+            <ac:spMk id="4" creationId="{E008C776-D023-9197-75BA-6AEC7608C3AE}"/>
+          </ac:spMkLst>
+        </pc:spChg>
+        <pc:spChg chg="mod">
+          <ac:chgData name="Scruel Tao" userId="5ea5c98d59b44d4b" providerId="LiveId" clId="{87D85EC6-ED1F-4281-828A-5E21384E7B80}" dt="2023-04-26T03:54:00.931" v="1404" actId="1076"/>
+          <ac:spMkLst>
+            <pc:docMk/>
+            <pc:sldMk cId="2057342537" sldId="285"/>
+            <ac:spMk id="5" creationId="{B7A8CE03-6A77-60EC-056E-D7A0019640A3}"/>
+          </ac:spMkLst>
+        </pc:spChg>
+        <pc:spChg chg="mod">
+          <ac:chgData name="Scruel Tao" userId="5ea5c98d59b44d4b" providerId="LiveId" clId="{87D85EC6-ED1F-4281-828A-5E21384E7B80}" dt="2023-04-29T17:58:39.520" v="2803" actId="113"/>
+          <ac:spMkLst>
+            <pc:docMk/>
+            <pc:sldMk cId="2057342537" sldId="285"/>
+            <ac:spMk id="7" creationId="{12C899D8-51C5-D9B7-A323-E6EFE4AB5C33}"/>
           </ac:spMkLst>
         </pc:spChg>
       </pc:sldChg>
-      <pc:sldChg chg="modSp">
-        <pc:chgData name="Scruel Tao" userId="5ea5c98d59b44d4b" providerId="LiveId" clId="{2330EADB-10ED-4956-973A-3B593FFF7F82}" dt="2023-12-10T16:09:34.933" v="464" actId="20577"/>
+      <pc:sldChg chg="new del ord">
+        <pc:chgData name="Scruel Tao" userId="5ea5c98d59b44d4b" providerId="LiveId" clId="{87D85EC6-ED1F-4281-828A-5E21384E7B80}" dt="2023-04-26T03:19:23.091" v="706" actId="47"/>
+        <pc:sldMkLst>
+          <pc:docMk/>
+          <pc:sldMk cId="3077452686" sldId="285"/>
+        </pc:sldMkLst>
+      </pc:sldChg>
+      <pc:sldChg chg="addSp delSp modSp add mod modTransition delAnim modAnim">
+        <pc:chgData name="Scruel Tao" userId="5ea5c98d59b44d4b" providerId="LiveId" clId="{87D85EC6-ED1F-4281-828A-5E21384E7B80}" dt="2023-05-06T20:29:55.850" v="5377"/>
         <pc:sldMkLst>
           <pc:docMk/>
           <pc:sldMk cId="2985976228" sldId="286"/>
         </pc:sldMkLst>
         <pc:spChg chg="mod">
-          <ac:chgData name="Scruel Tao" userId="5ea5c98d59b44d4b" providerId="LiveId" clId="{2330EADB-10ED-4956-973A-3B593FFF7F82}" dt="2023-12-10T16:09:34.933" v="464" actId="20577"/>
+          <ac:chgData name="Scruel Tao" userId="5ea5c98d59b44d4b" providerId="LiveId" clId="{87D85EC6-ED1F-4281-828A-5E21384E7B80}" dt="2023-04-26T03:30:40.801" v="1240" actId="20577"/>
+          <ac:spMkLst>
+            <pc:docMk/>
+            <pc:sldMk cId="2985976228" sldId="286"/>
+            <ac:spMk id="2" creationId="{BAD162F0-2175-84E9-2387-55F669162449}"/>
+          </ac:spMkLst>
+        </pc:spChg>
+        <pc:spChg chg="mod">
+          <ac:chgData name="Scruel Tao" userId="5ea5c98d59b44d4b" providerId="LiveId" clId="{87D85EC6-ED1F-4281-828A-5E21384E7B80}" dt="2023-05-06T20:27:25.558" v="5349" actId="21"/>
           <ac:spMkLst>
             <pc:docMk/>
             <pc:sldMk cId="2985976228" sldId="286"/>
             <ac:spMk id="3" creationId="{0E2FC508-1AFD-A957-52F2-FA1DEF2A9D27}"/>
           </ac:spMkLst>
         </pc:spChg>
+        <pc:spChg chg="add mod">
+          <ac:chgData name="Scruel Tao" userId="5ea5c98d59b44d4b" providerId="LiveId" clId="{87D85EC6-ED1F-4281-828A-5E21384E7B80}" dt="2023-05-03T02:55:02.762" v="4785" actId="20577"/>
+          <ac:spMkLst>
+            <pc:docMk/>
+            <pc:sldMk cId="2985976228" sldId="286"/>
+            <ac:spMk id="4" creationId="{3D57E4CC-8D22-EB6F-B873-43306DFBCBF4}"/>
+          </ac:spMkLst>
+        </pc:spChg>
+        <pc:spChg chg="del mod">
+          <ac:chgData name="Scruel Tao" userId="5ea5c98d59b44d4b" providerId="LiveId" clId="{87D85EC6-ED1F-4281-828A-5E21384E7B80}" dt="2023-05-06T20:27:27.569" v="5350" actId="478"/>
+          <ac:spMkLst>
+            <pc:docMk/>
+            <pc:sldMk cId="2985976228" sldId="286"/>
+            <ac:spMk id="5" creationId="{B7A8CE03-6A77-60EC-056E-D7A0019640A3}"/>
+          </ac:spMkLst>
+        </pc:spChg>
+        <pc:spChg chg="add del mod">
+          <ac:chgData name="Scruel Tao" userId="5ea5c98d59b44d4b" providerId="LiveId" clId="{87D85EC6-ED1F-4281-828A-5E21384E7B80}" dt="2023-05-06T20:27:41.219" v="5353" actId="478"/>
+          <ac:spMkLst>
+            <pc:docMk/>
+            <pc:sldMk cId="2985976228" sldId="286"/>
+            <ac:spMk id="6" creationId="{ECC29EB7-B9A7-BB52-182B-B848DAFCC6AF}"/>
+          </ac:spMkLst>
+        </pc:spChg>
+        <pc:spChg chg="mod">
+          <ac:chgData name="Scruel Tao" userId="5ea5c98d59b44d4b" providerId="LiveId" clId="{87D85EC6-ED1F-4281-828A-5E21384E7B80}" dt="2023-05-06T20:29:29.055" v="5363" actId="207"/>
+          <ac:spMkLst>
+            <pc:docMk/>
+            <pc:sldMk cId="2985976228" sldId="286"/>
+            <ac:spMk id="7" creationId="{12C899D8-51C5-D9B7-A323-E6EFE4AB5C33}"/>
+          </ac:spMkLst>
+        </pc:spChg>
       </pc:sldChg>
-      <pc:sldChg chg="modNotesTx">
-        <pc:chgData name="Scruel Tao" userId="5ea5c98d59b44d4b" providerId="LiveId" clId="{2330EADB-10ED-4956-973A-3B593FFF7F82}" dt="2023-09-19T09:35:18.865" v="0" actId="20577"/>
+      <pc:sldChg chg="modSp add mod modTransition modAnim">
+        <pc:chgData name="Scruel Tao" userId="5ea5c98d59b44d4b" providerId="LiveId" clId="{87D85EC6-ED1F-4281-828A-5E21384E7B80}" dt="2023-05-06T20:29:03.908" v="5360" actId="207"/>
+        <pc:sldMkLst>
+          <pc:docMk/>
+          <pc:sldMk cId="2223509498" sldId="287"/>
+        </pc:sldMkLst>
+        <pc:spChg chg="mod">
+          <ac:chgData name="Scruel Tao" userId="5ea5c98d59b44d4b" providerId="LiveId" clId="{87D85EC6-ED1F-4281-828A-5E21384E7B80}" dt="2023-05-01T09:16:37.834" v="3369" actId="20577"/>
+          <ac:spMkLst>
+            <pc:docMk/>
+            <pc:sldMk cId="2223509498" sldId="287"/>
+            <ac:spMk id="2" creationId="{BAD162F0-2175-84E9-2387-55F669162449}"/>
+          </ac:spMkLst>
+        </pc:spChg>
+        <pc:spChg chg="mod">
+          <ac:chgData name="Scruel Tao" userId="5ea5c98d59b44d4b" providerId="LiveId" clId="{87D85EC6-ED1F-4281-828A-5E21384E7B80}" dt="2023-05-03T02:38:56.270" v="4689" actId="5793"/>
+          <ac:spMkLst>
+            <pc:docMk/>
+            <pc:sldMk cId="2223509498" sldId="287"/>
+            <ac:spMk id="3" creationId="{0E2FC508-1AFD-A957-52F2-FA1DEF2A9D27}"/>
+          </ac:spMkLst>
+        </pc:spChg>
+        <pc:spChg chg="mod">
+          <ac:chgData name="Scruel Tao" userId="5ea5c98d59b44d4b" providerId="LiveId" clId="{87D85EC6-ED1F-4281-828A-5E21384E7B80}" dt="2023-04-30T12:34:40.374" v="3249" actId="14100"/>
+          <ac:spMkLst>
+            <pc:docMk/>
+            <pc:sldMk cId="2223509498" sldId="287"/>
+            <ac:spMk id="5" creationId="{B7A8CE03-6A77-60EC-056E-D7A0019640A3}"/>
+          </ac:spMkLst>
+        </pc:spChg>
+        <pc:spChg chg="mod">
+          <ac:chgData name="Scruel Tao" userId="5ea5c98d59b44d4b" providerId="LiveId" clId="{87D85EC6-ED1F-4281-828A-5E21384E7B80}" dt="2023-05-06T20:29:03.908" v="5360" actId="207"/>
+          <ac:spMkLst>
+            <pc:docMk/>
+            <pc:sldMk cId="2223509498" sldId="287"/>
+            <ac:spMk id="7" creationId="{12C899D8-51C5-D9B7-A323-E6EFE4AB5C33}"/>
+          </ac:spMkLst>
+        </pc:spChg>
+      </pc:sldChg>
+      <pc:sldChg chg="addSp delSp modSp add mod modTransition delAnim modAnim modNotesTx">
+        <pc:chgData name="Scruel Tao" userId="5ea5c98d59b44d4b" providerId="LiveId" clId="{87D85EC6-ED1F-4281-828A-5E21384E7B80}" dt="2023-05-05T14:22:08.010" v="4973"/>
+        <pc:sldMkLst>
+          <pc:docMk/>
+          <pc:sldMk cId="1378813932" sldId="288"/>
+        </pc:sldMkLst>
+        <pc:spChg chg="mod">
+          <ac:chgData name="Scruel Tao" userId="5ea5c98d59b44d4b" providerId="LiveId" clId="{87D85EC6-ED1F-4281-828A-5E21384E7B80}" dt="2023-05-01T09:16:34.691" v="3368" actId="20577"/>
+          <ac:spMkLst>
+            <pc:docMk/>
+            <pc:sldMk cId="1378813932" sldId="288"/>
+            <ac:spMk id="2" creationId="{BAD162F0-2175-84E9-2387-55F669162449}"/>
+          </ac:spMkLst>
+        </pc:spChg>
+        <pc:spChg chg="mod">
+          <ac:chgData name="Scruel Tao" userId="5ea5c98d59b44d4b" providerId="LiveId" clId="{87D85EC6-ED1F-4281-828A-5E21384E7B80}" dt="2023-05-03T02:38:57.846" v="4690" actId="5793"/>
+          <ac:spMkLst>
+            <pc:docMk/>
+            <pc:sldMk cId="1378813932" sldId="288"/>
+            <ac:spMk id="3" creationId="{0E2FC508-1AFD-A957-52F2-FA1DEF2A9D27}"/>
+          </ac:spMkLst>
+        </pc:spChg>
+        <pc:spChg chg="add del mod">
+          <ac:chgData name="Scruel Tao" userId="5ea5c98d59b44d4b" providerId="LiveId" clId="{87D85EC6-ED1F-4281-828A-5E21384E7B80}" dt="2023-05-01T12:55:14.039" v="3421" actId="21"/>
+          <ac:spMkLst>
+            <pc:docMk/>
+            <pc:sldMk cId="1378813932" sldId="288"/>
+            <ac:spMk id="4" creationId="{FAC60C5D-6DE7-524C-75EE-4A854C6F54BA}"/>
+          </ac:spMkLst>
+        </pc:spChg>
+        <pc:spChg chg="mod">
+          <ac:chgData name="Scruel Tao" userId="5ea5c98d59b44d4b" providerId="LiveId" clId="{87D85EC6-ED1F-4281-828A-5E21384E7B80}" dt="2023-05-01T12:56:36.765" v="3460" actId="20577"/>
+          <ac:spMkLst>
+            <pc:docMk/>
+            <pc:sldMk cId="1378813932" sldId="288"/>
+            <ac:spMk id="5" creationId="{B7A8CE03-6A77-60EC-056E-D7A0019640A3}"/>
+          </ac:spMkLst>
+        </pc:spChg>
+        <pc:spChg chg="add mod">
+          <ac:chgData name="Scruel Tao" userId="5ea5c98d59b44d4b" providerId="LiveId" clId="{87D85EC6-ED1F-4281-828A-5E21384E7B80}" dt="2023-05-01T12:55:25.622" v="3423" actId="1076"/>
+          <ac:spMkLst>
+            <pc:docMk/>
+            <pc:sldMk cId="1378813932" sldId="288"/>
+            <ac:spMk id="6" creationId="{D10247A5-3317-930B-8148-43C0F038446E}"/>
+          </ac:spMkLst>
+        </pc:spChg>
+        <pc:spChg chg="mod">
+          <ac:chgData name="Scruel Tao" userId="5ea5c98d59b44d4b" providerId="LiveId" clId="{87D85EC6-ED1F-4281-828A-5E21384E7B80}" dt="2023-05-01T13:03:21.510" v="3811" actId="1036"/>
+          <ac:spMkLst>
+            <pc:docMk/>
+            <pc:sldMk cId="1378813932" sldId="288"/>
+            <ac:spMk id="7" creationId="{12C899D8-51C5-D9B7-A323-E6EFE4AB5C33}"/>
+          </ac:spMkLst>
+        </pc:spChg>
+        <pc:spChg chg="add mod">
+          <ac:chgData name="Scruel Tao" userId="5ea5c98d59b44d4b" providerId="LiveId" clId="{87D85EC6-ED1F-4281-828A-5E21384E7B80}" dt="2023-05-01T12:55:47.364" v="3434" actId="20577"/>
+          <ac:spMkLst>
+            <pc:docMk/>
+            <pc:sldMk cId="1378813932" sldId="288"/>
+            <ac:spMk id="8" creationId="{F5C45605-11BE-5147-06BC-62CBC00A19CD}"/>
+          </ac:spMkLst>
+        </pc:spChg>
+        <pc:spChg chg="add mod">
+          <ac:chgData name="Scruel Tao" userId="5ea5c98d59b44d4b" providerId="LiveId" clId="{87D85EC6-ED1F-4281-828A-5E21384E7B80}" dt="2023-05-01T13:05:36.852" v="3875" actId="1076"/>
+          <ac:spMkLst>
+            <pc:docMk/>
+            <pc:sldMk cId="1378813932" sldId="288"/>
+            <ac:spMk id="9" creationId="{C4B046A6-1809-B5C3-DA0E-88EBC93E021E}"/>
+          </ac:spMkLst>
+        </pc:spChg>
+        <pc:spChg chg="add del mod">
+          <ac:chgData name="Scruel Tao" userId="5ea5c98d59b44d4b" providerId="LiveId" clId="{87D85EC6-ED1F-4281-828A-5E21384E7B80}" dt="2023-05-01T13:03:23.607" v="3812" actId="478"/>
+          <ac:spMkLst>
+            <pc:docMk/>
+            <pc:sldMk cId="1378813932" sldId="288"/>
+            <ac:spMk id="10" creationId="{7571DA22-AA61-94BD-E7F5-DE9B643A418A}"/>
+          </ac:spMkLst>
+        </pc:spChg>
+        <pc:spChg chg="add mod">
+          <ac:chgData name="Scruel Tao" userId="5ea5c98d59b44d4b" providerId="LiveId" clId="{87D85EC6-ED1F-4281-828A-5E21384E7B80}" dt="2023-05-01T13:05:44.336" v="3876" actId="1076"/>
+          <ac:spMkLst>
+            <pc:docMk/>
+            <pc:sldMk cId="1378813932" sldId="288"/>
+            <ac:spMk id="11" creationId="{7DA6F15F-D727-8E5C-A1AE-E852151D15A0}"/>
+          </ac:spMkLst>
+        </pc:spChg>
+        <pc:spChg chg="add del mod">
+          <ac:chgData name="Scruel Tao" userId="5ea5c98d59b44d4b" providerId="LiveId" clId="{87D85EC6-ED1F-4281-828A-5E21384E7B80}" dt="2023-05-01T13:10:34.383" v="4075" actId="21"/>
+          <ac:spMkLst>
+            <pc:docMk/>
+            <pc:sldMk cId="1378813932" sldId="288"/>
+            <ac:spMk id="12" creationId="{F2EF9282-0F10-9385-A0D3-7ACFE16EBE77}"/>
+          </ac:spMkLst>
+        </pc:spChg>
+        <pc:spChg chg="add mod">
+          <ac:chgData name="Scruel Tao" userId="5ea5c98d59b44d4b" providerId="LiveId" clId="{87D85EC6-ED1F-4281-828A-5E21384E7B80}" dt="2023-05-01T13:10:30.735" v="4074" actId="1076"/>
+          <ac:spMkLst>
+            <pc:docMk/>
+            <pc:sldMk cId="1378813932" sldId="288"/>
+            <ac:spMk id="13" creationId="{0982F89E-52C1-2D50-65CD-120C1B818505}"/>
+          </ac:spMkLst>
+        </pc:spChg>
+        <pc:spChg chg="add mod">
+          <ac:chgData name="Scruel Tao" userId="5ea5c98d59b44d4b" providerId="LiveId" clId="{87D85EC6-ED1F-4281-828A-5E21384E7B80}" dt="2023-05-01T13:10:30.735" v="4074" actId="1076"/>
+          <ac:spMkLst>
+            <pc:docMk/>
+            <pc:sldMk cId="1378813932" sldId="288"/>
+            <ac:spMk id="14" creationId="{82DC6089-160C-0754-8043-B31217338C65}"/>
+          </ac:spMkLst>
+        </pc:spChg>
+        <pc:spChg chg="add mod">
+          <ac:chgData name="Scruel Tao" userId="5ea5c98d59b44d4b" providerId="LiveId" clId="{87D85EC6-ED1F-4281-828A-5E21384E7B80}" dt="2023-05-01T13:10:30.735" v="4074" actId="1076"/>
+          <ac:spMkLst>
+            <pc:docMk/>
+            <pc:sldMk cId="1378813932" sldId="288"/>
+            <ac:spMk id="15" creationId="{CBA67071-1327-0593-DE6F-B54DDC0C4E82}"/>
+          </ac:spMkLst>
+        </pc:spChg>
+      </pc:sldChg>
+      <pc:sldChg chg="addSp modSp add mod modTransition modAnim modNotesTx">
+        <pc:chgData name="Scruel Tao" userId="5ea5c98d59b44d4b" providerId="LiveId" clId="{87D85EC6-ED1F-4281-828A-5E21384E7B80}" dt="2023-05-06T09:58:40.018" v="5299" actId="20577"/>
+        <pc:sldMkLst>
+          <pc:docMk/>
+          <pc:sldMk cId="3738261171" sldId="289"/>
+        </pc:sldMkLst>
+        <pc:spChg chg="mod">
+          <ac:chgData name="Scruel Tao" userId="5ea5c98d59b44d4b" providerId="LiveId" clId="{87D85EC6-ED1F-4281-828A-5E21384E7B80}" dt="2023-05-01T09:16:19.269" v="3367" actId="20577"/>
+          <ac:spMkLst>
+            <pc:docMk/>
+            <pc:sldMk cId="3738261171" sldId="289"/>
+            <ac:spMk id="2" creationId="{BAD162F0-2175-84E9-2387-55F669162449}"/>
+          </ac:spMkLst>
+        </pc:spChg>
+        <pc:spChg chg="mod">
+          <ac:chgData name="Scruel Tao" userId="5ea5c98d59b44d4b" providerId="LiveId" clId="{87D85EC6-ED1F-4281-828A-5E21384E7B80}" dt="2023-05-03T03:50:19.443" v="4890" actId="20577"/>
+          <ac:spMkLst>
+            <pc:docMk/>
+            <pc:sldMk cId="3738261171" sldId="289"/>
+            <ac:spMk id="3" creationId="{0E2FC508-1AFD-A957-52F2-FA1DEF2A9D27}"/>
+          </ac:spMkLst>
+        </pc:spChg>
+        <pc:spChg chg="add mod">
+          <ac:chgData name="Scruel Tao" userId="5ea5c98d59b44d4b" providerId="LiveId" clId="{87D85EC6-ED1F-4281-828A-5E21384E7B80}" dt="2023-05-03T02:55:51.015" v="4796" actId="20577"/>
+          <ac:spMkLst>
+            <pc:docMk/>
+            <pc:sldMk cId="3738261171" sldId="289"/>
+            <ac:spMk id="4" creationId="{09BEBA64-61AC-3B88-7928-25F7D12F8233}"/>
+          </ac:spMkLst>
+        </pc:spChg>
+        <pc:spChg chg="mod">
+          <ac:chgData name="Scruel Tao" userId="5ea5c98d59b44d4b" providerId="LiveId" clId="{87D85EC6-ED1F-4281-828A-5E21384E7B80}" dt="2023-04-26T04:15:40.193" v="1576" actId="1036"/>
+          <ac:spMkLst>
+            <pc:docMk/>
+            <pc:sldMk cId="3738261171" sldId="289"/>
+            <ac:spMk id="5" creationId="{B7A8CE03-6A77-60EC-056E-D7A0019640A3}"/>
+          </ac:spMkLst>
+        </pc:spChg>
+        <pc:spChg chg="mod">
+          <ac:chgData name="Scruel Tao" userId="5ea5c98d59b44d4b" providerId="LiveId" clId="{87D85EC6-ED1F-4281-828A-5E21384E7B80}" dt="2023-05-01T02:16:06.787" v="3336" actId="113"/>
+          <ac:spMkLst>
+            <pc:docMk/>
+            <pc:sldMk cId="3738261171" sldId="289"/>
+            <ac:spMk id="7" creationId="{12C899D8-51C5-D9B7-A323-E6EFE4AB5C33}"/>
+          </ac:spMkLst>
+        </pc:spChg>
+      </pc:sldChg>
+      <pc:sldChg chg="addSp delSp modSp add mod modTransition delAnim modAnim modNotesTx">
+        <pc:chgData name="Scruel Tao" userId="5ea5c98d59b44d4b" providerId="LiveId" clId="{87D85EC6-ED1F-4281-828A-5E21384E7B80}" dt="2023-05-05T16:34:31.200" v="5050"/>
         <pc:sldMkLst>
           <pc:docMk/>
           <pc:sldMk cId="3604496744" sldId="290"/>
         </pc:sldMkLst>
+        <pc:spChg chg="mod">
+          <ac:chgData name="Scruel Tao" userId="5ea5c98d59b44d4b" providerId="LiveId" clId="{87D85EC6-ED1F-4281-828A-5E21384E7B80}" dt="2023-04-26T04:16:17.754" v="1619" actId="20577"/>
+          <ac:spMkLst>
+            <pc:docMk/>
+            <pc:sldMk cId="3604496744" sldId="290"/>
+            <ac:spMk id="2" creationId="{BAD162F0-2175-84E9-2387-55F669162449}"/>
+          </ac:spMkLst>
+        </pc:spChg>
+        <pc:spChg chg="mod">
+          <ac:chgData name="Scruel Tao" userId="5ea5c98d59b44d4b" providerId="LiveId" clId="{87D85EC6-ED1F-4281-828A-5E21384E7B80}" dt="2023-05-05T16:33:15.842" v="5035" actId="20577"/>
+          <ac:spMkLst>
+            <pc:docMk/>
+            <pc:sldMk cId="3604496744" sldId="290"/>
+            <ac:spMk id="3" creationId="{0E2FC508-1AFD-A957-52F2-FA1DEF2A9D27}"/>
+          </ac:spMkLst>
+        </pc:spChg>
+        <pc:spChg chg="add mod">
+          <ac:chgData name="Scruel Tao" userId="5ea5c98d59b44d4b" providerId="LiveId" clId="{87D85EC6-ED1F-4281-828A-5E21384E7B80}" dt="2023-05-01T13:07:57.009" v="3882" actId="1036"/>
+          <ac:spMkLst>
+            <pc:docMk/>
+            <pc:sldMk cId="3604496744" sldId="290"/>
+            <ac:spMk id="4" creationId="{738B1093-D644-D5DD-D6B6-0687FAB1A356}"/>
+          </ac:spMkLst>
+        </pc:spChg>
+        <pc:spChg chg="mod">
+          <ac:chgData name="Scruel Tao" userId="5ea5c98d59b44d4b" providerId="LiveId" clId="{87D85EC6-ED1F-4281-828A-5E21384E7B80}" dt="2023-04-26T04:21:55.643" v="1911" actId="1076"/>
+          <ac:spMkLst>
+            <pc:docMk/>
+            <pc:sldMk cId="3604496744" sldId="290"/>
+            <ac:spMk id="5" creationId="{B7A8CE03-6A77-60EC-056E-D7A0019640A3}"/>
+          </ac:spMkLst>
+        </pc:spChg>
+        <pc:spChg chg="add mod">
+          <ac:chgData name="Scruel Tao" userId="5ea5c98d59b44d4b" providerId="LiveId" clId="{87D85EC6-ED1F-4281-828A-5E21384E7B80}" dt="2023-05-01T13:08:38.542" v="3890" actId="20577"/>
+          <ac:spMkLst>
+            <pc:docMk/>
+            <pc:sldMk cId="3604496744" sldId="290"/>
+            <ac:spMk id="6" creationId="{88B993ED-952B-0702-DBCE-6B79D82BE8CF}"/>
+          </ac:spMkLst>
+        </pc:spChg>
+        <pc:spChg chg="mod">
+          <ac:chgData name="Scruel Tao" userId="5ea5c98d59b44d4b" providerId="LiveId" clId="{87D85EC6-ED1F-4281-828A-5E21384E7B80}" dt="2023-04-30T13:02:01.382" v="3280" actId="113"/>
+          <ac:spMkLst>
+            <pc:docMk/>
+            <pc:sldMk cId="3604496744" sldId="290"/>
+            <ac:spMk id="7" creationId="{12C899D8-51C5-D9B7-A323-E6EFE4AB5C33}"/>
+          </ac:spMkLst>
+        </pc:spChg>
+        <pc:spChg chg="add mod">
+          <ac:chgData name="Scruel Tao" userId="5ea5c98d59b44d4b" providerId="LiveId" clId="{87D85EC6-ED1F-4281-828A-5E21384E7B80}" dt="2023-05-01T13:08:48.514" v="3894" actId="20577"/>
+          <ac:spMkLst>
+            <pc:docMk/>
+            <pc:sldMk cId="3604496744" sldId="290"/>
+            <ac:spMk id="8" creationId="{AF38F498-A88F-4CEF-9D07-B545E00965E2}"/>
+          </ac:spMkLst>
+        </pc:spChg>
+        <pc:spChg chg="add del mod">
+          <ac:chgData name="Scruel Tao" userId="5ea5c98d59b44d4b" providerId="LiveId" clId="{87D85EC6-ED1F-4281-828A-5E21384E7B80}" dt="2023-05-01T13:09:04.278" v="3901" actId="21"/>
+          <ac:spMkLst>
+            <pc:docMk/>
+            <pc:sldMk cId="3604496744" sldId="290"/>
+            <ac:spMk id="9" creationId="{7220FD58-FA0A-B11E-7C90-0939ECA259C8}"/>
+          </ac:spMkLst>
+        </pc:spChg>
+        <pc:spChg chg="add mod">
+          <ac:chgData name="Scruel Tao" userId="5ea5c98d59b44d4b" providerId="LiveId" clId="{87D85EC6-ED1F-4281-828A-5E21384E7B80}" dt="2023-05-01T13:09:01.832" v="3900" actId="20577"/>
+          <ac:spMkLst>
+            <pc:docMk/>
+            <pc:sldMk cId="3604496744" sldId="290"/>
+            <ac:spMk id="10" creationId="{E6D50B9A-9AF9-BBE2-08DA-DB1EABF05FB9}"/>
+          </ac:spMkLst>
+        </pc:spChg>
+        <pc:spChg chg="add mod">
+          <ac:chgData name="Scruel Tao" userId="5ea5c98d59b44d4b" providerId="LiveId" clId="{87D85EC6-ED1F-4281-828A-5E21384E7B80}" dt="2023-05-01T13:10:59.335" v="4083" actId="1076"/>
+          <ac:spMkLst>
+            <pc:docMk/>
+            <pc:sldMk cId="3604496744" sldId="290"/>
+            <ac:spMk id="11" creationId="{A654B103-5A4A-A65F-2385-4A8960C5AB23}"/>
+          </ac:spMkLst>
+        </pc:spChg>
+        <pc:spChg chg="add mod">
+          <ac:chgData name="Scruel Tao" userId="5ea5c98d59b44d4b" providerId="LiveId" clId="{87D85EC6-ED1F-4281-828A-5E21384E7B80}" dt="2023-05-01T13:11:09.324" v="4088" actId="1035"/>
+          <ac:spMkLst>
+            <pc:docMk/>
+            <pc:sldMk cId="3604496744" sldId="290"/>
+            <ac:spMk id="12" creationId="{7ED3E9E7-EAD4-66F9-92E9-80158662BC59}"/>
+          </ac:spMkLst>
+        </pc:spChg>
+        <pc:spChg chg="add mod">
+          <ac:chgData name="Scruel Tao" userId="5ea5c98d59b44d4b" providerId="LiveId" clId="{87D85EC6-ED1F-4281-828A-5E21384E7B80}" dt="2023-05-01T13:11:03.588" v="4084" actId="1076"/>
+          <ac:spMkLst>
+            <pc:docMk/>
+            <pc:sldMk cId="3604496744" sldId="290"/>
+            <ac:spMk id="13" creationId="{E4803AA2-19E7-88F1-773F-9FCD0DD33C43}"/>
+          </ac:spMkLst>
+        </pc:spChg>
+        <pc:spChg chg="add mod">
+          <ac:chgData name="Scruel Tao" userId="5ea5c98d59b44d4b" providerId="LiveId" clId="{87D85EC6-ED1F-4281-828A-5E21384E7B80}" dt="2023-05-01T13:11:18.529" v="4091" actId="1076"/>
+          <ac:spMkLst>
+            <pc:docMk/>
+            <pc:sldMk cId="3604496744" sldId="290"/>
+            <ac:spMk id="14" creationId="{8D48A7F6-6A9A-C789-F92B-C4323EE3D64C}"/>
+          </ac:spMkLst>
+        </pc:spChg>
+        <pc:spChg chg="add del mod">
+          <ac:chgData name="Scruel Tao" userId="5ea5c98d59b44d4b" providerId="LiveId" clId="{87D85EC6-ED1F-4281-828A-5E21384E7B80}" dt="2023-05-01T13:11:14.222" v="4090"/>
+          <ac:spMkLst>
+            <pc:docMk/>
+            <pc:sldMk cId="3604496744" sldId="290"/>
+            <ac:spMk id="15" creationId="{9667CC33-17A7-EEF6-38A5-F2F36BB17970}"/>
+          </ac:spMkLst>
+        </pc:spChg>
       </pc:sldChg>
-      <pc:sldChg chg="modSp modAnim">
-        <pc:chgData name="Scruel Tao" userId="5ea5c98d59b44d4b" providerId="LiveId" clId="{2330EADB-10ED-4956-973A-3B593FFF7F82}" dt="2023-12-03T05:35:54.258" v="264" actId="113"/>
+      <pc:sldChg chg="addSp modSp add mod modTransition modAnim">
+        <pc:chgData name="Scruel Tao" userId="5ea5c98d59b44d4b" providerId="LiveId" clId="{87D85EC6-ED1F-4281-828A-5E21384E7B80}" dt="2023-05-05T14:22:08.010" v="4973"/>
         <pc:sldMkLst>
           <pc:docMk/>
           <pc:sldMk cId="1171829121" sldId="291"/>
         </pc:sldMkLst>
         <pc:spChg chg="mod">
-          <ac:chgData name="Scruel Tao" userId="5ea5c98d59b44d4b" providerId="LiveId" clId="{2330EADB-10ED-4956-973A-3B593FFF7F82}" dt="2023-12-03T05:35:54.258" v="264" actId="113"/>
+          <ac:chgData name="Scruel Tao" userId="5ea5c98d59b44d4b" providerId="LiveId" clId="{87D85EC6-ED1F-4281-828A-5E21384E7B80}" dt="2023-04-26T04:16:32.995" v="1661" actId="20577"/>
+          <ac:spMkLst>
+            <pc:docMk/>
+            <pc:sldMk cId="1171829121" sldId="291"/>
+            <ac:spMk id="2" creationId="{BAD162F0-2175-84E9-2387-55F669162449}"/>
+          </ac:spMkLst>
+        </pc:spChg>
+        <pc:spChg chg="mod">
+          <ac:chgData name="Scruel Tao" userId="5ea5c98d59b44d4b" providerId="LiveId" clId="{87D85EC6-ED1F-4281-828A-5E21384E7B80}" dt="2023-05-03T02:39:06.288" v="4694" actId="5793"/>
+          <ac:spMkLst>
+            <pc:docMk/>
+            <pc:sldMk cId="1171829121" sldId="291"/>
+            <ac:spMk id="3" creationId="{0E2FC508-1AFD-A957-52F2-FA1DEF2A9D27}"/>
+          </ac:spMkLst>
+        </pc:spChg>
+        <pc:spChg chg="mod">
+          <ac:chgData name="Scruel Tao" userId="5ea5c98d59b44d4b" providerId="LiveId" clId="{87D85EC6-ED1F-4281-828A-5E21384E7B80}" dt="2023-04-30T12:35:53.798" v="3263" actId="1076"/>
+          <ac:spMkLst>
+            <pc:docMk/>
+            <pc:sldMk cId="1171829121" sldId="291"/>
+            <ac:spMk id="5" creationId="{B7A8CE03-6A77-60EC-056E-D7A0019640A3}"/>
+          </ac:spMkLst>
+        </pc:spChg>
+        <pc:spChg chg="add mod">
+          <ac:chgData name="Scruel Tao" userId="5ea5c98d59b44d4b" providerId="LiveId" clId="{87D85EC6-ED1F-4281-828A-5E21384E7B80}" dt="2023-05-03T02:21:47.910" v="4681" actId="2711"/>
           <ac:spMkLst>
             <pc:docMk/>
             <pc:sldMk cId="1171829121" sldId="291"/>
             <ac:spMk id="6" creationId="{5357301F-961E-CB74-E220-38F7E7794570}"/>
           </ac:spMkLst>
         </pc:spChg>
+        <pc:spChg chg="mod">
+          <ac:chgData name="Scruel Tao" userId="5ea5c98d59b44d4b" providerId="LiveId" clId="{87D85EC6-ED1F-4281-828A-5E21384E7B80}" dt="2023-04-30T12:35:51.615" v="3262" actId="1076"/>
+          <ac:spMkLst>
+            <pc:docMk/>
+            <pc:sldMk cId="1171829121" sldId="291"/>
+            <ac:spMk id="7" creationId="{12C899D8-51C5-D9B7-A323-E6EFE4AB5C33}"/>
+          </ac:spMkLst>
+        </pc:spChg>
       </pc:sldChg>
-      <pc:sldChg chg="modSp mod">
-        <pc:chgData name="Scruel Tao" userId="5ea5c98d59b44d4b" providerId="LiveId" clId="{2330EADB-10ED-4956-973A-3B593FFF7F82}" dt="2023-12-03T05:40:04.345" v="461" actId="1076"/>
+      <pc:sldChg chg="addSp delSp modSp add mod modTransition delAnim modAnim modNotesTx">
+        <pc:chgData name="Scruel Tao" userId="5ea5c98d59b44d4b" providerId="LiveId" clId="{87D85EC6-ED1F-4281-828A-5E21384E7B80}" dt="2023-05-05T14:22:08.010" v="4973"/>
+        <pc:sldMkLst>
+          <pc:docMk/>
+          <pc:sldMk cId="4205064627" sldId="292"/>
+        </pc:sldMkLst>
+        <pc:spChg chg="mod">
+          <ac:chgData name="Scruel Tao" userId="5ea5c98d59b44d4b" providerId="LiveId" clId="{87D85EC6-ED1F-4281-828A-5E21384E7B80}" dt="2023-04-26T04:16:47.745" v="1682" actId="20577"/>
+          <ac:spMkLst>
+            <pc:docMk/>
+            <pc:sldMk cId="4205064627" sldId="292"/>
+            <ac:spMk id="2" creationId="{BAD162F0-2175-84E9-2387-55F669162449}"/>
+          </ac:spMkLst>
+        </pc:spChg>
+        <pc:spChg chg="mod">
+          <ac:chgData name="Scruel Tao" userId="5ea5c98d59b44d4b" providerId="LiveId" clId="{87D85EC6-ED1F-4281-828A-5E21384E7B80}" dt="2023-05-03T03:52:23.312" v="4950" actId="2711"/>
+          <ac:spMkLst>
+            <pc:docMk/>
+            <pc:sldMk cId="4205064627" sldId="292"/>
+            <ac:spMk id="3" creationId="{0E2FC508-1AFD-A957-52F2-FA1DEF2A9D27}"/>
+          </ac:spMkLst>
+        </pc:spChg>
+        <pc:spChg chg="add del mod">
+          <ac:chgData name="Scruel Tao" userId="5ea5c98d59b44d4b" providerId="LiveId" clId="{87D85EC6-ED1F-4281-828A-5E21384E7B80}" dt="2023-04-26T04:30:09.298" v="2357" actId="478"/>
+          <ac:spMkLst>
+            <pc:docMk/>
+            <pc:sldMk cId="4205064627" sldId="292"/>
+            <ac:spMk id="4" creationId="{0384BA5E-BC8C-4F00-A1C4-7E75883F54DC}"/>
+          </ac:spMkLst>
+        </pc:spChg>
+        <pc:spChg chg="mod">
+          <ac:chgData name="Scruel Tao" userId="5ea5c98d59b44d4b" providerId="LiveId" clId="{87D85EC6-ED1F-4281-828A-5E21384E7B80}" dt="2023-04-26T04:26:17.983" v="2071" actId="1076"/>
+          <ac:spMkLst>
+            <pc:docMk/>
+            <pc:sldMk cId="4205064627" sldId="292"/>
+            <ac:spMk id="5" creationId="{B7A8CE03-6A77-60EC-056E-D7A0019640A3}"/>
+          </ac:spMkLst>
+        </pc:spChg>
+        <pc:spChg chg="mod">
+          <ac:chgData name="Scruel Tao" userId="5ea5c98d59b44d4b" providerId="LiveId" clId="{87D85EC6-ED1F-4281-828A-5E21384E7B80}" dt="2023-05-03T02:56:30.414" v="4801" actId="1076"/>
+          <ac:spMkLst>
+            <pc:docMk/>
+            <pc:sldMk cId="4205064627" sldId="292"/>
+            <ac:spMk id="7" creationId="{12C899D8-51C5-D9B7-A323-E6EFE4AB5C33}"/>
+          </ac:spMkLst>
+        </pc:spChg>
+        <pc:spChg chg="add mod">
+          <ac:chgData name="Scruel Tao" userId="5ea5c98d59b44d4b" providerId="LiveId" clId="{87D85EC6-ED1F-4281-828A-5E21384E7B80}" dt="2023-05-03T02:21:54.860" v="4682" actId="2711"/>
+          <ac:spMkLst>
+            <pc:docMk/>
+            <pc:sldMk cId="4205064627" sldId="292"/>
+            <ac:spMk id="10" creationId="{F2C61292-C342-5CCF-E6BA-BC9C2045D4DB}"/>
+          </ac:spMkLst>
+        </pc:spChg>
+        <pc:picChg chg="add del mod">
+          <ac:chgData name="Scruel Tao" userId="5ea5c98d59b44d4b" providerId="LiveId" clId="{87D85EC6-ED1F-4281-828A-5E21384E7B80}" dt="2023-04-26T04:30:10.072" v="2358" actId="478"/>
+          <ac:picMkLst>
+            <pc:docMk/>
+            <pc:sldMk cId="4205064627" sldId="292"/>
+            <ac:picMk id="8" creationId="{F7FD3FBF-8547-5AAA-DDF0-16E08AB20D8D}"/>
+          </ac:picMkLst>
+        </pc:picChg>
+      </pc:sldChg>
+      <pc:sldChg chg="addSp modSp add mod modTransition modAnim">
+        <pc:chgData name="Scruel Tao" userId="5ea5c98d59b44d4b" providerId="LiveId" clId="{87D85EC6-ED1F-4281-828A-5E21384E7B80}" dt="2023-05-05T14:22:08.010" v="4973"/>
         <pc:sldMkLst>
           <pc:docMk/>
           <pc:sldMk cId="2748658712" sldId="293"/>
         </pc:sldMkLst>
         <pc:spChg chg="mod">
-          <ac:chgData name="Scruel Tao" userId="5ea5c98d59b44d4b" providerId="LiveId" clId="{2330EADB-10ED-4956-973A-3B593FFF7F82}" dt="2023-12-03T05:40:04.345" v="461" actId="1076"/>
+          <ac:chgData name="Scruel Tao" userId="5ea5c98d59b44d4b" providerId="LiveId" clId="{87D85EC6-ED1F-4281-828A-5E21384E7B80}" dt="2023-04-26T04:17:18.461" v="1716" actId="20577"/>
+          <ac:spMkLst>
+            <pc:docMk/>
+            <pc:sldMk cId="2748658712" sldId="293"/>
+            <ac:spMk id="2" creationId="{BAD162F0-2175-84E9-2387-55F669162449}"/>
+          </ac:spMkLst>
+        </pc:spChg>
+        <pc:spChg chg="mod">
+          <ac:chgData name="Scruel Tao" userId="5ea5c98d59b44d4b" providerId="LiveId" clId="{87D85EC6-ED1F-4281-828A-5E21384E7B80}" dt="2023-05-03T02:39:15.554" v="4696" actId="5793"/>
+          <ac:spMkLst>
+            <pc:docMk/>
+            <pc:sldMk cId="2748658712" sldId="293"/>
+            <ac:spMk id="3" creationId="{0E2FC508-1AFD-A957-52F2-FA1DEF2A9D27}"/>
+          </ac:spMkLst>
+        </pc:spChg>
+        <pc:spChg chg="add mod">
+          <ac:chgData name="Scruel Tao" userId="5ea5c98d59b44d4b" providerId="LiveId" clId="{87D85EC6-ED1F-4281-828A-5E21384E7B80}" dt="2023-05-03T02:22:05.979" v="4683" actId="2711"/>
           <ac:spMkLst>
             <pc:docMk/>
             <pc:sldMk cId="2748658712" sldId="293"/>
             <ac:spMk id="4" creationId="{F0C251C7-4C7B-3236-48AF-E1BBF0BBDCCA}"/>
           </ac:spMkLst>
         </pc:spChg>
+        <pc:spChg chg="mod">
+          <ac:chgData name="Scruel Tao" userId="5ea5c98d59b44d4b" providerId="LiveId" clId="{87D85EC6-ED1F-4281-828A-5E21384E7B80}" dt="2023-05-03T12:47:41.093" v="4960" actId="207"/>
+          <ac:spMkLst>
+            <pc:docMk/>
+            <pc:sldMk cId="2748658712" sldId="293"/>
+            <ac:spMk id="5" creationId="{B7A8CE03-6A77-60EC-056E-D7A0019640A3}"/>
+          </ac:spMkLst>
+        </pc:spChg>
+        <pc:spChg chg="mod">
+          <ac:chgData name="Scruel Tao" userId="5ea5c98d59b44d4b" providerId="LiveId" clId="{87D85EC6-ED1F-4281-828A-5E21384E7B80}" dt="2023-04-30T12:38:49.922" v="3277" actId="14100"/>
+          <ac:spMkLst>
+            <pc:docMk/>
+            <pc:sldMk cId="2748658712" sldId="293"/>
+            <ac:spMk id="7" creationId="{12C899D8-51C5-D9B7-A323-E6EFE4AB5C33}"/>
+          </ac:spMkLst>
+        </pc:spChg>
       </pc:sldChg>
-      <pc:sldChg chg="modNotesTx">
-        <pc:chgData name="Scruel Tao" userId="5ea5c98d59b44d4b" providerId="LiveId" clId="{2330EADB-10ED-4956-973A-3B593FFF7F82}" dt="2023-12-03T05:39:06.094" v="433" actId="20577"/>
+      <pc:sldChg chg="addSp delSp modSp add mod modTransition delAnim modAnim modNotesTx">
+        <pc:chgData name="Scruel Tao" userId="5ea5c98d59b44d4b" providerId="LiveId" clId="{87D85EC6-ED1F-4281-828A-5E21384E7B80}" dt="2023-06-02T17:22:55.040" v="5596" actId="20577"/>
         <pc:sldMkLst>
           <pc:docMk/>
           <pc:sldMk cId="4256083853" sldId="294"/>
         </pc:sldMkLst>
+        <pc:spChg chg="mod">
+          <ac:chgData name="Scruel Tao" userId="5ea5c98d59b44d4b" providerId="LiveId" clId="{87D85EC6-ED1F-4281-828A-5E21384E7B80}" dt="2023-05-03T02:39:13.101" v="4695" actId="5793"/>
+          <ac:spMkLst>
+            <pc:docMk/>
+            <pc:sldMk cId="4256083853" sldId="294"/>
+            <ac:spMk id="3" creationId="{0E2FC508-1AFD-A957-52F2-FA1DEF2A9D27}"/>
+          </ac:spMkLst>
+        </pc:spChg>
+        <pc:spChg chg="del mod">
+          <ac:chgData name="Scruel Tao" userId="5ea5c98d59b44d4b" providerId="LiveId" clId="{87D85EC6-ED1F-4281-828A-5E21384E7B80}" dt="2023-04-26T04:30:46.971" v="2366" actId="478"/>
+          <ac:spMkLst>
+            <pc:docMk/>
+            <pc:sldMk cId="4256083853" sldId="294"/>
+            <ac:spMk id="4" creationId="{0384BA5E-BC8C-4F00-A1C4-7E75883F54DC}"/>
+          </ac:spMkLst>
+        </pc:spChg>
+        <pc:spChg chg="del">
+          <ac:chgData name="Scruel Tao" userId="5ea5c98d59b44d4b" providerId="LiveId" clId="{87D85EC6-ED1F-4281-828A-5E21384E7B80}" dt="2023-04-26T04:30:39.999" v="2363" actId="478"/>
+          <ac:spMkLst>
+            <pc:docMk/>
+            <pc:sldMk cId="4256083853" sldId="294"/>
+            <ac:spMk id="5" creationId="{B7A8CE03-6A77-60EC-056E-D7A0019640A3}"/>
+          </ac:spMkLst>
+        </pc:spChg>
+        <pc:spChg chg="del">
+          <ac:chgData name="Scruel Tao" userId="5ea5c98d59b44d4b" providerId="LiveId" clId="{87D85EC6-ED1F-4281-828A-5E21384E7B80}" dt="2023-04-26T04:30:39.075" v="2362" actId="478"/>
+          <ac:spMkLst>
+            <pc:docMk/>
+            <pc:sldMk cId="4256083853" sldId="294"/>
+            <ac:spMk id="7" creationId="{12C899D8-51C5-D9B7-A323-E6EFE4AB5C33}"/>
+          </ac:spMkLst>
+        </pc:spChg>
+        <pc:picChg chg="add mod">
+          <ac:chgData name="Scruel Tao" userId="5ea5c98d59b44d4b" providerId="LiveId" clId="{87D85EC6-ED1F-4281-828A-5E21384E7B80}" dt="2023-06-02T17:22:36.010" v="5544" actId="1076"/>
+          <ac:picMkLst>
+            <pc:docMk/>
+            <pc:sldMk cId="4256083853" sldId="294"/>
+            <ac:picMk id="5" creationId="{4D154A02-8A00-1EE8-D845-6301BDC2DA60}"/>
+          </ac:picMkLst>
+        </pc:picChg>
+        <pc:picChg chg="del mod">
+          <ac:chgData name="Scruel Tao" userId="5ea5c98d59b44d4b" providerId="LiveId" clId="{87D85EC6-ED1F-4281-828A-5E21384E7B80}" dt="2023-06-02T17:22:30.145" v="5542" actId="478"/>
+          <ac:picMkLst>
+            <pc:docMk/>
+            <pc:sldMk cId="4256083853" sldId="294"/>
+            <ac:picMk id="8" creationId="{F7FD3FBF-8547-5AAA-DDF0-16E08AB20D8D}"/>
+          </ac:picMkLst>
+        </pc:picChg>
       </pc:sldChg>
-      <pc:sldChg chg="modSp mod">
-        <pc:chgData name="Scruel Tao" userId="5ea5c98d59b44d4b" providerId="LiveId" clId="{2330EADB-10ED-4956-973A-3B593FFF7F82}" dt="2023-12-03T05:14:32.467" v="20" actId="313"/>
+      <pc:sldChg chg="modSp add mod modTransition modAnim">
+        <pc:chgData name="Scruel Tao" userId="5ea5c98d59b44d4b" providerId="LiveId" clId="{87D85EC6-ED1F-4281-828A-5E21384E7B80}" dt="2023-05-06T20:25:48.975" v="5342"/>
         <pc:sldMkLst>
           <pc:docMk/>
           <pc:sldMk cId="3584119265" sldId="295"/>
         </pc:sldMkLst>
         <pc:spChg chg="mod">
-          <ac:chgData name="Scruel Tao" userId="5ea5c98d59b44d4b" providerId="LiveId" clId="{2330EADB-10ED-4956-973A-3B593FFF7F82}" dt="2023-12-03T05:13:57.573" v="5" actId="113"/>
+          <ac:chgData name="Scruel Tao" userId="5ea5c98d59b44d4b" providerId="LiveId" clId="{87D85EC6-ED1F-4281-828A-5E21384E7B80}" dt="2023-05-03T14:30:38.064" v="4961" actId="207"/>
           <ac:spMkLst>
             <pc:docMk/>
             <pc:sldMk cId="3584119265" sldId="295"/>
@@ -458,66 +2647,615 @@
           </ac:spMkLst>
         </pc:spChg>
         <pc:spChg chg="mod">
-          <ac:chgData name="Scruel Tao" userId="5ea5c98d59b44d4b" providerId="LiveId" clId="{2330EADB-10ED-4956-973A-3B593FFF7F82}" dt="2023-12-03T05:14:32.467" v="20" actId="313"/>
+          <ac:chgData name="Scruel Tao" userId="5ea5c98d59b44d4b" providerId="LiveId" clId="{87D85EC6-ED1F-4281-828A-5E21384E7B80}" dt="2023-05-06T19:40:34.756" v="5318" actId="20577"/>
           <ac:spMkLst>
             <pc:docMk/>
             <pc:sldMk cId="3584119265" sldId="295"/>
             <ac:spMk id="5" creationId="{B7A8CE03-6A77-60EC-056E-D7A0019640A3}"/>
           </ac:spMkLst>
         </pc:spChg>
+        <pc:spChg chg="mod">
+          <ac:chgData name="Scruel Tao" userId="5ea5c98d59b44d4b" providerId="LiveId" clId="{87D85EC6-ED1F-4281-828A-5E21384E7B80}" dt="2023-05-06T19:20:07.594" v="5312" actId="20577"/>
+          <ac:spMkLst>
+            <pc:docMk/>
+            <pc:sldMk cId="3584119265" sldId="295"/>
+            <ac:spMk id="7" creationId="{12C899D8-51C5-D9B7-A323-E6EFE4AB5C33}"/>
+          </ac:spMkLst>
+        </pc:spChg>
       </pc:sldChg>
-      <pc:sldChg chg="modTransition">
-        <pc:chgData name="Scruel Tao" userId="5ea5c98d59b44d4b" providerId="LiveId" clId="{2330EADB-10ED-4956-973A-3B593FFF7F82}" dt="2023-12-03T14:21:15.772" v="462"/>
+      <pc:sldChg chg="addSp delSp modSp add mod modTransition addAnim delAnim modAnim">
+        <pc:chgData name="Scruel Tao" userId="5ea5c98d59b44d4b" providerId="LiveId" clId="{87D85EC6-ED1F-4281-828A-5E21384E7B80}" dt="2023-05-06T03:56:45.275" v="5068"/>
+        <pc:sldMkLst>
+          <pc:docMk/>
+          <pc:sldMk cId="4167579057" sldId="296"/>
+        </pc:sldMkLst>
+        <pc:spChg chg="mod">
+          <ac:chgData name="Scruel Tao" userId="5ea5c98d59b44d4b" providerId="LiveId" clId="{87D85EC6-ED1F-4281-828A-5E21384E7B80}" dt="2023-05-03T02:47:24.999" v="4697" actId="5793"/>
+          <ac:spMkLst>
+            <pc:docMk/>
+            <pc:sldMk cId="4167579057" sldId="296"/>
+            <ac:spMk id="3" creationId="{0E2FC508-1AFD-A957-52F2-FA1DEF2A9D27}"/>
+          </ac:spMkLst>
+        </pc:spChg>
+        <pc:spChg chg="mod">
+          <ac:chgData name="Scruel Tao" userId="5ea5c98d59b44d4b" providerId="LiveId" clId="{87D85EC6-ED1F-4281-828A-5E21384E7B80}" dt="2023-04-30T11:52:18.190" v="2944" actId="1076"/>
+          <ac:spMkLst>
+            <pc:docMk/>
+            <pc:sldMk cId="4167579057" sldId="296"/>
+            <ac:spMk id="18" creationId="{0FC422AB-5A1A-0C45-3D65-937328812212}"/>
+          </ac:spMkLst>
+        </pc:spChg>
+        <pc:picChg chg="add del mod">
+          <ac:chgData name="Scruel Tao" userId="5ea5c98d59b44d4b" providerId="LiveId" clId="{87D85EC6-ED1F-4281-828A-5E21384E7B80}" dt="2023-05-02T12:53:01.335" v="4587" actId="478"/>
+          <ac:picMkLst>
+            <pc:docMk/>
+            <pc:sldMk cId="4167579057" sldId="296"/>
+            <ac:picMk id="4" creationId="{92F470B6-A826-4E2A-6AF0-B46C8F0500DF}"/>
+          </ac:picMkLst>
+        </pc:picChg>
+        <pc:picChg chg="add del mod">
+          <ac:chgData name="Scruel Tao" userId="5ea5c98d59b44d4b" providerId="LiveId" clId="{87D85EC6-ED1F-4281-828A-5E21384E7B80}" dt="2023-05-02T12:53:11.580" v="4592" actId="478"/>
+          <ac:picMkLst>
+            <pc:docMk/>
+            <pc:sldMk cId="4167579057" sldId="296"/>
+            <ac:picMk id="6" creationId="{6A58536E-C54C-9E7E-9A6C-3CDA23DDBBD3}"/>
+          </ac:picMkLst>
+        </pc:picChg>
+        <pc:picChg chg="add mod">
+          <ac:chgData name="Scruel Tao" userId="5ea5c98d59b44d4b" providerId="LiveId" clId="{87D85EC6-ED1F-4281-828A-5E21384E7B80}" dt="2023-05-02T12:57:06.249" v="4613" actId="14826"/>
+          <ac:picMkLst>
+            <pc:docMk/>
+            <pc:sldMk cId="4167579057" sldId="296"/>
+            <ac:picMk id="8" creationId="{ECC4E116-EB42-E560-DD1D-E16A2176F9A6}"/>
+          </ac:picMkLst>
+        </pc:picChg>
+        <pc:picChg chg="mod">
+          <ac:chgData name="Scruel Tao" userId="5ea5c98d59b44d4b" providerId="LiveId" clId="{87D85EC6-ED1F-4281-828A-5E21384E7B80}" dt="2023-04-30T11:57:06.872" v="2958" actId="14826"/>
+          <ac:picMkLst>
+            <pc:docMk/>
+            <pc:sldMk cId="4167579057" sldId="296"/>
+            <ac:picMk id="11" creationId="{8445C470-BEA8-6723-034B-808D1DE1EF88}"/>
+          </ac:picMkLst>
+        </pc:picChg>
+        <pc:picChg chg="mod">
+          <ac:chgData name="Scruel Tao" userId="5ea5c98d59b44d4b" providerId="LiveId" clId="{87D85EC6-ED1F-4281-828A-5E21384E7B80}" dt="2023-05-05T14:52:16.187" v="4977" actId="962"/>
+          <ac:picMkLst>
+            <pc:docMk/>
+            <pc:sldMk cId="4167579057" sldId="296"/>
+            <ac:picMk id="17" creationId="{C959BA15-CA39-64B6-A2C0-D56D21F389E0}"/>
+          </ac:picMkLst>
+        </pc:picChg>
+      </pc:sldChg>
+      <pc:sldChg chg="addSp delSp modSp add mod modTransition modAnim">
+        <pc:chgData name="Scruel Tao" userId="5ea5c98d59b44d4b" providerId="LiveId" clId="{87D85EC6-ED1F-4281-828A-5E21384E7B80}" dt="2023-05-06T20:07:35.065" v="5321" actId="1076"/>
         <pc:sldMkLst>
           <pc:docMk/>
           <pc:sldMk cId="3787547593" sldId="297"/>
         </pc:sldMkLst>
+        <pc:spChg chg="mod">
+          <ac:chgData name="Scruel Tao" userId="5ea5c98d59b44d4b" providerId="LiveId" clId="{87D85EC6-ED1F-4281-828A-5E21384E7B80}" dt="2023-05-05T14:55:18.515" v="5015" actId="15"/>
+          <ac:spMkLst>
+            <pc:docMk/>
+            <pc:sldMk cId="3787547593" sldId="297"/>
+            <ac:spMk id="3" creationId="{0E2FC508-1AFD-A957-52F2-FA1DEF2A9D27}"/>
+          </ac:spMkLst>
+        </pc:spChg>
+        <pc:spChg chg="add mod">
+          <ac:chgData name="Scruel Tao" userId="5ea5c98d59b44d4b" providerId="LiveId" clId="{87D85EC6-ED1F-4281-828A-5E21384E7B80}" dt="2023-05-05T14:55:31.462" v="5017" actId="1036"/>
+          <ac:spMkLst>
+            <pc:docMk/>
+            <pc:sldMk cId="3787547593" sldId="297"/>
+            <ac:spMk id="6" creationId="{EA923A17-351C-F5A0-3CD4-A357CF9C37C8}"/>
+          </ac:spMkLst>
+        </pc:spChg>
+        <pc:picChg chg="add del mod">
+          <ac:chgData name="Scruel Tao" userId="5ea5c98d59b44d4b" providerId="LiveId" clId="{87D85EC6-ED1F-4281-828A-5E21384E7B80}" dt="2023-05-02T12:34:34.029" v="4523"/>
+          <ac:picMkLst>
+            <pc:docMk/>
+            <pc:sldMk cId="3787547593" sldId="297"/>
+            <ac:picMk id="4" creationId="{026B75FB-751D-5C8D-1A4B-E867CF94CF32}"/>
+          </ac:picMkLst>
+        </pc:picChg>
+        <pc:picChg chg="add del mod">
+          <ac:chgData name="Scruel Tao" userId="5ea5c98d59b44d4b" providerId="LiveId" clId="{87D85EC6-ED1F-4281-828A-5E21384E7B80}" dt="2023-04-30T16:29:52.561" v="3332" actId="21"/>
+          <ac:picMkLst>
+            <pc:docMk/>
+            <pc:sldMk cId="3787547593" sldId="297"/>
+            <ac:picMk id="5" creationId="{A3E793D7-26C9-EFE6-0992-14A8323BB1DB}"/>
+          </ac:picMkLst>
+        </pc:picChg>
+        <pc:picChg chg="add mod">
+          <ac:chgData name="Scruel Tao" userId="5ea5c98d59b44d4b" providerId="LiveId" clId="{87D85EC6-ED1F-4281-828A-5E21384E7B80}" dt="2023-05-02T12:57:01.756" v="4612" actId="14826"/>
+          <ac:picMkLst>
+            <pc:docMk/>
+            <pc:sldMk cId="3787547593" sldId="297"/>
+            <ac:picMk id="5" creationId="{CEB495B7-ACAD-D686-2266-BC6C487400C7}"/>
+          </ac:picMkLst>
+        </pc:picChg>
+        <pc:picChg chg="add del mod">
+          <ac:chgData name="Scruel Tao" userId="5ea5c98d59b44d4b" providerId="LiveId" clId="{87D85EC6-ED1F-4281-828A-5E21384E7B80}" dt="2023-05-02T12:56:02.046" v="4602" actId="478"/>
+          <ac:picMkLst>
+            <pc:docMk/>
+            <pc:sldMk cId="3787547593" sldId="297"/>
+            <ac:picMk id="6" creationId="{8B74F838-0B55-C4A9-E77B-E2C757FC2D8D}"/>
+          </ac:picMkLst>
+        </pc:picChg>
+        <pc:picChg chg="mod">
+          <ac:chgData name="Scruel Tao" userId="5ea5c98d59b44d4b" providerId="LiveId" clId="{87D85EC6-ED1F-4281-828A-5E21384E7B80}" dt="2023-04-30T11:57:10.964" v="2959" actId="14826"/>
+          <ac:picMkLst>
+            <pc:docMk/>
+            <pc:sldMk cId="3787547593" sldId="297"/>
+            <ac:picMk id="11" creationId="{8445C470-BEA8-6723-034B-808D1DE1EF88}"/>
+          </ac:picMkLst>
+        </pc:picChg>
+        <pc:picChg chg="mod">
+          <ac:chgData name="Scruel Tao" userId="5ea5c98d59b44d4b" providerId="LiveId" clId="{87D85EC6-ED1F-4281-828A-5E21384E7B80}" dt="2023-05-06T20:07:35.065" v="5321" actId="1076"/>
+          <ac:picMkLst>
+            <pc:docMk/>
+            <pc:sldMk cId="3787547593" sldId="297"/>
+            <ac:picMk id="17" creationId="{C959BA15-CA39-64B6-A2C0-D56D21F389E0}"/>
+          </ac:picMkLst>
+        </pc:picChg>
       </pc:sldChg>
-      <pc:sldChg chg="modSp mod">
-        <pc:chgData name="Scruel Tao" userId="5ea5c98d59b44d4b" providerId="LiveId" clId="{2330EADB-10ED-4956-973A-3B593FFF7F82}" dt="2023-12-03T05:20:58.013" v="251"/>
+      <pc:sldChg chg="add del">
+        <pc:chgData name="Scruel Tao" userId="5ea5c98d59b44d4b" providerId="LiveId" clId="{87D85EC6-ED1F-4281-828A-5E21384E7B80}" dt="2023-04-30T12:05:56.398" v="3042" actId="47"/>
+        <pc:sldMkLst>
+          <pc:docMk/>
+          <pc:sldMk cId="629145671" sldId="298"/>
+        </pc:sldMkLst>
+      </pc:sldChg>
+      <pc:sldChg chg="addSp delSp modSp add mod modTransition modAnim">
+        <pc:chgData name="Scruel Tao" userId="5ea5c98d59b44d4b" providerId="LiveId" clId="{87D85EC6-ED1F-4281-828A-5E21384E7B80}" dt="2023-05-06T20:26:32.123" v="5345"/>
         <pc:sldMkLst>
           <pc:docMk/>
           <pc:sldMk cId="144408623" sldId="299"/>
         </pc:sldMkLst>
         <pc:spChg chg="mod">
-          <ac:chgData name="Scruel Tao" userId="5ea5c98d59b44d4b" providerId="LiveId" clId="{2330EADB-10ED-4956-973A-3B593FFF7F82}" dt="2023-12-03T05:20:58.013" v="251"/>
+          <ac:chgData name="Scruel Tao" userId="5ea5c98d59b44d4b" providerId="LiveId" clId="{87D85EC6-ED1F-4281-828A-5E21384E7B80}" dt="2023-05-01T09:15:04.918" v="3348"/>
+          <ac:spMkLst>
+            <pc:docMk/>
+            <pc:sldMk cId="144408623" sldId="299"/>
+            <ac:spMk id="2" creationId="{BAD162F0-2175-84E9-2387-55F669162449}"/>
+          </ac:spMkLst>
+        </pc:spChg>
+        <pc:spChg chg="mod">
+          <ac:chgData name="Scruel Tao" userId="5ea5c98d59b44d4b" providerId="LiveId" clId="{87D85EC6-ED1F-4281-828A-5E21384E7B80}" dt="2023-05-03T03:45:55.599" v="4804" actId="21"/>
           <ac:spMkLst>
             <pc:docMk/>
             <pc:sldMk cId="144408623" sldId="299"/>
             <ac:spMk id="3" creationId="{0E2FC508-1AFD-A957-52F2-FA1DEF2A9D27}"/>
           </ac:spMkLst>
         </pc:spChg>
+        <pc:spChg chg="add mod">
+          <ac:chgData name="Scruel Tao" userId="5ea5c98d59b44d4b" providerId="LiveId" clId="{87D85EC6-ED1F-4281-828A-5E21384E7B80}" dt="2023-05-06T20:24:44.901" v="5333"/>
+          <ac:spMkLst>
+            <pc:docMk/>
+            <pc:sldMk cId="144408623" sldId="299"/>
+            <ac:spMk id="4" creationId="{2E5DF1A3-E1DD-BC38-0E15-697E2502A36E}"/>
+          </ac:spMkLst>
+        </pc:spChg>
+        <pc:spChg chg="mod">
+          <ac:chgData name="Scruel Tao" userId="5ea5c98d59b44d4b" providerId="LiveId" clId="{87D85EC6-ED1F-4281-828A-5E21384E7B80}" dt="2023-05-03T03:47:20.979" v="4812" actId="1076"/>
+          <ac:spMkLst>
+            <pc:docMk/>
+            <pc:sldMk cId="144408623" sldId="299"/>
+            <ac:spMk id="5" creationId="{B7A8CE03-6A77-60EC-056E-D7A0019640A3}"/>
+          </ac:spMkLst>
+        </pc:spChg>
+        <pc:spChg chg="del">
+          <ac:chgData name="Scruel Tao" userId="5ea5c98d59b44d4b" providerId="LiveId" clId="{87D85EC6-ED1F-4281-828A-5E21384E7B80}" dt="2023-04-30T12:11:43.138" v="3088" actId="21"/>
+          <ac:spMkLst>
+            <pc:docMk/>
+            <pc:sldMk cId="144408623" sldId="299"/>
+            <ac:spMk id="7" creationId="{12C899D8-51C5-D9B7-A323-E6EFE4AB5C33}"/>
+          </ac:spMkLst>
+        </pc:spChg>
       </pc:sldChg>
-      <pc:sldChg chg="modSp mod">
-        <pc:chgData name="Scruel Tao" userId="5ea5c98d59b44d4b" providerId="LiveId" clId="{2330EADB-10ED-4956-973A-3B593FFF7F82}" dt="2023-12-03T05:19:25.165" v="145"/>
+      <pc:sldChg chg="delSp add del mod">
+        <pc:chgData name="Scruel Tao" userId="5ea5c98d59b44d4b" providerId="LiveId" clId="{87D85EC6-ED1F-4281-828A-5E21384E7B80}" dt="2023-04-30T12:11:36.753" v="3087" actId="2696"/>
+        <pc:sldMkLst>
+          <pc:docMk/>
+          <pc:sldMk cId="1306237828" sldId="300"/>
+        </pc:sldMkLst>
+        <pc:spChg chg="del">
+          <ac:chgData name="Scruel Tao" userId="5ea5c98d59b44d4b" providerId="LiveId" clId="{87D85EC6-ED1F-4281-828A-5E21384E7B80}" dt="2023-04-30T12:07:40.664" v="3044" actId="21"/>
+          <ac:spMkLst>
+            <pc:docMk/>
+            <pc:sldMk cId="1306237828" sldId="300"/>
+            <ac:spMk id="7" creationId="{12C899D8-51C5-D9B7-A323-E6EFE4AB5C33}"/>
+          </ac:spMkLst>
+        </pc:spChg>
+      </pc:sldChg>
+      <pc:sldChg chg="addSp delSp modSp add mod modTransition addAnim delAnim modAnim">
+        <pc:chgData name="Scruel Tao" userId="5ea5c98d59b44d4b" providerId="LiveId" clId="{87D85EC6-ED1F-4281-828A-5E21384E7B80}" dt="2023-05-06T20:08:29.781" v="5325"/>
         <pc:sldMkLst>
           <pc:docMk/>
           <pc:sldMk cId="2974806146" sldId="301"/>
         </pc:sldMkLst>
         <pc:spChg chg="mod">
-          <ac:chgData name="Scruel Tao" userId="5ea5c98d59b44d4b" providerId="LiveId" clId="{2330EADB-10ED-4956-973A-3B593FFF7F82}" dt="2023-12-03T05:19:25.165" v="145"/>
+          <ac:chgData name="Scruel Tao" userId="5ea5c98d59b44d4b" providerId="LiveId" clId="{87D85EC6-ED1F-4281-828A-5E21384E7B80}" dt="2023-05-01T09:15:02.433" v="3347"/>
+          <ac:spMkLst>
+            <pc:docMk/>
+            <pc:sldMk cId="2974806146" sldId="301"/>
+            <ac:spMk id="2" creationId="{BAD162F0-2175-84E9-2387-55F669162449}"/>
+          </ac:spMkLst>
+        </pc:spChg>
+        <pc:spChg chg="mod">
+          <ac:chgData name="Scruel Tao" userId="5ea5c98d59b44d4b" providerId="LiveId" clId="{87D85EC6-ED1F-4281-828A-5E21384E7B80}" dt="2023-05-03T04:22:27.433" v="4958"/>
           <ac:spMkLst>
             <pc:docMk/>
             <pc:sldMk cId="2974806146" sldId="301"/>
             <ac:spMk id="3" creationId="{0E2FC508-1AFD-A957-52F2-FA1DEF2A9D27}"/>
           </ac:spMkLst>
         </pc:spChg>
+        <pc:spChg chg="add mod">
+          <ac:chgData name="Scruel Tao" userId="5ea5c98d59b44d4b" providerId="LiveId" clId="{87D85EC6-ED1F-4281-828A-5E21384E7B80}" dt="2023-05-03T03:46:41.445" v="4809" actId="1076"/>
+          <ac:spMkLst>
+            <pc:docMk/>
+            <pc:sldMk cId="2974806146" sldId="301"/>
+            <ac:spMk id="6" creationId="{ED3F0CE6-E180-54C3-4AA1-95047C2B25E7}"/>
+          </ac:spMkLst>
+        </pc:spChg>
+        <pc:spChg chg="add del">
+          <ac:chgData name="Scruel Tao" userId="5ea5c98d59b44d4b" providerId="LiveId" clId="{87D85EC6-ED1F-4281-828A-5E21384E7B80}" dt="2023-05-02T13:02:58.023" v="4618" actId="22"/>
+          <ac:spMkLst>
+            <pc:docMk/>
+            <pc:sldMk cId="2974806146" sldId="301"/>
+            <ac:spMk id="9" creationId="{3440AD8D-7451-F031-3EC6-32585723AA27}"/>
+          </ac:spMkLst>
+        </pc:spChg>
+        <pc:spChg chg="add del mod">
+          <ac:chgData name="Scruel Tao" userId="5ea5c98d59b44d4b" providerId="LiveId" clId="{87D85EC6-ED1F-4281-828A-5E21384E7B80}" dt="2023-05-02T12:35:42.093" v="4585" actId="21"/>
+          <ac:spMkLst>
+            <pc:docMk/>
+            <pc:sldMk cId="2974806146" sldId="301"/>
+            <ac:spMk id="10" creationId="{B6A161A6-7068-FC63-BF51-6ABD2302F64D}"/>
+          </ac:spMkLst>
+        </pc:spChg>
+        <pc:picChg chg="add del mod">
+          <ac:chgData name="Scruel Tao" userId="5ea5c98d59b44d4b" providerId="LiveId" clId="{87D85EC6-ED1F-4281-828A-5E21384E7B80}" dt="2023-05-02T12:34:37.965" v="4536"/>
+          <ac:picMkLst>
+            <pc:docMk/>
+            <pc:sldMk cId="2974806146" sldId="301"/>
+            <ac:picMk id="4" creationId="{2A669A00-9C90-7060-53E9-927246855CB7}"/>
+          </ac:picMkLst>
+        </pc:picChg>
+        <pc:picChg chg="add del mod">
+          <ac:chgData name="Scruel Tao" userId="5ea5c98d59b44d4b" providerId="LiveId" clId="{87D85EC6-ED1F-4281-828A-5E21384E7B80}" dt="2023-04-30T12:16:14.289" v="3123"/>
+          <ac:picMkLst>
+            <pc:docMk/>
+            <pc:sldMk cId="2974806146" sldId="301"/>
+            <ac:picMk id="4" creationId="{4CFFA485-79B7-D336-75D3-B0799D223CF0}"/>
+          </ac:picMkLst>
+        </pc:picChg>
+        <pc:picChg chg="add mod">
+          <ac:chgData name="Scruel Tao" userId="5ea5c98d59b44d4b" providerId="LiveId" clId="{87D85EC6-ED1F-4281-828A-5E21384E7B80}" dt="2023-05-03T03:46:41.445" v="4809" actId="1076"/>
+          <ac:picMkLst>
+            <pc:docMk/>
+            <pc:sldMk cId="2974806146" sldId="301"/>
+            <ac:picMk id="5" creationId="{B194E238-AD74-97A3-7085-8454C20FB2F8}"/>
+          </ac:picMkLst>
+        </pc:picChg>
+        <pc:picChg chg="add del mod">
+          <ac:chgData name="Scruel Tao" userId="5ea5c98d59b44d4b" providerId="LiveId" clId="{87D85EC6-ED1F-4281-828A-5E21384E7B80}" dt="2023-04-30T12:16:44.582" v="3130"/>
+          <ac:picMkLst>
+            <pc:docMk/>
+            <pc:sldMk cId="2974806146" sldId="301"/>
+            <ac:picMk id="5" creationId="{E076FC20-CA3B-4BDE-AD41-6D01E17E1646}"/>
+          </ac:picMkLst>
+        </pc:picChg>
+        <pc:picChg chg="add del mod">
+          <ac:chgData name="Scruel Tao" userId="5ea5c98d59b44d4b" providerId="LiveId" clId="{87D85EC6-ED1F-4281-828A-5E21384E7B80}" dt="2023-05-05T14:56:26.964" v="5019" actId="962"/>
+          <ac:picMkLst>
+            <pc:docMk/>
+            <pc:sldMk cId="2974806146" sldId="301"/>
+            <ac:picMk id="8" creationId="{F458DA5F-0CEF-8130-4F57-AB228F411C95}"/>
+          </ac:picMkLst>
+        </pc:picChg>
+        <pc:picChg chg="add mod">
+          <ac:chgData name="Scruel Tao" userId="5ea5c98d59b44d4b" providerId="LiveId" clId="{87D85EC6-ED1F-4281-828A-5E21384E7B80}" dt="2023-05-03T03:46:41.445" v="4809" actId="1076"/>
+          <ac:picMkLst>
+            <pc:docMk/>
+            <pc:sldMk cId="2974806146" sldId="301"/>
+            <ac:picMk id="12" creationId="{AB78D44F-D88F-7560-51F4-310B18BCDBEC}"/>
+          </ac:picMkLst>
+        </pc:picChg>
       </pc:sldChg>
-      <pc:sldChg chg="modSp mod">
-        <pc:chgData name="Scruel Tao" userId="5ea5c98d59b44d4b" providerId="LiveId" clId="{2330EADB-10ED-4956-973A-3B593FFF7F82}" dt="2023-12-03T05:20:51.968" v="250" actId="20577"/>
+      <pc:sldChg chg="addSp delSp modSp add mod modTransition modAnim">
+        <pc:chgData name="Scruel Tao" userId="5ea5c98d59b44d4b" providerId="LiveId" clId="{87D85EC6-ED1F-4281-828A-5E21384E7B80}" dt="2023-05-05T14:57:09.614" v="5022" actId="207"/>
         <pc:sldMkLst>
           <pc:docMk/>
           <pc:sldMk cId="2546857016" sldId="302"/>
         </pc:sldMkLst>
         <pc:spChg chg="mod">
-          <ac:chgData name="Scruel Tao" userId="5ea5c98d59b44d4b" providerId="LiveId" clId="{2330EADB-10ED-4956-973A-3B593FFF7F82}" dt="2023-12-03T05:20:51.968" v="250" actId="20577"/>
+          <ac:chgData name="Scruel Tao" userId="5ea5c98d59b44d4b" providerId="LiveId" clId="{87D85EC6-ED1F-4281-828A-5E21384E7B80}" dt="2023-05-01T09:15:27.120" v="3364" actId="20577"/>
+          <ac:spMkLst>
+            <pc:docMk/>
+            <pc:sldMk cId="2546857016" sldId="302"/>
+            <ac:spMk id="2" creationId="{BAD162F0-2175-84E9-2387-55F669162449}"/>
+          </ac:spMkLst>
+        </pc:spChg>
+        <pc:spChg chg="mod">
+          <ac:chgData name="Scruel Tao" userId="5ea5c98d59b44d4b" providerId="LiveId" clId="{87D85EC6-ED1F-4281-828A-5E21384E7B80}" dt="2023-05-05T14:57:09.614" v="5022" actId="207"/>
           <ac:spMkLst>
             <pc:docMk/>
             <pc:sldMk cId="2546857016" sldId="302"/>
             <ac:spMk id="3" creationId="{0E2FC508-1AFD-A957-52F2-FA1DEF2A9D27}"/>
           </ac:spMkLst>
         </pc:spChg>
+        <pc:spChg chg="add del mod">
+          <ac:chgData name="Scruel Tao" userId="5ea5c98d59b44d4b" providerId="LiveId" clId="{87D85EC6-ED1F-4281-828A-5E21384E7B80}" dt="2023-04-30T12:14:58.219" v="3111"/>
+          <ac:spMkLst>
+            <pc:docMk/>
+            <pc:sldMk cId="2546857016" sldId="302"/>
+            <ac:spMk id="7" creationId="{F8A9B198-7A50-1405-E04B-176245D619CC}"/>
+          </ac:spMkLst>
+        </pc:spChg>
+        <pc:spChg chg="del">
+          <ac:chgData name="Scruel Tao" userId="5ea5c98d59b44d4b" providerId="LiveId" clId="{87D85EC6-ED1F-4281-828A-5E21384E7B80}" dt="2023-04-30T12:14:22.357" v="3101" actId="21"/>
+          <ac:spMkLst>
+            <pc:docMk/>
+            <pc:sldMk cId="2546857016" sldId="302"/>
+            <ac:spMk id="10" creationId="{B6A161A6-7068-FC63-BF51-6ABD2302F64D}"/>
+          </ac:spMkLst>
+        </pc:spChg>
+        <pc:picChg chg="add del">
+          <ac:chgData name="Scruel Tao" userId="5ea5c98d59b44d4b" providerId="LiveId" clId="{87D85EC6-ED1F-4281-828A-5E21384E7B80}" dt="2023-04-30T12:13:47.364" v="3095" actId="22"/>
+          <ac:picMkLst>
+            <pc:docMk/>
+            <pc:sldMk cId="2546857016" sldId="302"/>
+            <ac:picMk id="5" creationId="{C720BB2F-3409-A2A1-7E02-B91778FAD0F8}"/>
+          </ac:picMkLst>
+        </pc:picChg>
+        <pc:picChg chg="mod">
+          <ac:chgData name="Scruel Tao" userId="5ea5c98d59b44d4b" providerId="LiveId" clId="{87D85EC6-ED1F-4281-828A-5E21384E7B80}" dt="2023-05-05T14:56:32.120" v="5020" actId="962"/>
+          <ac:picMkLst>
+            <pc:docMk/>
+            <pc:sldMk cId="2546857016" sldId="302"/>
+            <ac:picMk id="8" creationId="{F458DA5F-0CEF-8130-4F57-AB228F411C95}"/>
+          </ac:picMkLst>
+        </pc:picChg>
       </pc:sldChg>
+      <pc:sldChg chg="add del">
+        <pc:chgData name="Scruel Tao" userId="5ea5c98d59b44d4b" providerId="LiveId" clId="{87D85EC6-ED1F-4281-828A-5E21384E7B80}" dt="2023-05-02T23:03:26.088" v="4644" actId="47"/>
+        <pc:sldMkLst>
+          <pc:docMk/>
+          <pc:sldMk cId="1599418885" sldId="303"/>
+        </pc:sldMkLst>
+      </pc:sldChg>
+      <pc:sldChg chg="modSp add del mod">
+        <pc:chgData name="Scruel Tao" userId="5ea5c98d59b44d4b" providerId="LiveId" clId="{87D85EC6-ED1F-4281-828A-5E21384E7B80}" dt="2023-05-04T01:18:05.741" v="4965" actId="47"/>
+        <pc:sldMkLst>
+          <pc:docMk/>
+          <pc:sldMk cId="3161108256" sldId="310"/>
+        </pc:sldMkLst>
+        <pc:spChg chg="mod">
+          <ac:chgData name="Scruel Tao" userId="5ea5c98d59b44d4b" providerId="LiveId" clId="{87D85EC6-ED1F-4281-828A-5E21384E7B80}" dt="2023-05-04T01:16:53.632" v="4963" actId="21"/>
+          <ac:spMkLst>
+            <pc:docMk/>
+            <pc:sldMk cId="3161108256" sldId="310"/>
+            <ac:spMk id="3" creationId="{AC7759D9-0BB4-08ED-8476-24F7D903D6DE}"/>
+          </ac:spMkLst>
+        </pc:spChg>
+      </pc:sldChg>
+      <pc:sldChg chg="add del">
+        <pc:chgData name="Scruel Tao" userId="5ea5c98d59b44d4b" providerId="LiveId" clId="{87D85EC6-ED1F-4281-828A-5E21384E7B80}" dt="2023-05-04T01:20:28.532" v="4967" actId="47"/>
+        <pc:sldMkLst>
+          <pc:docMk/>
+          <pc:sldMk cId="2777882936" sldId="311"/>
+        </pc:sldMkLst>
+      </pc:sldChg>
+      <pc:sldChg chg="add del">
+        <pc:chgData name="Scruel Tao" userId="5ea5c98d59b44d4b" providerId="LiveId" clId="{87D85EC6-ED1F-4281-828A-5E21384E7B80}" dt="2023-05-05T02:30:36.939" v="4969" actId="47"/>
+        <pc:sldMkLst>
+          <pc:docMk/>
+          <pc:sldMk cId="3161108256" sldId="363"/>
+        </pc:sldMkLst>
+      </pc:sldChg>
+      <pc:sldChg chg="add del">
+        <pc:chgData name="Scruel Tao" userId="5ea5c98d59b44d4b" providerId="LiveId" clId="{87D85EC6-ED1F-4281-828A-5E21384E7B80}" dt="2023-05-04T18:24:17.095" v="4971" actId="47"/>
+        <pc:sldMkLst>
+          <pc:docMk/>
+          <pc:sldMk cId="3517300307" sldId="364"/>
+        </pc:sldMkLst>
+      </pc:sldChg>
+      <pc:sldChg chg="add modTransition">
+        <pc:chgData name="Scruel Tao" userId="5ea5c98d59b44d4b" providerId="LiveId" clId="{87D85EC6-ED1F-4281-828A-5E21384E7B80}" dt="2023-05-05T14:22:08.010" v="4973"/>
+        <pc:sldMkLst>
+          <pc:docMk/>
+          <pc:sldMk cId="3625446739" sldId="366"/>
+        </pc:sldMkLst>
+      </pc:sldChg>
+      <pc:sldChg chg="modSp add modTransition modAnim">
+        <pc:chgData name="Scruel Tao" userId="5ea5c98d59b44d4b" providerId="LiveId" clId="{87D85EC6-ED1F-4281-828A-5E21384E7B80}" dt="2023-05-06T20:30:54.887" v="5391"/>
+        <pc:sldMkLst>
+          <pc:docMk/>
+          <pc:sldMk cId="940528697" sldId="367"/>
+        </pc:sldMkLst>
+        <pc:spChg chg="mod">
+          <ac:chgData name="Scruel Tao" userId="5ea5c98d59b44d4b" providerId="LiveId" clId="{87D85EC6-ED1F-4281-828A-5E21384E7B80}" dt="2023-05-06T20:29:11.374" v="5362" actId="207"/>
+          <ac:spMkLst>
+            <pc:docMk/>
+            <pc:sldMk cId="940528697" sldId="367"/>
+            <ac:spMk id="7" creationId="{12C899D8-51C5-D9B7-A323-E6EFE4AB5C33}"/>
+          </ac:spMkLst>
+        </pc:spChg>
+      </pc:sldChg>
+      <pc:sldMasterChg chg="modTransition modSldLayout">
+        <pc:chgData name="Scruel Tao" userId="5ea5c98d59b44d4b" providerId="LiveId" clId="{87D85EC6-ED1F-4281-828A-5E21384E7B80}" dt="2023-05-16T03:54:46.903" v="5394" actId="478"/>
+        <pc:sldMasterMkLst>
+          <pc:docMk/>
+          <pc:sldMasterMk cId="1766057859" sldId="2147483648"/>
+        </pc:sldMasterMkLst>
+        <pc:sldLayoutChg chg="modTransition">
+          <pc:chgData name="Scruel Tao" userId="5ea5c98d59b44d4b" providerId="LiveId" clId="{87D85EC6-ED1F-4281-828A-5E21384E7B80}" dt="2023-05-05T14:22:08.010" v="4973"/>
+          <pc:sldLayoutMkLst>
+            <pc:docMk/>
+            <pc:sldMasterMk cId="1766057859" sldId="2147483648"/>
+            <pc:sldLayoutMk cId="2187492797" sldId="2147483649"/>
+          </pc:sldLayoutMkLst>
+        </pc:sldLayoutChg>
+        <pc:sldLayoutChg chg="addSp delSp modSp mod modTransition">
+          <pc:chgData name="Scruel Tao" userId="5ea5c98d59b44d4b" providerId="LiveId" clId="{87D85EC6-ED1F-4281-828A-5E21384E7B80}" dt="2023-05-05T14:22:08.010" v="4973"/>
+          <pc:sldLayoutMkLst>
+            <pc:docMk/>
+            <pc:sldMasterMk cId="1766057859" sldId="2147483648"/>
+            <pc:sldLayoutMk cId="2116765151" sldId="2147483650"/>
+          </pc:sldLayoutMkLst>
+          <pc:spChg chg="mod">
+            <ac:chgData name="Scruel Tao" userId="5ea5c98d59b44d4b" providerId="LiveId" clId="{87D85EC6-ED1F-4281-828A-5E21384E7B80}" dt="2023-05-03T01:19:35.767" v="4651" actId="2711"/>
+            <ac:spMkLst>
+              <pc:docMk/>
+              <pc:sldMasterMk cId="1766057859" sldId="2147483648"/>
+              <pc:sldLayoutMk cId="2116765151" sldId="2147483650"/>
+              <ac:spMk id="3" creationId="{9C7469E7-ED7E-A1F2-48AF-DF31AAC06407}"/>
+            </ac:spMkLst>
+          </pc:spChg>
+          <pc:spChg chg="del">
+            <ac:chgData name="Scruel Tao" userId="5ea5c98d59b44d4b" providerId="LiveId" clId="{87D85EC6-ED1F-4281-828A-5E21384E7B80}" dt="2023-05-03T00:07:25.678" v="4647" actId="478"/>
+            <ac:spMkLst>
+              <pc:docMk/>
+              <pc:sldMasterMk cId="1766057859" sldId="2147483648"/>
+              <pc:sldLayoutMk cId="2116765151" sldId="2147483650"/>
+              <ac:spMk id="7" creationId="{CC508A81-C1C7-B1D4-63BC-4C397A9B30DA}"/>
+            </ac:spMkLst>
+          </pc:spChg>
+          <pc:spChg chg="add mod">
+            <ac:chgData name="Scruel Tao" userId="5ea5c98d59b44d4b" providerId="LiveId" clId="{87D85EC6-ED1F-4281-828A-5E21384E7B80}" dt="2023-05-03T00:07:25.871" v="4648"/>
+            <ac:spMkLst>
+              <pc:docMk/>
+              <pc:sldMasterMk cId="1766057859" sldId="2147483648"/>
+              <pc:sldLayoutMk cId="2116765151" sldId="2147483650"/>
+              <ac:spMk id="8" creationId="{8AFD3B27-FCDA-0D5B-586D-B97E4D9ADC83}"/>
+            </ac:spMkLst>
+          </pc:spChg>
+        </pc:sldLayoutChg>
+        <pc:sldLayoutChg chg="modTransition">
+          <pc:chgData name="Scruel Tao" userId="5ea5c98d59b44d4b" providerId="LiveId" clId="{87D85EC6-ED1F-4281-828A-5E21384E7B80}" dt="2023-05-05T14:22:08.010" v="4973"/>
+          <pc:sldLayoutMkLst>
+            <pc:docMk/>
+            <pc:sldMasterMk cId="1766057859" sldId="2147483648"/>
+            <pc:sldLayoutMk cId="3876442843" sldId="2147483651"/>
+          </pc:sldLayoutMkLst>
+        </pc:sldLayoutChg>
+        <pc:sldLayoutChg chg="addSp delSp modSp mod modTransition">
+          <pc:chgData name="Scruel Tao" userId="5ea5c98d59b44d4b" providerId="LiveId" clId="{87D85EC6-ED1F-4281-828A-5E21384E7B80}" dt="2023-05-05T14:22:08.010" v="4973"/>
+          <pc:sldLayoutMkLst>
+            <pc:docMk/>
+            <pc:sldMasterMk cId="1766057859" sldId="2147483648"/>
+            <pc:sldLayoutMk cId="2296489930" sldId="2147483652"/>
+          </pc:sldLayoutMkLst>
+          <pc:spChg chg="mod">
+            <ac:chgData name="Scruel Tao" userId="5ea5c98d59b44d4b" providerId="LiveId" clId="{87D85EC6-ED1F-4281-828A-5E21384E7B80}" dt="2023-05-03T01:19:41.846" v="4652" actId="2711"/>
+            <ac:spMkLst>
+              <pc:docMk/>
+              <pc:sldMasterMk cId="1766057859" sldId="2147483648"/>
+              <pc:sldLayoutMk cId="2296489930" sldId="2147483652"/>
+              <ac:spMk id="3" creationId="{FA361A1F-DD24-D4DC-FDF8-14089EDC7CAD}"/>
+            </ac:spMkLst>
+          </pc:spChg>
+          <pc:spChg chg="mod">
+            <ac:chgData name="Scruel Tao" userId="5ea5c98d59b44d4b" providerId="LiveId" clId="{87D85EC6-ED1F-4281-828A-5E21384E7B80}" dt="2023-05-03T01:19:41.846" v="4652" actId="2711"/>
+            <ac:spMkLst>
+              <pc:docMk/>
+              <pc:sldMasterMk cId="1766057859" sldId="2147483648"/>
+              <pc:sldLayoutMk cId="2296489930" sldId="2147483652"/>
+              <ac:spMk id="4" creationId="{F7656781-5A02-AEE4-2F0C-71BC7C17E38F}"/>
+            </ac:spMkLst>
+          </pc:spChg>
+          <pc:spChg chg="del">
+            <ac:chgData name="Scruel Tao" userId="5ea5c98d59b44d4b" providerId="LiveId" clId="{87D85EC6-ED1F-4281-828A-5E21384E7B80}" dt="2023-05-03T00:07:28.346" v="4649" actId="478"/>
+            <ac:spMkLst>
+              <pc:docMk/>
+              <pc:sldMasterMk cId="1766057859" sldId="2147483648"/>
+              <pc:sldLayoutMk cId="2296489930" sldId="2147483652"/>
+              <ac:spMk id="8" creationId="{C5A5C420-1B53-618C-C968-A8FEF109459A}"/>
+            </ac:spMkLst>
+          </pc:spChg>
+          <pc:spChg chg="add mod">
+            <ac:chgData name="Scruel Tao" userId="5ea5c98d59b44d4b" providerId="LiveId" clId="{87D85EC6-ED1F-4281-828A-5E21384E7B80}" dt="2023-05-03T00:07:28.537" v="4650"/>
+            <ac:spMkLst>
+              <pc:docMk/>
+              <pc:sldMasterMk cId="1766057859" sldId="2147483648"/>
+              <pc:sldLayoutMk cId="2296489930" sldId="2147483652"/>
+              <ac:spMk id="9" creationId="{AD44FE16-76F4-3AAF-4EA1-33F4ED51D949}"/>
+            </ac:spMkLst>
+          </pc:spChg>
+        </pc:sldLayoutChg>
+        <pc:sldLayoutChg chg="modTransition">
+          <pc:chgData name="Scruel Tao" userId="5ea5c98d59b44d4b" providerId="LiveId" clId="{87D85EC6-ED1F-4281-828A-5E21384E7B80}" dt="2023-05-05T14:22:08.010" v="4973"/>
+          <pc:sldLayoutMkLst>
+            <pc:docMk/>
+            <pc:sldMasterMk cId="1766057859" sldId="2147483648"/>
+            <pc:sldLayoutMk cId="1903742116" sldId="2147483653"/>
+          </pc:sldLayoutMkLst>
+        </pc:sldLayoutChg>
+        <pc:sldLayoutChg chg="modTransition">
+          <pc:chgData name="Scruel Tao" userId="5ea5c98d59b44d4b" providerId="LiveId" clId="{87D85EC6-ED1F-4281-828A-5E21384E7B80}" dt="2023-05-05T14:22:08.010" v="4973"/>
+          <pc:sldLayoutMkLst>
+            <pc:docMk/>
+            <pc:sldMasterMk cId="1766057859" sldId="2147483648"/>
+            <pc:sldLayoutMk cId="2266343131" sldId="2147483654"/>
+          </pc:sldLayoutMkLst>
+        </pc:sldLayoutChg>
+        <pc:sldLayoutChg chg="modTransition">
+          <pc:chgData name="Scruel Tao" userId="5ea5c98d59b44d4b" providerId="LiveId" clId="{87D85EC6-ED1F-4281-828A-5E21384E7B80}" dt="2023-05-05T14:22:08.010" v="4973"/>
+          <pc:sldLayoutMkLst>
+            <pc:docMk/>
+            <pc:sldMasterMk cId="1766057859" sldId="2147483648"/>
+            <pc:sldLayoutMk cId="3125871839" sldId="2147483655"/>
+          </pc:sldLayoutMkLst>
+        </pc:sldLayoutChg>
+        <pc:sldLayoutChg chg="modTransition">
+          <pc:chgData name="Scruel Tao" userId="5ea5c98d59b44d4b" providerId="LiveId" clId="{87D85EC6-ED1F-4281-828A-5E21384E7B80}" dt="2023-05-05T14:22:08.010" v="4973"/>
+          <pc:sldLayoutMkLst>
+            <pc:docMk/>
+            <pc:sldMasterMk cId="1766057859" sldId="2147483648"/>
+            <pc:sldLayoutMk cId="4269120921" sldId="2147483656"/>
+          </pc:sldLayoutMkLst>
+        </pc:sldLayoutChg>
+        <pc:sldLayoutChg chg="modTransition">
+          <pc:chgData name="Scruel Tao" userId="5ea5c98d59b44d4b" providerId="LiveId" clId="{87D85EC6-ED1F-4281-828A-5E21384E7B80}" dt="2023-05-05T14:22:08.010" v="4973"/>
+          <pc:sldLayoutMkLst>
+            <pc:docMk/>
+            <pc:sldMasterMk cId="1766057859" sldId="2147483648"/>
+            <pc:sldLayoutMk cId="3839517779" sldId="2147483657"/>
+          </pc:sldLayoutMkLst>
+        </pc:sldLayoutChg>
+        <pc:sldLayoutChg chg="modTransition">
+          <pc:chgData name="Scruel Tao" userId="5ea5c98d59b44d4b" providerId="LiveId" clId="{87D85EC6-ED1F-4281-828A-5E21384E7B80}" dt="2023-05-05T14:22:08.010" v="4973"/>
+          <pc:sldLayoutMkLst>
+            <pc:docMk/>
+            <pc:sldMasterMk cId="1766057859" sldId="2147483648"/>
+            <pc:sldLayoutMk cId="3533658407" sldId="2147483658"/>
+          </pc:sldLayoutMkLst>
+        </pc:sldLayoutChg>
+        <pc:sldLayoutChg chg="modTransition">
+          <pc:chgData name="Scruel Tao" userId="5ea5c98d59b44d4b" providerId="LiveId" clId="{87D85EC6-ED1F-4281-828A-5E21384E7B80}" dt="2023-05-05T14:22:08.010" v="4973"/>
+          <pc:sldLayoutMkLst>
+            <pc:docMk/>
+            <pc:sldMasterMk cId="1766057859" sldId="2147483648"/>
+            <pc:sldLayoutMk cId="1976972956" sldId="2147483659"/>
+          </pc:sldLayoutMkLst>
+        </pc:sldLayoutChg>
+        <pc:sldLayoutChg chg="delSp modTransition">
+          <pc:chgData name="Scruel Tao" userId="5ea5c98d59b44d4b" providerId="LiveId" clId="{87D85EC6-ED1F-4281-828A-5E21384E7B80}" dt="2023-05-16T03:54:46.903" v="5394" actId="478"/>
+          <pc:sldLayoutMkLst>
+            <pc:docMk/>
+            <pc:sldMasterMk cId="4050429394" sldId="2147483661"/>
+            <pc:sldLayoutMk cId="1337634028" sldId="2147483660"/>
+          </pc:sldLayoutMkLst>
+          <pc:spChg chg="del">
+            <ac:chgData name="Scruel Tao" userId="5ea5c98d59b44d4b" providerId="LiveId" clId="{87D85EC6-ED1F-4281-828A-5E21384E7B80}" dt="2023-05-16T03:54:46.903" v="5394" actId="478"/>
+            <ac:spMkLst>
+              <pc:docMk/>
+              <pc:sldMasterMk cId="4050429394" sldId="2147483661"/>
+              <pc:sldLayoutMk cId="1337634028" sldId="2147483660"/>
+              <ac:spMk id="19472" creationId="{BD0BF484-93B1-9A87-952A-7D5E9B29C38D}"/>
+            </ac:spMkLst>
+          </pc:spChg>
+        </pc:sldLayoutChg>
+      </pc:sldMasterChg>
     </pc:docChg>
   </pc:docChgLst>
   <pc:docChgLst>
@@ -1511,2756 +4249,18 @@
           <pc:chgData name="Scruel Tao" userId="5ea5c98d59b44d4b" providerId="LiveId" clId="{42F73B06-DA81-4C67-8473-07E158E9C79B}" dt="2023-04-25T02:47:33.665" v="42" actId="21"/>
           <pc:sldLayoutMkLst>
             <pc:docMk/>
-            <pc:sldMasterMk cId="1766057859" sldId="2147483648"/>
+            <pc:sldMasterMk cId="4050429394" sldId="2147483661"/>
             <pc:sldLayoutMk cId="1337634028" sldId="2147483660"/>
           </pc:sldLayoutMkLst>
           <pc:picChg chg="del">
             <ac:chgData name="Scruel Tao" userId="5ea5c98d59b44d4b" providerId="LiveId" clId="{42F73B06-DA81-4C67-8473-07E158E9C79B}" dt="2023-04-25T02:47:33.665" v="42" actId="21"/>
             <ac:picMkLst>
               <pc:docMk/>
-              <pc:sldMasterMk cId="1766057859" sldId="2147483648"/>
+              <pc:sldMasterMk cId="4050429394" sldId="2147483661"/>
               <pc:sldLayoutMk cId="1337634028" sldId="2147483660"/>
               <ac:picMk id="19482" creationId="{8F2B9C9A-7CA4-5723-784E-DBADCF09186B}"/>
             </ac:picMkLst>
           </pc:picChg>
-        </pc:sldLayoutChg>
-      </pc:sldMasterChg>
-    </pc:docChg>
-  </pc:docChgLst>
-  <pc:docChgLst>
-    <pc:chgData name="Scruel Tao" userId="5ea5c98d59b44d4b" providerId="LiveId" clId="{2BA6F94F-59B6-4AA6-9DB6-4A8227DBE37E}"/>
-    <pc:docChg chg="undo redo custSel addSld delSld modSld sldOrd modMainMaster">
-      <pc:chgData name="Scruel Tao" userId="5ea5c98d59b44d4b" providerId="LiveId" clId="{2BA6F94F-59B6-4AA6-9DB6-4A8227DBE37E}" dt="2023-04-06T03:22:01.021" v="6326" actId="20577"/>
-      <pc:docMkLst>
-        <pc:docMk/>
-      </pc:docMkLst>
-      <pc:sldChg chg="del">
-        <pc:chgData name="Scruel Tao" userId="5ea5c98d59b44d4b" providerId="LiveId" clId="{2BA6F94F-59B6-4AA6-9DB6-4A8227DBE37E}" dt="2023-04-03T03:24:06.255" v="207" actId="47"/>
-        <pc:sldMkLst>
-          <pc:docMk/>
-          <pc:sldMk cId="1900326474" sldId="256"/>
-        </pc:sldMkLst>
-      </pc:sldChg>
-      <pc:sldChg chg="modSp mod">
-        <pc:chgData name="Scruel Tao" userId="5ea5c98d59b44d4b" providerId="LiveId" clId="{2BA6F94F-59B6-4AA6-9DB6-4A8227DBE37E}" dt="2023-04-06T03:06:34.065" v="6045" actId="20577"/>
-        <pc:sldMkLst>
-          <pc:docMk/>
-          <pc:sldMk cId="1112998187" sldId="257"/>
-        </pc:sldMkLst>
-        <pc:spChg chg="mod">
-          <ac:chgData name="Scruel Tao" userId="5ea5c98d59b44d4b" providerId="LiveId" clId="{2BA6F94F-59B6-4AA6-9DB6-4A8227DBE37E}" dt="2023-04-06T01:53:20.359" v="3276"/>
-          <ac:spMkLst>
-            <pc:docMk/>
-            <pc:sldMk cId="1112998187" sldId="257"/>
-            <ac:spMk id="2" creationId="{1422DFF6-0952-1023-64E3-97184D36BE3F}"/>
-          </ac:spMkLst>
-        </pc:spChg>
-        <pc:spChg chg="mod">
-          <ac:chgData name="Scruel Tao" userId="5ea5c98d59b44d4b" providerId="LiveId" clId="{2BA6F94F-59B6-4AA6-9DB6-4A8227DBE37E}" dt="2023-04-06T03:06:34.065" v="6045" actId="20577"/>
-          <ac:spMkLst>
-            <pc:docMk/>
-            <pc:sldMk cId="1112998187" sldId="257"/>
-            <ac:spMk id="3" creationId="{AC7759D9-0BB4-08ED-8476-24F7D903D6DE}"/>
-          </ac:spMkLst>
-        </pc:spChg>
-      </pc:sldChg>
-      <pc:sldChg chg="addSp delSp modSp mod modClrScheme chgLayout">
-        <pc:chgData name="Scruel Tao" userId="5ea5c98d59b44d4b" providerId="LiveId" clId="{2BA6F94F-59B6-4AA6-9DB6-4A8227DBE37E}" dt="2023-04-03T05:03:22.628" v="2756"/>
-        <pc:sldMkLst>
-          <pc:docMk/>
-          <pc:sldMk cId="3636494425" sldId="258"/>
-        </pc:sldMkLst>
-        <pc:spChg chg="mod ord">
-          <ac:chgData name="Scruel Tao" userId="5ea5c98d59b44d4b" providerId="LiveId" clId="{2BA6F94F-59B6-4AA6-9DB6-4A8227DBE37E}" dt="2023-04-03T05:03:22.628" v="2756"/>
-          <ac:spMkLst>
-            <pc:docMk/>
-            <pc:sldMk cId="3636494425" sldId="258"/>
-            <ac:spMk id="2" creationId="{ABA783DF-49A6-7EF1-661E-C574E2C2F386}"/>
-          </ac:spMkLst>
-        </pc:spChg>
-        <pc:spChg chg="mod ord">
-          <ac:chgData name="Scruel Tao" userId="5ea5c98d59b44d4b" providerId="LiveId" clId="{2BA6F94F-59B6-4AA6-9DB6-4A8227DBE37E}" dt="2023-04-03T03:46:29.252" v="641" actId="20577"/>
-          <ac:spMkLst>
-            <pc:docMk/>
-            <pc:sldMk cId="3636494425" sldId="258"/>
-            <ac:spMk id="3" creationId="{4C14948B-081B-0FED-AF72-DA2CFEC85EB0}"/>
-          </ac:spMkLst>
-        </pc:spChg>
-        <pc:spChg chg="add del mod ord">
-          <ac:chgData name="Scruel Tao" userId="5ea5c98d59b44d4b" providerId="LiveId" clId="{2BA6F94F-59B6-4AA6-9DB6-4A8227DBE37E}" dt="2023-04-03T03:44:53.662" v="491" actId="700"/>
-          <ac:spMkLst>
-            <pc:docMk/>
-            <pc:sldMk cId="3636494425" sldId="258"/>
-            <ac:spMk id="6" creationId="{F56D7D0D-9A8C-4EF8-27F2-E32848F94E27}"/>
-          </ac:spMkLst>
-        </pc:spChg>
-        <pc:spChg chg="add del mod ord">
-          <ac:chgData name="Scruel Tao" userId="5ea5c98d59b44d4b" providerId="LiveId" clId="{2BA6F94F-59B6-4AA6-9DB6-4A8227DBE37E}" dt="2023-04-03T03:47:53.866" v="642" actId="478"/>
-          <ac:spMkLst>
-            <pc:docMk/>
-            <pc:sldMk cId="3636494425" sldId="258"/>
-            <ac:spMk id="7" creationId="{34E14114-55C2-509B-E32D-4974A828AFB6}"/>
-          </ac:spMkLst>
-        </pc:spChg>
-        <pc:picChg chg="add mod">
-          <ac:chgData name="Scruel Tao" userId="5ea5c98d59b44d4b" providerId="LiveId" clId="{2BA6F94F-59B6-4AA6-9DB6-4A8227DBE37E}" dt="2023-04-03T03:45:05.643" v="494" actId="1076"/>
-          <ac:picMkLst>
-            <pc:docMk/>
-            <pc:sldMk cId="3636494425" sldId="258"/>
-            <ac:picMk id="5" creationId="{C5E50AA4-F82C-6E14-E269-5451494306AE}"/>
-          </ac:picMkLst>
-        </pc:picChg>
-      </pc:sldChg>
-      <pc:sldChg chg="addSp delSp modSp add mod modClrScheme chgLayout">
-        <pc:chgData name="Scruel Tao" userId="5ea5c98d59b44d4b" providerId="LiveId" clId="{2BA6F94F-59B6-4AA6-9DB6-4A8227DBE37E}" dt="2023-04-06T01:58:50.310" v="3415" actId="20577"/>
-        <pc:sldMkLst>
-          <pc:docMk/>
-          <pc:sldMk cId="1199684676" sldId="259"/>
-        </pc:sldMkLst>
-        <pc:spChg chg="mod ord">
-          <ac:chgData name="Scruel Tao" userId="5ea5c98d59b44d4b" providerId="LiveId" clId="{2BA6F94F-59B6-4AA6-9DB6-4A8227DBE37E}" dt="2023-04-06T01:58:50.310" v="3415" actId="20577"/>
-          <ac:spMkLst>
-            <pc:docMk/>
-            <pc:sldMk cId="1199684676" sldId="259"/>
-            <ac:spMk id="2" creationId="{ABA783DF-49A6-7EF1-661E-C574E2C2F386}"/>
-          </ac:spMkLst>
-        </pc:spChg>
-        <pc:spChg chg="del">
-          <ac:chgData name="Scruel Tao" userId="5ea5c98d59b44d4b" providerId="LiveId" clId="{2BA6F94F-59B6-4AA6-9DB6-4A8227DBE37E}" dt="2023-04-03T03:35:16.150" v="336"/>
-          <ac:spMkLst>
-            <pc:docMk/>
-            <pc:sldMk cId="1199684676" sldId="259"/>
-            <ac:spMk id="3" creationId="{4C14948B-081B-0FED-AF72-DA2CFEC85EB0}"/>
-          </ac:spMkLst>
-        </pc:spChg>
-        <pc:spChg chg="add del mod">
-          <ac:chgData name="Scruel Tao" userId="5ea5c98d59b44d4b" providerId="LiveId" clId="{2BA6F94F-59B6-4AA6-9DB6-4A8227DBE37E}" dt="2023-04-03T03:35:26.887" v="338"/>
-          <ac:spMkLst>
-            <pc:docMk/>
-            <pc:sldMk cId="1199684676" sldId="259"/>
-            <ac:spMk id="6" creationId="{99A6C97A-27D9-096E-3F01-65FA7A6B5674}"/>
-          </ac:spMkLst>
-        </pc:spChg>
-        <pc:spChg chg="add del mod">
-          <ac:chgData name="Scruel Tao" userId="5ea5c98d59b44d4b" providerId="LiveId" clId="{2BA6F94F-59B6-4AA6-9DB6-4A8227DBE37E}" dt="2023-04-03T03:35:46.159" v="342"/>
-          <ac:spMkLst>
-            <pc:docMk/>
-            <pc:sldMk cId="1199684676" sldId="259"/>
-            <ac:spMk id="9" creationId="{EA4CD5A2-8483-D61D-CBA0-AB48D8A07DC9}"/>
-          </ac:spMkLst>
-        </pc:spChg>
-        <pc:spChg chg="add mod ord">
-          <ac:chgData name="Scruel Tao" userId="5ea5c98d59b44d4b" providerId="LiveId" clId="{2BA6F94F-59B6-4AA6-9DB6-4A8227DBE37E}" dt="2023-04-06T01:54:00.591" v="3312" actId="20577"/>
-          <ac:spMkLst>
-            <pc:docMk/>
-            <pc:sldMk cId="1199684676" sldId="259"/>
-            <ac:spMk id="12" creationId="{17AECC1C-6944-9F68-770A-0455E86B2492}"/>
-          </ac:spMkLst>
-        </pc:spChg>
-        <pc:picChg chg="add del mod">
-          <ac:chgData name="Scruel Tao" userId="5ea5c98d59b44d4b" providerId="LiveId" clId="{2BA6F94F-59B6-4AA6-9DB6-4A8227DBE37E}" dt="2023-04-03T03:35:18.823" v="337" actId="478"/>
-          <ac:picMkLst>
-            <pc:docMk/>
-            <pc:sldMk cId="1199684676" sldId="259"/>
-            <ac:picMk id="4" creationId="{5CD98794-78EF-B400-A554-F39AC55576BD}"/>
-          </ac:picMkLst>
-        </pc:picChg>
-        <pc:picChg chg="add del mod">
-          <ac:chgData name="Scruel Tao" userId="5ea5c98d59b44d4b" providerId="LiveId" clId="{2BA6F94F-59B6-4AA6-9DB6-4A8227DBE37E}" dt="2023-04-03T03:35:35.326" v="341" actId="478"/>
-          <ac:picMkLst>
-            <pc:docMk/>
-            <pc:sldMk cId="1199684676" sldId="259"/>
-            <ac:picMk id="7" creationId="{F8FEA747-E9DF-6A17-2CB8-1B41D931CB90}"/>
-          </ac:picMkLst>
-        </pc:picChg>
-        <pc:picChg chg="add mod ord">
-          <ac:chgData name="Scruel Tao" userId="5ea5c98d59b44d4b" providerId="LiveId" clId="{2BA6F94F-59B6-4AA6-9DB6-4A8227DBE37E}" dt="2023-04-06T01:54:10.825" v="3315" actId="1076"/>
-          <ac:picMkLst>
-            <pc:docMk/>
-            <pc:sldMk cId="1199684676" sldId="259"/>
-            <ac:picMk id="11" creationId="{9D500740-D60E-EFBC-F3C9-43DA9B4672BC}"/>
-          </ac:picMkLst>
-        </pc:picChg>
-      </pc:sldChg>
-      <pc:sldChg chg="addSp delSp modSp add mod">
-        <pc:chgData name="Scruel Tao" userId="5ea5c98d59b44d4b" providerId="LiveId" clId="{2BA6F94F-59B6-4AA6-9DB6-4A8227DBE37E}" dt="2023-04-03T03:41:24.102" v="348" actId="1076"/>
-        <pc:sldMkLst>
-          <pc:docMk/>
-          <pc:sldMk cId="0" sldId="260"/>
-        </pc:sldMkLst>
-        <pc:spChg chg="mod">
-          <ac:chgData name="Scruel Tao" userId="5ea5c98d59b44d4b" providerId="LiveId" clId="{2BA6F94F-59B6-4AA6-9DB6-4A8227DBE37E}" dt="2023-04-03T03:33:34.644" v="330"/>
-          <ac:spMkLst>
-            <pc:docMk/>
-            <pc:sldMk cId="0" sldId="260"/>
-            <ac:spMk id="1227783" creationId="{F7B3941E-B689-22D6-F18C-358E4BAEDF5F}"/>
-          </ac:spMkLst>
-        </pc:spChg>
-        <pc:spChg chg="add del mod">
-          <ac:chgData name="Scruel Tao" userId="5ea5c98d59b44d4b" providerId="LiveId" clId="{2BA6F94F-59B6-4AA6-9DB6-4A8227DBE37E}" dt="2023-04-03T03:33:39.968" v="331" actId="1076"/>
-          <ac:spMkLst>
-            <pc:docMk/>
-            <pc:sldMk cId="0" sldId="260"/>
-            <ac:spMk id="1227786" creationId="{C3F4DD20-8FA3-3CB0-19B6-FE0240B92A34}"/>
-          </ac:spMkLst>
-        </pc:spChg>
-        <pc:picChg chg="add mod">
-          <ac:chgData name="Scruel Tao" userId="5ea5c98d59b44d4b" providerId="LiveId" clId="{2BA6F94F-59B6-4AA6-9DB6-4A8227DBE37E}" dt="2023-04-03T03:41:24.102" v="348" actId="1076"/>
-          <ac:picMkLst>
-            <pc:docMk/>
-            <pc:sldMk cId="0" sldId="260"/>
-            <ac:picMk id="4" creationId="{E03AF484-A892-E4D7-A8C4-A4C7AE20944E}"/>
-          </ac:picMkLst>
-        </pc:picChg>
-      </pc:sldChg>
-      <pc:sldChg chg="addSp delSp modSp add mod chgLayout">
-        <pc:chgData name="Scruel Tao" userId="5ea5c98d59b44d4b" providerId="LiveId" clId="{2BA6F94F-59B6-4AA6-9DB6-4A8227DBE37E}" dt="2023-04-06T01:59:00.026" v="3419" actId="20577"/>
-        <pc:sldMkLst>
-          <pc:docMk/>
-          <pc:sldMk cId="3351160539" sldId="261"/>
-        </pc:sldMkLst>
-        <pc:spChg chg="mod ord">
-          <ac:chgData name="Scruel Tao" userId="5ea5c98d59b44d4b" providerId="LiveId" clId="{2BA6F94F-59B6-4AA6-9DB6-4A8227DBE37E}" dt="2023-04-06T01:59:00.026" v="3419" actId="20577"/>
-          <ac:spMkLst>
-            <pc:docMk/>
-            <pc:sldMk cId="3351160539" sldId="261"/>
-            <ac:spMk id="2" creationId="{ABA783DF-49A6-7EF1-661E-C574E2C2F386}"/>
-          </ac:spMkLst>
-        </pc:spChg>
-        <pc:spChg chg="add del mod">
-          <ac:chgData name="Scruel Tao" userId="5ea5c98d59b44d4b" providerId="LiveId" clId="{2BA6F94F-59B6-4AA6-9DB6-4A8227DBE37E}" dt="2023-04-03T03:55:10.330" v="847" actId="700"/>
-          <ac:spMkLst>
-            <pc:docMk/>
-            <pc:sldMk cId="3351160539" sldId="261"/>
-            <ac:spMk id="4" creationId="{B3A734ED-5C82-D6A5-9DB3-B2DF9F846D94}"/>
-          </ac:spMkLst>
-        </pc:spChg>
-        <pc:spChg chg="add mod ord">
-          <ac:chgData name="Scruel Tao" userId="5ea5c98d59b44d4b" providerId="LiveId" clId="{2BA6F94F-59B6-4AA6-9DB6-4A8227DBE37E}" dt="2023-04-03T04:04:07.946" v="1365" actId="20577"/>
-          <ac:spMkLst>
-            <pc:docMk/>
-            <pc:sldMk cId="3351160539" sldId="261"/>
-            <ac:spMk id="5" creationId="{334FF01F-2A65-44F6-34F9-69AC934A31D7}"/>
-          </ac:spMkLst>
-        </pc:spChg>
-        <pc:spChg chg="add del mod">
-          <ac:chgData name="Scruel Tao" userId="5ea5c98d59b44d4b" providerId="LiveId" clId="{2BA6F94F-59B6-4AA6-9DB6-4A8227DBE37E}" dt="2023-04-03T03:59:25.344" v="1081"/>
-          <ac:spMkLst>
-            <pc:docMk/>
-            <pc:sldMk cId="3351160539" sldId="261"/>
-            <ac:spMk id="9" creationId="{C16084A3-CDE6-AAC4-2971-FD575FBF0A8B}"/>
-          </ac:spMkLst>
-        </pc:spChg>
-        <pc:spChg chg="del mod ord">
-          <ac:chgData name="Scruel Tao" userId="5ea5c98d59b44d4b" providerId="LiveId" clId="{2BA6F94F-59B6-4AA6-9DB6-4A8227DBE37E}" dt="2023-04-03T03:58:01.823" v="1015"/>
-          <ac:spMkLst>
-            <pc:docMk/>
-            <pc:sldMk cId="3351160539" sldId="261"/>
-            <ac:spMk id="12" creationId="{17AECC1C-6944-9F68-770A-0455E86B2492}"/>
-          </ac:spMkLst>
-        </pc:spChg>
-        <pc:spChg chg="add mod">
-          <ac:chgData name="Scruel Tao" userId="5ea5c98d59b44d4b" providerId="LiveId" clId="{2BA6F94F-59B6-4AA6-9DB6-4A8227DBE37E}" dt="2023-04-03T04:05:44.217" v="1475" actId="114"/>
-          <ac:spMkLst>
-            <pc:docMk/>
-            <pc:sldMk cId="3351160539" sldId="261"/>
-            <ac:spMk id="14" creationId="{670E3534-8F35-5B26-8418-171E013CEE09}"/>
-          </ac:spMkLst>
-        </pc:spChg>
-        <pc:picChg chg="add del mod">
-          <ac:chgData name="Scruel Tao" userId="5ea5c98d59b44d4b" providerId="LiveId" clId="{2BA6F94F-59B6-4AA6-9DB6-4A8227DBE37E}" dt="2023-04-03T03:59:24.519" v="1080" actId="478"/>
-          <ac:picMkLst>
-            <pc:docMk/>
-            <pc:sldMk cId="3351160539" sldId="261"/>
-            <ac:picMk id="7" creationId="{0FBFFB0C-E3DC-4B3B-8988-A0B34551F390}"/>
-          </ac:picMkLst>
-        </pc:picChg>
-        <pc:picChg chg="del">
-          <ac:chgData name="Scruel Tao" userId="5ea5c98d59b44d4b" providerId="LiveId" clId="{2BA6F94F-59B6-4AA6-9DB6-4A8227DBE37E}" dt="2023-04-03T03:53:43.786" v="845" actId="21"/>
-          <ac:picMkLst>
-            <pc:docMk/>
-            <pc:sldMk cId="3351160539" sldId="261"/>
-            <ac:picMk id="11" creationId="{9D500740-D60E-EFBC-F3C9-43DA9B4672BC}"/>
-          </ac:picMkLst>
-        </pc:picChg>
-        <pc:picChg chg="add mod">
-          <ac:chgData name="Scruel Tao" userId="5ea5c98d59b44d4b" providerId="LiveId" clId="{2BA6F94F-59B6-4AA6-9DB6-4A8227DBE37E}" dt="2023-04-03T04:05:27.689" v="1473" actId="1076"/>
-          <ac:picMkLst>
-            <pc:docMk/>
-            <pc:sldMk cId="3351160539" sldId="261"/>
-            <ac:picMk id="13" creationId="{7C633EC2-82A6-5F6A-D9A3-326C1E77FDA3}"/>
-          </ac:picMkLst>
-        </pc:picChg>
-      </pc:sldChg>
-      <pc:sldChg chg="addSp delSp modSp add mod">
-        <pc:chgData name="Scruel Tao" userId="5ea5c98d59b44d4b" providerId="LiveId" clId="{2BA6F94F-59B6-4AA6-9DB6-4A8227DBE37E}" dt="2023-04-06T03:20:40.633" v="6312" actId="20577"/>
-        <pc:sldMkLst>
-          <pc:docMk/>
-          <pc:sldMk cId="1122177192" sldId="262"/>
-        </pc:sldMkLst>
-        <pc:spChg chg="mod">
-          <ac:chgData name="Scruel Tao" userId="5ea5c98d59b44d4b" providerId="LiveId" clId="{2BA6F94F-59B6-4AA6-9DB6-4A8227DBE37E}" dt="2023-04-06T03:20:30.082" v="6290" actId="20577"/>
-          <ac:spMkLst>
-            <pc:docMk/>
-            <pc:sldMk cId="1122177192" sldId="262"/>
-            <ac:spMk id="2" creationId="{ABA783DF-49A6-7EF1-661E-C574E2C2F386}"/>
-          </ac:spMkLst>
-        </pc:spChg>
-        <pc:spChg chg="mod">
-          <ac:chgData name="Scruel Tao" userId="5ea5c98d59b44d4b" providerId="LiveId" clId="{2BA6F94F-59B6-4AA6-9DB6-4A8227DBE37E}" dt="2023-04-06T03:20:40.633" v="6312" actId="20577"/>
-          <ac:spMkLst>
-            <pc:docMk/>
-            <pc:sldMk cId="1122177192" sldId="262"/>
-            <ac:spMk id="5" creationId="{334FF01F-2A65-44F6-34F9-69AC934A31D7}"/>
-          </ac:spMkLst>
-        </pc:spChg>
-        <pc:spChg chg="del">
-          <ac:chgData name="Scruel Tao" userId="5ea5c98d59b44d4b" providerId="LiveId" clId="{2BA6F94F-59B6-4AA6-9DB6-4A8227DBE37E}" dt="2023-04-03T04:15:30.512" v="1555"/>
-          <ac:spMkLst>
-            <pc:docMk/>
-            <pc:sldMk cId="1122177192" sldId="262"/>
-            <ac:spMk id="12" creationId="{17AECC1C-6944-9F68-770A-0455E86B2492}"/>
-          </ac:spMkLst>
-        </pc:spChg>
-        <pc:picChg chg="add mod">
-          <ac:chgData name="Scruel Tao" userId="5ea5c98d59b44d4b" providerId="LiveId" clId="{2BA6F94F-59B6-4AA6-9DB6-4A8227DBE37E}" dt="2023-04-03T04:15:30.512" v="1555"/>
-          <ac:picMkLst>
-            <pc:docMk/>
-            <pc:sldMk cId="1122177192" sldId="262"/>
-            <ac:picMk id="4" creationId="{1025CE4E-D3BC-5184-15B8-313E85995FFB}"/>
-          </ac:picMkLst>
-        </pc:picChg>
-      </pc:sldChg>
-      <pc:sldChg chg="addSp delSp modSp add mod chgLayout">
-        <pc:chgData name="Scruel Tao" userId="5ea5c98d59b44d4b" providerId="LiveId" clId="{2BA6F94F-59B6-4AA6-9DB6-4A8227DBE37E}" dt="2023-04-06T01:59:30.132" v="3435" actId="20577"/>
-        <pc:sldMkLst>
-          <pc:docMk/>
-          <pc:sldMk cId="3745137309" sldId="263"/>
-        </pc:sldMkLst>
-        <pc:spChg chg="mod ord">
-          <ac:chgData name="Scruel Tao" userId="5ea5c98d59b44d4b" providerId="LiveId" clId="{2BA6F94F-59B6-4AA6-9DB6-4A8227DBE37E}" dt="2023-04-06T01:59:30.132" v="3435" actId="20577"/>
-          <ac:spMkLst>
-            <pc:docMk/>
-            <pc:sldMk cId="3745137309" sldId="263"/>
-            <ac:spMk id="2" creationId="{ABA783DF-49A6-7EF1-661E-C574E2C2F386}"/>
-          </ac:spMkLst>
-        </pc:spChg>
-        <pc:spChg chg="del">
-          <ac:chgData name="Scruel Tao" userId="5ea5c98d59b44d4b" providerId="LiveId" clId="{2BA6F94F-59B6-4AA6-9DB6-4A8227DBE37E}" dt="2023-04-03T04:18:57.963" v="1679"/>
-          <ac:spMkLst>
-            <pc:docMk/>
-            <pc:sldMk cId="3745137309" sldId="263"/>
-            <ac:spMk id="5" creationId="{334FF01F-2A65-44F6-34F9-69AC934A31D7}"/>
-          </ac:spMkLst>
-        </pc:spChg>
-        <pc:spChg chg="add del mod ord">
-          <ac:chgData name="Scruel Tao" userId="5ea5c98d59b44d4b" providerId="LiveId" clId="{2BA6F94F-59B6-4AA6-9DB6-4A8227DBE37E}" dt="2023-04-03T04:19:17.511" v="1685"/>
-          <ac:spMkLst>
-            <pc:docMk/>
-            <pc:sldMk cId="3745137309" sldId="263"/>
-            <ac:spMk id="6" creationId="{6B189840-C568-FCE7-C338-AC0FAD512F62}"/>
-          </ac:spMkLst>
-        </pc:spChg>
-        <pc:spChg chg="add mod">
-          <ac:chgData name="Scruel Tao" userId="5ea5c98d59b44d4b" providerId="LiveId" clId="{2BA6F94F-59B6-4AA6-9DB6-4A8227DBE37E}" dt="2023-04-03T04:24:42.121" v="1788" actId="1076"/>
-          <ac:spMkLst>
-            <pc:docMk/>
-            <pc:sldMk cId="3745137309" sldId="263"/>
-            <ac:spMk id="8" creationId="{4EC194EB-1593-CBF2-055D-77D4ADFC943F}"/>
-          </ac:spMkLst>
-        </pc:spChg>
-        <pc:spChg chg="del">
-          <ac:chgData name="Scruel Tao" userId="5ea5c98d59b44d4b" providerId="LiveId" clId="{2BA6F94F-59B6-4AA6-9DB6-4A8227DBE37E}" dt="2023-04-03T04:19:06.857" v="1681" actId="478"/>
-          <ac:spMkLst>
-            <pc:docMk/>
-            <pc:sldMk cId="3745137309" sldId="263"/>
-            <ac:spMk id="12" creationId="{17AECC1C-6944-9F68-770A-0455E86B2492}"/>
-          </ac:spMkLst>
-        </pc:spChg>
-        <pc:spChg chg="add del mod">
-          <ac:chgData name="Scruel Tao" userId="5ea5c98d59b44d4b" providerId="LiveId" clId="{2BA6F94F-59B6-4AA6-9DB6-4A8227DBE37E}" dt="2023-04-03T04:39:14.278" v="1794"/>
-          <ac:spMkLst>
-            <pc:docMk/>
-            <pc:sldMk cId="3745137309" sldId="263"/>
-            <ac:spMk id="13" creationId="{2B1E7E69-5ECD-2369-2087-012FACB0EF09}"/>
-          </ac:spMkLst>
-        </pc:spChg>
-        <pc:spChg chg="add mod">
-          <ac:chgData name="Scruel Tao" userId="5ea5c98d59b44d4b" providerId="LiveId" clId="{2BA6F94F-59B6-4AA6-9DB6-4A8227DBE37E}" dt="2023-04-03T04:43:54.118" v="2025" actId="1076"/>
-          <ac:spMkLst>
-            <pc:docMk/>
-            <pc:sldMk cId="3745137309" sldId="263"/>
-            <ac:spMk id="14" creationId="{7382B610-BA58-D421-667D-2CC58252E53B}"/>
-          </ac:spMkLst>
-        </pc:spChg>
-        <pc:spChg chg="add del mod">
-          <ac:chgData name="Scruel Tao" userId="5ea5c98d59b44d4b" providerId="LiveId" clId="{2BA6F94F-59B6-4AA6-9DB6-4A8227DBE37E}" dt="2023-04-03T04:41:30.895" v="1872"/>
-          <ac:spMkLst>
-            <pc:docMk/>
-            <pc:sldMk cId="3745137309" sldId="263"/>
-            <ac:spMk id="20" creationId="{3C1528B3-D941-8F6A-C2B1-9FE727504D1A}"/>
-          </ac:spMkLst>
-        </pc:spChg>
-        <pc:spChg chg="add mod">
-          <ac:chgData name="Scruel Tao" userId="5ea5c98d59b44d4b" providerId="LiveId" clId="{2BA6F94F-59B6-4AA6-9DB6-4A8227DBE37E}" dt="2023-04-03T04:43:48.923" v="2024" actId="113"/>
-          <ac:spMkLst>
-            <pc:docMk/>
-            <pc:sldMk cId="3745137309" sldId="263"/>
-            <ac:spMk id="22" creationId="{7B6674C0-F558-F52E-4B1A-A3B15762388C}"/>
-          </ac:spMkLst>
-        </pc:spChg>
-        <pc:picChg chg="add del mod ord">
-          <ac:chgData name="Scruel Tao" userId="5ea5c98d59b44d4b" providerId="LiveId" clId="{2BA6F94F-59B6-4AA6-9DB6-4A8227DBE37E}" dt="2023-04-03T04:19:16.103" v="1684" actId="21"/>
-          <ac:picMkLst>
-            <pc:docMk/>
-            <pc:sldMk cId="3745137309" sldId="263"/>
-            <ac:picMk id="4" creationId="{52AC7973-0B2B-7791-FC5B-6D95CBD8CBA1}"/>
-          </ac:picMkLst>
-        </pc:picChg>
-        <pc:picChg chg="add del mod">
-          <ac:chgData name="Scruel Tao" userId="5ea5c98d59b44d4b" providerId="LiveId" clId="{2BA6F94F-59B6-4AA6-9DB6-4A8227DBE37E}" dt="2023-04-03T04:41:22.605" v="1869" actId="478"/>
-          <ac:picMkLst>
-            <pc:docMk/>
-            <pc:sldMk cId="3745137309" sldId="263"/>
-            <ac:picMk id="9" creationId="{B07056AA-01D5-51E8-D408-F1980FDC4BC3}"/>
-          </ac:picMkLst>
-        </pc:picChg>
-        <pc:picChg chg="add del mod">
-          <ac:chgData name="Scruel Tao" userId="5ea5c98d59b44d4b" providerId="LiveId" clId="{2BA6F94F-59B6-4AA6-9DB6-4A8227DBE37E}" dt="2023-04-03T04:40:34.570" v="1864" actId="21"/>
-          <ac:picMkLst>
-            <pc:docMk/>
-            <pc:sldMk cId="3745137309" sldId="263"/>
-            <ac:picMk id="11" creationId="{F2971DA2-97CA-921D-0683-2575B93D11D9}"/>
-          </ac:picMkLst>
-        </pc:picChg>
-        <pc:picChg chg="add mod">
-          <ac:chgData name="Scruel Tao" userId="5ea5c98d59b44d4b" providerId="LiveId" clId="{2BA6F94F-59B6-4AA6-9DB6-4A8227DBE37E}" dt="2023-04-03T04:41:02.756" v="1866" actId="1076"/>
-          <ac:picMkLst>
-            <pc:docMk/>
-            <pc:sldMk cId="3745137309" sldId="263"/>
-            <ac:picMk id="16" creationId="{6DA1B3CC-2227-CCDD-B3BF-D5E87A89708B}"/>
-          </ac:picMkLst>
-        </pc:picChg>
-        <pc:picChg chg="add del mod">
-          <ac:chgData name="Scruel Tao" userId="5ea5c98d59b44d4b" providerId="LiveId" clId="{2BA6F94F-59B6-4AA6-9DB6-4A8227DBE37E}" dt="2023-04-03T04:41:29.949" v="1871" actId="21"/>
-          <ac:picMkLst>
-            <pc:docMk/>
-            <pc:sldMk cId="3745137309" sldId="263"/>
-            <ac:picMk id="18" creationId="{313CB848-6C20-4548-45B0-BFDAA30EA3A2}"/>
-          </ac:picMkLst>
-        </pc:picChg>
-        <pc:picChg chg="add mod">
-          <ac:chgData name="Scruel Tao" userId="5ea5c98d59b44d4b" providerId="LiveId" clId="{2BA6F94F-59B6-4AA6-9DB6-4A8227DBE37E}" dt="2023-04-03T04:43:33.350" v="2001" actId="1076"/>
-          <ac:picMkLst>
-            <pc:docMk/>
-            <pc:sldMk cId="3745137309" sldId="263"/>
-            <ac:picMk id="21" creationId="{87C92696-2285-C2FB-D306-11BA00515544}"/>
-          </ac:picMkLst>
-        </pc:picChg>
-      </pc:sldChg>
-      <pc:sldChg chg="addSp delSp modSp add mod ord">
-        <pc:chgData name="Scruel Tao" userId="5ea5c98d59b44d4b" providerId="LiveId" clId="{2BA6F94F-59B6-4AA6-9DB6-4A8227DBE37E}" dt="2023-04-06T01:59:23.291" v="3427" actId="20577"/>
-        <pc:sldMkLst>
-          <pc:docMk/>
-          <pc:sldMk cId="3725727672" sldId="264"/>
-        </pc:sldMkLst>
-        <pc:spChg chg="mod">
-          <ac:chgData name="Scruel Tao" userId="5ea5c98d59b44d4b" providerId="LiveId" clId="{2BA6F94F-59B6-4AA6-9DB6-4A8227DBE37E}" dt="2023-04-06T01:59:23.291" v="3427" actId="20577"/>
-          <ac:spMkLst>
-            <pc:docMk/>
-            <pc:sldMk cId="3725727672" sldId="264"/>
-            <ac:spMk id="2" creationId="{ABA783DF-49A6-7EF1-661E-C574E2C2F386}"/>
-          </ac:spMkLst>
-        </pc:spChg>
-        <pc:spChg chg="mod">
-          <ac:chgData name="Scruel Tao" userId="5ea5c98d59b44d4b" providerId="LiveId" clId="{2BA6F94F-59B6-4AA6-9DB6-4A8227DBE37E}" dt="2023-04-03T05:01:36.612" v="2644" actId="1076"/>
-          <ac:spMkLst>
-            <pc:docMk/>
-            <pc:sldMk cId="3725727672" sldId="264"/>
-            <ac:spMk id="5" creationId="{334FF01F-2A65-44F6-34F9-69AC934A31D7}"/>
-          </ac:spMkLst>
-        </pc:spChg>
-        <pc:spChg chg="add del mod">
-          <ac:chgData name="Scruel Tao" userId="5ea5c98d59b44d4b" providerId="LiveId" clId="{2BA6F94F-59B6-4AA6-9DB6-4A8227DBE37E}" dt="2023-04-03T05:00:26.370" v="2626"/>
-          <ac:spMkLst>
-            <pc:docMk/>
-            <pc:sldMk cId="3725727672" sldId="264"/>
-            <ac:spMk id="11" creationId="{E9210103-9DD3-6F29-C0C7-B18A6E419E73}"/>
-          </ac:spMkLst>
-        </pc:spChg>
-        <pc:spChg chg="del mod">
-          <ac:chgData name="Scruel Tao" userId="5ea5c98d59b44d4b" providerId="LiveId" clId="{2BA6F94F-59B6-4AA6-9DB6-4A8227DBE37E}" dt="2023-04-03T04:44:34.015" v="2029"/>
-          <ac:spMkLst>
-            <pc:docMk/>
-            <pc:sldMk cId="3725727672" sldId="264"/>
-            <ac:spMk id="12" creationId="{17AECC1C-6944-9F68-770A-0455E86B2492}"/>
-          </ac:spMkLst>
-        </pc:spChg>
-        <pc:spChg chg="add mod">
-          <ac:chgData name="Scruel Tao" userId="5ea5c98d59b44d4b" providerId="LiveId" clId="{2BA6F94F-59B6-4AA6-9DB6-4A8227DBE37E}" dt="2023-04-03T05:03:05.445" v="2754" actId="1076"/>
-          <ac:spMkLst>
-            <pc:docMk/>
-            <pc:sldMk cId="3725727672" sldId="264"/>
-            <ac:spMk id="15" creationId="{57CD949C-3C60-4F11-3188-DAAC2954E147}"/>
-          </ac:spMkLst>
-        </pc:spChg>
-        <pc:picChg chg="add del mod">
-          <ac:chgData name="Scruel Tao" userId="5ea5c98d59b44d4b" providerId="LiveId" clId="{2BA6F94F-59B6-4AA6-9DB6-4A8227DBE37E}" dt="2023-04-03T05:00:25.324" v="2625" actId="478"/>
-          <ac:picMkLst>
-            <pc:docMk/>
-            <pc:sldMk cId="3725727672" sldId="264"/>
-            <ac:picMk id="4" creationId="{A511FBE8-0DD6-E630-8EF3-0C4EEA9CD752}"/>
-          </ac:picMkLst>
-        </pc:picChg>
-        <pc:picChg chg="add del mod">
-          <ac:chgData name="Scruel Tao" userId="5ea5c98d59b44d4b" providerId="LiveId" clId="{2BA6F94F-59B6-4AA6-9DB6-4A8227DBE37E}" dt="2023-04-03T04:57:24.837" v="2616" actId="21"/>
-          <ac:picMkLst>
-            <pc:docMk/>
-            <pc:sldMk cId="3725727672" sldId="264"/>
-            <ac:picMk id="7" creationId="{DD04D8AF-8509-73F1-4E2C-416ED822D93C}"/>
-          </ac:picMkLst>
-        </pc:picChg>
-        <pc:picChg chg="add mod">
-          <ac:chgData name="Scruel Tao" userId="5ea5c98d59b44d4b" providerId="LiveId" clId="{2BA6F94F-59B6-4AA6-9DB6-4A8227DBE37E}" dt="2023-04-03T05:01:32.816" v="2643" actId="1076"/>
-          <ac:picMkLst>
-            <pc:docMk/>
-            <pc:sldMk cId="3725727672" sldId="264"/>
-            <ac:picMk id="9" creationId="{5508513D-8323-A6F7-C52C-5D05B49C07CC}"/>
-          </ac:picMkLst>
-        </pc:picChg>
-        <pc:picChg chg="add mod">
-          <ac:chgData name="Scruel Tao" userId="5ea5c98d59b44d4b" providerId="LiveId" clId="{2BA6F94F-59B6-4AA6-9DB6-4A8227DBE37E}" dt="2023-04-03T05:01:30.973" v="2642" actId="1076"/>
-          <ac:picMkLst>
-            <pc:docMk/>
-            <pc:sldMk cId="3725727672" sldId="264"/>
-            <ac:picMk id="14" creationId="{D5EB1BEF-B3CD-34F8-C19A-87E8C64345B3}"/>
-          </ac:picMkLst>
-        </pc:picChg>
-      </pc:sldChg>
-      <pc:sldChg chg="addSp delSp modSp add mod">
-        <pc:chgData name="Scruel Tao" userId="5ea5c98d59b44d4b" providerId="LiveId" clId="{2BA6F94F-59B6-4AA6-9DB6-4A8227DBE37E}" dt="2023-04-06T03:12:15.194" v="6242" actId="13926"/>
-        <pc:sldMkLst>
-          <pc:docMk/>
-          <pc:sldMk cId="3416507657" sldId="265"/>
-        </pc:sldMkLst>
-        <pc:spChg chg="mod">
-          <ac:chgData name="Scruel Tao" userId="5ea5c98d59b44d4b" providerId="LiveId" clId="{2BA6F94F-59B6-4AA6-9DB6-4A8227DBE37E}" dt="2023-04-06T01:59:38.903" v="3439" actId="20577"/>
-          <ac:spMkLst>
-            <pc:docMk/>
-            <pc:sldMk cId="3416507657" sldId="265"/>
-            <ac:spMk id="2" creationId="{ABA783DF-49A6-7EF1-661E-C574E2C2F386}"/>
-          </ac:spMkLst>
-        </pc:spChg>
-        <pc:spChg chg="add del mod">
-          <ac:chgData name="Scruel Tao" userId="5ea5c98d59b44d4b" providerId="LiveId" clId="{2BA6F94F-59B6-4AA6-9DB6-4A8227DBE37E}" dt="2023-04-06T03:12:15.194" v="6242" actId="13926"/>
-          <ac:spMkLst>
-            <pc:docMk/>
-            <pc:sldMk cId="3416507657" sldId="265"/>
-            <ac:spMk id="5" creationId="{334FF01F-2A65-44F6-34F9-69AC934A31D7}"/>
-          </ac:spMkLst>
-        </pc:spChg>
-        <pc:spChg chg="add del mod">
-          <ac:chgData name="Scruel Tao" userId="5ea5c98d59b44d4b" providerId="LiveId" clId="{2BA6F94F-59B6-4AA6-9DB6-4A8227DBE37E}" dt="2023-04-03T05:07:31.501" v="2932"/>
-          <ac:spMkLst>
-            <pc:docMk/>
-            <pc:sldMk cId="3416507657" sldId="265"/>
-            <ac:spMk id="9" creationId="{CCAFF9B5-8F81-F673-219D-9240B0194641}"/>
-          </ac:spMkLst>
-        </pc:spChg>
-        <pc:spChg chg="del">
-          <ac:chgData name="Scruel Tao" userId="5ea5c98d59b44d4b" providerId="LiveId" clId="{2BA6F94F-59B6-4AA6-9DB6-4A8227DBE37E}" dt="2023-04-03T05:06:16.950" v="2812"/>
-          <ac:spMkLst>
-            <pc:docMk/>
-            <pc:sldMk cId="3416507657" sldId="265"/>
-            <ac:spMk id="12" creationId="{17AECC1C-6944-9F68-770A-0455E86B2492}"/>
-          </ac:spMkLst>
-        </pc:spChg>
-        <pc:picChg chg="add del mod">
-          <ac:chgData name="Scruel Tao" userId="5ea5c98d59b44d4b" providerId="LiveId" clId="{2BA6F94F-59B6-4AA6-9DB6-4A8227DBE37E}" dt="2023-04-03T05:06:16.168" v="2811"/>
-          <ac:picMkLst>
-            <pc:docMk/>
-            <pc:sldMk cId="3416507657" sldId="265"/>
-            <ac:picMk id="4" creationId="{ABCDEA2C-CB97-DE24-E641-E77BFA3BF78D}"/>
-          </ac:picMkLst>
-        </pc:picChg>
-        <pc:picChg chg="add del mod">
-          <ac:chgData name="Scruel Tao" userId="5ea5c98d59b44d4b" providerId="LiveId" clId="{2BA6F94F-59B6-4AA6-9DB6-4A8227DBE37E}" dt="2023-04-03T05:07:30.490" v="2931" actId="478"/>
-          <ac:picMkLst>
-            <pc:docMk/>
-            <pc:sldMk cId="3416507657" sldId="265"/>
-            <ac:picMk id="7" creationId="{203C7841-531F-0781-7458-699E2A5C7CE7}"/>
-          </ac:picMkLst>
-        </pc:picChg>
-        <pc:picChg chg="add mod">
-          <ac:chgData name="Scruel Tao" userId="5ea5c98d59b44d4b" providerId="LiveId" clId="{2BA6F94F-59B6-4AA6-9DB6-4A8227DBE37E}" dt="2023-04-03T05:09:18.591" v="3012" actId="1076"/>
-          <ac:picMkLst>
-            <pc:docMk/>
-            <pc:sldMk cId="3416507657" sldId="265"/>
-            <ac:picMk id="11" creationId="{44AA24C5-508C-4D40-7E65-55D5627E4671}"/>
-          </ac:picMkLst>
-        </pc:picChg>
-      </pc:sldChg>
-      <pc:sldChg chg="add del">
-        <pc:chgData name="Scruel Tao" userId="5ea5c98d59b44d4b" providerId="LiveId" clId="{2BA6F94F-59B6-4AA6-9DB6-4A8227DBE37E}" dt="2023-04-03T05:03:50.426" v="2761" actId="47"/>
-        <pc:sldMkLst>
-          <pc:docMk/>
-          <pc:sldMk cId="3540231720" sldId="266"/>
-        </pc:sldMkLst>
-      </pc:sldChg>
-      <pc:sldChg chg="add del">
-        <pc:chgData name="Scruel Tao" userId="5ea5c98d59b44d4b" providerId="LiveId" clId="{2BA6F94F-59B6-4AA6-9DB6-4A8227DBE37E}" dt="2023-04-03T05:03:50.758" v="2762" actId="47"/>
-        <pc:sldMkLst>
-          <pc:docMk/>
-          <pc:sldMk cId="4025758886" sldId="267"/>
-        </pc:sldMkLst>
-      </pc:sldChg>
-      <pc:sldChg chg="add del">
-        <pc:chgData name="Scruel Tao" userId="5ea5c98d59b44d4b" providerId="LiveId" clId="{2BA6F94F-59B6-4AA6-9DB6-4A8227DBE37E}" dt="2023-04-03T05:03:50.967" v="2763" actId="47"/>
-        <pc:sldMkLst>
-          <pc:docMk/>
-          <pc:sldMk cId="3881832977" sldId="268"/>
-        </pc:sldMkLst>
-      </pc:sldChg>
-      <pc:sldChg chg="add del">
-        <pc:chgData name="Scruel Tao" userId="5ea5c98d59b44d4b" providerId="LiveId" clId="{2BA6F94F-59B6-4AA6-9DB6-4A8227DBE37E}" dt="2023-04-03T05:03:51.140" v="2764" actId="47"/>
-        <pc:sldMkLst>
-          <pc:docMk/>
-          <pc:sldMk cId="3546485175" sldId="269"/>
-        </pc:sldMkLst>
-      </pc:sldChg>
-      <pc:sldChg chg="addSp delSp modSp add mod ord">
-        <pc:chgData name="Scruel Tao" userId="5ea5c98d59b44d4b" providerId="LiveId" clId="{2BA6F94F-59B6-4AA6-9DB6-4A8227DBE37E}" dt="2023-04-06T03:12:53.496" v="6269" actId="1076"/>
-        <pc:sldMkLst>
-          <pc:docMk/>
-          <pc:sldMk cId="192831406" sldId="270"/>
-        </pc:sldMkLst>
-        <pc:spChg chg="mod">
-          <ac:chgData name="Scruel Tao" userId="5ea5c98d59b44d4b" providerId="LiveId" clId="{2BA6F94F-59B6-4AA6-9DB6-4A8227DBE37E}" dt="2023-04-06T01:59:06.037" v="3423" actId="20577"/>
-          <ac:spMkLst>
-            <pc:docMk/>
-            <pc:sldMk cId="192831406" sldId="270"/>
-            <ac:spMk id="2" creationId="{ABA783DF-49A6-7EF1-661E-C574E2C2F386}"/>
-          </ac:spMkLst>
-        </pc:spChg>
-        <pc:spChg chg="mod">
-          <ac:chgData name="Scruel Tao" userId="5ea5c98d59b44d4b" providerId="LiveId" clId="{2BA6F94F-59B6-4AA6-9DB6-4A8227DBE37E}" dt="2023-04-03T04:55:36.354" v="2500" actId="20577"/>
-          <ac:spMkLst>
-            <pc:docMk/>
-            <pc:sldMk cId="192831406" sldId="270"/>
-            <ac:spMk id="5" creationId="{334FF01F-2A65-44F6-34F9-69AC934A31D7}"/>
-          </ac:spMkLst>
-        </pc:spChg>
-        <pc:spChg chg="add del mod">
-          <ac:chgData name="Scruel Tao" userId="5ea5c98d59b44d4b" providerId="LiveId" clId="{2BA6F94F-59B6-4AA6-9DB6-4A8227DBE37E}" dt="2023-04-03T04:49:26.325" v="2108"/>
-          <ac:spMkLst>
-            <pc:docMk/>
-            <pc:sldMk cId="192831406" sldId="270"/>
-            <ac:spMk id="6" creationId="{4825B1F8-4B63-9130-AF5C-D8B58F7AE6AF}"/>
-          </ac:spMkLst>
-        </pc:spChg>
-        <pc:spChg chg="add del mod">
-          <ac:chgData name="Scruel Tao" userId="5ea5c98d59b44d4b" providerId="LiveId" clId="{2BA6F94F-59B6-4AA6-9DB6-4A8227DBE37E}" dt="2023-04-03T04:55:48.392" v="2504"/>
-          <ac:spMkLst>
-            <pc:docMk/>
-            <pc:sldMk cId="192831406" sldId="270"/>
-            <ac:spMk id="13" creationId="{BFF52406-2E49-3B9D-2A6D-2A5EDD1B1D0D}"/>
-          </ac:spMkLst>
-        </pc:spChg>
-        <pc:spChg chg="add mod">
-          <ac:chgData name="Scruel Tao" userId="5ea5c98d59b44d4b" providerId="LiveId" clId="{2BA6F94F-59B6-4AA6-9DB6-4A8227DBE37E}" dt="2023-04-06T03:12:53.496" v="6269" actId="1076"/>
-          <ac:spMkLst>
-            <pc:docMk/>
-            <pc:sldMk cId="192831406" sldId="270"/>
-            <ac:spMk id="14" creationId="{BF2C039C-7D70-5BA8-10BF-AC65C1C472C2}"/>
-          </ac:spMkLst>
-        </pc:spChg>
-        <pc:picChg chg="del">
-          <ac:chgData name="Scruel Tao" userId="5ea5c98d59b44d4b" providerId="LiveId" clId="{2BA6F94F-59B6-4AA6-9DB6-4A8227DBE37E}" dt="2023-04-03T04:46:04.237" v="2072" actId="21"/>
-          <ac:picMkLst>
-            <pc:docMk/>
-            <pc:sldMk cId="192831406" sldId="270"/>
-            <ac:picMk id="4" creationId="{A511FBE8-0DD6-E630-8EF3-0C4EEA9CD752}"/>
-          </ac:picMkLst>
-        </pc:picChg>
-        <pc:picChg chg="del mod">
-          <ac:chgData name="Scruel Tao" userId="5ea5c98d59b44d4b" providerId="LiveId" clId="{2BA6F94F-59B6-4AA6-9DB6-4A8227DBE37E}" dt="2023-04-03T04:49:25.552" v="2107" actId="21"/>
-          <ac:picMkLst>
-            <pc:docMk/>
-            <pc:sldMk cId="192831406" sldId="270"/>
-            <ac:picMk id="7" creationId="{DD04D8AF-8509-73F1-4E2C-416ED822D93C}"/>
-          </ac:picMkLst>
-        </pc:picChg>
-        <pc:picChg chg="add mod">
-          <ac:chgData name="Scruel Tao" userId="5ea5c98d59b44d4b" providerId="LiveId" clId="{2BA6F94F-59B6-4AA6-9DB6-4A8227DBE37E}" dt="2023-04-03T04:56:24.305" v="2563" actId="1076"/>
-          <ac:picMkLst>
-            <pc:docMk/>
-            <pc:sldMk cId="192831406" sldId="270"/>
-            <ac:picMk id="8" creationId="{9FEE71E3-5A5A-BDD3-0177-666AE0953528}"/>
-          </ac:picMkLst>
-        </pc:picChg>
-        <pc:picChg chg="add mod">
-          <ac:chgData name="Scruel Tao" userId="5ea5c98d59b44d4b" providerId="LiveId" clId="{2BA6F94F-59B6-4AA6-9DB6-4A8227DBE37E}" dt="2023-04-03T04:57:09.828" v="2614" actId="1076"/>
-          <ac:picMkLst>
-            <pc:docMk/>
-            <pc:sldMk cId="192831406" sldId="270"/>
-            <ac:picMk id="10" creationId="{ED7D2C24-3911-466C-3E76-669FC1671250}"/>
-          </ac:picMkLst>
-        </pc:picChg>
-        <pc:picChg chg="add mod">
-          <ac:chgData name="Scruel Tao" userId="5ea5c98d59b44d4b" providerId="LiveId" clId="{2BA6F94F-59B6-4AA6-9DB6-4A8227DBE37E}" dt="2023-04-03T04:55:39.683" v="2501" actId="1076"/>
-          <ac:picMkLst>
-            <pc:docMk/>
-            <pc:sldMk cId="192831406" sldId="270"/>
-            <ac:picMk id="12" creationId="{A8B42638-E2EC-8913-3326-65DFC6BFA414}"/>
-          </ac:picMkLst>
-        </pc:picChg>
-      </pc:sldChg>
-      <pc:sldChg chg="addSp delSp modSp add mod modTransition delAnim modAnim">
-        <pc:chgData name="Scruel Tao" userId="5ea5c98d59b44d4b" providerId="LiveId" clId="{2BA6F94F-59B6-4AA6-9DB6-4A8227DBE37E}" dt="2023-04-06T02:37:35.540" v="4103" actId="20577"/>
-        <pc:sldMkLst>
-          <pc:docMk/>
-          <pc:sldMk cId="555885545" sldId="271"/>
-        </pc:sldMkLst>
-        <pc:spChg chg="mod">
-          <ac:chgData name="Scruel Tao" userId="5ea5c98d59b44d4b" providerId="LiveId" clId="{2BA6F94F-59B6-4AA6-9DB6-4A8227DBE37E}" dt="2023-04-06T02:37:35.540" v="4103" actId="20577"/>
-          <ac:spMkLst>
-            <pc:docMk/>
-            <pc:sldMk cId="555885545" sldId="271"/>
-            <ac:spMk id="2" creationId="{ABA783DF-49A6-7EF1-661E-C574E2C2F386}"/>
-          </ac:spMkLst>
-        </pc:spChg>
-        <pc:spChg chg="mod">
-          <ac:chgData name="Scruel Tao" userId="5ea5c98d59b44d4b" providerId="LiveId" clId="{2BA6F94F-59B6-4AA6-9DB6-4A8227DBE37E}" dt="2023-04-06T02:37:10.496" v="4102" actId="20577"/>
-          <ac:spMkLst>
-            <pc:docMk/>
-            <pc:sldMk cId="555885545" sldId="271"/>
-            <ac:spMk id="5" creationId="{334FF01F-2A65-44F6-34F9-69AC934A31D7}"/>
-          </ac:spMkLst>
-        </pc:spChg>
-        <pc:spChg chg="del">
-          <ac:chgData name="Scruel Tao" userId="5ea5c98d59b44d4b" providerId="LiveId" clId="{2BA6F94F-59B6-4AA6-9DB6-4A8227DBE37E}" dt="2023-04-03T05:12:20.396" v="3109"/>
-          <ac:spMkLst>
-            <pc:docMk/>
-            <pc:sldMk cId="555885545" sldId="271"/>
-            <ac:spMk id="12" creationId="{17AECC1C-6944-9F68-770A-0455E86B2492}"/>
-          </ac:spMkLst>
-        </pc:spChg>
-        <pc:picChg chg="add mod">
-          <ac:chgData name="Scruel Tao" userId="5ea5c98d59b44d4b" providerId="LiveId" clId="{2BA6F94F-59B6-4AA6-9DB6-4A8227DBE37E}" dt="2023-04-03T05:12:24.482" v="3111" actId="1076"/>
-          <ac:picMkLst>
-            <pc:docMk/>
-            <pc:sldMk cId="555885545" sldId="271"/>
-            <ac:picMk id="3" creationId="{E9C9C4B6-9E80-13FC-3C11-56455F818828}"/>
-          </ac:picMkLst>
-        </pc:picChg>
-        <pc:picChg chg="add del mod">
-          <ac:chgData name="Scruel Tao" userId="5ea5c98d59b44d4b" providerId="LiveId" clId="{2BA6F94F-59B6-4AA6-9DB6-4A8227DBE37E}" dt="2023-04-06T02:23:46.442" v="3975" actId="478"/>
-          <ac:picMkLst>
-            <pc:docMk/>
-            <pc:sldMk cId="555885545" sldId="271"/>
-            <ac:picMk id="6" creationId="{946FBC4D-967C-E0DD-4B99-AFE37DE456FC}"/>
-          </ac:picMkLst>
-        </pc:picChg>
-        <pc:picChg chg="add del mod">
-          <ac:chgData name="Scruel Tao" userId="5ea5c98d59b44d4b" providerId="LiveId" clId="{2BA6F94F-59B6-4AA6-9DB6-4A8227DBE37E}" dt="2023-04-06T02:34:23.966" v="4014" actId="478"/>
-          <ac:picMkLst>
-            <pc:docMk/>
-            <pc:sldMk cId="555885545" sldId="271"/>
-            <ac:picMk id="8" creationId="{CBE0F782-9063-9A1B-F123-E3585C23F8D4}"/>
-          </ac:picMkLst>
-        </pc:picChg>
-        <pc:picChg chg="add mod ord">
-          <ac:chgData name="Scruel Tao" userId="5ea5c98d59b44d4b" providerId="LiveId" clId="{2BA6F94F-59B6-4AA6-9DB6-4A8227DBE37E}" dt="2023-04-06T02:34:21.109" v="4013" actId="171"/>
-          <ac:picMkLst>
-            <pc:docMk/>
-            <pc:sldMk cId="555885545" sldId="271"/>
-            <ac:picMk id="10" creationId="{AB9AA877-00A8-CAE0-AEB2-54C3CC706AB2}"/>
-          </ac:picMkLst>
-        </pc:picChg>
-        <pc:picChg chg="add del mod">
-          <ac:chgData name="Scruel Tao" userId="5ea5c98d59b44d4b" providerId="LiveId" clId="{2BA6F94F-59B6-4AA6-9DB6-4A8227DBE37E}" dt="2023-04-06T02:34:05.904" v="4011" actId="478"/>
-          <ac:picMkLst>
-            <pc:docMk/>
-            <pc:sldMk cId="555885545" sldId="271"/>
-            <ac:picMk id="12" creationId="{6B5B9BC3-94A6-21D9-46F9-DD8E61B43B92}"/>
-          </ac:picMkLst>
-        </pc:picChg>
-        <pc:picChg chg="add mod">
-          <ac:chgData name="Scruel Tao" userId="5ea5c98d59b44d4b" providerId="LiveId" clId="{2BA6F94F-59B6-4AA6-9DB6-4A8227DBE37E}" dt="2023-04-06T02:34:48.022" v="4029" actId="1076"/>
-          <ac:picMkLst>
-            <pc:docMk/>
-            <pc:sldMk cId="555885545" sldId="271"/>
-            <ac:picMk id="14" creationId="{6A16C4FE-00E6-5357-100A-B8710B34F596}"/>
-          </ac:picMkLst>
-        </pc:picChg>
-        <pc:picChg chg="add mod">
-          <ac:chgData name="Scruel Tao" userId="5ea5c98d59b44d4b" providerId="LiveId" clId="{2BA6F94F-59B6-4AA6-9DB6-4A8227DBE37E}" dt="2023-04-06T02:35:36.170" v="4034" actId="1076"/>
-          <ac:picMkLst>
-            <pc:docMk/>
-            <pc:sldMk cId="555885545" sldId="271"/>
-            <ac:picMk id="16" creationId="{11C754BB-74AE-32B2-031C-7FF20420B575}"/>
-          </ac:picMkLst>
-        </pc:picChg>
-      </pc:sldChg>
-      <pc:sldChg chg="addSp delSp modSp add mod modClrScheme modAnim chgLayout">
-        <pc:chgData name="Scruel Tao" userId="5ea5c98d59b44d4b" providerId="LiveId" clId="{2BA6F94F-59B6-4AA6-9DB6-4A8227DBE37E}" dt="2023-04-06T03:21:33.591" v="6322" actId="20577"/>
-        <pc:sldMkLst>
-          <pc:docMk/>
-          <pc:sldMk cId="1518949093" sldId="272"/>
-        </pc:sldMkLst>
-        <pc:spChg chg="mod ord">
-          <ac:chgData name="Scruel Tao" userId="5ea5c98d59b44d4b" providerId="LiveId" clId="{2BA6F94F-59B6-4AA6-9DB6-4A8227DBE37E}" dt="2023-04-06T02:46:26.755" v="4346" actId="700"/>
-          <ac:spMkLst>
-            <pc:docMk/>
-            <pc:sldMk cId="1518949093" sldId="272"/>
-            <ac:spMk id="2" creationId="{ABA783DF-49A6-7EF1-661E-C574E2C2F386}"/>
-          </ac:spMkLst>
-        </pc:spChg>
-        <pc:spChg chg="add mod ord">
-          <ac:chgData name="Scruel Tao" userId="5ea5c98d59b44d4b" providerId="LiveId" clId="{2BA6F94F-59B6-4AA6-9DB6-4A8227DBE37E}" dt="2023-04-06T03:21:33.591" v="6322" actId="20577"/>
-          <ac:spMkLst>
-            <pc:docMk/>
-            <pc:sldMk cId="1518949093" sldId="272"/>
-            <ac:spMk id="3" creationId="{939F03AE-10F4-D882-D99A-D5393469A114}"/>
-          </ac:spMkLst>
-        </pc:spChg>
-        <pc:spChg chg="add mod">
-          <ac:chgData name="Scruel Tao" userId="5ea5c98d59b44d4b" providerId="LiveId" clId="{2BA6F94F-59B6-4AA6-9DB6-4A8227DBE37E}" dt="2023-04-06T03:00:35.995" v="5800" actId="1076"/>
-          <ac:spMkLst>
-            <pc:docMk/>
-            <pc:sldMk cId="1518949093" sldId="272"/>
-            <ac:spMk id="4" creationId="{7F9F47DD-E49D-A929-FBF6-0571BAC29FB6}"/>
-          </ac:spMkLst>
-        </pc:spChg>
-        <pc:spChg chg="del mod ord">
-          <ac:chgData name="Scruel Tao" userId="5ea5c98d59b44d4b" providerId="LiveId" clId="{2BA6F94F-59B6-4AA6-9DB6-4A8227DBE37E}" dt="2023-04-06T02:46:26.755" v="4346" actId="700"/>
-          <ac:spMkLst>
-            <pc:docMk/>
-            <pc:sldMk cId="1518949093" sldId="272"/>
-            <ac:spMk id="5" creationId="{334FF01F-2A65-44F6-34F9-69AC934A31D7}"/>
-          </ac:spMkLst>
-        </pc:spChg>
-        <pc:spChg chg="add del mod">
-          <ac:chgData name="Scruel Tao" userId="5ea5c98d59b44d4b" providerId="LiveId" clId="{2BA6F94F-59B6-4AA6-9DB6-4A8227DBE37E}" dt="2023-04-06T02:46:26.755" v="4346" actId="700"/>
-          <ac:spMkLst>
-            <pc:docMk/>
-            <pc:sldMk cId="1518949093" sldId="272"/>
-            <ac:spMk id="7" creationId="{F35B7A8A-4930-2C62-CD2B-1E4E38AFABE3}"/>
-          </ac:spMkLst>
-        </pc:spChg>
-        <pc:spChg chg="del">
-          <ac:chgData name="Scruel Tao" userId="5ea5c98d59b44d4b" providerId="LiveId" clId="{2BA6F94F-59B6-4AA6-9DB6-4A8227DBE37E}" dt="2023-04-03T05:12:13.720" v="3106"/>
-          <ac:spMkLst>
-            <pc:docMk/>
-            <pc:sldMk cId="1518949093" sldId="272"/>
-            <ac:spMk id="12" creationId="{17AECC1C-6944-9F68-770A-0455E86B2492}"/>
-          </ac:spMkLst>
-        </pc:spChg>
-        <pc:picChg chg="add del mod">
-          <ac:chgData name="Scruel Tao" userId="5ea5c98d59b44d4b" providerId="LiveId" clId="{2BA6F94F-59B6-4AA6-9DB6-4A8227DBE37E}" dt="2023-04-03T05:12:18.430" v="3108" actId="21"/>
-          <ac:picMkLst>
-            <pc:docMk/>
-            <pc:sldMk cId="1518949093" sldId="272"/>
-            <ac:picMk id="4" creationId="{ED7E2725-EC32-D629-C663-EC55BC83D8AA}"/>
-          </ac:picMkLst>
-        </pc:picChg>
-      </pc:sldChg>
-      <pc:sldChg chg="addSp delSp modSp add mod modAnim">
-        <pc:chgData name="Scruel Tao" userId="5ea5c98d59b44d4b" providerId="LiveId" clId="{2BA6F94F-59B6-4AA6-9DB6-4A8227DBE37E}" dt="2023-04-06T03:22:01.021" v="6326" actId="20577"/>
-        <pc:sldMkLst>
-          <pc:docMk/>
-          <pc:sldMk cId="1301849154" sldId="273"/>
-        </pc:sldMkLst>
-        <pc:spChg chg="mod">
-          <ac:chgData name="Scruel Tao" userId="5ea5c98d59b44d4b" providerId="LiveId" clId="{2BA6F94F-59B6-4AA6-9DB6-4A8227DBE37E}" dt="2023-04-06T02:00:22.559" v="3502" actId="20577"/>
-          <ac:spMkLst>
-            <pc:docMk/>
-            <pc:sldMk cId="1301849154" sldId="273"/>
-            <ac:spMk id="2" creationId="{ABA783DF-49A6-7EF1-661E-C574E2C2F386}"/>
-          </ac:spMkLst>
-        </pc:spChg>
-        <pc:spChg chg="mod ord">
-          <ac:chgData name="Scruel Tao" userId="5ea5c98d59b44d4b" providerId="LiveId" clId="{2BA6F94F-59B6-4AA6-9DB6-4A8227DBE37E}" dt="2023-04-06T03:22:01.021" v="6326" actId="20577"/>
-          <ac:spMkLst>
-            <pc:docMk/>
-            <pc:sldMk cId="1301849154" sldId="273"/>
-            <ac:spMk id="5" creationId="{334FF01F-2A65-44F6-34F9-69AC934A31D7}"/>
-          </ac:spMkLst>
-        </pc:spChg>
-        <pc:spChg chg="add del">
-          <ac:chgData name="Scruel Tao" userId="5ea5c98d59b44d4b" providerId="LiveId" clId="{2BA6F94F-59B6-4AA6-9DB6-4A8227DBE37E}" dt="2023-04-06T03:03:08.342" v="5816" actId="22"/>
-          <ac:spMkLst>
-            <pc:docMk/>
-            <pc:sldMk cId="1301849154" sldId="273"/>
-            <ac:spMk id="9" creationId="{2D63CFCC-FD4C-6E5B-C31C-1FACE6548087}"/>
-          </ac:spMkLst>
-        </pc:spChg>
-        <pc:spChg chg="del">
-          <ac:chgData name="Scruel Tao" userId="5ea5c98d59b44d4b" providerId="LiveId" clId="{2BA6F94F-59B6-4AA6-9DB6-4A8227DBE37E}" dt="2023-04-06T02:59:42.163" v="5772"/>
-          <ac:spMkLst>
-            <pc:docMk/>
-            <pc:sldMk cId="1301849154" sldId="273"/>
-            <ac:spMk id="12" creationId="{17AECC1C-6944-9F68-770A-0455E86B2492}"/>
-          </ac:spMkLst>
-        </pc:spChg>
-        <pc:picChg chg="add mod">
-          <ac:chgData name="Scruel Tao" userId="5ea5c98d59b44d4b" providerId="LiveId" clId="{2BA6F94F-59B6-4AA6-9DB6-4A8227DBE37E}" dt="2023-04-06T03:00:08.355" v="5783" actId="14100"/>
-          <ac:picMkLst>
-            <pc:docMk/>
-            <pc:sldMk cId="1301849154" sldId="273"/>
-            <ac:picMk id="4" creationId="{0A002240-4414-DA2D-96E9-81195475F4D9}"/>
-          </ac:picMkLst>
-        </pc:picChg>
-        <pc:picChg chg="add mod">
-          <ac:chgData name="Scruel Tao" userId="5ea5c98d59b44d4b" providerId="LiveId" clId="{2BA6F94F-59B6-4AA6-9DB6-4A8227DBE37E}" dt="2023-04-06T03:01:55.942" v="5807" actId="1076"/>
-          <ac:picMkLst>
-            <pc:docMk/>
-            <pc:sldMk cId="1301849154" sldId="273"/>
-            <ac:picMk id="7" creationId="{039AB04D-EA90-8BDD-A9C6-599C7C25DC63}"/>
-          </ac:picMkLst>
-        </pc:picChg>
-        <pc:picChg chg="add mod">
-          <ac:chgData name="Scruel Tao" userId="5ea5c98d59b44d4b" providerId="LiveId" clId="{2BA6F94F-59B6-4AA6-9DB6-4A8227DBE37E}" dt="2023-04-06T03:03:35.262" v="5826" actId="1076"/>
-          <ac:picMkLst>
-            <pc:docMk/>
-            <pc:sldMk cId="1301849154" sldId="273"/>
-            <ac:picMk id="11" creationId="{F56CF5C9-083E-9020-8D45-F23AB3CF38CE}"/>
-          </ac:picMkLst>
-        </pc:picChg>
-      </pc:sldChg>
-      <pc:sldChg chg="addSp delSp modSp add mod modClrScheme modAnim chgLayout">
-        <pc:chgData name="Scruel Tao" userId="5ea5c98d59b44d4b" providerId="LiveId" clId="{2BA6F94F-59B6-4AA6-9DB6-4A8227DBE37E}" dt="2023-04-06T03:08:04.347" v="6177" actId="20577"/>
-        <pc:sldMkLst>
-          <pc:docMk/>
-          <pc:sldMk cId="2878673110" sldId="274"/>
-        </pc:sldMkLst>
-        <pc:spChg chg="mod ord">
-          <ac:chgData name="Scruel Tao" userId="5ea5c98d59b44d4b" providerId="LiveId" clId="{2BA6F94F-59B6-4AA6-9DB6-4A8227DBE37E}" dt="2023-04-06T03:06:24.832" v="6026" actId="20577"/>
-          <ac:spMkLst>
-            <pc:docMk/>
-            <pc:sldMk cId="2878673110" sldId="274"/>
-            <ac:spMk id="2" creationId="{ABA783DF-49A6-7EF1-661E-C574E2C2F386}"/>
-          </ac:spMkLst>
-        </pc:spChg>
-        <pc:spChg chg="add mod ord">
-          <ac:chgData name="Scruel Tao" userId="5ea5c98d59b44d4b" providerId="LiveId" clId="{2BA6F94F-59B6-4AA6-9DB6-4A8227DBE37E}" dt="2023-04-06T03:08:04.347" v="6177" actId="20577"/>
-          <ac:spMkLst>
-            <pc:docMk/>
-            <pc:sldMk cId="2878673110" sldId="274"/>
-            <ac:spMk id="3" creationId="{9E0BA8B8-92DA-1AC9-79B9-A552D184BB54}"/>
-          </ac:spMkLst>
-        </pc:spChg>
-        <pc:spChg chg="del mod ord">
-          <ac:chgData name="Scruel Tao" userId="5ea5c98d59b44d4b" providerId="LiveId" clId="{2BA6F94F-59B6-4AA6-9DB6-4A8227DBE37E}" dt="2023-04-03T05:14:57.549" v="3272" actId="700"/>
-          <ac:spMkLst>
-            <pc:docMk/>
-            <pc:sldMk cId="2878673110" sldId="274"/>
-            <ac:spMk id="5" creationId="{334FF01F-2A65-44F6-34F9-69AC934A31D7}"/>
-          </ac:spMkLst>
-        </pc:spChg>
-        <pc:spChg chg="del">
-          <ac:chgData name="Scruel Tao" userId="5ea5c98d59b44d4b" providerId="LiveId" clId="{2BA6F94F-59B6-4AA6-9DB6-4A8227DBE37E}" dt="2023-04-03T05:14:57.549" v="3272" actId="700"/>
-          <ac:spMkLst>
-            <pc:docMk/>
-            <pc:sldMk cId="2878673110" sldId="274"/>
-            <ac:spMk id="12" creationId="{17AECC1C-6944-9F68-770A-0455E86B2492}"/>
-          </ac:spMkLst>
-        </pc:spChg>
-      </pc:sldChg>
-      <pc:sldChg chg="addSp delSp modSp add mod delAnim modAnim">
-        <pc:chgData name="Scruel Tao" userId="5ea5c98d59b44d4b" providerId="LiveId" clId="{2BA6F94F-59B6-4AA6-9DB6-4A8227DBE37E}" dt="2023-04-06T03:11:42.112" v="6223" actId="20577"/>
-        <pc:sldMkLst>
-          <pc:docMk/>
-          <pc:sldMk cId="1525970791" sldId="275"/>
-        </pc:sldMkLst>
-        <pc:spChg chg="mod">
-          <ac:chgData name="Scruel Tao" userId="5ea5c98d59b44d4b" providerId="LiveId" clId="{2BA6F94F-59B6-4AA6-9DB6-4A8227DBE37E}" dt="2023-04-06T02:37:55.606" v="4130" actId="20577"/>
-          <ac:spMkLst>
-            <pc:docMk/>
-            <pc:sldMk cId="1525970791" sldId="275"/>
-            <ac:spMk id="2" creationId="{ABA783DF-49A6-7EF1-661E-C574E2C2F386}"/>
-          </ac:spMkLst>
-        </pc:spChg>
-        <pc:spChg chg="add mod">
-          <ac:chgData name="Scruel Tao" userId="5ea5c98d59b44d4b" providerId="LiveId" clId="{2BA6F94F-59B6-4AA6-9DB6-4A8227DBE37E}" dt="2023-04-06T02:40:44.115" v="4288" actId="1076"/>
-          <ac:spMkLst>
-            <pc:docMk/>
-            <pc:sldMk cId="1525970791" sldId="275"/>
-            <ac:spMk id="3" creationId="{758FEE91-E006-78B4-7371-44F05CE1873F}"/>
-          </ac:spMkLst>
-        </pc:spChg>
-        <pc:spChg chg="mod">
-          <ac:chgData name="Scruel Tao" userId="5ea5c98d59b44d4b" providerId="LiveId" clId="{2BA6F94F-59B6-4AA6-9DB6-4A8227DBE37E}" dt="2023-04-06T03:11:42.112" v="6223" actId="20577"/>
-          <ac:spMkLst>
-            <pc:docMk/>
-            <pc:sldMk cId="1525970791" sldId="275"/>
-            <ac:spMk id="5" creationId="{334FF01F-2A65-44F6-34F9-69AC934A31D7}"/>
-          </ac:spMkLst>
-        </pc:spChg>
-        <pc:spChg chg="add del mod">
-          <ac:chgData name="Scruel Tao" userId="5ea5c98d59b44d4b" providerId="LiveId" clId="{2BA6F94F-59B6-4AA6-9DB6-4A8227DBE37E}" dt="2023-04-06T02:41:11.484" v="4301"/>
-          <ac:spMkLst>
-            <pc:docMk/>
-            <pc:sldMk cId="1525970791" sldId="275"/>
-            <ac:spMk id="6" creationId="{FE71521E-2CC0-4A61-AAED-50B969DD3FB2}"/>
-          </ac:spMkLst>
-        </pc:spChg>
-        <pc:spChg chg="add del mod">
-          <ac:chgData name="Scruel Tao" userId="5ea5c98d59b44d4b" providerId="LiveId" clId="{2BA6F94F-59B6-4AA6-9DB6-4A8227DBE37E}" dt="2023-04-06T02:41:49.801" v="4308"/>
-          <ac:spMkLst>
-            <pc:docMk/>
-            <pc:sldMk cId="1525970791" sldId="275"/>
-            <ac:spMk id="11" creationId="{E7566BCF-DD27-2A40-5FAC-846D590C6664}"/>
-          </ac:spMkLst>
-        </pc:spChg>
-        <pc:picChg chg="del">
-          <ac:chgData name="Scruel Tao" userId="5ea5c98d59b44d4b" providerId="LiveId" clId="{2BA6F94F-59B6-4AA6-9DB6-4A8227DBE37E}" dt="2023-04-03T05:13:19.543" v="3163" actId="21"/>
-          <ac:picMkLst>
-            <pc:docMk/>
-            <pc:sldMk cId="1525970791" sldId="275"/>
-            <ac:picMk id="3" creationId="{E9C9C4B6-9E80-13FC-3C11-56455F818828}"/>
-          </ac:picMkLst>
-        </pc:picChg>
-        <pc:picChg chg="add del mod">
-          <ac:chgData name="Scruel Tao" userId="5ea5c98d59b44d4b" providerId="LiveId" clId="{2BA6F94F-59B6-4AA6-9DB6-4A8227DBE37E}" dt="2023-04-06T02:41:10.728" v="4300"/>
-          <ac:picMkLst>
-            <pc:docMk/>
-            <pc:sldMk cId="1525970791" sldId="275"/>
-            <ac:picMk id="7" creationId="{72753DEC-DD0C-C274-F404-F5EB4CD1C448}"/>
-          </ac:picMkLst>
-        </pc:picChg>
-        <pc:picChg chg="add del mod">
-          <ac:chgData name="Scruel Tao" userId="5ea5c98d59b44d4b" providerId="LiveId" clId="{2BA6F94F-59B6-4AA6-9DB6-4A8227DBE37E}" dt="2023-04-06T02:41:48.798" v="4307" actId="478"/>
-          <ac:picMkLst>
-            <pc:docMk/>
-            <pc:sldMk cId="1525970791" sldId="275"/>
-            <ac:picMk id="9" creationId="{956D46E1-CA10-6110-3721-527FB106B816}"/>
-          </ac:picMkLst>
-        </pc:picChg>
-        <pc:picChg chg="add mod">
-          <ac:chgData name="Scruel Tao" userId="5ea5c98d59b44d4b" providerId="LiveId" clId="{2BA6F94F-59B6-4AA6-9DB6-4A8227DBE37E}" dt="2023-04-06T02:41:56.060" v="4311" actId="14100"/>
-          <ac:picMkLst>
-            <pc:docMk/>
-            <pc:sldMk cId="1525970791" sldId="275"/>
-            <ac:picMk id="13" creationId="{28E0336C-E8D0-EA88-BA1F-58180AAA10B2}"/>
-          </ac:picMkLst>
-        </pc:picChg>
-        <pc:picChg chg="add mod">
-          <ac:chgData name="Scruel Tao" userId="5ea5c98d59b44d4b" providerId="LiveId" clId="{2BA6F94F-59B6-4AA6-9DB6-4A8227DBE37E}" dt="2023-04-06T02:43:15.541" v="4323" actId="1076"/>
-          <ac:picMkLst>
-            <pc:docMk/>
-            <pc:sldMk cId="1525970791" sldId="275"/>
-            <ac:picMk id="15" creationId="{688D0B3B-ED19-D752-7801-4EA7CCF93CF1}"/>
-          </ac:picMkLst>
-        </pc:picChg>
-        <pc:picChg chg="add del mod">
-          <ac:chgData name="Scruel Tao" userId="5ea5c98d59b44d4b" providerId="LiveId" clId="{2BA6F94F-59B6-4AA6-9DB6-4A8227DBE37E}" dt="2023-04-06T02:45:44.597" v="4337" actId="478"/>
-          <ac:picMkLst>
-            <pc:docMk/>
-            <pc:sldMk cId="1525970791" sldId="275"/>
-            <ac:picMk id="17" creationId="{A0899730-319B-2A2E-DBC8-BEBF8655AA69}"/>
-          </ac:picMkLst>
-        </pc:picChg>
-        <pc:picChg chg="add mod">
-          <ac:chgData name="Scruel Tao" userId="5ea5c98d59b44d4b" providerId="LiveId" clId="{2BA6F94F-59B6-4AA6-9DB6-4A8227DBE37E}" dt="2023-04-06T02:45:54.296" v="4342" actId="1076"/>
-          <ac:picMkLst>
-            <pc:docMk/>
-            <pc:sldMk cId="1525970791" sldId="275"/>
-            <ac:picMk id="19" creationId="{EA4C9E56-4F35-33EF-251B-533EFC0DABBF}"/>
-          </ac:picMkLst>
-        </pc:picChg>
-      </pc:sldChg>
-      <pc:sldChg chg="modSp add del mod">
-        <pc:chgData name="Scruel Tao" userId="5ea5c98d59b44d4b" providerId="LiveId" clId="{2BA6F94F-59B6-4AA6-9DB6-4A8227DBE37E}" dt="2023-04-06T02:37:57.733" v="4131" actId="47"/>
-        <pc:sldMkLst>
-          <pc:docMk/>
-          <pc:sldMk cId="1084643022" sldId="276"/>
-        </pc:sldMkLst>
-        <pc:spChg chg="mod">
-          <ac:chgData name="Scruel Tao" userId="5ea5c98d59b44d4b" providerId="LiveId" clId="{2BA6F94F-59B6-4AA6-9DB6-4A8227DBE37E}" dt="2023-04-06T01:59:57.563" v="3451" actId="20577"/>
-          <ac:spMkLst>
-            <pc:docMk/>
-            <pc:sldMk cId="1084643022" sldId="276"/>
-            <ac:spMk id="2" creationId="{ABA783DF-49A6-7EF1-661E-C574E2C2F386}"/>
-          </ac:spMkLst>
-        </pc:spChg>
-      </pc:sldChg>
-      <pc:sldMasterChg chg="modSldLayout">
-        <pc:chgData name="Scruel Tao" userId="5ea5c98d59b44d4b" providerId="LiveId" clId="{2BA6F94F-59B6-4AA6-9DB6-4A8227DBE37E}" dt="2023-04-03T03:34:53.033" v="335" actId="1076"/>
-        <pc:sldMasterMkLst>
-          <pc:docMk/>
-          <pc:sldMasterMk cId="1766057859" sldId="2147483648"/>
-        </pc:sldMasterMkLst>
-        <pc:sldLayoutChg chg="delSp modSp mod">
-          <pc:chgData name="Scruel Tao" userId="5ea5c98d59b44d4b" providerId="LiveId" clId="{2BA6F94F-59B6-4AA6-9DB6-4A8227DBE37E}" dt="2023-04-03T03:34:53.033" v="335" actId="1076"/>
-          <pc:sldLayoutMkLst>
-            <pc:docMk/>
-            <pc:sldMasterMk cId="1766057859" sldId="2147483648"/>
-            <pc:sldLayoutMk cId="1337634028" sldId="2147483660"/>
-          </pc:sldLayoutMkLst>
-          <pc:spChg chg="del mod">
-            <ac:chgData name="Scruel Tao" userId="5ea5c98d59b44d4b" providerId="LiveId" clId="{2BA6F94F-59B6-4AA6-9DB6-4A8227DBE37E}" dt="2023-04-03T03:27:47.594" v="278" actId="478"/>
-            <ac:spMkLst>
-              <pc:docMk/>
-              <pc:sldMasterMk cId="1766057859" sldId="2147483648"/>
-              <pc:sldLayoutMk cId="1337634028" sldId="2147483660"/>
-              <ac:spMk id="19468" creationId="{418CE5A5-515B-CEAB-D160-CBAFEBF4837F}"/>
-            </ac:spMkLst>
-          </pc:spChg>
-          <pc:picChg chg="del">
-            <ac:chgData name="Scruel Tao" userId="5ea5c98d59b44d4b" providerId="LiveId" clId="{2BA6F94F-59B6-4AA6-9DB6-4A8227DBE37E}" dt="2023-04-03T03:26:11.336" v="269" actId="21"/>
-            <ac:picMkLst>
-              <pc:docMk/>
-              <pc:sldMasterMk cId="1766057859" sldId="2147483648"/>
-              <pc:sldLayoutMk cId="1337634028" sldId="2147483660"/>
-              <ac:picMk id="19481" creationId="{02568321-E4E6-1B3D-8017-A3451A7203B9}"/>
-            </ac:picMkLst>
-          </pc:picChg>
-          <pc:picChg chg="mod">
-            <ac:chgData name="Scruel Tao" userId="5ea5c98d59b44d4b" providerId="LiveId" clId="{2BA6F94F-59B6-4AA6-9DB6-4A8227DBE37E}" dt="2023-04-03T03:34:53.033" v="335" actId="1076"/>
-            <ac:picMkLst>
-              <pc:docMk/>
-              <pc:sldMasterMk cId="1766057859" sldId="2147483648"/>
-              <pc:sldLayoutMk cId="1337634028" sldId="2147483660"/>
-              <ac:picMk id="19482" creationId="{8F2B9C9A-7CA4-5723-784E-DBADCF09186B}"/>
-            </ac:picMkLst>
-          </pc:picChg>
-        </pc:sldLayoutChg>
-      </pc:sldMasterChg>
-    </pc:docChg>
-  </pc:docChgLst>
-  <pc:docChgLst>
-    <pc:chgData name="Scruel Tao" userId="5ea5c98d59b44d4b" providerId="LiveId" clId="{87D85EC6-ED1F-4281-828A-5E21384E7B80}"/>
-    <pc:docChg chg="undo redo custSel addSld delSld modSld sldOrd modMainMaster">
-      <pc:chgData name="Scruel Tao" userId="5ea5c98d59b44d4b" providerId="LiveId" clId="{87D85EC6-ED1F-4281-828A-5E21384E7B80}" dt="2023-06-02T17:22:55.040" v="5596" actId="20577"/>
-      <pc:docMkLst>
-        <pc:docMk/>
-      </pc:docMkLst>
-      <pc:sldChg chg="modSp mod modTransition">
-        <pc:chgData name="Scruel Tao" userId="5ea5c98d59b44d4b" providerId="LiveId" clId="{87D85EC6-ED1F-4281-828A-5E21384E7B80}" dt="2023-05-05T14:22:08.010" v="4973"/>
-        <pc:sldMkLst>
-          <pc:docMk/>
-          <pc:sldMk cId="1112998187" sldId="257"/>
-        </pc:sldMkLst>
-        <pc:spChg chg="mod">
-          <ac:chgData name="Scruel Tao" userId="5ea5c98d59b44d4b" providerId="LiveId" clId="{87D85EC6-ED1F-4281-828A-5E21384E7B80}" dt="2023-04-26T02:56:18.275" v="284" actId="20577"/>
-          <ac:spMkLst>
-            <pc:docMk/>
-            <pc:sldMk cId="1112998187" sldId="257"/>
-            <ac:spMk id="2" creationId="{1422DFF6-0952-1023-64E3-97184D36BE3F}"/>
-          </ac:spMkLst>
-        </pc:spChg>
-        <pc:spChg chg="mod">
-          <ac:chgData name="Scruel Tao" userId="5ea5c98d59b44d4b" providerId="LiveId" clId="{87D85EC6-ED1F-4281-828A-5E21384E7B80}" dt="2023-04-26T02:40:19.468" v="172" actId="20577"/>
-          <ac:spMkLst>
-            <pc:docMk/>
-            <pc:sldMk cId="1112998187" sldId="257"/>
-            <ac:spMk id="3" creationId="{AC7759D9-0BB4-08ED-8476-24F7D903D6DE}"/>
-          </ac:spMkLst>
-        </pc:spChg>
-      </pc:sldChg>
-      <pc:sldChg chg="del">
-        <pc:chgData name="Scruel Tao" userId="5ea5c98d59b44d4b" providerId="LiveId" clId="{87D85EC6-ED1F-4281-828A-5E21384E7B80}" dt="2023-04-26T02:39:12.376" v="4" actId="47"/>
-        <pc:sldMkLst>
-          <pc:docMk/>
-          <pc:sldMk cId="1199684676" sldId="259"/>
-        </pc:sldMkLst>
-      </pc:sldChg>
-      <pc:sldChg chg="addSp delSp modSp mod modTransition">
-        <pc:chgData name="Scruel Tao" userId="5ea5c98d59b44d4b" providerId="LiveId" clId="{87D85EC6-ED1F-4281-828A-5E21384E7B80}" dt="2023-06-02T13:44:31.170" v="5541" actId="20577"/>
-        <pc:sldMkLst>
-          <pc:docMk/>
-          <pc:sldMk cId="0" sldId="260"/>
-        </pc:sldMkLst>
-        <pc:spChg chg="del mod">
-          <ac:chgData name="Scruel Tao" userId="5ea5c98d59b44d4b" providerId="LiveId" clId="{87D85EC6-ED1F-4281-828A-5E21384E7B80}" dt="2023-05-16T03:54:52.730" v="5395" actId="478"/>
-          <ac:spMkLst>
-            <pc:docMk/>
-            <pc:sldMk cId="0" sldId="260"/>
-            <ac:spMk id="2" creationId="{51B8E4C0-E15B-4BD0-7B5B-A44A3D5B0C34}"/>
-          </ac:spMkLst>
-        </pc:spChg>
-        <pc:spChg chg="del">
-          <ac:chgData name="Scruel Tao" userId="5ea5c98d59b44d4b" providerId="LiveId" clId="{87D85EC6-ED1F-4281-828A-5E21384E7B80}" dt="2023-05-03T00:07:19.293" v="4645" actId="478"/>
-          <ac:spMkLst>
-            <pc:docMk/>
-            <pc:sldMk cId="0" sldId="260"/>
-            <ac:spMk id="3" creationId="{C8068F35-EF78-6218-F528-48E9ED924DF4}"/>
-          </ac:spMkLst>
-        </pc:spChg>
-        <pc:spChg chg="add mod">
-          <ac:chgData name="Scruel Tao" userId="5ea5c98d59b44d4b" providerId="LiveId" clId="{87D85EC6-ED1F-4281-828A-5E21384E7B80}" dt="2023-05-03T00:07:19.539" v="4646"/>
-          <ac:spMkLst>
-            <pc:docMk/>
-            <pc:sldMk cId="0" sldId="260"/>
-            <ac:spMk id="4" creationId="{4A104DD6-93EB-6263-279D-B647F1194AA9}"/>
-          </ac:spMkLst>
-        </pc:spChg>
-        <pc:spChg chg="add del">
-          <ac:chgData name="Scruel Tao" userId="5ea5c98d59b44d4b" providerId="LiveId" clId="{87D85EC6-ED1F-4281-828A-5E21384E7B80}" dt="2023-05-03T01:19:54.559" v="4654" actId="22"/>
-          <ac:spMkLst>
-            <pc:docMk/>
-            <pc:sldMk cId="0" sldId="260"/>
-            <ac:spMk id="5" creationId="{4A83FD9D-2CAB-162C-FC32-9005917B40DE}"/>
-          </ac:spMkLst>
-        </pc:spChg>
-        <pc:spChg chg="mod">
-          <ac:chgData name="Scruel Tao" userId="5ea5c98d59b44d4b" providerId="LiveId" clId="{87D85EC6-ED1F-4281-828A-5E21384E7B80}" dt="2023-06-02T13:44:31.170" v="5541" actId="20577"/>
-          <ac:spMkLst>
-            <pc:docMk/>
-            <pc:sldMk cId="0" sldId="260"/>
-            <ac:spMk id="1227783" creationId="{F7B3941E-B689-22D6-F18C-358E4BAEDF5F}"/>
-          </ac:spMkLst>
-        </pc:spChg>
-      </pc:sldChg>
-      <pc:sldChg chg="modSp del modAnim">
-        <pc:chgData name="Scruel Tao" userId="5ea5c98d59b44d4b" providerId="LiveId" clId="{87D85EC6-ED1F-4281-828A-5E21384E7B80}" dt="2023-04-26T04:30:25.102" v="2359" actId="47"/>
-        <pc:sldMkLst>
-          <pc:docMk/>
-          <pc:sldMk cId="1751565490" sldId="276"/>
-        </pc:sldMkLst>
-        <pc:spChg chg="mod">
-          <ac:chgData name="Scruel Tao" userId="5ea5c98d59b44d4b" providerId="LiveId" clId="{87D85EC6-ED1F-4281-828A-5E21384E7B80}" dt="2023-04-26T02:41:57.860" v="281" actId="13926"/>
-          <ac:spMkLst>
-            <pc:docMk/>
-            <pc:sldMk cId="1751565490" sldId="276"/>
-            <ac:spMk id="3" creationId="{9E0BA8B8-92DA-1AC9-79B9-A552D184BB54}"/>
-          </ac:spMkLst>
-        </pc:spChg>
-      </pc:sldChg>
-      <pc:sldChg chg="add del">
-        <pc:chgData name="Scruel Tao" userId="5ea5c98d59b44d4b" providerId="LiveId" clId="{87D85EC6-ED1F-4281-828A-5E21384E7B80}" dt="2023-05-01T18:26:34.618" v="4505" actId="47"/>
-        <pc:sldMkLst>
-          <pc:docMk/>
-          <pc:sldMk cId="2706538019" sldId="277"/>
-        </pc:sldMkLst>
-      </pc:sldChg>
-      <pc:sldChg chg="addSp delSp modSp add mod modTransition modClrScheme delAnim modAnim chgLayout modNotesTx">
-        <pc:chgData name="Scruel Tao" userId="5ea5c98d59b44d4b" providerId="LiveId" clId="{87D85EC6-ED1F-4281-828A-5E21384E7B80}" dt="2023-05-06T20:23:11.894" v="5327"/>
-        <pc:sldMkLst>
-          <pc:docMk/>
-          <pc:sldMk cId="3519437269" sldId="279"/>
-        </pc:sldMkLst>
-        <pc:spChg chg="mod ord">
-          <ac:chgData name="Scruel Tao" userId="5ea5c98d59b44d4b" providerId="LiveId" clId="{87D85EC6-ED1F-4281-828A-5E21384E7B80}" dt="2023-04-26T03:12:06.817" v="292" actId="700"/>
-          <ac:spMkLst>
-            <pc:docMk/>
-            <pc:sldMk cId="3519437269" sldId="279"/>
-            <ac:spMk id="2" creationId="{BAD162F0-2175-84E9-2387-55F669162449}"/>
-          </ac:spMkLst>
-        </pc:spChg>
-        <pc:spChg chg="add del mod ord">
-          <ac:chgData name="Scruel Tao" userId="5ea5c98d59b44d4b" providerId="LiveId" clId="{87D85EC6-ED1F-4281-828A-5E21384E7B80}" dt="2023-04-30T11:50:39.951" v="2921" actId="20577"/>
-          <ac:spMkLst>
-            <pc:docMk/>
-            <pc:sldMk cId="3519437269" sldId="279"/>
-            <ac:spMk id="3" creationId="{0E2FC508-1AFD-A957-52F2-FA1DEF2A9D27}"/>
-          </ac:spMkLst>
-        </pc:spChg>
-        <pc:spChg chg="del mod">
-          <ac:chgData name="Scruel Tao" userId="5ea5c98d59b44d4b" providerId="LiveId" clId="{87D85EC6-ED1F-4281-828A-5E21384E7B80}" dt="2023-04-30T11:34:34.696" v="2887" actId="478"/>
-          <ac:spMkLst>
-            <pc:docMk/>
-            <pc:sldMk cId="3519437269" sldId="279"/>
-            <ac:spMk id="5" creationId="{B7A8CE03-6A77-60EC-056E-D7A0019640A3}"/>
-          </ac:spMkLst>
-        </pc:spChg>
-        <pc:spChg chg="del mod">
-          <ac:chgData name="Scruel Tao" userId="5ea5c98d59b44d4b" providerId="LiveId" clId="{87D85EC6-ED1F-4281-828A-5E21384E7B80}" dt="2023-04-30T11:34:33.613" v="2886" actId="478"/>
-          <ac:spMkLst>
-            <pc:docMk/>
-            <pc:sldMk cId="3519437269" sldId="279"/>
-            <ac:spMk id="7" creationId="{12C899D8-51C5-D9B7-A323-E6EFE4AB5C33}"/>
-          </ac:spMkLst>
-        </pc:spChg>
-        <pc:spChg chg="add del">
-          <ac:chgData name="Scruel Tao" userId="5ea5c98d59b44d4b" providerId="LiveId" clId="{87D85EC6-ED1F-4281-828A-5E21384E7B80}" dt="2023-04-30T11:43:24.711" v="2904" actId="22"/>
-          <ac:spMkLst>
-            <pc:docMk/>
-            <pc:sldMk cId="3519437269" sldId="279"/>
-            <ac:spMk id="13" creationId="{EBC07081-BB7F-E4EB-BFA5-AC571501490C}"/>
-          </ac:spMkLst>
-        </pc:spChg>
-        <pc:spChg chg="add del mod">
-          <ac:chgData name="Scruel Tao" userId="5ea5c98d59b44d4b" providerId="LiveId" clId="{87D85EC6-ED1F-4281-828A-5E21384E7B80}" dt="2023-04-30T11:50:39.162" v="2920" actId="478"/>
-          <ac:spMkLst>
-            <pc:docMk/>
-            <pc:sldMk cId="3519437269" sldId="279"/>
-            <ac:spMk id="18" creationId="{0FC422AB-5A1A-0C45-3D65-937328812212}"/>
-          </ac:spMkLst>
-        </pc:spChg>
-        <pc:picChg chg="add del mod ord">
-          <ac:chgData name="Scruel Tao" userId="5ea5c98d59b44d4b" providerId="LiveId" clId="{87D85EC6-ED1F-4281-828A-5E21384E7B80}" dt="2023-04-30T11:35:09.140" v="2895" actId="22"/>
-          <ac:picMkLst>
-            <pc:docMk/>
-            <pc:sldMk cId="3519437269" sldId="279"/>
-            <ac:picMk id="6" creationId="{E33BF253-FF4B-DD56-0397-C5B9DD1404E1}"/>
-          </ac:picMkLst>
-        </pc:picChg>
-        <pc:picChg chg="add del mod ord">
-          <ac:chgData name="Scruel Tao" userId="5ea5c98d59b44d4b" providerId="LiveId" clId="{87D85EC6-ED1F-4281-828A-5E21384E7B80}" dt="2023-04-30T11:35:15.103" v="2897" actId="22"/>
-          <ac:picMkLst>
-            <pc:docMk/>
-            <pc:sldMk cId="3519437269" sldId="279"/>
-            <ac:picMk id="9" creationId="{79ED5B8B-B5FF-564F-17AD-E1FF0ECC8B14}"/>
-          </ac:picMkLst>
-        </pc:picChg>
-        <pc:picChg chg="add del mod">
-          <ac:chgData name="Scruel Tao" userId="5ea5c98d59b44d4b" providerId="LiveId" clId="{87D85EC6-ED1F-4281-828A-5E21384E7B80}" dt="2023-04-30T11:51:18.920" v="2936" actId="478"/>
-          <ac:picMkLst>
-            <pc:docMk/>
-            <pc:sldMk cId="3519437269" sldId="279"/>
-            <ac:picMk id="11" creationId="{8445C470-BEA8-6723-034B-808D1DE1EF88}"/>
-          </ac:picMkLst>
-        </pc:picChg>
-        <pc:picChg chg="add del mod">
-          <ac:chgData name="Scruel Tao" userId="5ea5c98d59b44d4b" providerId="LiveId" clId="{87D85EC6-ED1F-4281-828A-5E21384E7B80}" dt="2023-04-30T11:46:43.562" v="2909" actId="22"/>
-          <ac:picMkLst>
-            <pc:docMk/>
-            <pc:sldMk cId="3519437269" sldId="279"/>
-            <ac:picMk id="15" creationId="{3D5ABEAE-1B31-C21F-768E-88C324EA73BA}"/>
-          </ac:picMkLst>
-        </pc:picChg>
-        <pc:picChg chg="add del mod">
-          <ac:chgData name="Scruel Tao" userId="5ea5c98d59b44d4b" providerId="LiveId" clId="{87D85EC6-ED1F-4281-828A-5E21384E7B80}" dt="2023-04-30T11:50:39.162" v="2920" actId="478"/>
-          <ac:picMkLst>
-            <pc:docMk/>
-            <pc:sldMk cId="3519437269" sldId="279"/>
-            <ac:picMk id="17" creationId="{C959BA15-CA39-64B6-A2C0-D56D21F389E0}"/>
-          </ac:picMkLst>
-        </pc:picChg>
-        <pc:picChg chg="add del mod">
-          <ac:chgData name="Scruel Tao" userId="5ea5c98d59b44d4b" providerId="LiveId" clId="{87D85EC6-ED1F-4281-828A-5E21384E7B80}" dt="2023-04-30T11:52:24.313" v="2946" actId="478"/>
-          <ac:picMkLst>
-            <pc:docMk/>
-            <pc:sldMk cId="3519437269" sldId="279"/>
-            <ac:picMk id="19" creationId="{1556C0F1-B1BD-5938-48A6-E51B077BBEE1}"/>
-          </ac:picMkLst>
-        </pc:picChg>
-        <pc:picChg chg="add mod">
-          <ac:chgData name="Scruel Tao" userId="5ea5c98d59b44d4b" providerId="LiveId" clId="{87D85EC6-ED1F-4281-828A-5E21384E7B80}" dt="2023-05-03T02:51:12.270" v="4711" actId="14826"/>
-          <ac:picMkLst>
-            <pc:docMk/>
-            <pc:sldMk cId="3519437269" sldId="279"/>
-            <ac:picMk id="20" creationId="{EDB29CB5-A8CE-6249-23EC-1AF1FA970754}"/>
-          </ac:picMkLst>
-        </pc:picChg>
-      </pc:sldChg>
-      <pc:sldChg chg="modSp add mod ord modTransition modAnim">
-        <pc:chgData name="Scruel Tao" userId="5ea5c98d59b44d4b" providerId="LiveId" clId="{87D85EC6-ED1F-4281-828A-5E21384E7B80}" dt="2023-05-05T14:22:08.010" v="4973"/>
-        <pc:sldMkLst>
-          <pc:docMk/>
-          <pc:sldMk cId="364430658" sldId="282"/>
-        </pc:sldMkLst>
-        <pc:spChg chg="mod">
-          <ac:chgData name="Scruel Tao" userId="5ea5c98d59b44d4b" providerId="LiveId" clId="{87D85EC6-ED1F-4281-828A-5E21384E7B80}" dt="2023-04-26T02:40:42.190" v="178" actId="20577"/>
-          <ac:spMkLst>
-            <pc:docMk/>
-            <pc:sldMk cId="364430658" sldId="282"/>
-            <ac:spMk id="2" creationId="{1CBF67D3-549D-0623-7687-618F66C7933B}"/>
-          </ac:spMkLst>
-        </pc:spChg>
-        <pc:spChg chg="mod">
-          <ac:chgData name="Scruel Tao" userId="5ea5c98d59b44d4b" providerId="LiveId" clId="{87D85EC6-ED1F-4281-828A-5E21384E7B80}" dt="2023-05-01T16:06:38.473" v="4502" actId="5793"/>
-          <ac:spMkLst>
-            <pc:docMk/>
-            <pc:sldMk cId="364430658" sldId="282"/>
-            <ac:spMk id="5" creationId="{27E734E7-DC50-2043-E0F4-ADDF97100AAB}"/>
-          </ac:spMkLst>
-        </pc:spChg>
-      </pc:sldChg>
-      <pc:sldChg chg="addSp delSp modSp add mod modTransition modClrScheme modAnim chgLayout">
-        <pc:chgData name="Scruel Tao" userId="5ea5c98d59b44d4b" providerId="LiveId" clId="{87D85EC6-ED1F-4281-828A-5E21384E7B80}" dt="2023-05-06T20:26:51.041" v="5346"/>
-        <pc:sldMkLst>
-          <pc:docMk/>
-          <pc:sldMk cId="3091530352" sldId="283"/>
-        </pc:sldMkLst>
-        <pc:spChg chg="mod ord">
-          <ac:chgData name="Scruel Tao" userId="5ea5c98d59b44d4b" providerId="LiveId" clId="{87D85EC6-ED1F-4281-828A-5E21384E7B80}" dt="2023-05-01T09:16:00.552" v="3366" actId="20577"/>
-          <ac:spMkLst>
-            <pc:docMk/>
-            <pc:sldMk cId="3091530352" sldId="283"/>
-            <ac:spMk id="2" creationId="{BAD162F0-2175-84E9-2387-55F669162449}"/>
-          </ac:spMkLst>
-        </pc:spChg>
-        <pc:spChg chg="mod ord">
-          <ac:chgData name="Scruel Tao" userId="5ea5c98d59b44d4b" providerId="LiveId" clId="{87D85EC6-ED1F-4281-828A-5E21384E7B80}" dt="2023-05-03T03:47:46.833" v="4827" actId="20577"/>
-          <ac:spMkLst>
-            <pc:docMk/>
-            <pc:sldMk cId="3091530352" sldId="283"/>
-            <ac:spMk id="3" creationId="{0E2FC508-1AFD-A957-52F2-FA1DEF2A9D27}"/>
-          </ac:spMkLst>
-        </pc:spChg>
-        <pc:spChg chg="add mod">
-          <ac:chgData name="Scruel Tao" userId="5ea5c98d59b44d4b" providerId="LiveId" clId="{87D85EC6-ED1F-4281-828A-5E21384E7B80}" dt="2023-05-06T20:25:13.629" v="5335" actId="1076"/>
-          <ac:spMkLst>
-            <pc:docMk/>
-            <pc:sldMk cId="3091530352" sldId="283"/>
-            <ac:spMk id="4" creationId="{1E928304-1D7D-D398-346A-D48BE2287D5C}"/>
-          </ac:spMkLst>
-        </pc:spChg>
-        <pc:spChg chg="add del mod ord">
-          <ac:chgData name="Scruel Tao" userId="5ea5c98d59b44d4b" providerId="LiveId" clId="{87D85EC6-ED1F-4281-828A-5E21384E7B80}" dt="2023-04-26T03:18:06.466" v="685" actId="700"/>
-          <ac:spMkLst>
-            <pc:docMk/>
-            <pc:sldMk cId="3091530352" sldId="283"/>
-            <ac:spMk id="4" creationId="{E5488D61-4CC4-EDD2-56C2-60449C6BEF10}"/>
-          </ac:spMkLst>
-        </pc:spChg>
-        <pc:spChg chg="mod">
-          <ac:chgData name="Scruel Tao" userId="5ea5c98d59b44d4b" providerId="LiveId" clId="{87D85EC6-ED1F-4281-828A-5E21384E7B80}" dt="2023-05-03T02:53:45.401" v="4733" actId="1076"/>
-          <ac:spMkLst>
-            <pc:docMk/>
-            <pc:sldMk cId="3091530352" sldId="283"/>
-            <ac:spMk id="5" creationId="{B7A8CE03-6A77-60EC-056E-D7A0019640A3}"/>
-          </ac:spMkLst>
-        </pc:spChg>
-        <pc:spChg chg="mod">
-          <ac:chgData name="Scruel Tao" userId="5ea5c98d59b44d4b" providerId="LiveId" clId="{87D85EC6-ED1F-4281-828A-5E21384E7B80}" dt="2023-05-03T02:53:32.794" v="4731" actId="1076"/>
-          <ac:spMkLst>
-            <pc:docMk/>
-            <pc:sldMk cId="3091530352" sldId="283"/>
-            <ac:spMk id="7" creationId="{12C899D8-51C5-D9B7-A323-E6EFE4AB5C33}"/>
-          </ac:spMkLst>
-        </pc:spChg>
-      </pc:sldChg>
-      <pc:sldChg chg="addSp delSp modSp add del mod ord modClrScheme delAnim chgLayout">
-        <pc:chgData name="Scruel Tao" userId="5ea5c98d59b44d4b" providerId="LiveId" clId="{87D85EC6-ED1F-4281-828A-5E21384E7B80}" dt="2023-04-30T12:15:48.524" v="3117" actId="47"/>
-        <pc:sldMkLst>
-          <pc:docMk/>
-          <pc:sldMk cId="1800311487" sldId="284"/>
-        </pc:sldMkLst>
-        <pc:spChg chg="mod ord">
-          <ac:chgData name="Scruel Tao" userId="5ea5c98d59b44d4b" providerId="LiveId" clId="{87D85EC6-ED1F-4281-828A-5E21384E7B80}" dt="2023-04-30T12:04:07.825" v="2976" actId="700"/>
-          <ac:spMkLst>
-            <pc:docMk/>
-            <pc:sldMk cId="1800311487" sldId="284"/>
-            <ac:spMk id="2" creationId="{BAD162F0-2175-84E9-2387-55F669162449}"/>
-          </ac:spMkLst>
-        </pc:spChg>
-        <pc:spChg chg="mod ord">
-          <ac:chgData name="Scruel Tao" userId="5ea5c98d59b44d4b" providerId="LiveId" clId="{87D85EC6-ED1F-4281-828A-5E21384E7B80}" dt="2023-04-30T12:15:02.908" v="3113" actId="6549"/>
-          <ac:spMkLst>
-            <pc:docMk/>
-            <pc:sldMk cId="1800311487" sldId="284"/>
-            <ac:spMk id="3" creationId="{0E2FC508-1AFD-A957-52F2-FA1DEF2A9D27}"/>
-          </ac:spMkLst>
-        </pc:spChg>
-        <pc:spChg chg="del">
-          <ac:chgData name="Scruel Tao" userId="5ea5c98d59b44d4b" providerId="LiveId" clId="{87D85EC6-ED1F-4281-828A-5E21384E7B80}" dt="2023-04-30T12:04:07.825" v="2976" actId="700"/>
-          <ac:spMkLst>
-            <pc:docMk/>
-            <pc:sldMk cId="1800311487" sldId="284"/>
-            <ac:spMk id="4" creationId="{E5488D61-4CC4-EDD2-56C2-60449C6BEF10}"/>
-          </ac:spMkLst>
-        </pc:spChg>
-        <pc:spChg chg="del mod">
-          <ac:chgData name="Scruel Tao" userId="5ea5c98d59b44d4b" providerId="LiveId" clId="{87D85EC6-ED1F-4281-828A-5E21384E7B80}" dt="2023-04-30T12:07:45.705" v="3047" actId="21"/>
-          <ac:spMkLst>
-            <pc:docMk/>
-            <pc:sldMk cId="1800311487" sldId="284"/>
-            <ac:spMk id="5" creationId="{B7A8CE03-6A77-60EC-056E-D7A0019640A3}"/>
-          </ac:spMkLst>
-        </pc:spChg>
-        <pc:spChg chg="del mod">
-          <ac:chgData name="Scruel Tao" userId="5ea5c98d59b44d4b" providerId="LiveId" clId="{87D85EC6-ED1F-4281-828A-5E21384E7B80}" dt="2023-04-30T12:07:42.478" v="3045" actId="21"/>
-          <ac:spMkLst>
-            <pc:docMk/>
-            <pc:sldMk cId="1800311487" sldId="284"/>
-            <ac:spMk id="7" creationId="{12C899D8-51C5-D9B7-A323-E6EFE4AB5C33}"/>
-          </ac:spMkLst>
-        </pc:spChg>
-        <pc:spChg chg="add mod">
-          <ac:chgData name="Scruel Tao" userId="5ea5c98d59b44d4b" providerId="LiveId" clId="{87D85EC6-ED1F-4281-828A-5E21384E7B80}" dt="2023-04-30T12:11:18.765" v="3084" actId="1076"/>
-          <ac:spMkLst>
-            <pc:docMk/>
-            <pc:sldMk cId="1800311487" sldId="284"/>
-            <ac:spMk id="10" creationId="{B6A161A6-7068-FC63-BF51-6ABD2302F64D}"/>
-          </ac:spMkLst>
-        </pc:spChg>
-        <pc:picChg chg="add mod">
-          <ac:chgData name="Scruel Tao" userId="5ea5c98d59b44d4b" providerId="LiveId" clId="{87D85EC6-ED1F-4281-828A-5E21384E7B80}" dt="2023-04-30T12:11:20.823" v="3085" actId="1076"/>
-          <ac:picMkLst>
-            <pc:docMk/>
-            <pc:sldMk cId="1800311487" sldId="284"/>
-            <ac:picMk id="8" creationId="{F458DA5F-0CEF-8130-4F57-AB228F411C95}"/>
-          </ac:picMkLst>
-        </pc:picChg>
-      </pc:sldChg>
-      <pc:sldChg chg="new del">
-        <pc:chgData name="Scruel Tao" userId="5ea5c98d59b44d4b" providerId="LiveId" clId="{87D85EC6-ED1F-4281-828A-5E21384E7B80}" dt="2023-04-26T03:19:07.294" v="700" actId="47"/>
-        <pc:sldMkLst>
-          <pc:docMk/>
-          <pc:sldMk cId="316876942" sldId="285"/>
-        </pc:sldMkLst>
-      </pc:sldChg>
-      <pc:sldChg chg="addSp delSp modSp add mod modTransition modClrScheme modAnim chgLayout">
-        <pc:chgData name="Scruel Tao" userId="5ea5c98d59b44d4b" providerId="LiveId" clId="{87D85EC6-ED1F-4281-828A-5E21384E7B80}" dt="2023-05-05T14:22:08.010" v="4973"/>
-        <pc:sldMkLst>
-          <pc:docMk/>
-          <pc:sldMk cId="2057342537" sldId="285"/>
-        </pc:sldMkLst>
-        <pc:spChg chg="mod ord">
-          <ac:chgData name="Scruel Tao" userId="5ea5c98d59b44d4b" providerId="LiveId" clId="{87D85EC6-ED1F-4281-828A-5E21384E7B80}" dt="2023-04-26T03:28:13.916" v="1155" actId="20577"/>
-          <ac:spMkLst>
-            <pc:docMk/>
-            <pc:sldMk cId="2057342537" sldId="285"/>
-            <ac:spMk id="2" creationId="{BAD162F0-2175-84E9-2387-55F669162449}"/>
-          </ac:spMkLst>
-        </pc:spChg>
-        <pc:spChg chg="mod ord">
-          <ac:chgData name="Scruel Tao" userId="5ea5c98d59b44d4b" providerId="LiveId" clId="{87D85EC6-ED1F-4281-828A-5E21384E7B80}" dt="2023-05-03T03:48:26.182" v="4872" actId="20577"/>
-          <ac:spMkLst>
-            <pc:docMk/>
-            <pc:sldMk cId="2057342537" sldId="285"/>
-            <ac:spMk id="3" creationId="{0E2FC508-1AFD-A957-52F2-FA1DEF2A9D27}"/>
-          </ac:spMkLst>
-        </pc:spChg>
-        <pc:spChg chg="add del mod ord">
-          <ac:chgData name="Scruel Tao" userId="5ea5c98d59b44d4b" providerId="LiveId" clId="{87D85EC6-ED1F-4281-828A-5E21384E7B80}" dt="2023-04-26T03:25:28.031" v="1018" actId="700"/>
-          <ac:spMkLst>
-            <pc:docMk/>
-            <pc:sldMk cId="2057342537" sldId="285"/>
-            <ac:spMk id="4" creationId="{E008C776-D023-9197-75BA-6AEC7608C3AE}"/>
-          </ac:spMkLst>
-        </pc:spChg>
-        <pc:spChg chg="mod">
-          <ac:chgData name="Scruel Tao" userId="5ea5c98d59b44d4b" providerId="LiveId" clId="{87D85EC6-ED1F-4281-828A-5E21384E7B80}" dt="2023-04-26T03:54:00.931" v="1404" actId="1076"/>
-          <ac:spMkLst>
-            <pc:docMk/>
-            <pc:sldMk cId="2057342537" sldId="285"/>
-            <ac:spMk id="5" creationId="{B7A8CE03-6A77-60EC-056E-D7A0019640A3}"/>
-          </ac:spMkLst>
-        </pc:spChg>
-        <pc:spChg chg="mod">
-          <ac:chgData name="Scruel Tao" userId="5ea5c98d59b44d4b" providerId="LiveId" clId="{87D85EC6-ED1F-4281-828A-5E21384E7B80}" dt="2023-04-29T17:58:39.520" v="2803" actId="113"/>
-          <ac:spMkLst>
-            <pc:docMk/>
-            <pc:sldMk cId="2057342537" sldId="285"/>
-            <ac:spMk id="7" creationId="{12C899D8-51C5-D9B7-A323-E6EFE4AB5C33}"/>
-          </ac:spMkLst>
-        </pc:spChg>
-      </pc:sldChg>
-      <pc:sldChg chg="new del ord">
-        <pc:chgData name="Scruel Tao" userId="5ea5c98d59b44d4b" providerId="LiveId" clId="{87D85EC6-ED1F-4281-828A-5E21384E7B80}" dt="2023-04-26T03:19:23.091" v="706" actId="47"/>
-        <pc:sldMkLst>
-          <pc:docMk/>
-          <pc:sldMk cId="3077452686" sldId="285"/>
-        </pc:sldMkLst>
-      </pc:sldChg>
-      <pc:sldChg chg="addSp delSp modSp add mod modTransition delAnim modAnim">
-        <pc:chgData name="Scruel Tao" userId="5ea5c98d59b44d4b" providerId="LiveId" clId="{87D85EC6-ED1F-4281-828A-5E21384E7B80}" dt="2023-05-06T20:29:55.850" v="5377"/>
-        <pc:sldMkLst>
-          <pc:docMk/>
-          <pc:sldMk cId="2985976228" sldId="286"/>
-        </pc:sldMkLst>
-        <pc:spChg chg="mod">
-          <ac:chgData name="Scruel Tao" userId="5ea5c98d59b44d4b" providerId="LiveId" clId="{87D85EC6-ED1F-4281-828A-5E21384E7B80}" dt="2023-04-26T03:30:40.801" v="1240" actId="20577"/>
-          <ac:spMkLst>
-            <pc:docMk/>
-            <pc:sldMk cId="2985976228" sldId="286"/>
-            <ac:spMk id="2" creationId="{BAD162F0-2175-84E9-2387-55F669162449}"/>
-          </ac:spMkLst>
-        </pc:spChg>
-        <pc:spChg chg="mod">
-          <ac:chgData name="Scruel Tao" userId="5ea5c98d59b44d4b" providerId="LiveId" clId="{87D85EC6-ED1F-4281-828A-5E21384E7B80}" dt="2023-05-06T20:27:25.558" v="5349" actId="21"/>
-          <ac:spMkLst>
-            <pc:docMk/>
-            <pc:sldMk cId="2985976228" sldId="286"/>
-            <ac:spMk id="3" creationId="{0E2FC508-1AFD-A957-52F2-FA1DEF2A9D27}"/>
-          </ac:spMkLst>
-        </pc:spChg>
-        <pc:spChg chg="add mod">
-          <ac:chgData name="Scruel Tao" userId="5ea5c98d59b44d4b" providerId="LiveId" clId="{87D85EC6-ED1F-4281-828A-5E21384E7B80}" dt="2023-05-03T02:55:02.762" v="4785" actId="20577"/>
-          <ac:spMkLst>
-            <pc:docMk/>
-            <pc:sldMk cId="2985976228" sldId="286"/>
-            <ac:spMk id="4" creationId="{3D57E4CC-8D22-EB6F-B873-43306DFBCBF4}"/>
-          </ac:spMkLst>
-        </pc:spChg>
-        <pc:spChg chg="del mod">
-          <ac:chgData name="Scruel Tao" userId="5ea5c98d59b44d4b" providerId="LiveId" clId="{87D85EC6-ED1F-4281-828A-5E21384E7B80}" dt="2023-05-06T20:27:27.569" v="5350" actId="478"/>
-          <ac:spMkLst>
-            <pc:docMk/>
-            <pc:sldMk cId="2985976228" sldId="286"/>
-            <ac:spMk id="5" creationId="{B7A8CE03-6A77-60EC-056E-D7A0019640A3}"/>
-          </ac:spMkLst>
-        </pc:spChg>
-        <pc:spChg chg="add del mod">
-          <ac:chgData name="Scruel Tao" userId="5ea5c98d59b44d4b" providerId="LiveId" clId="{87D85EC6-ED1F-4281-828A-5E21384E7B80}" dt="2023-05-06T20:27:41.219" v="5353" actId="478"/>
-          <ac:spMkLst>
-            <pc:docMk/>
-            <pc:sldMk cId="2985976228" sldId="286"/>
-            <ac:spMk id="6" creationId="{ECC29EB7-B9A7-BB52-182B-B848DAFCC6AF}"/>
-          </ac:spMkLst>
-        </pc:spChg>
-        <pc:spChg chg="mod">
-          <ac:chgData name="Scruel Tao" userId="5ea5c98d59b44d4b" providerId="LiveId" clId="{87D85EC6-ED1F-4281-828A-5E21384E7B80}" dt="2023-05-06T20:29:29.055" v="5363" actId="207"/>
-          <ac:spMkLst>
-            <pc:docMk/>
-            <pc:sldMk cId="2985976228" sldId="286"/>
-            <ac:spMk id="7" creationId="{12C899D8-51C5-D9B7-A323-E6EFE4AB5C33}"/>
-          </ac:spMkLst>
-        </pc:spChg>
-      </pc:sldChg>
-      <pc:sldChg chg="modSp add mod modTransition modAnim">
-        <pc:chgData name="Scruel Tao" userId="5ea5c98d59b44d4b" providerId="LiveId" clId="{87D85EC6-ED1F-4281-828A-5E21384E7B80}" dt="2023-05-06T20:29:03.908" v="5360" actId="207"/>
-        <pc:sldMkLst>
-          <pc:docMk/>
-          <pc:sldMk cId="2223509498" sldId="287"/>
-        </pc:sldMkLst>
-        <pc:spChg chg="mod">
-          <ac:chgData name="Scruel Tao" userId="5ea5c98d59b44d4b" providerId="LiveId" clId="{87D85EC6-ED1F-4281-828A-5E21384E7B80}" dt="2023-05-01T09:16:37.834" v="3369" actId="20577"/>
-          <ac:spMkLst>
-            <pc:docMk/>
-            <pc:sldMk cId="2223509498" sldId="287"/>
-            <ac:spMk id="2" creationId="{BAD162F0-2175-84E9-2387-55F669162449}"/>
-          </ac:spMkLst>
-        </pc:spChg>
-        <pc:spChg chg="mod">
-          <ac:chgData name="Scruel Tao" userId="5ea5c98d59b44d4b" providerId="LiveId" clId="{87D85EC6-ED1F-4281-828A-5E21384E7B80}" dt="2023-05-03T02:38:56.270" v="4689" actId="5793"/>
-          <ac:spMkLst>
-            <pc:docMk/>
-            <pc:sldMk cId="2223509498" sldId="287"/>
-            <ac:spMk id="3" creationId="{0E2FC508-1AFD-A957-52F2-FA1DEF2A9D27}"/>
-          </ac:spMkLst>
-        </pc:spChg>
-        <pc:spChg chg="mod">
-          <ac:chgData name="Scruel Tao" userId="5ea5c98d59b44d4b" providerId="LiveId" clId="{87D85EC6-ED1F-4281-828A-5E21384E7B80}" dt="2023-04-30T12:34:40.374" v="3249" actId="14100"/>
-          <ac:spMkLst>
-            <pc:docMk/>
-            <pc:sldMk cId="2223509498" sldId="287"/>
-            <ac:spMk id="5" creationId="{B7A8CE03-6A77-60EC-056E-D7A0019640A3}"/>
-          </ac:spMkLst>
-        </pc:spChg>
-        <pc:spChg chg="mod">
-          <ac:chgData name="Scruel Tao" userId="5ea5c98d59b44d4b" providerId="LiveId" clId="{87D85EC6-ED1F-4281-828A-5E21384E7B80}" dt="2023-05-06T20:29:03.908" v="5360" actId="207"/>
-          <ac:spMkLst>
-            <pc:docMk/>
-            <pc:sldMk cId="2223509498" sldId="287"/>
-            <ac:spMk id="7" creationId="{12C899D8-51C5-D9B7-A323-E6EFE4AB5C33}"/>
-          </ac:spMkLst>
-        </pc:spChg>
-      </pc:sldChg>
-      <pc:sldChg chg="addSp delSp modSp add mod modTransition delAnim modAnim modNotesTx">
-        <pc:chgData name="Scruel Tao" userId="5ea5c98d59b44d4b" providerId="LiveId" clId="{87D85EC6-ED1F-4281-828A-5E21384E7B80}" dt="2023-05-05T14:22:08.010" v="4973"/>
-        <pc:sldMkLst>
-          <pc:docMk/>
-          <pc:sldMk cId="1378813932" sldId="288"/>
-        </pc:sldMkLst>
-        <pc:spChg chg="mod">
-          <ac:chgData name="Scruel Tao" userId="5ea5c98d59b44d4b" providerId="LiveId" clId="{87D85EC6-ED1F-4281-828A-5E21384E7B80}" dt="2023-05-01T09:16:34.691" v="3368" actId="20577"/>
-          <ac:spMkLst>
-            <pc:docMk/>
-            <pc:sldMk cId="1378813932" sldId="288"/>
-            <ac:spMk id="2" creationId="{BAD162F0-2175-84E9-2387-55F669162449}"/>
-          </ac:spMkLst>
-        </pc:spChg>
-        <pc:spChg chg="mod">
-          <ac:chgData name="Scruel Tao" userId="5ea5c98d59b44d4b" providerId="LiveId" clId="{87D85EC6-ED1F-4281-828A-5E21384E7B80}" dt="2023-05-03T02:38:57.846" v="4690" actId="5793"/>
-          <ac:spMkLst>
-            <pc:docMk/>
-            <pc:sldMk cId="1378813932" sldId="288"/>
-            <ac:spMk id="3" creationId="{0E2FC508-1AFD-A957-52F2-FA1DEF2A9D27}"/>
-          </ac:spMkLst>
-        </pc:spChg>
-        <pc:spChg chg="add del mod">
-          <ac:chgData name="Scruel Tao" userId="5ea5c98d59b44d4b" providerId="LiveId" clId="{87D85EC6-ED1F-4281-828A-5E21384E7B80}" dt="2023-05-01T12:55:14.039" v="3421" actId="21"/>
-          <ac:spMkLst>
-            <pc:docMk/>
-            <pc:sldMk cId="1378813932" sldId="288"/>
-            <ac:spMk id="4" creationId="{FAC60C5D-6DE7-524C-75EE-4A854C6F54BA}"/>
-          </ac:spMkLst>
-        </pc:spChg>
-        <pc:spChg chg="mod">
-          <ac:chgData name="Scruel Tao" userId="5ea5c98d59b44d4b" providerId="LiveId" clId="{87D85EC6-ED1F-4281-828A-5E21384E7B80}" dt="2023-05-01T12:56:36.765" v="3460" actId="20577"/>
-          <ac:spMkLst>
-            <pc:docMk/>
-            <pc:sldMk cId="1378813932" sldId="288"/>
-            <ac:spMk id="5" creationId="{B7A8CE03-6A77-60EC-056E-D7A0019640A3}"/>
-          </ac:spMkLst>
-        </pc:spChg>
-        <pc:spChg chg="add mod">
-          <ac:chgData name="Scruel Tao" userId="5ea5c98d59b44d4b" providerId="LiveId" clId="{87D85EC6-ED1F-4281-828A-5E21384E7B80}" dt="2023-05-01T12:55:25.622" v="3423" actId="1076"/>
-          <ac:spMkLst>
-            <pc:docMk/>
-            <pc:sldMk cId="1378813932" sldId="288"/>
-            <ac:spMk id="6" creationId="{D10247A5-3317-930B-8148-43C0F038446E}"/>
-          </ac:spMkLst>
-        </pc:spChg>
-        <pc:spChg chg="mod">
-          <ac:chgData name="Scruel Tao" userId="5ea5c98d59b44d4b" providerId="LiveId" clId="{87D85EC6-ED1F-4281-828A-5E21384E7B80}" dt="2023-05-01T13:03:21.510" v="3811" actId="1036"/>
-          <ac:spMkLst>
-            <pc:docMk/>
-            <pc:sldMk cId="1378813932" sldId="288"/>
-            <ac:spMk id="7" creationId="{12C899D8-51C5-D9B7-A323-E6EFE4AB5C33}"/>
-          </ac:spMkLst>
-        </pc:spChg>
-        <pc:spChg chg="add mod">
-          <ac:chgData name="Scruel Tao" userId="5ea5c98d59b44d4b" providerId="LiveId" clId="{87D85EC6-ED1F-4281-828A-5E21384E7B80}" dt="2023-05-01T12:55:47.364" v="3434" actId="20577"/>
-          <ac:spMkLst>
-            <pc:docMk/>
-            <pc:sldMk cId="1378813932" sldId="288"/>
-            <ac:spMk id="8" creationId="{F5C45605-11BE-5147-06BC-62CBC00A19CD}"/>
-          </ac:spMkLst>
-        </pc:spChg>
-        <pc:spChg chg="add mod">
-          <ac:chgData name="Scruel Tao" userId="5ea5c98d59b44d4b" providerId="LiveId" clId="{87D85EC6-ED1F-4281-828A-5E21384E7B80}" dt="2023-05-01T13:05:36.852" v="3875" actId="1076"/>
-          <ac:spMkLst>
-            <pc:docMk/>
-            <pc:sldMk cId="1378813932" sldId="288"/>
-            <ac:spMk id="9" creationId="{C4B046A6-1809-B5C3-DA0E-88EBC93E021E}"/>
-          </ac:spMkLst>
-        </pc:spChg>
-        <pc:spChg chg="add del mod">
-          <ac:chgData name="Scruel Tao" userId="5ea5c98d59b44d4b" providerId="LiveId" clId="{87D85EC6-ED1F-4281-828A-5E21384E7B80}" dt="2023-05-01T13:03:23.607" v="3812" actId="478"/>
-          <ac:spMkLst>
-            <pc:docMk/>
-            <pc:sldMk cId="1378813932" sldId="288"/>
-            <ac:spMk id="10" creationId="{7571DA22-AA61-94BD-E7F5-DE9B643A418A}"/>
-          </ac:spMkLst>
-        </pc:spChg>
-        <pc:spChg chg="add mod">
-          <ac:chgData name="Scruel Tao" userId="5ea5c98d59b44d4b" providerId="LiveId" clId="{87D85EC6-ED1F-4281-828A-5E21384E7B80}" dt="2023-05-01T13:05:44.336" v="3876" actId="1076"/>
-          <ac:spMkLst>
-            <pc:docMk/>
-            <pc:sldMk cId="1378813932" sldId="288"/>
-            <ac:spMk id="11" creationId="{7DA6F15F-D727-8E5C-A1AE-E852151D15A0}"/>
-          </ac:spMkLst>
-        </pc:spChg>
-        <pc:spChg chg="add del mod">
-          <ac:chgData name="Scruel Tao" userId="5ea5c98d59b44d4b" providerId="LiveId" clId="{87D85EC6-ED1F-4281-828A-5E21384E7B80}" dt="2023-05-01T13:10:34.383" v="4075" actId="21"/>
-          <ac:spMkLst>
-            <pc:docMk/>
-            <pc:sldMk cId="1378813932" sldId="288"/>
-            <ac:spMk id="12" creationId="{F2EF9282-0F10-9385-A0D3-7ACFE16EBE77}"/>
-          </ac:spMkLst>
-        </pc:spChg>
-        <pc:spChg chg="add mod">
-          <ac:chgData name="Scruel Tao" userId="5ea5c98d59b44d4b" providerId="LiveId" clId="{87D85EC6-ED1F-4281-828A-5E21384E7B80}" dt="2023-05-01T13:10:30.735" v="4074" actId="1076"/>
-          <ac:spMkLst>
-            <pc:docMk/>
-            <pc:sldMk cId="1378813932" sldId="288"/>
-            <ac:spMk id="13" creationId="{0982F89E-52C1-2D50-65CD-120C1B818505}"/>
-          </ac:spMkLst>
-        </pc:spChg>
-        <pc:spChg chg="add mod">
-          <ac:chgData name="Scruel Tao" userId="5ea5c98d59b44d4b" providerId="LiveId" clId="{87D85EC6-ED1F-4281-828A-5E21384E7B80}" dt="2023-05-01T13:10:30.735" v="4074" actId="1076"/>
-          <ac:spMkLst>
-            <pc:docMk/>
-            <pc:sldMk cId="1378813932" sldId="288"/>
-            <ac:spMk id="14" creationId="{82DC6089-160C-0754-8043-B31217338C65}"/>
-          </ac:spMkLst>
-        </pc:spChg>
-        <pc:spChg chg="add mod">
-          <ac:chgData name="Scruel Tao" userId="5ea5c98d59b44d4b" providerId="LiveId" clId="{87D85EC6-ED1F-4281-828A-5E21384E7B80}" dt="2023-05-01T13:10:30.735" v="4074" actId="1076"/>
-          <ac:spMkLst>
-            <pc:docMk/>
-            <pc:sldMk cId="1378813932" sldId="288"/>
-            <ac:spMk id="15" creationId="{CBA67071-1327-0593-DE6F-B54DDC0C4E82}"/>
-          </ac:spMkLst>
-        </pc:spChg>
-      </pc:sldChg>
-      <pc:sldChg chg="addSp modSp add mod modTransition modAnim modNotesTx">
-        <pc:chgData name="Scruel Tao" userId="5ea5c98d59b44d4b" providerId="LiveId" clId="{87D85EC6-ED1F-4281-828A-5E21384E7B80}" dt="2023-05-06T09:58:40.018" v="5299" actId="20577"/>
-        <pc:sldMkLst>
-          <pc:docMk/>
-          <pc:sldMk cId="3738261171" sldId="289"/>
-        </pc:sldMkLst>
-        <pc:spChg chg="mod">
-          <ac:chgData name="Scruel Tao" userId="5ea5c98d59b44d4b" providerId="LiveId" clId="{87D85EC6-ED1F-4281-828A-5E21384E7B80}" dt="2023-05-01T09:16:19.269" v="3367" actId="20577"/>
-          <ac:spMkLst>
-            <pc:docMk/>
-            <pc:sldMk cId="3738261171" sldId="289"/>
-            <ac:spMk id="2" creationId="{BAD162F0-2175-84E9-2387-55F669162449}"/>
-          </ac:spMkLst>
-        </pc:spChg>
-        <pc:spChg chg="mod">
-          <ac:chgData name="Scruel Tao" userId="5ea5c98d59b44d4b" providerId="LiveId" clId="{87D85EC6-ED1F-4281-828A-5E21384E7B80}" dt="2023-05-03T03:50:19.443" v="4890" actId="20577"/>
-          <ac:spMkLst>
-            <pc:docMk/>
-            <pc:sldMk cId="3738261171" sldId="289"/>
-            <ac:spMk id="3" creationId="{0E2FC508-1AFD-A957-52F2-FA1DEF2A9D27}"/>
-          </ac:spMkLst>
-        </pc:spChg>
-        <pc:spChg chg="add mod">
-          <ac:chgData name="Scruel Tao" userId="5ea5c98d59b44d4b" providerId="LiveId" clId="{87D85EC6-ED1F-4281-828A-5E21384E7B80}" dt="2023-05-03T02:55:51.015" v="4796" actId="20577"/>
-          <ac:spMkLst>
-            <pc:docMk/>
-            <pc:sldMk cId="3738261171" sldId="289"/>
-            <ac:spMk id="4" creationId="{09BEBA64-61AC-3B88-7928-25F7D12F8233}"/>
-          </ac:spMkLst>
-        </pc:spChg>
-        <pc:spChg chg="mod">
-          <ac:chgData name="Scruel Tao" userId="5ea5c98d59b44d4b" providerId="LiveId" clId="{87D85EC6-ED1F-4281-828A-5E21384E7B80}" dt="2023-04-26T04:15:40.193" v="1576" actId="1036"/>
-          <ac:spMkLst>
-            <pc:docMk/>
-            <pc:sldMk cId="3738261171" sldId="289"/>
-            <ac:spMk id="5" creationId="{B7A8CE03-6A77-60EC-056E-D7A0019640A3}"/>
-          </ac:spMkLst>
-        </pc:spChg>
-        <pc:spChg chg="mod">
-          <ac:chgData name="Scruel Tao" userId="5ea5c98d59b44d4b" providerId="LiveId" clId="{87D85EC6-ED1F-4281-828A-5E21384E7B80}" dt="2023-05-01T02:16:06.787" v="3336" actId="113"/>
-          <ac:spMkLst>
-            <pc:docMk/>
-            <pc:sldMk cId="3738261171" sldId="289"/>
-            <ac:spMk id="7" creationId="{12C899D8-51C5-D9B7-A323-E6EFE4AB5C33}"/>
-          </ac:spMkLst>
-        </pc:spChg>
-      </pc:sldChg>
-      <pc:sldChg chg="addSp delSp modSp add mod modTransition delAnim modAnim modNotesTx">
-        <pc:chgData name="Scruel Tao" userId="5ea5c98d59b44d4b" providerId="LiveId" clId="{87D85EC6-ED1F-4281-828A-5E21384E7B80}" dt="2023-05-05T16:34:31.200" v="5050"/>
-        <pc:sldMkLst>
-          <pc:docMk/>
-          <pc:sldMk cId="3604496744" sldId="290"/>
-        </pc:sldMkLst>
-        <pc:spChg chg="mod">
-          <ac:chgData name="Scruel Tao" userId="5ea5c98d59b44d4b" providerId="LiveId" clId="{87D85EC6-ED1F-4281-828A-5E21384E7B80}" dt="2023-04-26T04:16:17.754" v="1619" actId="20577"/>
-          <ac:spMkLst>
-            <pc:docMk/>
-            <pc:sldMk cId="3604496744" sldId="290"/>
-            <ac:spMk id="2" creationId="{BAD162F0-2175-84E9-2387-55F669162449}"/>
-          </ac:spMkLst>
-        </pc:spChg>
-        <pc:spChg chg="mod">
-          <ac:chgData name="Scruel Tao" userId="5ea5c98d59b44d4b" providerId="LiveId" clId="{87D85EC6-ED1F-4281-828A-5E21384E7B80}" dt="2023-05-05T16:33:15.842" v="5035" actId="20577"/>
-          <ac:spMkLst>
-            <pc:docMk/>
-            <pc:sldMk cId="3604496744" sldId="290"/>
-            <ac:spMk id="3" creationId="{0E2FC508-1AFD-A957-52F2-FA1DEF2A9D27}"/>
-          </ac:spMkLst>
-        </pc:spChg>
-        <pc:spChg chg="add mod">
-          <ac:chgData name="Scruel Tao" userId="5ea5c98d59b44d4b" providerId="LiveId" clId="{87D85EC6-ED1F-4281-828A-5E21384E7B80}" dt="2023-05-01T13:07:57.009" v="3882" actId="1036"/>
-          <ac:spMkLst>
-            <pc:docMk/>
-            <pc:sldMk cId="3604496744" sldId="290"/>
-            <ac:spMk id="4" creationId="{738B1093-D644-D5DD-D6B6-0687FAB1A356}"/>
-          </ac:spMkLst>
-        </pc:spChg>
-        <pc:spChg chg="mod">
-          <ac:chgData name="Scruel Tao" userId="5ea5c98d59b44d4b" providerId="LiveId" clId="{87D85EC6-ED1F-4281-828A-5E21384E7B80}" dt="2023-04-26T04:21:55.643" v="1911" actId="1076"/>
-          <ac:spMkLst>
-            <pc:docMk/>
-            <pc:sldMk cId="3604496744" sldId="290"/>
-            <ac:spMk id="5" creationId="{B7A8CE03-6A77-60EC-056E-D7A0019640A3}"/>
-          </ac:spMkLst>
-        </pc:spChg>
-        <pc:spChg chg="add mod">
-          <ac:chgData name="Scruel Tao" userId="5ea5c98d59b44d4b" providerId="LiveId" clId="{87D85EC6-ED1F-4281-828A-5E21384E7B80}" dt="2023-05-01T13:08:38.542" v="3890" actId="20577"/>
-          <ac:spMkLst>
-            <pc:docMk/>
-            <pc:sldMk cId="3604496744" sldId="290"/>
-            <ac:spMk id="6" creationId="{88B993ED-952B-0702-DBCE-6B79D82BE8CF}"/>
-          </ac:spMkLst>
-        </pc:spChg>
-        <pc:spChg chg="mod">
-          <ac:chgData name="Scruel Tao" userId="5ea5c98d59b44d4b" providerId="LiveId" clId="{87D85EC6-ED1F-4281-828A-5E21384E7B80}" dt="2023-04-30T13:02:01.382" v="3280" actId="113"/>
-          <ac:spMkLst>
-            <pc:docMk/>
-            <pc:sldMk cId="3604496744" sldId="290"/>
-            <ac:spMk id="7" creationId="{12C899D8-51C5-D9B7-A323-E6EFE4AB5C33}"/>
-          </ac:spMkLst>
-        </pc:spChg>
-        <pc:spChg chg="add mod">
-          <ac:chgData name="Scruel Tao" userId="5ea5c98d59b44d4b" providerId="LiveId" clId="{87D85EC6-ED1F-4281-828A-5E21384E7B80}" dt="2023-05-01T13:08:48.514" v="3894" actId="20577"/>
-          <ac:spMkLst>
-            <pc:docMk/>
-            <pc:sldMk cId="3604496744" sldId="290"/>
-            <ac:spMk id="8" creationId="{AF38F498-A88F-4CEF-9D07-B545E00965E2}"/>
-          </ac:spMkLst>
-        </pc:spChg>
-        <pc:spChg chg="add del mod">
-          <ac:chgData name="Scruel Tao" userId="5ea5c98d59b44d4b" providerId="LiveId" clId="{87D85EC6-ED1F-4281-828A-5E21384E7B80}" dt="2023-05-01T13:09:04.278" v="3901" actId="21"/>
-          <ac:spMkLst>
-            <pc:docMk/>
-            <pc:sldMk cId="3604496744" sldId="290"/>
-            <ac:spMk id="9" creationId="{7220FD58-FA0A-B11E-7C90-0939ECA259C8}"/>
-          </ac:spMkLst>
-        </pc:spChg>
-        <pc:spChg chg="add mod">
-          <ac:chgData name="Scruel Tao" userId="5ea5c98d59b44d4b" providerId="LiveId" clId="{87D85EC6-ED1F-4281-828A-5E21384E7B80}" dt="2023-05-01T13:09:01.832" v="3900" actId="20577"/>
-          <ac:spMkLst>
-            <pc:docMk/>
-            <pc:sldMk cId="3604496744" sldId="290"/>
-            <ac:spMk id="10" creationId="{E6D50B9A-9AF9-BBE2-08DA-DB1EABF05FB9}"/>
-          </ac:spMkLst>
-        </pc:spChg>
-        <pc:spChg chg="add mod">
-          <ac:chgData name="Scruel Tao" userId="5ea5c98d59b44d4b" providerId="LiveId" clId="{87D85EC6-ED1F-4281-828A-5E21384E7B80}" dt="2023-05-01T13:10:59.335" v="4083" actId="1076"/>
-          <ac:spMkLst>
-            <pc:docMk/>
-            <pc:sldMk cId="3604496744" sldId="290"/>
-            <ac:spMk id="11" creationId="{A654B103-5A4A-A65F-2385-4A8960C5AB23}"/>
-          </ac:spMkLst>
-        </pc:spChg>
-        <pc:spChg chg="add mod">
-          <ac:chgData name="Scruel Tao" userId="5ea5c98d59b44d4b" providerId="LiveId" clId="{87D85EC6-ED1F-4281-828A-5E21384E7B80}" dt="2023-05-01T13:11:09.324" v="4088" actId="1035"/>
-          <ac:spMkLst>
-            <pc:docMk/>
-            <pc:sldMk cId="3604496744" sldId="290"/>
-            <ac:spMk id="12" creationId="{7ED3E9E7-EAD4-66F9-92E9-80158662BC59}"/>
-          </ac:spMkLst>
-        </pc:spChg>
-        <pc:spChg chg="add mod">
-          <ac:chgData name="Scruel Tao" userId="5ea5c98d59b44d4b" providerId="LiveId" clId="{87D85EC6-ED1F-4281-828A-5E21384E7B80}" dt="2023-05-01T13:11:03.588" v="4084" actId="1076"/>
-          <ac:spMkLst>
-            <pc:docMk/>
-            <pc:sldMk cId="3604496744" sldId="290"/>
-            <ac:spMk id="13" creationId="{E4803AA2-19E7-88F1-773F-9FCD0DD33C43}"/>
-          </ac:spMkLst>
-        </pc:spChg>
-        <pc:spChg chg="add mod">
-          <ac:chgData name="Scruel Tao" userId="5ea5c98d59b44d4b" providerId="LiveId" clId="{87D85EC6-ED1F-4281-828A-5E21384E7B80}" dt="2023-05-01T13:11:18.529" v="4091" actId="1076"/>
-          <ac:spMkLst>
-            <pc:docMk/>
-            <pc:sldMk cId="3604496744" sldId="290"/>
-            <ac:spMk id="14" creationId="{8D48A7F6-6A9A-C789-F92B-C4323EE3D64C}"/>
-          </ac:spMkLst>
-        </pc:spChg>
-        <pc:spChg chg="add del mod">
-          <ac:chgData name="Scruel Tao" userId="5ea5c98d59b44d4b" providerId="LiveId" clId="{87D85EC6-ED1F-4281-828A-5E21384E7B80}" dt="2023-05-01T13:11:14.222" v="4090"/>
-          <ac:spMkLst>
-            <pc:docMk/>
-            <pc:sldMk cId="3604496744" sldId="290"/>
-            <ac:spMk id="15" creationId="{9667CC33-17A7-EEF6-38A5-F2F36BB17970}"/>
-          </ac:spMkLst>
-        </pc:spChg>
-      </pc:sldChg>
-      <pc:sldChg chg="addSp modSp add mod modTransition modAnim">
-        <pc:chgData name="Scruel Tao" userId="5ea5c98d59b44d4b" providerId="LiveId" clId="{87D85EC6-ED1F-4281-828A-5E21384E7B80}" dt="2023-05-05T14:22:08.010" v="4973"/>
-        <pc:sldMkLst>
-          <pc:docMk/>
-          <pc:sldMk cId="1171829121" sldId="291"/>
-        </pc:sldMkLst>
-        <pc:spChg chg="mod">
-          <ac:chgData name="Scruel Tao" userId="5ea5c98d59b44d4b" providerId="LiveId" clId="{87D85EC6-ED1F-4281-828A-5E21384E7B80}" dt="2023-04-26T04:16:32.995" v="1661" actId="20577"/>
-          <ac:spMkLst>
-            <pc:docMk/>
-            <pc:sldMk cId="1171829121" sldId="291"/>
-            <ac:spMk id="2" creationId="{BAD162F0-2175-84E9-2387-55F669162449}"/>
-          </ac:spMkLst>
-        </pc:spChg>
-        <pc:spChg chg="mod">
-          <ac:chgData name="Scruel Tao" userId="5ea5c98d59b44d4b" providerId="LiveId" clId="{87D85EC6-ED1F-4281-828A-5E21384E7B80}" dt="2023-05-03T02:39:06.288" v="4694" actId="5793"/>
-          <ac:spMkLst>
-            <pc:docMk/>
-            <pc:sldMk cId="1171829121" sldId="291"/>
-            <ac:spMk id="3" creationId="{0E2FC508-1AFD-A957-52F2-FA1DEF2A9D27}"/>
-          </ac:spMkLst>
-        </pc:spChg>
-        <pc:spChg chg="mod">
-          <ac:chgData name="Scruel Tao" userId="5ea5c98d59b44d4b" providerId="LiveId" clId="{87D85EC6-ED1F-4281-828A-5E21384E7B80}" dt="2023-04-30T12:35:53.798" v="3263" actId="1076"/>
-          <ac:spMkLst>
-            <pc:docMk/>
-            <pc:sldMk cId="1171829121" sldId="291"/>
-            <ac:spMk id="5" creationId="{B7A8CE03-6A77-60EC-056E-D7A0019640A3}"/>
-          </ac:spMkLst>
-        </pc:spChg>
-        <pc:spChg chg="add mod">
-          <ac:chgData name="Scruel Tao" userId="5ea5c98d59b44d4b" providerId="LiveId" clId="{87D85EC6-ED1F-4281-828A-5E21384E7B80}" dt="2023-05-03T02:21:47.910" v="4681" actId="2711"/>
-          <ac:spMkLst>
-            <pc:docMk/>
-            <pc:sldMk cId="1171829121" sldId="291"/>
-            <ac:spMk id="6" creationId="{5357301F-961E-CB74-E220-38F7E7794570}"/>
-          </ac:spMkLst>
-        </pc:spChg>
-        <pc:spChg chg="mod">
-          <ac:chgData name="Scruel Tao" userId="5ea5c98d59b44d4b" providerId="LiveId" clId="{87D85EC6-ED1F-4281-828A-5E21384E7B80}" dt="2023-04-30T12:35:51.615" v="3262" actId="1076"/>
-          <ac:spMkLst>
-            <pc:docMk/>
-            <pc:sldMk cId="1171829121" sldId="291"/>
-            <ac:spMk id="7" creationId="{12C899D8-51C5-D9B7-A323-E6EFE4AB5C33}"/>
-          </ac:spMkLst>
-        </pc:spChg>
-      </pc:sldChg>
-      <pc:sldChg chg="addSp delSp modSp add mod modTransition delAnim modAnim modNotesTx">
-        <pc:chgData name="Scruel Tao" userId="5ea5c98d59b44d4b" providerId="LiveId" clId="{87D85EC6-ED1F-4281-828A-5E21384E7B80}" dt="2023-05-05T14:22:08.010" v="4973"/>
-        <pc:sldMkLst>
-          <pc:docMk/>
-          <pc:sldMk cId="4205064627" sldId="292"/>
-        </pc:sldMkLst>
-        <pc:spChg chg="mod">
-          <ac:chgData name="Scruel Tao" userId="5ea5c98d59b44d4b" providerId="LiveId" clId="{87D85EC6-ED1F-4281-828A-5E21384E7B80}" dt="2023-04-26T04:16:47.745" v="1682" actId="20577"/>
-          <ac:spMkLst>
-            <pc:docMk/>
-            <pc:sldMk cId="4205064627" sldId="292"/>
-            <ac:spMk id="2" creationId="{BAD162F0-2175-84E9-2387-55F669162449}"/>
-          </ac:spMkLst>
-        </pc:spChg>
-        <pc:spChg chg="mod">
-          <ac:chgData name="Scruel Tao" userId="5ea5c98d59b44d4b" providerId="LiveId" clId="{87D85EC6-ED1F-4281-828A-5E21384E7B80}" dt="2023-05-03T03:52:23.312" v="4950" actId="2711"/>
-          <ac:spMkLst>
-            <pc:docMk/>
-            <pc:sldMk cId="4205064627" sldId="292"/>
-            <ac:spMk id="3" creationId="{0E2FC508-1AFD-A957-52F2-FA1DEF2A9D27}"/>
-          </ac:spMkLst>
-        </pc:spChg>
-        <pc:spChg chg="add del mod">
-          <ac:chgData name="Scruel Tao" userId="5ea5c98d59b44d4b" providerId="LiveId" clId="{87D85EC6-ED1F-4281-828A-5E21384E7B80}" dt="2023-04-26T04:30:09.298" v="2357" actId="478"/>
-          <ac:spMkLst>
-            <pc:docMk/>
-            <pc:sldMk cId="4205064627" sldId="292"/>
-            <ac:spMk id="4" creationId="{0384BA5E-BC8C-4F00-A1C4-7E75883F54DC}"/>
-          </ac:spMkLst>
-        </pc:spChg>
-        <pc:spChg chg="mod">
-          <ac:chgData name="Scruel Tao" userId="5ea5c98d59b44d4b" providerId="LiveId" clId="{87D85EC6-ED1F-4281-828A-5E21384E7B80}" dt="2023-04-26T04:26:17.983" v="2071" actId="1076"/>
-          <ac:spMkLst>
-            <pc:docMk/>
-            <pc:sldMk cId="4205064627" sldId="292"/>
-            <ac:spMk id="5" creationId="{B7A8CE03-6A77-60EC-056E-D7A0019640A3}"/>
-          </ac:spMkLst>
-        </pc:spChg>
-        <pc:spChg chg="mod">
-          <ac:chgData name="Scruel Tao" userId="5ea5c98d59b44d4b" providerId="LiveId" clId="{87D85EC6-ED1F-4281-828A-5E21384E7B80}" dt="2023-05-03T02:56:30.414" v="4801" actId="1076"/>
-          <ac:spMkLst>
-            <pc:docMk/>
-            <pc:sldMk cId="4205064627" sldId="292"/>
-            <ac:spMk id="7" creationId="{12C899D8-51C5-D9B7-A323-E6EFE4AB5C33}"/>
-          </ac:spMkLst>
-        </pc:spChg>
-        <pc:spChg chg="add mod">
-          <ac:chgData name="Scruel Tao" userId="5ea5c98d59b44d4b" providerId="LiveId" clId="{87D85EC6-ED1F-4281-828A-5E21384E7B80}" dt="2023-05-03T02:21:54.860" v="4682" actId="2711"/>
-          <ac:spMkLst>
-            <pc:docMk/>
-            <pc:sldMk cId="4205064627" sldId="292"/>
-            <ac:spMk id="10" creationId="{F2C61292-C342-5CCF-E6BA-BC9C2045D4DB}"/>
-          </ac:spMkLst>
-        </pc:spChg>
-        <pc:picChg chg="add del mod">
-          <ac:chgData name="Scruel Tao" userId="5ea5c98d59b44d4b" providerId="LiveId" clId="{87D85EC6-ED1F-4281-828A-5E21384E7B80}" dt="2023-04-26T04:30:10.072" v="2358" actId="478"/>
-          <ac:picMkLst>
-            <pc:docMk/>
-            <pc:sldMk cId="4205064627" sldId="292"/>
-            <ac:picMk id="8" creationId="{F7FD3FBF-8547-5AAA-DDF0-16E08AB20D8D}"/>
-          </ac:picMkLst>
-        </pc:picChg>
-      </pc:sldChg>
-      <pc:sldChg chg="addSp modSp add mod modTransition modAnim">
-        <pc:chgData name="Scruel Tao" userId="5ea5c98d59b44d4b" providerId="LiveId" clId="{87D85EC6-ED1F-4281-828A-5E21384E7B80}" dt="2023-05-05T14:22:08.010" v="4973"/>
-        <pc:sldMkLst>
-          <pc:docMk/>
-          <pc:sldMk cId="2748658712" sldId="293"/>
-        </pc:sldMkLst>
-        <pc:spChg chg="mod">
-          <ac:chgData name="Scruel Tao" userId="5ea5c98d59b44d4b" providerId="LiveId" clId="{87D85EC6-ED1F-4281-828A-5E21384E7B80}" dt="2023-04-26T04:17:18.461" v="1716" actId="20577"/>
-          <ac:spMkLst>
-            <pc:docMk/>
-            <pc:sldMk cId="2748658712" sldId="293"/>
-            <ac:spMk id="2" creationId="{BAD162F0-2175-84E9-2387-55F669162449}"/>
-          </ac:spMkLst>
-        </pc:spChg>
-        <pc:spChg chg="mod">
-          <ac:chgData name="Scruel Tao" userId="5ea5c98d59b44d4b" providerId="LiveId" clId="{87D85EC6-ED1F-4281-828A-5E21384E7B80}" dt="2023-05-03T02:39:15.554" v="4696" actId="5793"/>
-          <ac:spMkLst>
-            <pc:docMk/>
-            <pc:sldMk cId="2748658712" sldId="293"/>
-            <ac:spMk id="3" creationId="{0E2FC508-1AFD-A957-52F2-FA1DEF2A9D27}"/>
-          </ac:spMkLst>
-        </pc:spChg>
-        <pc:spChg chg="add mod">
-          <ac:chgData name="Scruel Tao" userId="5ea5c98d59b44d4b" providerId="LiveId" clId="{87D85EC6-ED1F-4281-828A-5E21384E7B80}" dt="2023-05-03T02:22:05.979" v="4683" actId="2711"/>
-          <ac:spMkLst>
-            <pc:docMk/>
-            <pc:sldMk cId="2748658712" sldId="293"/>
-            <ac:spMk id="4" creationId="{F0C251C7-4C7B-3236-48AF-E1BBF0BBDCCA}"/>
-          </ac:spMkLst>
-        </pc:spChg>
-        <pc:spChg chg="mod">
-          <ac:chgData name="Scruel Tao" userId="5ea5c98d59b44d4b" providerId="LiveId" clId="{87D85EC6-ED1F-4281-828A-5E21384E7B80}" dt="2023-05-03T12:47:41.093" v="4960" actId="207"/>
-          <ac:spMkLst>
-            <pc:docMk/>
-            <pc:sldMk cId="2748658712" sldId="293"/>
-            <ac:spMk id="5" creationId="{B7A8CE03-6A77-60EC-056E-D7A0019640A3}"/>
-          </ac:spMkLst>
-        </pc:spChg>
-        <pc:spChg chg="mod">
-          <ac:chgData name="Scruel Tao" userId="5ea5c98d59b44d4b" providerId="LiveId" clId="{87D85EC6-ED1F-4281-828A-5E21384E7B80}" dt="2023-04-30T12:38:49.922" v="3277" actId="14100"/>
-          <ac:spMkLst>
-            <pc:docMk/>
-            <pc:sldMk cId="2748658712" sldId="293"/>
-            <ac:spMk id="7" creationId="{12C899D8-51C5-D9B7-A323-E6EFE4AB5C33}"/>
-          </ac:spMkLst>
-        </pc:spChg>
-      </pc:sldChg>
-      <pc:sldChg chg="addSp delSp modSp add mod modTransition delAnim modAnim modNotesTx">
-        <pc:chgData name="Scruel Tao" userId="5ea5c98d59b44d4b" providerId="LiveId" clId="{87D85EC6-ED1F-4281-828A-5E21384E7B80}" dt="2023-06-02T17:22:55.040" v="5596" actId="20577"/>
-        <pc:sldMkLst>
-          <pc:docMk/>
-          <pc:sldMk cId="4256083853" sldId="294"/>
-        </pc:sldMkLst>
-        <pc:spChg chg="mod">
-          <ac:chgData name="Scruel Tao" userId="5ea5c98d59b44d4b" providerId="LiveId" clId="{87D85EC6-ED1F-4281-828A-5E21384E7B80}" dt="2023-05-03T02:39:13.101" v="4695" actId="5793"/>
-          <ac:spMkLst>
-            <pc:docMk/>
-            <pc:sldMk cId="4256083853" sldId="294"/>
-            <ac:spMk id="3" creationId="{0E2FC508-1AFD-A957-52F2-FA1DEF2A9D27}"/>
-          </ac:spMkLst>
-        </pc:spChg>
-        <pc:spChg chg="del mod">
-          <ac:chgData name="Scruel Tao" userId="5ea5c98d59b44d4b" providerId="LiveId" clId="{87D85EC6-ED1F-4281-828A-5E21384E7B80}" dt="2023-04-26T04:30:46.971" v="2366" actId="478"/>
-          <ac:spMkLst>
-            <pc:docMk/>
-            <pc:sldMk cId="4256083853" sldId="294"/>
-            <ac:spMk id="4" creationId="{0384BA5E-BC8C-4F00-A1C4-7E75883F54DC}"/>
-          </ac:spMkLst>
-        </pc:spChg>
-        <pc:spChg chg="del">
-          <ac:chgData name="Scruel Tao" userId="5ea5c98d59b44d4b" providerId="LiveId" clId="{87D85EC6-ED1F-4281-828A-5E21384E7B80}" dt="2023-04-26T04:30:39.999" v="2363" actId="478"/>
-          <ac:spMkLst>
-            <pc:docMk/>
-            <pc:sldMk cId="4256083853" sldId="294"/>
-            <ac:spMk id="5" creationId="{B7A8CE03-6A77-60EC-056E-D7A0019640A3}"/>
-          </ac:spMkLst>
-        </pc:spChg>
-        <pc:spChg chg="del">
-          <ac:chgData name="Scruel Tao" userId="5ea5c98d59b44d4b" providerId="LiveId" clId="{87D85EC6-ED1F-4281-828A-5E21384E7B80}" dt="2023-04-26T04:30:39.075" v="2362" actId="478"/>
-          <ac:spMkLst>
-            <pc:docMk/>
-            <pc:sldMk cId="4256083853" sldId="294"/>
-            <ac:spMk id="7" creationId="{12C899D8-51C5-D9B7-A323-E6EFE4AB5C33}"/>
-          </ac:spMkLst>
-        </pc:spChg>
-        <pc:picChg chg="add mod">
-          <ac:chgData name="Scruel Tao" userId="5ea5c98d59b44d4b" providerId="LiveId" clId="{87D85EC6-ED1F-4281-828A-5E21384E7B80}" dt="2023-06-02T17:22:36.010" v="5544" actId="1076"/>
-          <ac:picMkLst>
-            <pc:docMk/>
-            <pc:sldMk cId="4256083853" sldId="294"/>
-            <ac:picMk id="5" creationId="{4D154A02-8A00-1EE8-D845-6301BDC2DA60}"/>
-          </ac:picMkLst>
-        </pc:picChg>
-        <pc:picChg chg="del mod">
-          <ac:chgData name="Scruel Tao" userId="5ea5c98d59b44d4b" providerId="LiveId" clId="{87D85EC6-ED1F-4281-828A-5E21384E7B80}" dt="2023-06-02T17:22:30.145" v="5542" actId="478"/>
-          <ac:picMkLst>
-            <pc:docMk/>
-            <pc:sldMk cId="4256083853" sldId="294"/>
-            <ac:picMk id="8" creationId="{F7FD3FBF-8547-5AAA-DDF0-16E08AB20D8D}"/>
-          </ac:picMkLst>
-        </pc:picChg>
-      </pc:sldChg>
-      <pc:sldChg chg="modSp add mod modTransition modAnim">
-        <pc:chgData name="Scruel Tao" userId="5ea5c98d59b44d4b" providerId="LiveId" clId="{87D85EC6-ED1F-4281-828A-5E21384E7B80}" dt="2023-05-06T20:25:48.975" v="5342"/>
-        <pc:sldMkLst>
-          <pc:docMk/>
-          <pc:sldMk cId="3584119265" sldId="295"/>
-        </pc:sldMkLst>
-        <pc:spChg chg="mod">
-          <ac:chgData name="Scruel Tao" userId="5ea5c98d59b44d4b" providerId="LiveId" clId="{87D85EC6-ED1F-4281-828A-5E21384E7B80}" dt="2023-05-03T14:30:38.064" v="4961" actId="207"/>
-          <ac:spMkLst>
-            <pc:docMk/>
-            <pc:sldMk cId="3584119265" sldId="295"/>
-            <ac:spMk id="3" creationId="{0E2FC508-1AFD-A957-52F2-FA1DEF2A9D27}"/>
-          </ac:spMkLst>
-        </pc:spChg>
-        <pc:spChg chg="mod">
-          <ac:chgData name="Scruel Tao" userId="5ea5c98d59b44d4b" providerId="LiveId" clId="{87D85EC6-ED1F-4281-828A-5E21384E7B80}" dt="2023-05-06T19:40:34.756" v="5318" actId="20577"/>
-          <ac:spMkLst>
-            <pc:docMk/>
-            <pc:sldMk cId="3584119265" sldId="295"/>
-            <ac:spMk id="5" creationId="{B7A8CE03-6A77-60EC-056E-D7A0019640A3}"/>
-          </ac:spMkLst>
-        </pc:spChg>
-        <pc:spChg chg="mod">
-          <ac:chgData name="Scruel Tao" userId="5ea5c98d59b44d4b" providerId="LiveId" clId="{87D85EC6-ED1F-4281-828A-5E21384E7B80}" dt="2023-05-06T19:20:07.594" v="5312" actId="20577"/>
-          <ac:spMkLst>
-            <pc:docMk/>
-            <pc:sldMk cId="3584119265" sldId="295"/>
-            <ac:spMk id="7" creationId="{12C899D8-51C5-D9B7-A323-E6EFE4AB5C33}"/>
-          </ac:spMkLst>
-        </pc:spChg>
-      </pc:sldChg>
-      <pc:sldChg chg="addSp delSp modSp add mod modTransition addAnim delAnim modAnim">
-        <pc:chgData name="Scruel Tao" userId="5ea5c98d59b44d4b" providerId="LiveId" clId="{87D85EC6-ED1F-4281-828A-5E21384E7B80}" dt="2023-05-06T03:56:45.275" v="5068"/>
-        <pc:sldMkLst>
-          <pc:docMk/>
-          <pc:sldMk cId="4167579057" sldId="296"/>
-        </pc:sldMkLst>
-        <pc:spChg chg="mod">
-          <ac:chgData name="Scruel Tao" userId="5ea5c98d59b44d4b" providerId="LiveId" clId="{87D85EC6-ED1F-4281-828A-5E21384E7B80}" dt="2023-05-03T02:47:24.999" v="4697" actId="5793"/>
-          <ac:spMkLst>
-            <pc:docMk/>
-            <pc:sldMk cId="4167579057" sldId="296"/>
-            <ac:spMk id="3" creationId="{0E2FC508-1AFD-A957-52F2-FA1DEF2A9D27}"/>
-          </ac:spMkLst>
-        </pc:spChg>
-        <pc:spChg chg="mod">
-          <ac:chgData name="Scruel Tao" userId="5ea5c98d59b44d4b" providerId="LiveId" clId="{87D85EC6-ED1F-4281-828A-5E21384E7B80}" dt="2023-04-30T11:52:18.190" v="2944" actId="1076"/>
-          <ac:spMkLst>
-            <pc:docMk/>
-            <pc:sldMk cId="4167579057" sldId="296"/>
-            <ac:spMk id="18" creationId="{0FC422AB-5A1A-0C45-3D65-937328812212}"/>
-          </ac:spMkLst>
-        </pc:spChg>
-        <pc:picChg chg="add del mod">
-          <ac:chgData name="Scruel Tao" userId="5ea5c98d59b44d4b" providerId="LiveId" clId="{87D85EC6-ED1F-4281-828A-5E21384E7B80}" dt="2023-05-02T12:53:01.335" v="4587" actId="478"/>
-          <ac:picMkLst>
-            <pc:docMk/>
-            <pc:sldMk cId="4167579057" sldId="296"/>
-            <ac:picMk id="4" creationId="{92F470B6-A826-4E2A-6AF0-B46C8F0500DF}"/>
-          </ac:picMkLst>
-        </pc:picChg>
-        <pc:picChg chg="add del mod">
-          <ac:chgData name="Scruel Tao" userId="5ea5c98d59b44d4b" providerId="LiveId" clId="{87D85EC6-ED1F-4281-828A-5E21384E7B80}" dt="2023-05-02T12:53:11.580" v="4592" actId="478"/>
-          <ac:picMkLst>
-            <pc:docMk/>
-            <pc:sldMk cId="4167579057" sldId="296"/>
-            <ac:picMk id="6" creationId="{6A58536E-C54C-9E7E-9A6C-3CDA23DDBBD3}"/>
-          </ac:picMkLst>
-        </pc:picChg>
-        <pc:picChg chg="add mod">
-          <ac:chgData name="Scruel Tao" userId="5ea5c98d59b44d4b" providerId="LiveId" clId="{87D85EC6-ED1F-4281-828A-5E21384E7B80}" dt="2023-05-02T12:57:06.249" v="4613" actId="14826"/>
-          <ac:picMkLst>
-            <pc:docMk/>
-            <pc:sldMk cId="4167579057" sldId="296"/>
-            <ac:picMk id="8" creationId="{ECC4E116-EB42-E560-DD1D-E16A2176F9A6}"/>
-          </ac:picMkLst>
-        </pc:picChg>
-        <pc:picChg chg="mod">
-          <ac:chgData name="Scruel Tao" userId="5ea5c98d59b44d4b" providerId="LiveId" clId="{87D85EC6-ED1F-4281-828A-5E21384E7B80}" dt="2023-04-30T11:57:06.872" v="2958" actId="14826"/>
-          <ac:picMkLst>
-            <pc:docMk/>
-            <pc:sldMk cId="4167579057" sldId="296"/>
-            <ac:picMk id="11" creationId="{8445C470-BEA8-6723-034B-808D1DE1EF88}"/>
-          </ac:picMkLst>
-        </pc:picChg>
-        <pc:picChg chg="mod">
-          <ac:chgData name="Scruel Tao" userId="5ea5c98d59b44d4b" providerId="LiveId" clId="{87D85EC6-ED1F-4281-828A-5E21384E7B80}" dt="2023-05-05T14:52:16.187" v="4977" actId="962"/>
-          <ac:picMkLst>
-            <pc:docMk/>
-            <pc:sldMk cId="4167579057" sldId="296"/>
-            <ac:picMk id="17" creationId="{C959BA15-CA39-64B6-A2C0-D56D21F389E0}"/>
-          </ac:picMkLst>
-        </pc:picChg>
-      </pc:sldChg>
-      <pc:sldChg chg="addSp delSp modSp add mod modTransition modAnim">
-        <pc:chgData name="Scruel Tao" userId="5ea5c98d59b44d4b" providerId="LiveId" clId="{87D85EC6-ED1F-4281-828A-5E21384E7B80}" dt="2023-05-06T20:07:35.065" v="5321" actId="1076"/>
-        <pc:sldMkLst>
-          <pc:docMk/>
-          <pc:sldMk cId="3787547593" sldId="297"/>
-        </pc:sldMkLst>
-        <pc:spChg chg="mod">
-          <ac:chgData name="Scruel Tao" userId="5ea5c98d59b44d4b" providerId="LiveId" clId="{87D85EC6-ED1F-4281-828A-5E21384E7B80}" dt="2023-05-05T14:55:18.515" v="5015" actId="15"/>
-          <ac:spMkLst>
-            <pc:docMk/>
-            <pc:sldMk cId="3787547593" sldId="297"/>
-            <ac:spMk id="3" creationId="{0E2FC508-1AFD-A957-52F2-FA1DEF2A9D27}"/>
-          </ac:spMkLst>
-        </pc:spChg>
-        <pc:spChg chg="add mod">
-          <ac:chgData name="Scruel Tao" userId="5ea5c98d59b44d4b" providerId="LiveId" clId="{87D85EC6-ED1F-4281-828A-5E21384E7B80}" dt="2023-05-05T14:55:31.462" v="5017" actId="1036"/>
-          <ac:spMkLst>
-            <pc:docMk/>
-            <pc:sldMk cId="3787547593" sldId="297"/>
-            <ac:spMk id="6" creationId="{EA923A17-351C-F5A0-3CD4-A357CF9C37C8}"/>
-          </ac:spMkLst>
-        </pc:spChg>
-        <pc:picChg chg="add del mod">
-          <ac:chgData name="Scruel Tao" userId="5ea5c98d59b44d4b" providerId="LiveId" clId="{87D85EC6-ED1F-4281-828A-5E21384E7B80}" dt="2023-05-02T12:34:34.029" v="4523"/>
-          <ac:picMkLst>
-            <pc:docMk/>
-            <pc:sldMk cId="3787547593" sldId="297"/>
-            <ac:picMk id="4" creationId="{026B75FB-751D-5C8D-1A4B-E867CF94CF32}"/>
-          </ac:picMkLst>
-        </pc:picChg>
-        <pc:picChg chg="add del mod">
-          <ac:chgData name="Scruel Tao" userId="5ea5c98d59b44d4b" providerId="LiveId" clId="{87D85EC6-ED1F-4281-828A-5E21384E7B80}" dt="2023-04-30T16:29:52.561" v="3332" actId="21"/>
-          <ac:picMkLst>
-            <pc:docMk/>
-            <pc:sldMk cId="3787547593" sldId="297"/>
-            <ac:picMk id="5" creationId="{A3E793D7-26C9-EFE6-0992-14A8323BB1DB}"/>
-          </ac:picMkLst>
-        </pc:picChg>
-        <pc:picChg chg="add mod">
-          <ac:chgData name="Scruel Tao" userId="5ea5c98d59b44d4b" providerId="LiveId" clId="{87D85EC6-ED1F-4281-828A-5E21384E7B80}" dt="2023-05-02T12:57:01.756" v="4612" actId="14826"/>
-          <ac:picMkLst>
-            <pc:docMk/>
-            <pc:sldMk cId="3787547593" sldId="297"/>
-            <ac:picMk id="5" creationId="{CEB495B7-ACAD-D686-2266-BC6C487400C7}"/>
-          </ac:picMkLst>
-        </pc:picChg>
-        <pc:picChg chg="add del mod">
-          <ac:chgData name="Scruel Tao" userId="5ea5c98d59b44d4b" providerId="LiveId" clId="{87D85EC6-ED1F-4281-828A-5E21384E7B80}" dt="2023-05-02T12:56:02.046" v="4602" actId="478"/>
-          <ac:picMkLst>
-            <pc:docMk/>
-            <pc:sldMk cId="3787547593" sldId="297"/>
-            <ac:picMk id="6" creationId="{8B74F838-0B55-C4A9-E77B-E2C757FC2D8D}"/>
-          </ac:picMkLst>
-        </pc:picChg>
-        <pc:picChg chg="mod">
-          <ac:chgData name="Scruel Tao" userId="5ea5c98d59b44d4b" providerId="LiveId" clId="{87D85EC6-ED1F-4281-828A-5E21384E7B80}" dt="2023-04-30T11:57:10.964" v="2959" actId="14826"/>
-          <ac:picMkLst>
-            <pc:docMk/>
-            <pc:sldMk cId="3787547593" sldId="297"/>
-            <ac:picMk id="11" creationId="{8445C470-BEA8-6723-034B-808D1DE1EF88}"/>
-          </ac:picMkLst>
-        </pc:picChg>
-        <pc:picChg chg="mod">
-          <ac:chgData name="Scruel Tao" userId="5ea5c98d59b44d4b" providerId="LiveId" clId="{87D85EC6-ED1F-4281-828A-5E21384E7B80}" dt="2023-05-06T20:07:35.065" v="5321" actId="1076"/>
-          <ac:picMkLst>
-            <pc:docMk/>
-            <pc:sldMk cId="3787547593" sldId="297"/>
-            <ac:picMk id="17" creationId="{C959BA15-CA39-64B6-A2C0-D56D21F389E0}"/>
-          </ac:picMkLst>
-        </pc:picChg>
-      </pc:sldChg>
-      <pc:sldChg chg="add del">
-        <pc:chgData name="Scruel Tao" userId="5ea5c98d59b44d4b" providerId="LiveId" clId="{87D85EC6-ED1F-4281-828A-5E21384E7B80}" dt="2023-04-30T12:05:56.398" v="3042" actId="47"/>
-        <pc:sldMkLst>
-          <pc:docMk/>
-          <pc:sldMk cId="629145671" sldId="298"/>
-        </pc:sldMkLst>
-      </pc:sldChg>
-      <pc:sldChg chg="addSp delSp modSp add mod modTransition modAnim">
-        <pc:chgData name="Scruel Tao" userId="5ea5c98d59b44d4b" providerId="LiveId" clId="{87D85EC6-ED1F-4281-828A-5E21384E7B80}" dt="2023-05-06T20:26:32.123" v="5345"/>
-        <pc:sldMkLst>
-          <pc:docMk/>
-          <pc:sldMk cId="144408623" sldId="299"/>
-        </pc:sldMkLst>
-        <pc:spChg chg="mod">
-          <ac:chgData name="Scruel Tao" userId="5ea5c98d59b44d4b" providerId="LiveId" clId="{87D85EC6-ED1F-4281-828A-5E21384E7B80}" dt="2023-05-01T09:15:04.918" v="3348"/>
-          <ac:spMkLst>
-            <pc:docMk/>
-            <pc:sldMk cId="144408623" sldId="299"/>
-            <ac:spMk id="2" creationId="{BAD162F0-2175-84E9-2387-55F669162449}"/>
-          </ac:spMkLst>
-        </pc:spChg>
-        <pc:spChg chg="mod">
-          <ac:chgData name="Scruel Tao" userId="5ea5c98d59b44d4b" providerId="LiveId" clId="{87D85EC6-ED1F-4281-828A-5E21384E7B80}" dt="2023-05-03T03:45:55.599" v="4804" actId="21"/>
-          <ac:spMkLst>
-            <pc:docMk/>
-            <pc:sldMk cId="144408623" sldId="299"/>
-            <ac:spMk id="3" creationId="{0E2FC508-1AFD-A957-52F2-FA1DEF2A9D27}"/>
-          </ac:spMkLst>
-        </pc:spChg>
-        <pc:spChg chg="add mod">
-          <ac:chgData name="Scruel Tao" userId="5ea5c98d59b44d4b" providerId="LiveId" clId="{87D85EC6-ED1F-4281-828A-5E21384E7B80}" dt="2023-05-06T20:24:44.901" v="5333"/>
-          <ac:spMkLst>
-            <pc:docMk/>
-            <pc:sldMk cId="144408623" sldId="299"/>
-            <ac:spMk id="4" creationId="{2E5DF1A3-E1DD-BC38-0E15-697E2502A36E}"/>
-          </ac:spMkLst>
-        </pc:spChg>
-        <pc:spChg chg="mod">
-          <ac:chgData name="Scruel Tao" userId="5ea5c98d59b44d4b" providerId="LiveId" clId="{87D85EC6-ED1F-4281-828A-5E21384E7B80}" dt="2023-05-03T03:47:20.979" v="4812" actId="1076"/>
-          <ac:spMkLst>
-            <pc:docMk/>
-            <pc:sldMk cId="144408623" sldId="299"/>
-            <ac:spMk id="5" creationId="{B7A8CE03-6A77-60EC-056E-D7A0019640A3}"/>
-          </ac:spMkLst>
-        </pc:spChg>
-        <pc:spChg chg="del">
-          <ac:chgData name="Scruel Tao" userId="5ea5c98d59b44d4b" providerId="LiveId" clId="{87D85EC6-ED1F-4281-828A-5E21384E7B80}" dt="2023-04-30T12:11:43.138" v="3088" actId="21"/>
-          <ac:spMkLst>
-            <pc:docMk/>
-            <pc:sldMk cId="144408623" sldId="299"/>
-            <ac:spMk id="7" creationId="{12C899D8-51C5-D9B7-A323-E6EFE4AB5C33}"/>
-          </ac:spMkLst>
-        </pc:spChg>
-      </pc:sldChg>
-      <pc:sldChg chg="delSp add del mod">
-        <pc:chgData name="Scruel Tao" userId="5ea5c98d59b44d4b" providerId="LiveId" clId="{87D85EC6-ED1F-4281-828A-5E21384E7B80}" dt="2023-04-30T12:11:36.753" v="3087" actId="2696"/>
-        <pc:sldMkLst>
-          <pc:docMk/>
-          <pc:sldMk cId="1306237828" sldId="300"/>
-        </pc:sldMkLst>
-        <pc:spChg chg="del">
-          <ac:chgData name="Scruel Tao" userId="5ea5c98d59b44d4b" providerId="LiveId" clId="{87D85EC6-ED1F-4281-828A-5E21384E7B80}" dt="2023-04-30T12:07:40.664" v="3044" actId="21"/>
-          <ac:spMkLst>
-            <pc:docMk/>
-            <pc:sldMk cId="1306237828" sldId="300"/>
-            <ac:spMk id="7" creationId="{12C899D8-51C5-D9B7-A323-E6EFE4AB5C33}"/>
-          </ac:spMkLst>
-        </pc:spChg>
-      </pc:sldChg>
-      <pc:sldChg chg="addSp delSp modSp add mod modTransition addAnim delAnim modAnim">
-        <pc:chgData name="Scruel Tao" userId="5ea5c98d59b44d4b" providerId="LiveId" clId="{87D85EC6-ED1F-4281-828A-5E21384E7B80}" dt="2023-05-06T20:08:29.781" v="5325"/>
-        <pc:sldMkLst>
-          <pc:docMk/>
-          <pc:sldMk cId="2974806146" sldId="301"/>
-        </pc:sldMkLst>
-        <pc:spChg chg="mod">
-          <ac:chgData name="Scruel Tao" userId="5ea5c98d59b44d4b" providerId="LiveId" clId="{87D85EC6-ED1F-4281-828A-5E21384E7B80}" dt="2023-05-01T09:15:02.433" v="3347"/>
-          <ac:spMkLst>
-            <pc:docMk/>
-            <pc:sldMk cId="2974806146" sldId="301"/>
-            <ac:spMk id="2" creationId="{BAD162F0-2175-84E9-2387-55F669162449}"/>
-          </ac:spMkLst>
-        </pc:spChg>
-        <pc:spChg chg="mod">
-          <ac:chgData name="Scruel Tao" userId="5ea5c98d59b44d4b" providerId="LiveId" clId="{87D85EC6-ED1F-4281-828A-5E21384E7B80}" dt="2023-05-03T04:22:27.433" v="4958"/>
-          <ac:spMkLst>
-            <pc:docMk/>
-            <pc:sldMk cId="2974806146" sldId="301"/>
-            <ac:spMk id="3" creationId="{0E2FC508-1AFD-A957-52F2-FA1DEF2A9D27}"/>
-          </ac:spMkLst>
-        </pc:spChg>
-        <pc:spChg chg="add mod">
-          <ac:chgData name="Scruel Tao" userId="5ea5c98d59b44d4b" providerId="LiveId" clId="{87D85EC6-ED1F-4281-828A-5E21384E7B80}" dt="2023-05-03T03:46:41.445" v="4809" actId="1076"/>
-          <ac:spMkLst>
-            <pc:docMk/>
-            <pc:sldMk cId="2974806146" sldId="301"/>
-            <ac:spMk id="6" creationId="{ED3F0CE6-E180-54C3-4AA1-95047C2B25E7}"/>
-          </ac:spMkLst>
-        </pc:spChg>
-        <pc:spChg chg="add del">
-          <ac:chgData name="Scruel Tao" userId="5ea5c98d59b44d4b" providerId="LiveId" clId="{87D85EC6-ED1F-4281-828A-5E21384E7B80}" dt="2023-05-02T13:02:58.023" v="4618" actId="22"/>
-          <ac:spMkLst>
-            <pc:docMk/>
-            <pc:sldMk cId="2974806146" sldId="301"/>
-            <ac:spMk id="9" creationId="{3440AD8D-7451-F031-3EC6-32585723AA27}"/>
-          </ac:spMkLst>
-        </pc:spChg>
-        <pc:spChg chg="add del mod">
-          <ac:chgData name="Scruel Tao" userId="5ea5c98d59b44d4b" providerId="LiveId" clId="{87D85EC6-ED1F-4281-828A-5E21384E7B80}" dt="2023-05-02T12:35:42.093" v="4585" actId="21"/>
-          <ac:spMkLst>
-            <pc:docMk/>
-            <pc:sldMk cId="2974806146" sldId="301"/>
-            <ac:spMk id="10" creationId="{B6A161A6-7068-FC63-BF51-6ABD2302F64D}"/>
-          </ac:spMkLst>
-        </pc:spChg>
-        <pc:picChg chg="add del mod">
-          <ac:chgData name="Scruel Tao" userId="5ea5c98d59b44d4b" providerId="LiveId" clId="{87D85EC6-ED1F-4281-828A-5E21384E7B80}" dt="2023-05-02T12:34:37.965" v="4536"/>
-          <ac:picMkLst>
-            <pc:docMk/>
-            <pc:sldMk cId="2974806146" sldId="301"/>
-            <ac:picMk id="4" creationId="{2A669A00-9C90-7060-53E9-927246855CB7}"/>
-          </ac:picMkLst>
-        </pc:picChg>
-        <pc:picChg chg="add del mod">
-          <ac:chgData name="Scruel Tao" userId="5ea5c98d59b44d4b" providerId="LiveId" clId="{87D85EC6-ED1F-4281-828A-5E21384E7B80}" dt="2023-04-30T12:16:14.289" v="3123"/>
-          <ac:picMkLst>
-            <pc:docMk/>
-            <pc:sldMk cId="2974806146" sldId="301"/>
-            <ac:picMk id="4" creationId="{4CFFA485-79B7-D336-75D3-B0799D223CF0}"/>
-          </ac:picMkLst>
-        </pc:picChg>
-        <pc:picChg chg="add mod">
-          <ac:chgData name="Scruel Tao" userId="5ea5c98d59b44d4b" providerId="LiveId" clId="{87D85EC6-ED1F-4281-828A-5E21384E7B80}" dt="2023-05-03T03:46:41.445" v="4809" actId="1076"/>
-          <ac:picMkLst>
-            <pc:docMk/>
-            <pc:sldMk cId="2974806146" sldId="301"/>
-            <ac:picMk id="5" creationId="{B194E238-AD74-97A3-7085-8454C20FB2F8}"/>
-          </ac:picMkLst>
-        </pc:picChg>
-        <pc:picChg chg="add del mod">
-          <ac:chgData name="Scruel Tao" userId="5ea5c98d59b44d4b" providerId="LiveId" clId="{87D85EC6-ED1F-4281-828A-5E21384E7B80}" dt="2023-04-30T12:16:44.582" v="3130"/>
-          <ac:picMkLst>
-            <pc:docMk/>
-            <pc:sldMk cId="2974806146" sldId="301"/>
-            <ac:picMk id="5" creationId="{E076FC20-CA3B-4BDE-AD41-6D01E17E1646}"/>
-          </ac:picMkLst>
-        </pc:picChg>
-        <pc:picChg chg="add del mod">
-          <ac:chgData name="Scruel Tao" userId="5ea5c98d59b44d4b" providerId="LiveId" clId="{87D85EC6-ED1F-4281-828A-5E21384E7B80}" dt="2023-05-05T14:56:26.964" v="5019" actId="962"/>
-          <ac:picMkLst>
-            <pc:docMk/>
-            <pc:sldMk cId="2974806146" sldId="301"/>
-            <ac:picMk id="8" creationId="{F458DA5F-0CEF-8130-4F57-AB228F411C95}"/>
-          </ac:picMkLst>
-        </pc:picChg>
-        <pc:picChg chg="add mod">
-          <ac:chgData name="Scruel Tao" userId="5ea5c98d59b44d4b" providerId="LiveId" clId="{87D85EC6-ED1F-4281-828A-5E21384E7B80}" dt="2023-05-03T03:46:41.445" v="4809" actId="1076"/>
-          <ac:picMkLst>
-            <pc:docMk/>
-            <pc:sldMk cId="2974806146" sldId="301"/>
-            <ac:picMk id="12" creationId="{AB78D44F-D88F-7560-51F4-310B18BCDBEC}"/>
-          </ac:picMkLst>
-        </pc:picChg>
-      </pc:sldChg>
-      <pc:sldChg chg="addSp delSp modSp add mod modTransition modAnim">
-        <pc:chgData name="Scruel Tao" userId="5ea5c98d59b44d4b" providerId="LiveId" clId="{87D85EC6-ED1F-4281-828A-5E21384E7B80}" dt="2023-05-05T14:57:09.614" v="5022" actId="207"/>
-        <pc:sldMkLst>
-          <pc:docMk/>
-          <pc:sldMk cId="2546857016" sldId="302"/>
-        </pc:sldMkLst>
-        <pc:spChg chg="mod">
-          <ac:chgData name="Scruel Tao" userId="5ea5c98d59b44d4b" providerId="LiveId" clId="{87D85EC6-ED1F-4281-828A-5E21384E7B80}" dt="2023-05-01T09:15:27.120" v="3364" actId="20577"/>
-          <ac:spMkLst>
-            <pc:docMk/>
-            <pc:sldMk cId="2546857016" sldId="302"/>
-            <ac:spMk id="2" creationId="{BAD162F0-2175-84E9-2387-55F669162449}"/>
-          </ac:spMkLst>
-        </pc:spChg>
-        <pc:spChg chg="mod">
-          <ac:chgData name="Scruel Tao" userId="5ea5c98d59b44d4b" providerId="LiveId" clId="{87D85EC6-ED1F-4281-828A-5E21384E7B80}" dt="2023-05-05T14:57:09.614" v="5022" actId="207"/>
-          <ac:spMkLst>
-            <pc:docMk/>
-            <pc:sldMk cId="2546857016" sldId="302"/>
-            <ac:spMk id="3" creationId="{0E2FC508-1AFD-A957-52F2-FA1DEF2A9D27}"/>
-          </ac:spMkLst>
-        </pc:spChg>
-        <pc:spChg chg="add del mod">
-          <ac:chgData name="Scruel Tao" userId="5ea5c98d59b44d4b" providerId="LiveId" clId="{87D85EC6-ED1F-4281-828A-5E21384E7B80}" dt="2023-04-30T12:14:58.219" v="3111"/>
-          <ac:spMkLst>
-            <pc:docMk/>
-            <pc:sldMk cId="2546857016" sldId="302"/>
-            <ac:spMk id="7" creationId="{F8A9B198-7A50-1405-E04B-176245D619CC}"/>
-          </ac:spMkLst>
-        </pc:spChg>
-        <pc:spChg chg="del">
-          <ac:chgData name="Scruel Tao" userId="5ea5c98d59b44d4b" providerId="LiveId" clId="{87D85EC6-ED1F-4281-828A-5E21384E7B80}" dt="2023-04-30T12:14:22.357" v="3101" actId="21"/>
-          <ac:spMkLst>
-            <pc:docMk/>
-            <pc:sldMk cId="2546857016" sldId="302"/>
-            <ac:spMk id="10" creationId="{B6A161A6-7068-FC63-BF51-6ABD2302F64D}"/>
-          </ac:spMkLst>
-        </pc:spChg>
-        <pc:picChg chg="add del">
-          <ac:chgData name="Scruel Tao" userId="5ea5c98d59b44d4b" providerId="LiveId" clId="{87D85EC6-ED1F-4281-828A-5E21384E7B80}" dt="2023-04-30T12:13:47.364" v="3095" actId="22"/>
-          <ac:picMkLst>
-            <pc:docMk/>
-            <pc:sldMk cId="2546857016" sldId="302"/>
-            <ac:picMk id="5" creationId="{C720BB2F-3409-A2A1-7E02-B91778FAD0F8}"/>
-          </ac:picMkLst>
-        </pc:picChg>
-        <pc:picChg chg="mod">
-          <ac:chgData name="Scruel Tao" userId="5ea5c98d59b44d4b" providerId="LiveId" clId="{87D85EC6-ED1F-4281-828A-5E21384E7B80}" dt="2023-05-05T14:56:32.120" v="5020" actId="962"/>
-          <ac:picMkLst>
-            <pc:docMk/>
-            <pc:sldMk cId="2546857016" sldId="302"/>
-            <ac:picMk id="8" creationId="{F458DA5F-0CEF-8130-4F57-AB228F411C95}"/>
-          </ac:picMkLst>
-        </pc:picChg>
-      </pc:sldChg>
-      <pc:sldChg chg="add del">
-        <pc:chgData name="Scruel Tao" userId="5ea5c98d59b44d4b" providerId="LiveId" clId="{87D85EC6-ED1F-4281-828A-5E21384E7B80}" dt="2023-05-02T23:03:26.088" v="4644" actId="47"/>
-        <pc:sldMkLst>
-          <pc:docMk/>
-          <pc:sldMk cId="1599418885" sldId="303"/>
-        </pc:sldMkLst>
-      </pc:sldChg>
-      <pc:sldChg chg="modSp add del mod">
-        <pc:chgData name="Scruel Tao" userId="5ea5c98d59b44d4b" providerId="LiveId" clId="{87D85EC6-ED1F-4281-828A-5E21384E7B80}" dt="2023-05-04T01:18:05.741" v="4965" actId="47"/>
-        <pc:sldMkLst>
-          <pc:docMk/>
-          <pc:sldMk cId="3161108256" sldId="310"/>
-        </pc:sldMkLst>
-        <pc:spChg chg="mod">
-          <ac:chgData name="Scruel Tao" userId="5ea5c98d59b44d4b" providerId="LiveId" clId="{87D85EC6-ED1F-4281-828A-5E21384E7B80}" dt="2023-05-04T01:16:53.632" v="4963" actId="21"/>
-          <ac:spMkLst>
-            <pc:docMk/>
-            <pc:sldMk cId="3161108256" sldId="310"/>
-            <ac:spMk id="3" creationId="{AC7759D9-0BB4-08ED-8476-24F7D903D6DE}"/>
-          </ac:spMkLst>
-        </pc:spChg>
-      </pc:sldChg>
-      <pc:sldChg chg="add del">
-        <pc:chgData name="Scruel Tao" userId="5ea5c98d59b44d4b" providerId="LiveId" clId="{87D85EC6-ED1F-4281-828A-5E21384E7B80}" dt="2023-05-04T01:20:28.532" v="4967" actId="47"/>
-        <pc:sldMkLst>
-          <pc:docMk/>
-          <pc:sldMk cId="2777882936" sldId="311"/>
-        </pc:sldMkLst>
-      </pc:sldChg>
-      <pc:sldChg chg="add del">
-        <pc:chgData name="Scruel Tao" userId="5ea5c98d59b44d4b" providerId="LiveId" clId="{87D85EC6-ED1F-4281-828A-5E21384E7B80}" dt="2023-05-05T02:30:36.939" v="4969" actId="47"/>
-        <pc:sldMkLst>
-          <pc:docMk/>
-          <pc:sldMk cId="3161108256" sldId="363"/>
-        </pc:sldMkLst>
-      </pc:sldChg>
-      <pc:sldChg chg="add del">
-        <pc:chgData name="Scruel Tao" userId="5ea5c98d59b44d4b" providerId="LiveId" clId="{87D85EC6-ED1F-4281-828A-5E21384E7B80}" dt="2023-05-04T18:24:17.095" v="4971" actId="47"/>
-        <pc:sldMkLst>
-          <pc:docMk/>
-          <pc:sldMk cId="3517300307" sldId="364"/>
-        </pc:sldMkLst>
-      </pc:sldChg>
-      <pc:sldChg chg="add modTransition">
-        <pc:chgData name="Scruel Tao" userId="5ea5c98d59b44d4b" providerId="LiveId" clId="{87D85EC6-ED1F-4281-828A-5E21384E7B80}" dt="2023-05-05T14:22:08.010" v="4973"/>
-        <pc:sldMkLst>
-          <pc:docMk/>
-          <pc:sldMk cId="3625446739" sldId="366"/>
-        </pc:sldMkLst>
-      </pc:sldChg>
-      <pc:sldChg chg="modSp add modTransition modAnim">
-        <pc:chgData name="Scruel Tao" userId="5ea5c98d59b44d4b" providerId="LiveId" clId="{87D85EC6-ED1F-4281-828A-5E21384E7B80}" dt="2023-05-06T20:30:54.887" v="5391"/>
-        <pc:sldMkLst>
-          <pc:docMk/>
-          <pc:sldMk cId="940528697" sldId="367"/>
-        </pc:sldMkLst>
-        <pc:spChg chg="mod">
-          <ac:chgData name="Scruel Tao" userId="5ea5c98d59b44d4b" providerId="LiveId" clId="{87D85EC6-ED1F-4281-828A-5E21384E7B80}" dt="2023-05-06T20:29:11.374" v="5362" actId="207"/>
-          <ac:spMkLst>
-            <pc:docMk/>
-            <pc:sldMk cId="940528697" sldId="367"/>
-            <ac:spMk id="7" creationId="{12C899D8-51C5-D9B7-A323-E6EFE4AB5C33}"/>
-          </ac:spMkLst>
-        </pc:spChg>
-      </pc:sldChg>
-      <pc:sldMasterChg chg="modTransition modSldLayout">
-        <pc:chgData name="Scruel Tao" userId="5ea5c98d59b44d4b" providerId="LiveId" clId="{87D85EC6-ED1F-4281-828A-5E21384E7B80}" dt="2023-05-16T03:54:46.903" v="5394" actId="478"/>
-        <pc:sldMasterMkLst>
-          <pc:docMk/>
-          <pc:sldMasterMk cId="1766057859" sldId="2147483648"/>
-        </pc:sldMasterMkLst>
-        <pc:sldLayoutChg chg="modTransition">
-          <pc:chgData name="Scruel Tao" userId="5ea5c98d59b44d4b" providerId="LiveId" clId="{87D85EC6-ED1F-4281-828A-5E21384E7B80}" dt="2023-05-05T14:22:08.010" v="4973"/>
-          <pc:sldLayoutMkLst>
-            <pc:docMk/>
-            <pc:sldMasterMk cId="1766057859" sldId="2147483648"/>
-            <pc:sldLayoutMk cId="2187492797" sldId="2147483649"/>
-          </pc:sldLayoutMkLst>
-        </pc:sldLayoutChg>
-        <pc:sldLayoutChg chg="addSp delSp modSp mod modTransition">
-          <pc:chgData name="Scruel Tao" userId="5ea5c98d59b44d4b" providerId="LiveId" clId="{87D85EC6-ED1F-4281-828A-5E21384E7B80}" dt="2023-05-05T14:22:08.010" v="4973"/>
-          <pc:sldLayoutMkLst>
-            <pc:docMk/>
-            <pc:sldMasterMk cId="1766057859" sldId="2147483648"/>
-            <pc:sldLayoutMk cId="2116765151" sldId="2147483650"/>
-          </pc:sldLayoutMkLst>
-          <pc:spChg chg="mod">
-            <ac:chgData name="Scruel Tao" userId="5ea5c98d59b44d4b" providerId="LiveId" clId="{87D85EC6-ED1F-4281-828A-5E21384E7B80}" dt="2023-05-03T01:19:35.767" v="4651" actId="2711"/>
-            <ac:spMkLst>
-              <pc:docMk/>
-              <pc:sldMasterMk cId="1766057859" sldId="2147483648"/>
-              <pc:sldLayoutMk cId="2116765151" sldId="2147483650"/>
-              <ac:spMk id="3" creationId="{9C7469E7-ED7E-A1F2-48AF-DF31AAC06407}"/>
-            </ac:spMkLst>
-          </pc:spChg>
-          <pc:spChg chg="del">
-            <ac:chgData name="Scruel Tao" userId="5ea5c98d59b44d4b" providerId="LiveId" clId="{87D85EC6-ED1F-4281-828A-5E21384E7B80}" dt="2023-05-03T00:07:25.678" v="4647" actId="478"/>
-            <ac:spMkLst>
-              <pc:docMk/>
-              <pc:sldMasterMk cId="1766057859" sldId="2147483648"/>
-              <pc:sldLayoutMk cId="2116765151" sldId="2147483650"/>
-              <ac:spMk id="7" creationId="{CC508A81-C1C7-B1D4-63BC-4C397A9B30DA}"/>
-            </ac:spMkLst>
-          </pc:spChg>
-          <pc:spChg chg="add mod">
-            <ac:chgData name="Scruel Tao" userId="5ea5c98d59b44d4b" providerId="LiveId" clId="{87D85EC6-ED1F-4281-828A-5E21384E7B80}" dt="2023-05-03T00:07:25.871" v="4648"/>
-            <ac:spMkLst>
-              <pc:docMk/>
-              <pc:sldMasterMk cId="1766057859" sldId="2147483648"/>
-              <pc:sldLayoutMk cId="2116765151" sldId="2147483650"/>
-              <ac:spMk id="8" creationId="{8AFD3B27-FCDA-0D5B-586D-B97E4D9ADC83}"/>
-            </ac:spMkLst>
-          </pc:spChg>
-        </pc:sldLayoutChg>
-        <pc:sldLayoutChg chg="modTransition">
-          <pc:chgData name="Scruel Tao" userId="5ea5c98d59b44d4b" providerId="LiveId" clId="{87D85EC6-ED1F-4281-828A-5E21384E7B80}" dt="2023-05-05T14:22:08.010" v="4973"/>
-          <pc:sldLayoutMkLst>
-            <pc:docMk/>
-            <pc:sldMasterMk cId="1766057859" sldId="2147483648"/>
-            <pc:sldLayoutMk cId="3876442843" sldId="2147483651"/>
-          </pc:sldLayoutMkLst>
-        </pc:sldLayoutChg>
-        <pc:sldLayoutChg chg="addSp delSp modSp mod modTransition">
-          <pc:chgData name="Scruel Tao" userId="5ea5c98d59b44d4b" providerId="LiveId" clId="{87D85EC6-ED1F-4281-828A-5E21384E7B80}" dt="2023-05-05T14:22:08.010" v="4973"/>
-          <pc:sldLayoutMkLst>
-            <pc:docMk/>
-            <pc:sldMasterMk cId="1766057859" sldId="2147483648"/>
-            <pc:sldLayoutMk cId="2296489930" sldId="2147483652"/>
-          </pc:sldLayoutMkLst>
-          <pc:spChg chg="mod">
-            <ac:chgData name="Scruel Tao" userId="5ea5c98d59b44d4b" providerId="LiveId" clId="{87D85EC6-ED1F-4281-828A-5E21384E7B80}" dt="2023-05-03T01:19:41.846" v="4652" actId="2711"/>
-            <ac:spMkLst>
-              <pc:docMk/>
-              <pc:sldMasterMk cId="1766057859" sldId="2147483648"/>
-              <pc:sldLayoutMk cId="2296489930" sldId="2147483652"/>
-              <ac:spMk id="3" creationId="{FA361A1F-DD24-D4DC-FDF8-14089EDC7CAD}"/>
-            </ac:spMkLst>
-          </pc:spChg>
-          <pc:spChg chg="mod">
-            <ac:chgData name="Scruel Tao" userId="5ea5c98d59b44d4b" providerId="LiveId" clId="{87D85EC6-ED1F-4281-828A-5E21384E7B80}" dt="2023-05-03T01:19:41.846" v="4652" actId="2711"/>
-            <ac:spMkLst>
-              <pc:docMk/>
-              <pc:sldMasterMk cId="1766057859" sldId="2147483648"/>
-              <pc:sldLayoutMk cId="2296489930" sldId="2147483652"/>
-              <ac:spMk id="4" creationId="{F7656781-5A02-AEE4-2F0C-71BC7C17E38F}"/>
-            </ac:spMkLst>
-          </pc:spChg>
-          <pc:spChg chg="del">
-            <ac:chgData name="Scruel Tao" userId="5ea5c98d59b44d4b" providerId="LiveId" clId="{87D85EC6-ED1F-4281-828A-5E21384E7B80}" dt="2023-05-03T00:07:28.346" v="4649" actId="478"/>
-            <ac:spMkLst>
-              <pc:docMk/>
-              <pc:sldMasterMk cId="1766057859" sldId="2147483648"/>
-              <pc:sldLayoutMk cId="2296489930" sldId="2147483652"/>
-              <ac:spMk id="8" creationId="{C5A5C420-1B53-618C-C968-A8FEF109459A}"/>
-            </ac:spMkLst>
-          </pc:spChg>
-          <pc:spChg chg="add mod">
-            <ac:chgData name="Scruel Tao" userId="5ea5c98d59b44d4b" providerId="LiveId" clId="{87D85EC6-ED1F-4281-828A-5E21384E7B80}" dt="2023-05-03T00:07:28.537" v="4650"/>
-            <ac:spMkLst>
-              <pc:docMk/>
-              <pc:sldMasterMk cId="1766057859" sldId="2147483648"/>
-              <pc:sldLayoutMk cId="2296489930" sldId="2147483652"/>
-              <ac:spMk id="9" creationId="{AD44FE16-76F4-3AAF-4EA1-33F4ED51D949}"/>
-            </ac:spMkLst>
-          </pc:spChg>
-        </pc:sldLayoutChg>
-        <pc:sldLayoutChg chg="modTransition">
-          <pc:chgData name="Scruel Tao" userId="5ea5c98d59b44d4b" providerId="LiveId" clId="{87D85EC6-ED1F-4281-828A-5E21384E7B80}" dt="2023-05-05T14:22:08.010" v="4973"/>
-          <pc:sldLayoutMkLst>
-            <pc:docMk/>
-            <pc:sldMasterMk cId="1766057859" sldId="2147483648"/>
-            <pc:sldLayoutMk cId="1903742116" sldId="2147483653"/>
-          </pc:sldLayoutMkLst>
-        </pc:sldLayoutChg>
-        <pc:sldLayoutChg chg="modTransition">
-          <pc:chgData name="Scruel Tao" userId="5ea5c98d59b44d4b" providerId="LiveId" clId="{87D85EC6-ED1F-4281-828A-5E21384E7B80}" dt="2023-05-05T14:22:08.010" v="4973"/>
-          <pc:sldLayoutMkLst>
-            <pc:docMk/>
-            <pc:sldMasterMk cId="1766057859" sldId="2147483648"/>
-            <pc:sldLayoutMk cId="2266343131" sldId="2147483654"/>
-          </pc:sldLayoutMkLst>
-        </pc:sldLayoutChg>
-        <pc:sldLayoutChg chg="modTransition">
-          <pc:chgData name="Scruel Tao" userId="5ea5c98d59b44d4b" providerId="LiveId" clId="{87D85EC6-ED1F-4281-828A-5E21384E7B80}" dt="2023-05-05T14:22:08.010" v="4973"/>
-          <pc:sldLayoutMkLst>
-            <pc:docMk/>
-            <pc:sldMasterMk cId="1766057859" sldId="2147483648"/>
-            <pc:sldLayoutMk cId="3125871839" sldId="2147483655"/>
-          </pc:sldLayoutMkLst>
-        </pc:sldLayoutChg>
-        <pc:sldLayoutChg chg="modTransition">
-          <pc:chgData name="Scruel Tao" userId="5ea5c98d59b44d4b" providerId="LiveId" clId="{87D85EC6-ED1F-4281-828A-5E21384E7B80}" dt="2023-05-05T14:22:08.010" v="4973"/>
-          <pc:sldLayoutMkLst>
-            <pc:docMk/>
-            <pc:sldMasterMk cId="1766057859" sldId="2147483648"/>
-            <pc:sldLayoutMk cId="4269120921" sldId="2147483656"/>
-          </pc:sldLayoutMkLst>
-        </pc:sldLayoutChg>
-        <pc:sldLayoutChg chg="modTransition">
-          <pc:chgData name="Scruel Tao" userId="5ea5c98d59b44d4b" providerId="LiveId" clId="{87D85EC6-ED1F-4281-828A-5E21384E7B80}" dt="2023-05-05T14:22:08.010" v="4973"/>
-          <pc:sldLayoutMkLst>
-            <pc:docMk/>
-            <pc:sldMasterMk cId="1766057859" sldId="2147483648"/>
-            <pc:sldLayoutMk cId="3839517779" sldId="2147483657"/>
-          </pc:sldLayoutMkLst>
-        </pc:sldLayoutChg>
-        <pc:sldLayoutChg chg="modTransition">
-          <pc:chgData name="Scruel Tao" userId="5ea5c98d59b44d4b" providerId="LiveId" clId="{87D85EC6-ED1F-4281-828A-5E21384E7B80}" dt="2023-05-05T14:22:08.010" v="4973"/>
-          <pc:sldLayoutMkLst>
-            <pc:docMk/>
-            <pc:sldMasterMk cId="1766057859" sldId="2147483648"/>
-            <pc:sldLayoutMk cId="3533658407" sldId="2147483658"/>
-          </pc:sldLayoutMkLst>
-        </pc:sldLayoutChg>
-        <pc:sldLayoutChg chg="modTransition">
-          <pc:chgData name="Scruel Tao" userId="5ea5c98d59b44d4b" providerId="LiveId" clId="{87D85EC6-ED1F-4281-828A-5E21384E7B80}" dt="2023-05-05T14:22:08.010" v="4973"/>
-          <pc:sldLayoutMkLst>
-            <pc:docMk/>
-            <pc:sldMasterMk cId="1766057859" sldId="2147483648"/>
-            <pc:sldLayoutMk cId="1976972956" sldId="2147483659"/>
-          </pc:sldLayoutMkLst>
-        </pc:sldLayoutChg>
-        <pc:sldLayoutChg chg="delSp modTransition">
-          <pc:chgData name="Scruel Tao" userId="5ea5c98d59b44d4b" providerId="LiveId" clId="{87D85EC6-ED1F-4281-828A-5E21384E7B80}" dt="2023-05-16T03:54:46.903" v="5394" actId="478"/>
-          <pc:sldLayoutMkLst>
-            <pc:docMk/>
-            <pc:sldMasterMk cId="1766057859" sldId="2147483648"/>
-            <pc:sldLayoutMk cId="1337634028" sldId="2147483660"/>
-          </pc:sldLayoutMkLst>
-          <pc:spChg chg="del">
-            <ac:chgData name="Scruel Tao" userId="5ea5c98d59b44d4b" providerId="LiveId" clId="{87D85EC6-ED1F-4281-828A-5E21384E7B80}" dt="2023-05-16T03:54:46.903" v="5394" actId="478"/>
-            <ac:spMkLst>
-              <pc:docMk/>
-              <pc:sldMasterMk cId="1766057859" sldId="2147483648"/>
-              <pc:sldLayoutMk cId="1337634028" sldId="2147483660"/>
-              <ac:spMk id="19472" creationId="{BD0BF484-93B1-9A87-952A-7D5E9B29C38D}"/>
-            </ac:spMkLst>
-          </pc:spChg>
         </pc:sldLayoutChg>
       </pc:sldMasterChg>
     </pc:docChg>
@@ -4362,7 +4362,7 @@
           <a:p>
             <a:fld id="{AC7E1972-C479-4420-A687-8FB83BA90DEB}" type="datetimeFigureOut">
               <a:rPr lang="zh-CN" altLang="en-US" smtClean="0"/>
-              <a:t>2023/12/11</a:t>
+              <a:t>2025/6/6 Fri</a:t>
             </a:fld>
             <a:endParaRPr lang="zh-CN" altLang="en-US"/>
           </a:p>
@@ -4539,7 +4539,7 @@
           <a:p>
             <a:fld id="{89B7AB8D-BCC0-43C6-B24C-055A25DB558F}" type="datetimeFigureOut">
               <a:rPr lang="zh-CN" altLang="en-US" smtClean="0"/>
-              <a:t>2023/12/10</a:t>
+              <a:t>2025/6/6 Fri</a:t>
             </a:fld>
             <a:endParaRPr lang="zh-CN" altLang="en-US"/>
           </a:p>
@@ -6997,7 +6997,7 @@
           <a:p>
             <a:fld id="{F721228B-0167-4061-A906-8575043315EE}" type="datetimeFigureOut">
               <a:rPr lang="zh-CN" altLang="en-US" smtClean="0"/>
-              <a:t>2023/12/11</a:t>
+              <a:t>2025/6/6 Fri</a:t>
             </a:fld>
             <a:endParaRPr lang="zh-CN" altLang="en-US"/>
           </a:p>
@@ -7060,7 +7060,7 @@
     </p:spTree>
     <p:extLst>
       <p:ext uri="{BB962C8B-B14F-4D97-AF65-F5344CB8AC3E}">
-        <p14:creationId xmlns:p14="http://schemas.microsoft.com/office/powerpoint/2010/main" val="2187492797"/>
+        <p14:creationId xmlns:p14="http://schemas.microsoft.com/office/powerpoint/2010/main" val="496470471"/>
       </p:ext>
     </p:extLst>
   </p:cSld>
@@ -7207,7 +7207,7 @@
           <a:p>
             <a:fld id="{F721228B-0167-4061-A906-8575043315EE}" type="datetimeFigureOut">
               <a:rPr lang="zh-CN" altLang="en-US" smtClean="0"/>
-              <a:t>2023/12/11</a:t>
+              <a:t>2025/6/6 Fri</a:t>
             </a:fld>
             <a:endParaRPr lang="zh-CN" altLang="en-US"/>
           </a:p>
@@ -7270,7 +7270,7 @@
     </p:spTree>
     <p:extLst>
       <p:ext uri="{BB962C8B-B14F-4D97-AF65-F5344CB8AC3E}">
-        <p14:creationId xmlns:p14="http://schemas.microsoft.com/office/powerpoint/2010/main" val="3533658407"/>
+        <p14:creationId xmlns:p14="http://schemas.microsoft.com/office/powerpoint/2010/main" val="783064714"/>
       </p:ext>
     </p:extLst>
   </p:cSld>
@@ -7427,7 +7427,7 @@
           <a:p>
             <a:fld id="{F721228B-0167-4061-A906-8575043315EE}" type="datetimeFigureOut">
               <a:rPr lang="zh-CN" altLang="en-US" smtClean="0"/>
-              <a:t>2023/12/11</a:t>
+              <a:t>2025/6/6 Fri</a:t>
             </a:fld>
             <a:endParaRPr lang="zh-CN" altLang="en-US"/>
           </a:p>
@@ -7490,7 +7490,7 @@
     </p:spTree>
     <p:extLst>
       <p:ext uri="{BB962C8B-B14F-4D97-AF65-F5344CB8AC3E}">
-        <p14:creationId xmlns:p14="http://schemas.microsoft.com/office/powerpoint/2010/main" val="1976972956"/>
+        <p14:creationId xmlns:p14="http://schemas.microsoft.com/office/powerpoint/2010/main" val="3172464511"/>
       </p:ext>
     </p:extLst>
   </p:cSld>
@@ -7513,7 +7513,7 @@
 </file>
 
 <file path=ppt/slideLayouts/slideLayout12.xml><?xml version="1.0" encoding="utf-8"?>
-<p:sldLayout xmlns:a="http://schemas.openxmlformats.org/drawingml/2006/main" xmlns:r="http://schemas.openxmlformats.org/officeDocument/2006/relationships" xmlns:p="http://schemas.openxmlformats.org/presentationml/2006/main" showMasterSp="0" userDrawn="1">
+<p:sldLayout xmlns:a="http://schemas.openxmlformats.org/drawingml/2006/main" xmlns:r="http://schemas.openxmlformats.org/officeDocument/2006/relationships" xmlns:p="http://schemas.openxmlformats.org/presentationml/2006/main" showMasterSp="0" preserve="1" userDrawn="1">
   <p:cSld name="1_标题幻灯片">
     <p:spTree>
       <p:nvGrpSpPr>
@@ -7722,7 +7722,239 @@
     </p:spTree>
     <p:extLst>
       <p:ext uri="{BB962C8B-B14F-4D97-AF65-F5344CB8AC3E}">
-        <p14:creationId xmlns:p14="http://schemas.microsoft.com/office/powerpoint/2010/main" val="1337634028"/>
+        <p14:creationId xmlns:p14="http://schemas.microsoft.com/office/powerpoint/2010/main" val="995679122"/>
+      </p:ext>
+    </p:extLst>
+  </p:cSld>
+  <p:clrMapOvr>
+    <a:masterClrMapping/>
+  </p:clrMapOvr>
+  <mc:AlternateContent xmlns:mc="http://schemas.openxmlformats.org/markup-compatibility/2006" xmlns:p14="http://schemas.microsoft.com/office/powerpoint/2010/main">
+    <mc:Choice Requires="p14">
+      <p:transition spd="med" p14:dur="700">
+        <p:fade/>
+      </p:transition>
+    </mc:Choice>
+    <mc:Fallback xmlns="">
+      <p:transition spd="med">
+        <p:fade/>
+      </p:transition>
+    </mc:Fallback>
+  </mc:AlternateContent>
+</p:sldLayout>
+</file>
+
+<file path=ppt/slideLayouts/slideLayout13.xml><?xml version="1.0" encoding="utf-8"?>
+<p:sldLayout xmlns:a="http://schemas.openxmlformats.org/drawingml/2006/main" xmlns:r="http://schemas.openxmlformats.org/officeDocument/2006/relationships" xmlns:p="http://schemas.openxmlformats.org/presentationml/2006/main" showMasterSp="0" preserve="1" userDrawn="1">
+  <p:cSld name="2_标题幻灯片">
+    <p:spTree>
+      <p:nvGrpSpPr>
+        <p:cNvPr id="1" name=""/>
+        <p:cNvGrpSpPr/>
+        <p:nvPr/>
+      </p:nvGrpSpPr>
+      <p:grpSpPr>
+        <a:xfrm>
+          <a:off x="0" y="0"/>
+          <a:ext cx="0" cy="0"/>
+          <a:chOff x="0" y="0"/>
+          <a:chExt cx="0" cy="0"/>
+        </a:xfrm>
+      </p:grpSpPr>
+      <p:sp>
+        <p:nvSpPr>
+          <p:cNvPr id="19483" name="Rectangle 27">
+            <a:extLst>
+              <a:ext uri="{FF2B5EF4-FFF2-40B4-BE49-F238E27FC236}">
+                <a16:creationId xmlns:a16="http://schemas.microsoft.com/office/drawing/2014/main" id="{FFE563FA-4880-391C-43FD-EF34392B9FBB}"/>
+              </a:ext>
+            </a:extLst>
+          </p:cNvPr>
+          <p:cNvSpPr>
+            <a:spLocks noChangeArrowheads="1"/>
+          </p:cNvSpPr>
+          <p:nvPr userDrawn="1"/>
+        </p:nvSpPr>
+        <p:spPr bwMode="auto">
+          <a:xfrm>
+            <a:off x="2641600" y="4191000"/>
+            <a:ext cx="7416800" cy="2209800"/>
+          </a:xfrm>
+          <a:prstGeom prst="rect">
+            <a:avLst/>
+          </a:prstGeom>
+          <a:noFill/>
+          <a:ln>
+            <a:noFill/>
+          </a:ln>
+          <a:effectLst/>
+          <a:extLst>
+            <a:ext uri="{909E8E84-426E-40DD-AFC4-6F175D3DCCD1}">
+              <a14:hiddenFill xmlns:a14="http://schemas.microsoft.com/office/drawing/2010/main">
+                <a:solidFill>
+                  <a:schemeClr val="accent1"/>
+                </a:solidFill>
+              </a14:hiddenFill>
+            </a:ext>
+            <a:ext uri="{91240B29-F687-4F45-9708-019B960494DF}">
+              <a14:hiddenLine xmlns:a14="http://schemas.microsoft.com/office/drawing/2010/main" w="9525">
+                <a:solidFill>
+                  <a:schemeClr val="tx1"/>
+                </a:solidFill>
+                <a:miter lim="800000"/>
+                <a:headEnd/>
+                <a:tailEnd/>
+              </a14:hiddenLine>
+            </a:ext>
+            <a:ext uri="{AF507438-7753-43E0-B8FC-AC1667EBCBE1}">
+              <a14:hiddenEffects xmlns:a14="http://schemas.microsoft.com/office/drawing/2010/main">
+                <a:effectLst>
+                  <a:outerShdw dist="35921" dir="2700000" algn="ctr" rotWithShape="0">
+                    <a:schemeClr val="bg2"/>
+                  </a:outerShdw>
+                </a:effectLst>
+              </a14:hiddenEffects>
+            </a:ext>
+          </a:extLst>
+        </p:spPr>
+        <p:txBody>
+          <a:bodyPr/>
+          <a:lstStyle>
+            <a:lvl1pPr marL="287338" indent="-287338" eaLnBrk="0" hangingPunct="0">
+              <a:spcBef>
+                <a:spcPct val="0"/>
+              </a:spcBef>
+              <a:defRPr kumimoji="1" sz="2400">
+                <a:solidFill>
+                  <a:schemeClr val="tx1"/>
+                </a:solidFill>
+                <a:latin typeface="Times New Roman" panose="02020603050405020304" pitchFamily="18" charset="0"/>
+              </a:defRPr>
+            </a:lvl1pPr>
+            <a:lvl2pPr marL="744538" indent="-287338" eaLnBrk="0" hangingPunct="0">
+              <a:spcBef>
+                <a:spcPct val="0"/>
+              </a:spcBef>
+              <a:defRPr kumimoji="1" sz="2400">
+                <a:solidFill>
+                  <a:schemeClr val="tx1"/>
+                </a:solidFill>
+                <a:latin typeface="Times New Roman" panose="02020603050405020304" pitchFamily="18" charset="0"/>
+              </a:defRPr>
+            </a:lvl2pPr>
+            <a:lvl3pPr eaLnBrk="0" hangingPunct="0">
+              <a:spcBef>
+                <a:spcPct val="0"/>
+              </a:spcBef>
+              <a:defRPr kumimoji="1" sz="2400">
+                <a:solidFill>
+                  <a:schemeClr val="tx1"/>
+                </a:solidFill>
+                <a:latin typeface="Times New Roman" panose="02020603050405020304" pitchFamily="18" charset="0"/>
+              </a:defRPr>
+            </a:lvl3pPr>
+            <a:lvl4pPr eaLnBrk="0" hangingPunct="0">
+              <a:spcBef>
+                <a:spcPct val="0"/>
+              </a:spcBef>
+              <a:defRPr kumimoji="1" sz="2400">
+                <a:solidFill>
+                  <a:schemeClr val="tx1"/>
+                </a:solidFill>
+                <a:latin typeface="Times New Roman" panose="02020603050405020304" pitchFamily="18" charset="0"/>
+              </a:defRPr>
+            </a:lvl4pPr>
+            <a:lvl5pPr eaLnBrk="0" hangingPunct="0">
+              <a:spcBef>
+                <a:spcPct val="0"/>
+              </a:spcBef>
+              <a:defRPr kumimoji="1" sz="2400">
+                <a:solidFill>
+                  <a:schemeClr val="tx1"/>
+                </a:solidFill>
+                <a:latin typeface="Times New Roman" panose="02020603050405020304" pitchFamily="18" charset="0"/>
+              </a:defRPr>
+            </a:lvl5pPr>
+            <a:lvl6pPr eaLnBrk="0" fontAlgn="base" hangingPunct="0">
+              <a:spcBef>
+                <a:spcPct val="0"/>
+              </a:spcBef>
+              <a:spcAft>
+                <a:spcPct val="0"/>
+              </a:spcAft>
+              <a:defRPr kumimoji="1" sz="2400">
+                <a:solidFill>
+                  <a:schemeClr val="tx1"/>
+                </a:solidFill>
+                <a:latin typeface="Times New Roman" panose="02020603050405020304" pitchFamily="18" charset="0"/>
+              </a:defRPr>
+            </a:lvl6pPr>
+            <a:lvl7pPr eaLnBrk="0" fontAlgn="base" hangingPunct="0">
+              <a:spcBef>
+                <a:spcPct val="0"/>
+              </a:spcBef>
+              <a:spcAft>
+                <a:spcPct val="0"/>
+              </a:spcAft>
+              <a:defRPr kumimoji="1" sz="2400">
+                <a:solidFill>
+                  <a:schemeClr val="tx1"/>
+                </a:solidFill>
+                <a:latin typeface="Times New Roman" panose="02020603050405020304" pitchFamily="18" charset="0"/>
+              </a:defRPr>
+            </a:lvl7pPr>
+            <a:lvl8pPr eaLnBrk="0" fontAlgn="base" hangingPunct="0">
+              <a:spcBef>
+                <a:spcPct val="0"/>
+              </a:spcBef>
+              <a:spcAft>
+                <a:spcPct val="0"/>
+              </a:spcAft>
+              <a:defRPr kumimoji="1" sz="2400">
+                <a:solidFill>
+                  <a:schemeClr val="tx1"/>
+                </a:solidFill>
+                <a:latin typeface="Times New Roman" panose="02020603050405020304" pitchFamily="18" charset="0"/>
+              </a:defRPr>
+            </a:lvl8pPr>
+            <a:lvl9pPr eaLnBrk="0" fontAlgn="base" hangingPunct="0">
+              <a:spcBef>
+                <a:spcPct val="0"/>
+              </a:spcBef>
+              <a:spcAft>
+                <a:spcPct val="0"/>
+              </a:spcAft>
+              <a:defRPr kumimoji="1" sz="2400">
+                <a:solidFill>
+                  <a:schemeClr val="tx1"/>
+                </a:solidFill>
+                <a:latin typeface="Times New Roman" panose="02020603050405020304" pitchFamily="18" charset="0"/>
+              </a:defRPr>
+            </a:lvl9pPr>
+          </a:lstStyle>
+          <a:p>
+            <a:pPr eaLnBrk="1" hangingPunct="1">
+              <a:lnSpc>
+                <a:spcPct val="102000"/>
+              </a:lnSpc>
+              <a:spcBef>
+                <a:spcPct val="20000"/>
+              </a:spcBef>
+              <a:buClr>
+                <a:srgbClr val="808080"/>
+              </a:buClr>
+              <a:buSzPct val="60000"/>
+            </a:pPr>
+            <a:endParaRPr kumimoji="0" lang="en-GB" altLang="zh-CN" sz="1600">
+              <a:latin typeface="Verdana" panose="020B0604030504040204" pitchFamily="34" charset="0"/>
+            </a:endParaRPr>
+          </a:p>
+        </p:txBody>
+      </p:sp>
+    </p:spTree>
+    <p:extLst>
+      <p:ext uri="{BB962C8B-B14F-4D97-AF65-F5344CB8AC3E}">
+        <p14:creationId xmlns:p14="http://schemas.microsoft.com/office/powerpoint/2010/main" val="4014480395"/>
       </p:ext>
     </p:extLst>
   </p:cSld>
@@ -7924,7 +8156,7 @@
           <a:p>
             <a:fld id="{F721228B-0167-4061-A906-8575043315EE}" type="datetimeFigureOut">
               <a:rPr lang="zh-CN" altLang="en-US" smtClean="0"/>
-              <a:t>2023/12/10</a:t>
+              <a:t>2025/6/6 Fri</a:t>
             </a:fld>
             <a:endParaRPr lang="zh-CN" altLang="en-US"/>
           </a:p>
@@ -7989,7 +8221,7 @@
           <p:cNvPr id="8" name="矩形 7">
             <a:extLst>
               <a:ext uri="{FF2B5EF4-FFF2-40B4-BE49-F238E27FC236}">
-                <a16:creationId xmlns:a16="http://schemas.microsoft.com/office/drawing/2014/main" id="{8AFD3B27-FCDA-0D5B-586D-B97E4D9ADC83}"/>
+                <a16:creationId xmlns:a16="http://schemas.microsoft.com/office/drawing/2014/main" id="{F52872EC-81BB-5622-062D-1B604B1CF283}"/>
               </a:ext>
             </a:extLst>
           </p:cNvPr>
@@ -8036,7 +8268,7 @@
     </p:spTree>
     <p:extLst>
       <p:ext uri="{BB962C8B-B14F-4D97-AF65-F5344CB8AC3E}">
-        <p14:creationId xmlns:p14="http://schemas.microsoft.com/office/powerpoint/2010/main" val="2116765151"/>
+        <p14:creationId xmlns:p14="http://schemas.microsoft.com/office/powerpoint/2010/main" val="3016827349"/>
       </p:ext>
     </p:extLst>
   </p:cSld>
@@ -8260,7 +8492,7 @@
           <a:p>
             <a:fld id="{F721228B-0167-4061-A906-8575043315EE}" type="datetimeFigureOut">
               <a:rPr lang="zh-CN" altLang="en-US" smtClean="0"/>
-              <a:t>2023/12/11</a:t>
+              <a:t>2025/6/6 Fri</a:t>
             </a:fld>
             <a:endParaRPr lang="zh-CN" altLang="en-US"/>
           </a:p>
@@ -8323,7 +8555,7 @@
     </p:spTree>
     <p:extLst>
       <p:ext uri="{BB962C8B-B14F-4D97-AF65-F5344CB8AC3E}">
-        <p14:creationId xmlns:p14="http://schemas.microsoft.com/office/powerpoint/2010/main" val="3876442843"/>
+        <p14:creationId xmlns:p14="http://schemas.microsoft.com/office/powerpoint/2010/main" val="991248013"/>
       </p:ext>
     </p:extLst>
   </p:cSld>
@@ -8618,7 +8850,7 @@
           <a:p>
             <a:fld id="{F721228B-0167-4061-A906-8575043315EE}" type="datetimeFigureOut">
               <a:rPr lang="zh-CN" altLang="en-US" smtClean="0"/>
-              <a:t>2023/12/11</a:t>
+              <a:t>2025/6/6 Fri</a:t>
             </a:fld>
             <a:endParaRPr lang="zh-CN" altLang="en-US"/>
           </a:p>
@@ -8683,7 +8915,7 @@
           <p:cNvPr id="9" name="矩形 8">
             <a:extLst>
               <a:ext uri="{FF2B5EF4-FFF2-40B4-BE49-F238E27FC236}">
-                <a16:creationId xmlns:a16="http://schemas.microsoft.com/office/drawing/2014/main" id="{AD44FE16-76F4-3AAF-4EA1-33F4ED51D949}"/>
+                <a16:creationId xmlns:a16="http://schemas.microsoft.com/office/drawing/2014/main" id="{82EB41EB-0D08-7526-0E4D-92DD20C296DF}"/>
               </a:ext>
             </a:extLst>
           </p:cNvPr>
@@ -8730,7 +8962,7 @@
     </p:spTree>
     <p:extLst>
       <p:ext uri="{BB962C8B-B14F-4D97-AF65-F5344CB8AC3E}">
-        <p14:creationId xmlns:p14="http://schemas.microsoft.com/office/powerpoint/2010/main" val="2296489930"/>
+        <p14:creationId xmlns:p14="http://schemas.microsoft.com/office/powerpoint/2010/main" val="2348204645"/>
       </p:ext>
     </p:extLst>
   </p:cSld>
@@ -9091,7 +9323,7 @@
           <a:p>
             <a:fld id="{F721228B-0167-4061-A906-8575043315EE}" type="datetimeFigureOut">
               <a:rPr lang="zh-CN" altLang="en-US" smtClean="0"/>
-              <a:t>2023/12/11</a:t>
+              <a:t>2025/6/6 Fri</a:t>
             </a:fld>
             <a:endParaRPr lang="zh-CN" altLang="en-US"/>
           </a:p>
@@ -9154,7 +9386,7 @@
     </p:spTree>
     <p:extLst>
       <p:ext uri="{BB962C8B-B14F-4D97-AF65-F5344CB8AC3E}">
-        <p14:creationId xmlns:p14="http://schemas.microsoft.com/office/powerpoint/2010/main" val="1903742116"/>
+        <p14:creationId xmlns:p14="http://schemas.microsoft.com/office/powerpoint/2010/main" val="622670970"/>
       </p:ext>
     </p:extLst>
   </p:cSld>
@@ -9244,7 +9476,7 @@
           <a:p>
             <a:fld id="{F721228B-0167-4061-A906-8575043315EE}" type="datetimeFigureOut">
               <a:rPr lang="zh-CN" altLang="en-US" smtClean="0"/>
-              <a:t>2023/12/11</a:t>
+              <a:t>2025/6/6 Fri</a:t>
             </a:fld>
             <a:endParaRPr lang="zh-CN" altLang="en-US"/>
           </a:p>
@@ -9307,7 +9539,7 @@
     </p:spTree>
     <p:extLst>
       <p:ext uri="{BB962C8B-B14F-4D97-AF65-F5344CB8AC3E}">
-        <p14:creationId xmlns:p14="http://schemas.microsoft.com/office/powerpoint/2010/main" val="2266343131"/>
+        <p14:creationId xmlns:p14="http://schemas.microsoft.com/office/powerpoint/2010/main" val="1217940832"/>
       </p:ext>
     </p:extLst>
   </p:cSld>
@@ -9369,7 +9601,7 @@
           <a:p>
             <a:fld id="{F721228B-0167-4061-A906-8575043315EE}" type="datetimeFigureOut">
               <a:rPr lang="zh-CN" altLang="en-US" smtClean="0"/>
-              <a:t>2023/12/11</a:t>
+              <a:t>2025/6/6 Fri</a:t>
             </a:fld>
             <a:endParaRPr lang="zh-CN" altLang="en-US"/>
           </a:p>
@@ -9432,7 +9664,7 @@
     </p:spTree>
     <p:extLst>
       <p:ext uri="{BB962C8B-B14F-4D97-AF65-F5344CB8AC3E}">
-        <p14:creationId xmlns:p14="http://schemas.microsoft.com/office/powerpoint/2010/main" val="3125871839"/>
+        <p14:creationId xmlns:p14="http://schemas.microsoft.com/office/powerpoint/2010/main" val="2763939152"/>
       </p:ext>
     </p:extLst>
   </p:cSld>
@@ -9692,7 +9924,7 @@
           <a:p>
             <a:fld id="{F721228B-0167-4061-A906-8575043315EE}" type="datetimeFigureOut">
               <a:rPr lang="zh-CN" altLang="en-US" smtClean="0"/>
-              <a:t>2023/12/11</a:t>
+              <a:t>2025/6/6 Fri</a:t>
             </a:fld>
             <a:endParaRPr lang="zh-CN" altLang="en-US"/>
           </a:p>
@@ -9755,7 +9987,7 @@
     </p:spTree>
     <p:extLst>
       <p:ext uri="{BB962C8B-B14F-4D97-AF65-F5344CB8AC3E}">
-        <p14:creationId xmlns:p14="http://schemas.microsoft.com/office/powerpoint/2010/main" val="4269120921"/>
+        <p14:creationId xmlns:p14="http://schemas.microsoft.com/office/powerpoint/2010/main" val="3937440838"/>
       </p:ext>
     </p:extLst>
   </p:cSld>
@@ -9992,7 +10224,7 @@
           <a:p>
             <a:fld id="{F721228B-0167-4061-A906-8575043315EE}" type="datetimeFigureOut">
               <a:rPr lang="zh-CN" altLang="en-US" smtClean="0"/>
-              <a:t>2023/12/11</a:t>
+              <a:t>2025/6/6 Fri</a:t>
             </a:fld>
             <a:endParaRPr lang="zh-CN" altLang="en-US"/>
           </a:p>
@@ -10055,7 +10287,7 @@
     </p:spTree>
     <p:extLst>
       <p:ext uri="{BB962C8B-B14F-4D97-AF65-F5344CB8AC3E}">
-        <p14:creationId xmlns:p14="http://schemas.microsoft.com/office/powerpoint/2010/main" val="3839517779"/>
+        <p14:creationId xmlns:p14="http://schemas.microsoft.com/office/powerpoint/2010/main" val="4009804320"/>
       </p:ext>
     </p:extLst>
   </p:cSld>
@@ -10078,12 +10310,23 @@
 </file>
 
 <file path=ppt/slideMasters/slideMaster1.xml><?xml version="1.0" encoding="utf-8"?>
-<p:sldMaster xmlns:a="http://schemas.openxmlformats.org/drawingml/2006/main" xmlns:r="http://schemas.openxmlformats.org/officeDocument/2006/relationships" xmlns:p="http://schemas.openxmlformats.org/presentationml/2006/main">
+<p:sldMaster xmlns:a="http://schemas.openxmlformats.org/drawingml/2006/main" xmlns:r="http://schemas.openxmlformats.org/officeDocument/2006/relationships" xmlns:p="http://schemas.openxmlformats.org/presentationml/2006/main" preserve="1">
   <p:cSld>
     <p:bg>
-      <p:bgRef idx="1001">
-        <a:schemeClr val="bg1"/>
-      </p:bgRef>
+      <p:bgPr>
+        <a:gradFill>
+          <a:gsLst>
+            <a:gs pos="0">
+              <a:schemeClr val="bg1"/>
+            </a:gs>
+            <a:gs pos="100000">
+              <a:srgbClr val="F0F8FF"/>
+            </a:gs>
+          </a:gsLst>
+          <a:lin ang="5400000" scaled="1"/>
+        </a:gradFill>
+        <a:effectLst/>
+      </p:bgPr>
     </p:bg>
     <p:spTree>
       <p:nvGrpSpPr>
@@ -10245,7 +10488,7 @@
           <a:p>
             <a:fld id="{F721228B-0167-4061-A906-8575043315EE}" type="datetimeFigureOut">
               <a:rPr lang="zh-CN" altLang="en-US" smtClean="0"/>
-              <a:t>2023/12/10</a:t>
+              <a:t>2025/6/6 Fri</a:t>
             </a:fld>
             <a:endParaRPr lang="zh-CN" altLang="en-US"/>
           </a:p>
@@ -10341,27 +10584,58 @@
           </a:p>
         </p:txBody>
       </p:sp>
+      <p:pic>
+        <p:nvPicPr>
+          <p:cNvPr id="7" name="图片 6">
+            <a:extLst>
+              <a:ext uri="{FF2B5EF4-FFF2-40B4-BE49-F238E27FC236}">
+                <a16:creationId xmlns:a16="http://schemas.microsoft.com/office/drawing/2014/main" id="{68A54585-7C5F-477D-7B3E-CE77E2F12069}"/>
+              </a:ext>
+            </a:extLst>
+          </p:cNvPr>
+          <p:cNvPicPr/>
+          <p:nvPr userDrawn="1"/>
+        </p:nvPicPr>
+        <p:blipFill>
+          <a:blip r:embed="rId15"/>
+          <a:stretch/>
+        </p:blipFill>
+        <p:spPr>
+          <a:xfrm>
+            <a:off x="11234160" y="5770605"/>
+            <a:ext cx="699060" cy="815726"/>
+          </a:xfrm>
+          <a:prstGeom prst="rect">
+            <a:avLst/>
+          </a:prstGeom>
+          <a:noFill/>
+          <a:ln w="0">
+            <a:noFill/>
+          </a:ln>
+        </p:spPr>
+      </p:pic>
     </p:spTree>
     <p:extLst>
       <p:ext uri="{BB962C8B-B14F-4D97-AF65-F5344CB8AC3E}">
-        <p14:creationId xmlns:p14="http://schemas.microsoft.com/office/powerpoint/2010/main" val="1766057859"/>
+        <p14:creationId xmlns:p14="http://schemas.microsoft.com/office/powerpoint/2010/main" val="2255971725"/>
       </p:ext>
     </p:extLst>
   </p:cSld>
   <p:clrMap bg1="lt1" tx1="dk1" bg2="lt2" tx2="dk2" accent1="accent1" accent2="accent2" accent3="accent3" accent4="accent4" accent5="accent5" accent6="accent6" hlink="hlink" folHlink="folHlink"/>
   <p:sldLayoutIdLst>
-    <p:sldLayoutId id="2147483649" r:id="rId1"/>
-    <p:sldLayoutId id="2147483650" r:id="rId2"/>
-    <p:sldLayoutId id="2147483651" r:id="rId3"/>
-    <p:sldLayoutId id="2147483652" r:id="rId4"/>
-    <p:sldLayoutId id="2147483653" r:id="rId5"/>
-    <p:sldLayoutId id="2147483654" r:id="rId6"/>
-    <p:sldLayoutId id="2147483655" r:id="rId7"/>
-    <p:sldLayoutId id="2147483656" r:id="rId8"/>
-    <p:sldLayoutId id="2147483657" r:id="rId9"/>
-    <p:sldLayoutId id="2147483658" r:id="rId10"/>
-    <p:sldLayoutId id="2147483659" r:id="rId11"/>
-    <p:sldLayoutId id="2147483660" r:id="rId12"/>
+    <p:sldLayoutId id="2147483675" r:id="rId1"/>
+    <p:sldLayoutId id="2147483676" r:id="rId2"/>
+    <p:sldLayoutId id="2147483677" r:id="rId3"/>
+    <p:sldLayoutId id="2147483678" r:id="rId4"/>
+    <p:sldLayoutId id="2147483679" r:id="rId5"/>
+    <p:sldLayoutId id="2147483680" r:id="rId6"/>
+    <p:sldLayoutId id="2147483681" r:id="rId7"/>
+    <p:sldLayoutId id="2147483682" r:id="rId8"/>
+    <p:sldLayoutId id="2147483683" r:id="rId9"/>
+    <p:sldLayoutId id="2147483684" r:id="rId10"/>
+    <p:sldLayoutId id="2147483685" r:id="rId11"/>
+    <p:sldLayoutId id="2147483686" r:id="rId12"/>
+    <p:sldLayoutId id="2147483687" r:id="rId13"/>
   </p:sldLayoutIdLst>
   <mc:AlternateContent xmlns:mc="http://schemas.openxmlformats.org/markup-compatibility/2006" xmlns:p14="http://schemas.microsoft.com/office/powerpoint/2010/main">
     <mc:Choice Requires="p14">
@@ -10661,14 +10935,6 @@
 <file path=ppt/slides/slide1.xml><?xml version="1.0" encoding="utf-8"?>
 <p:sld xmlns:a="http://schemas.openxmlformats.org/drawingml/2006/main" xmlns:r="http://schemas.openxmlformats.org/officeDocument/2006/relationships" xmlns:p="http://schemas.openxmlformats.org/presentationml/2006/main">
   <p:cSld>
-    <p:bg>
-      <p:bgPr>
-        <a:solidFill>
-          <a:srgbClr val="FFFAD4"/>
-        </a:solidFill>
-        <a:effectLst/>
-      </p:bgPr>
-    </p:bg>
     <p:spTree>
       <p:nvGrpSpPr>
         <p:cNvPr id="1" name=""/>
@@ -10701,20 +10967,20 @@
         </p:nvSpPr>
         <p:spPr>
           <a:xfrm>
-            <a:off x="-16934" y="3201698"/>
-            <a:ext cx="12208933" cy="1600200"/>
+            <a:off x="0" y="3644225"/>
+            <a:ext cx="12209463" cy="1600200"/>
           </a:xfrm>
-          <a:solidFill>
-            <a:srgbClr val="F6E979"/>
-          </a:solidFill>
+          <a:noFill/>
         </p:spPr>
         <p:txBody>
-          <a:bodyPr/>
+          <a:bodyPr>
+            <a:normAutofit/>
+          </a:bodyPr>
           <a:lstStyle/>
           <a:p>
             <a:pPr algn="ctr"/>
             <a:r>
-              <a:rPr lang="en-US" altLang="zh-CN">
+              <a:rPr lang="en-US" altLang="zh-CN" sz="4800" dirty="0">
                 <a:solidFill>
                   <a:schemeClr val="tx1">
                     <a:lumMod val="95000"/>
@@ -10734,7 +11000,7 @@
               <a:t>Python </a:t>
             </a:r>
             <a:r>
-              <a:rPr lang="zh-CN" altLang="en-US">
+              <a:rPr lang="zh-CN" altLang="en-US" sz="4800" dirty="0">
                 <a:solidFill>
                   <a:schemeClr val="tx1">
                     <a:lumMod val="95000"/>
@@ -10751,10 +11017,10 @@
                 <a:latin typeface="华文琥珀" panose="02010800040101010101" pitchFamily="2" charset="-122"/>
                 <a:ea typeface="华文琥珀" panose="02010800040101010101" pitchFamily="2" charset="-122"/>
               </a:rPr>
-              <a:t>编程</a:t>
-            </a:r>
-            <a:r>
-              <a:rPr lang="zh-CN" altLang="en-US" dirty="0">
+              <a:t>编程：从入门到实践</a:t>
+            </a:r>
+            <a:br>
+              <a:rPr lang="en-US" altLang="zh-CN" sz="4800" dirty="0">
                 <a:solidFill>
                   <a:schemeClr val="tx1">
                     <a:lumMod val="95000"/>
@@ -10771,10 +11037,9 @@
                 <a:latin typeface="华文琥珀" panose="02010800040101010101" pitchFamily="2" charset="-122"/>
                 <a:ea typeface="华文琥珀" panose="02010800040101010101" pitchFamily="2" charset="-122"/>
               </a:rPr>
-              <a:t>：从入门到实践</a:t>
-            </a:r>
-            <a:br>
-              <a:rPr lang="en-US" altLang="zh-CN" dirty="0">
+            </a:br>
+            <a:r>
+              <a:rPr lang="zh-CN" altLang="en-US" sz="4800" dirty="0">
                 <a:solidFill>
                   <a:schemeClr val="tx1">
                     <a:lumMod val="95000"/>
@@ -10791,28 +11056,9 @@
                 <a:latin typeface="华文琥珀" panose="02010800040101010101" pitchFamily="2" charset="-122"/>
                 <a:ea typeface="华文琥珀" panose="02010800040101010101" pitchFamily="2" charset="-122"/>
               </a:rPr>
-            </a:br>
-            <a:r>
-              <a:rPr lang="zh-CN" altLang="en-US" dirty="0">
-                <a:solidFill>
-                  <a:schemeClr val="tx1">
-                    <a:lumMod val="95000"/>
-                    <a:lumOff val="5000"/>
-                  </a:schemeClr>
-                </a:solidFill>
-                <a:effectLst>
-                  <a:outerShdw blurRad="38100" dist="38100" dir="2700000" algn="tl">
-                    <a:srgbClr val="000000">
-                      <a:alpha val="43137"/>
-                    </a:srgbClr>
-                  </a:outerShdw>
-                </a:effectLst>
-                <a:latin typeface="华文琥珀" panose="02010800040101010101" pitchFamily="2" charset="-122"/>
-                <a:ea typeface="华文琥珀" panose="02010800040101010101" pitchFamily="2" charset="-122"/>
-              </a:rPr>
               <a:t>（第三版）</a:t>
             </a:r>
-            <a:endParaRPr lang="en-US" altLang="zh-CN" dirty="0">
+            <a:endParaRPr lang="en-US" altLang="zh-CN" sz="4800" dirty="0">
               <a:solidFill>
                 <a:schemeClr val="tx1">
                   <a:lumMod val="95000"/>
@@ -10848,8 +11094,8 @@
         </p:nvSpPr>
         <p:spPr bwMode="auto">
           <a:xfrm>
-            <a:off x="4559361" y="5491971"/>
-            <a:ext cx="3073277" cy="369332"/>
+            <a:off x="4304483" y="5491971"/>
+            <a:ext cx="3583033" cy="461665"/>
           </a:xfrm>
           <a:prstGeom prst="rect">
             <a:avLst/>
@@ -10899,8 +11145,8 @@
               <a:buNone/>
             </a:pPr>
             <a:r>
-              <a:rPr lang="en-US" altLang="zh-CN" b="1" dirty="0">
-                <a:latin typeface="Verdana" panose="020B0604030504040204" pitchFamily="34" charset="0"/>
+              <a:rPr lang="en-US" altLang="zh-CN" sz="2400" b="1" dirty="0">
+                <a:latin typeface="Consolas" panose="020B0609020204030204" pitchFamily="49" charset="0"/>
                 <a:ea typeface="Verdana" panose="020B0604030504040204" pitchFamily="34" charset="0"/>
               </a:rPr>
               <a:t>Teacher Name / Email</a:t>
@@ -10936,7 +11182,7 @@
         </p:blipFill>
         <p:spPr>
           <a:xfrm>
-            <a:off x="4488200" y="581078"/>
+            <a:off x="4495458" y="804806"/>
             <a:ext cx="3186567" cy="2591873"/>
           </a:xfrm>
           <a:prstGeom prst="rect">
@@ -10949,7 +11195,7 @@
           <p:cNvPr id="4" name="矩形 3">
             <a:extLst>
               <a:ext uri="{FF2B5EF4-FFF2-40B4-BE49-F238E27FC236}">
-                <a16:creationId xmlns:a16="http://schemas.microsoft.com/office/drawing/2014/main" id="{4A104DD6-93EB-6263-279D-B647F1194AA9}"/>
+                <a16:creationId xmlns:a16="http://schemas.microsoft.com/office/drawing/2014/main" id="{75A0379E-3606-9AF4-7B2C-57E5B4C73ED1}"/>
               </a:ext>
             </a:extLst>
           </p:cNvPr>
@@ -21101,6 +21347,34 @@
       </p:grpSpPr>
       <p:sp>
         <p:nvSpPr>
+          <p:cNvPr id="5" name="标题 4">
+            <a:extLst>
+              <a:ext uri="{FF2B5EF4-FFF2-40B4-BE49-F238E27FC236}">
+                <a16:creationId xmlns:a16="http://schemas.microsoft.com/office/drawing/2014/main" id="{14B5F31E-85DD-B8D9-9ED7-E32A03C57260}"/>
+              </a:ext>
+            </a:extLst>
+          </p:cNvPr>
+          <p:cNvSpPr>
+            <a:spLocks noGrp="1"/>
+          </p:cNvSpPr>
+          <p:nvPr>
+            <p:ph type="title"/>
+          </p:nvPr>
+        </p:nvSpPr>
+        <p:spPr/>
+        <p:txBody>
+          <a:bodyPr/>
+          <a:lstStyle/>
+          <a:p>
+            <a:r>
+              <a:rPr lang="zh-CN" altLang="en-US" dirty="0"/>
+              <a:t>关于本讲义</a:t>
+            </a:r>
+          </a:p>
+        </p:txBody>
+      </p:sp>
+      <p:sp>
+        <p:nvSpPr>
           <p:cNvPr id="3" name="内容占位符 2">
             <a:extLst>
               <a:ext uri="{FF2B5EF4-FFF2-40B4-BE49-F238E27FC236}">
@@ -21240,34 +21514,6 @@
             <a:r>
               <a:rPr lang="en-US" altLang="zh-CN" dirty="0"/>
               <a:t>@Scruel Tao</a:t>
-            </a:r>
-          </a:p>
-        </p:txBody>
-      </p:sp>
-      <p:sp>
-        <p:nvSpPr>
-          <p:cNvPr id="5" name="标题 4">
-            <a:extLst>
-              <a:ext uri="{FF2B5EF4-FFF2-40B4-BE49-F238E27FC236}">
-                <a16:creationId xmlns:a16="http://schemas.microsoft.com/office/drawing/2014/main" id="{14B5F31E-85DD-B8D9-9ED7-E32A03C57260}"/>
-              </a:ext>
-            </a:extLst>
-          </p:cNvPr>
-          <p:cNvSpPr>
-            <a:spLocks noGrp="1"/>
-          </p:cNvSpPr>
-          <p:nvPr>
-            <p:ph type="title"/>
-          </p:nvPr>
-        </p:nvSpPr>
-        <p:spPr/>
-        <p:txBody>
-          <a:bodyPr/>
-          <a:lstStyle/>
-          <a:p>
-            <a:r>
-              <a:rPr lang="zh-CN" altLang="en-US" dirty="0"/>
-              <a:t>关于本讲义</a:t>
             </a:r>
           </a:p>
         </p:txBody>
@@ -26193,7 +26439,7 @@
 </file>
 
 <file path=ppt/theme/theme1.xml><?xml version="1.0" encoding="utf-8"?>
-<a:theme xmlns:a="http://schemas.openxmlformats.org/drawingml/2006/main" name="Office 主题​​">
+<a:theme xmlns:a="http://schemas.openxmlformats.org/drawingml/2006/main" name="2_Office 主题​​">
   <a:themeElements>
     <a:clrScheme name="Office">
       <a:dk1>
